--- a/images/theory_analysis/Prometheus_High_Availability/Prometheus_High_Availability.pptx
+++ b/images/theory_analysis/Prometheus_High_Availability/Prometheus_High_Availability.pptx
@@ -8,9 +8,9 @@
     <p:notesMasterId r:id="rId5"/>
   </p:notesMasterIdLst>
   <p:sldIdLst>
-    <p:sldId id="367" r:id="rId2"/>
+    <p:sldId id="370" r:id="rId2"/>
     <p:sldId id="368" r:id="rId3"/>
-    <p:sldId id="366" r:id="rId4"/>
+    <p:sldId id="369" r:id="rId4"/>
   </p:sldIdLst>
   <p:sldSz cx="9144000" cy="5143500" type="screen16x9"/>
   <p:notesSz cx="6858000" cy="9144000"/>
@@ -215,7 +215,7 @@
           <a:p>
             <a:fld id="{6CD5550B-26C4-49A9-A5BA-636EF7BE6CE9}" type="datetimeFigureOut">
               <a:rPr lang="ko-KR" altLang="en-US" smtClean="0"/>
-              <a:t>2020-01-06</a:t>
+              <a:t>2020-01-09</a:t>
             </a:fld>
             <a:endParaRPr lang="ko-KR" altLang="en-US"/>
           </a:p>
@@ -556,7 +556,7 @@
     </p:spTree>
     <p:extLst>
       <p:ext uri="{BB962C8B-B14F-4D97-AF65-F5344CB8AC3E}">
-        <p14:creationId xmlns:p14="http://schemas.microsoft.com/office/powerpoint/2010/main" val="3195895851"/>
+        <p14:creationId xmlns:p14="http://schemas.microsoft.com/office/powerpoint/2010/main" val="3386243485"/>
       </p:ext>
     </p:extLst>
   </p:cSld>
@@ -640,7 +640,7 @@
     </p:spTree>
     <p:extLst>
       <p:ext uri="{BB962C8B-B14F-4D97-AF65-F5344CB8AC3E}">
-        <p14:creationId xmlns:p14="http://schemas.microsoft.com/office/powerpoint/2010/main" val="776356855"/>
+        <p14:creationId xmlns:p14="http://schemas.microsoft.com/office/powerpoint/2010/main" val="439919745"/>
       </p:ext>
     </p:extLst>
   </p:cSld>
@@ -829,7 +829,7 @@
           <a:p>
             <a:fld id="{FB30EDBD-1C2D-4C1E-B459-B60219FAB484}" type="datetimeFigureOut">
               <a:rPr lang="ko-KR" altLang="en-US" smtClean="0"/>
-              <a:t>2020-01-06</a:t>
+              <a:t>2020-01-09</a:t>
             </a:fld>
             <a:endParaRPr lang="ko-KR" altLang="en-US"/>
           </a:p>
@@ -992,7 +992,7 @@
           <a:p>
             <a:fld id="{FB30EDBD-1C2D-4C1E-B459-B60219FAB484}" type="datetimeFigureOut">
               <a:rPr lang="ko-KR" altLang="en-US" smtClean="0"/>
-              <a:t>2020-01-06</a:t>
+              <a:t>2020-01-09</a:t>
             </a:fld>
             <a:endParaRPr lang="ko-KR" altLang="en-US"/>
           </a:p>
@@ -1165,7 +1165,7 @@
           <a:p>
             <a:fld id="{FB30EDBD-1C2D-4C1E-B459-B60219FAB484}" type="datetimeFigureOut">
               <a:rPr lang="ko-KR" altLang="en-US" smtClean="0"/>
-              <a:t>2020-01-06</a:t>
+              <a:t>2020-01-09</a:t>
             </a:fld>
             <a:endParaRPr lang="ko-KR" altLang="en-US"/>
           </a:p>
@@ -1328,7 +1328,7 @@
           <a:p>
             <a:fld id="{FB30EDBD-1C2D-4C1E-B459-B60219FAB484}" type="datetimeFigureOut">
               <a:rPr lang="ko-KR" altLang="en-US" smtClean="0"/>
-              <a:t>2020-01-06</a:t>
+              <a:t>2020-01-09</a:t>
             </a:fld>
             <a:endParaRPr lang="ko-KR" altLang="en-US"/>
           </a:p>
@@ -1568,7 +1568,7 @@
           <a:p>
             <a:fld id="{FB30EDBD-1C2D-4C1E-B459-B60219FAB484}" type="datetimeFigureOut">
               <a:rPr lang="ko-KR" altLang="en-US" smtClean="0"/>
-              <a:t>2020-01-06</a:t>
+              <a:t>2020-01-09</a:t>
             </a:fld>
             <a:endParaRPr lang="ko-KR" altLang="en-US"/>
           </a:p>
@@ -1848,7 +1848,7 @@
           <a:p>
             <a:fld id="{FB30EDBD-1C2D-4C1E-B459-B60219FAB484}" type="datetimeFigureOut">
               <a:rPr lang="ko-KR" altLang="en-US" smtClean="0"/>
-              <a:t>2020-01-06</a:t>
+              <a:t>2020-01-09</a:t>
             </a:fld>
             <a:endParaRPr lang="ko-KR" altLang="en-US"/>
           </a:p>
@@ -2262,7 +2262,7 @@
           <a:p>
             <a:fld id="{FB30EDBD-1C2D-4C1E-B459-B60219FAB484}" type="datetimeFigureOut">
               <a:rPr lang="ko-KR" altLang="en-US" smtClean="0"/>
-              <a:t>2020-01-06</a:t>
+              <a:t>2020-01-09</a:t>
             </a:fld>
             <a:endParaRPr lang="ko-KR" altLang="en-US"/>
           </a:p>
@@ -2374,7 +2374,7 @@
           <a:p>
             <a:fld id="{FB30EDBD-1C2D-4C1E-B459-B60219FAB484}" type="datetimeFigureOut">
               <a:rPr lang="ko-KR" altLang="en-US" smtClean="0"/>
-              <a:t>2020-01-06</a:t>
+              <a:t>2020-01-09</a:t>
             </a:fld>
             <a:endParaRPr lang="ko-KR" altLang="en-US"/>
           </a:p>
@@ -2464,7 +2464,7 @@
           <a:p>
             <a:fld id="{FB30EDBD-1C2D-4C1E-B459-B60219FAB484}" type="datetimeFigureOut">
               <a:rPr lang="ko-KR" altLang="en-US" smtClean="0"/>
-              <a:t>2020-01-06</a:t>
+              <a:t>2020-01-09</a:t>
             </a:fld>
             <a:endParaRPr lang="ko-KR" altLang="en-US"/>
           </a:p>
@@ -2734,7 +2734,7 @@
           <a:p>
             <a:fld id="{FB30EDBD-1C2D-4C1E-B459-B60219FAB484}" type="datetimeFigureOut">
               <a:rPr lang="ko-KR" altLang="en-US" smtClean="0"/>
-              <a:t>2020-01-06</a:t>
+              <a:t>2020-01-09</a:t>
             </a:fld>
             <a:endParaRPr lang="ko-KR" altLang="en-US"/>
           </a:p>
@@ -2981,7 +2981,7 @@
           <a:p>
             <a:fld id="{FB30EDBD-1C2D-4C1E-B459-B60219FAB484}" type="datetimeFigureOut">
               <a:rPr lang="ko-KR" altLang="en-US" smtClean="0"/>
-              <a:t>2020-01-06</a:t>
+              <a:t>2020-01-09</a:t>
             </a:fld>
             <a:endParaRPr lang="ko-KR" altLang="en-US"/>
           </a:p>
@@ -3187,7 +3187,7 @@
           <a:p>
             <a:fld id="{FB30EDBD-1C2D-4C1E-B459-B60219FAB484}" type="datetimeFigureOut">
               <a:rPr lang="ko-KR" altLang="en-US" smtClean="0"/>
-              <a:t>2020-01-06</a:t>
+              <a:t>2020-01-09</a:t>
             </a:fld>
             <a:endParaRPr lang="ko-KR" altLang="en-US"/>
           </a:p>
@@ -3559,10 +3559,38 @@
       </p:grpSpPr>
       <p:sp>
         <p:nvSpPr>
-          <p:cNvPr id="44" name="사각형: 둥근 모서리 43">
+          <p:cNvPr id="2" name="제목 1"/>
+          <p:cNvSpPr>
+            <a:spLocks noGrp="1"/>
+          </p:cNvSpPr>
+          <p:nvPr>
+            <p:ph type="title"/>
+          </p:nvPr>
+        </p:nvSpPr>
+        <p:spPr>
+          <a:xfrm>
+            <a:off x="565354" y="-85700"/>
+            <a:ext cx="8229600" cy="857250"/>
+          </a:xfrm>
+        </p:spPr>
+        <p:txBody>
+          <a:bodyPr/>
+          <a:lstStyle/>
+          <a:p>
+            <a:r>
+              <a:rPr lang="en-US" altLang="ko-KR"/>
+              <a:t>Prometheus HA</a:t>
+            </a:r>
+            <a:endParaRPr lang="ko-KR" altLang="en-US"/>
+          </a:p>
+        </p:txBody>
+      </p:sp>
+      <p:sp>
+        <p:nvSpPr>
+          <p:cNvPr id="68" name="사각형: 둥근 모서리 67">
             <a:extLst>
               <a:ext uri="{FF2B5EF4-FFF2-40B4-BE49-F238E27FC236}">
-                <a16:creationId xmlns:a16="http://schemas.microsoft.com/office/drawing/2014/main" id="{5BD225FF-7FCC-453F-975C-6A518AB4A6E9}"/>
+                <a16:creationId xmlns:a16="http://schemas.microsoft.com/office/drawing/2014/main" id="{CAD06047-500A-402F-B918-5D947910874E}"/>
               </a:ext>
             </a:extLst>
           </p:cNvPr>
@@ -3571,17 +3599,15 @@
         </p:nvSpPr>
         <p:spPr>
           <a:xfrm>
-            <a:off x="5345112" y="784002"/>
-            <a:ext cx="2407940" cy="1355700"/>
+            <a:off x="1352548" y="2595612"/>
+            <a:ext cx="1263236" cy="527174"/>
           </a:xfrm>
           <a:prstGeom prst="roundRect">
             <a:avLst>
-              <a:gd name="adj" fmla="val 3621"/>
+              <a:gd name="adj" fmla="val 7693"/>
             </a:avLst>
           </a:prstGeom>
-          <a:ln>
-            <a:prstDash val="dash"/>
-          </a:ln>
+          <a:noFill/>
         </p:spPr>
         <p:style>
           <a:lnRef idx="2">
@@ -3598,52 +3624,32 @@
           </a:fontRef>
         </p:style>
         <p:txBody>
-          <a:bodyPr rtlCol="0" anchor="t"/>
+          <a:bodyPr rtlCol="0" anchor="ctr"/>
           <a:lstStyle/>
           <a:p>
             <a:pPr algn="ctr"/>
             <a:r>
-              <a:rPr lang="en-US" altLang="ko-KR" sz="1200" b="1"/>
-              <a:t>Alert Destination</a:t>
-            </a:r>
-            <a:endParaRPr lang="ko-KR" altLang="en-US" sz="1200" b="1"/>
-          </a:p>
-        </p:txBody>
-      </p:sp>
-      <p:sp>
-        <p:nvSpPr>
-          <p:cNvPr id="2" name="제목 1"/>
-          <p:cNvSpPr>
-            <a:spLocks noGrp="1"/>
-          </p:cNvSpPr>
-          <p:nvPr>
-            <p:ph type="title"/>
-          </p:nvPr>
-        </p:nvSpPr>
-        <p:spPr>
-          <a:xfrm>
-            <a:off x="565354" y="-164554"/>
-            <a:ext cx="8229600" cy="857250"/>
-          </a:xfrm>
-        </p:spPr>
-        <p:txBody>
-          <a:bodyPr/>
-          <a:lstStyle/>
-          <a:p>
-            <a:r>
-              <a:rPr lang="en-US" altLang="ko-KR"/>
+              <a:rPr lang="en-US" altLang="ko-KR" sz="1200"/>
               <a:t>Prometheus</a:t>
             </a:r>
-            <a:endParaRPr lang="ko-KR" altLang="en-US"/>
-          </a:p>
-        </p:txBody>
-      </p:sp>
-      <p:sp>
-        <p:nvSpPr>
-          <p:cNvPr id="3" name="사각형: 둥근 모서리 2">
+            <a:r>
+              <a:rPr lang="ko-KR" altLang="en-US" sz="1200"/>
+              <a:t> </a:t>
+            </a:r>
+            <a:r>
+              <a:rPr lang="en-US" altLang="ko-KR" sz="1200"/>
+              <a:t>Server (Shard)</a:t>
+            </a:r>
+            <a:endParaRPr lang="ko-KR" altLang="en-US" sz="1200"/>
+          </a:p>
+        </p:txBody>
+      </p:sp>
+      <p:sp>
+        <p:nvSpPr>
+          <p:cNvPr id="70" name="사각형: 둥근 모서리 69">
             <a:extLst>
               <a:ext uri="{FF2B5EF4-FFF2-40B4-BE49-F238E27FC236}">
-                <a16:creationId xmlns:a16="http://schemas.microsoft.com/office/drawing/2014/main" id="{42B5E3DD-4903-48C8-8495-1481530A6503}"/>
+                <a16:creationId xmlns:a16="http://schemas.microsoft.com/office/drawing/2014/main" id="{FACCF7B7-24BD-4684-8BBC-F17E06054C1E}"/>
               </a:ext>
             </a:extLst>
           </p:cNvPr>
@@ -3652,12 +3658,12 @@
         </p:nvSpPr>
         <p:spPr>
           <a:xfrm>
-            <a:off x="2823490" y="2260600"/>
-            <a:ext cx="2935960" cy="2183854"/>
+            <a:off x="3526723" y="2586360"/>
+            <a:ext cx="1263236" cy="527174"/>
           </a:xfrm>
           <a:prstGeom prst="roundRect">
             <a:avLst>
-              <a:gd name="adj" fmla="val 1670"/>
+              <a:gd name="adj" fmla="val 7693"/>
             </a:avLst>
           </a:prstGeom>
           <a:noFill/>
@@ -3677,32 +3683,32 @@
           </a:fontRef>
         </p:style>
         <p:txBody>
-          <a:bodyPr rtlCol="0" anchor="b"/>
+          <a:bodyPr rtlCol="0" anchor="ctr"/>
           <a:lstStyle/>
           <a:p>
             <a:pPr algn="ctr"/>
             <a:r>
-              <a:rPr lang="en-US" altLang="ko-KR" sz="1200" b="1"/>
+              <a:rPr lang="en-US" altLang="ko-KR" sz="1200"/>
               <a:t>Prometheus</a:t>
             </a:r>
             <a:r>
-              <a:rPr lang="ko-KR" altLang="en-US" sz="1200" b="1"/>
+              <a:rPr lang="ko-KR" altLang="en-US" sz="1200"/>
               <a:t> </a:t>
             </a:r>
             <a:r>
-              <a:rPr lang="en-US" altLang="ko-KR" sz="1200" b="1"/>
-              <a:t>Server</a:t>
-            </a:r>
-            <a:endParaRPr lang="ko-KR" altLang="en-US" sz="1200" b="1"/>
-          </a:p>
-        </p:txBody>
-      </p:sp>
-      <p:sp>
-        <p:nvSpPr>
-          <p:cNvPr id="4" name="사각형: 둥근 모서리 3">
+              <a:rPr lang="en-US" altLang="ko-KR" sz="1200"/>
+              <a:t>Server (Shard)</a:t>
+            </a:r>
+            <a:endParaRPr lang="ko-KR" altLang="en-US" sz="1200"/>
+          </a:p>
+        </p:txBody>
+      </p:sp>
+      <p:sp>
+        <p:nvSpPr>
+          <p:cNvPr id="76" name="사각형: 둥근 모서리 75">
             <a:extLst>
               <a:ext uri="{FF2B5EF4-FFF2-40B4-BE49-F238E27FC236}">
-                <a16:creationId xmlns:a16="http://schemas.microsoft.com/office/drawing/2014/main" id="{5219D31E-254A-4D51-A842-B42856E66609}"/>
+                <a16:creationId xmlns:a16="http://schemas.microsoft.com/office/drawing/2014/main" id="{5E29EE41-F0F3-47C8-9FA7-8635F5DACF5C}"/>
               </a:ext>
             </a:extLst>
           </p:cNvPr>
@@ -3711,14 +3717,15 @@
         </p:nvSpPr>
         <p:spPr>
           <a:xfrm>
-            <a:off x="1191698" y="1745924"/>
-            <a:ext cx="1287695" cy="643070"/>
+            <a:off x="251520" y="1674536"/>
+            <a:ext cx="1388470" cy="527174"/>
           </a:xfrm>
           <a:prstGeom prst="roundRect">
             <a:avLst>
-              <a:gd name="adj" fmla="val 5026"/>
+              <a:gd name="adj" fmla="val 7693"/>
             </a:avLst>
           </a:prstGeom>
+          <a:noFill/>
         </p:spPr>
         <p:style>
           <a:lnRef idx="2">
@@ -3741,14 +3748,14 @@
             <a:pPr algn="ctr"/>
             <a:r>
               <a:rPr lang="en-US" altLang="ko-KR" sz="1200" b="1"/>
-              <a:t>Prometheus</a:t>
+              <a:t>Load Balancer</a:t>
             </a:r>
           </a:p>
           <a:p>
             <a:pPr algn="ctr"/>
             <a:r>
               <a:rPr lang="en-US" altLang="ko-KR" sz="1200" b="1"/>
-              <a:t>Pushgateway</a:t>
+              <a:t>(Session Affinity)</a:t>
             </a:r>
             <a:endParaRPr lang="ko-KR" altLang="en-US" sz="1200" b="1"/>
           </a:p>
@@ -3756,10 +3763,10 @@
       </p:sp>
       <p:sp>
         <p:nvSpPr>
-          <p:cNvPr id="6" name="사각형: 둥근 모서리 5">
+          <p:cNvPr id="78" name="사각형: 둥근 모서리 77">
             <a:extLst>
               <a:ext uri="{FF2B5EF4-FFF2-40B4-BE49-F238E27FC236}">
-                <a16:creationId xmlns:a16="http://schemas.microsoft.com/office/drawing/2014/main" id="{38621790-3888-4E5F-A539-E1945B41E740}"/>
+                <a16:creationId xmlns:a16="http://schemas.microsoft.com/office/drawing/2014/main" id="{41F780A1-4221-434E-9956-206E5D26FE66}"/>
               </a:ext>
             </a:extLst>
           </p:cNvPr>
@@ -3768,14 +3775,15 @@
         </p:nvSpPr>
         <p:spPr>
           <a:xfrm>
-            <a:off x="1191697" y="2586194"/>
-            <a:ext cx="1287693" cy="643069"/>
+            <a:off x="2454148" y="3570113"/>
+            <a:ext cx="1263236" cy="527174"/>
           </a:xfrm>
           <a:prstGeom prst="roundRect">
             <a:avLst>
-              <a:gd name="adj" fmla="val 5026"/>
+              <a:gd name="adj" fmla="val 7693"/>
             </a:avLst>
           </a:prstGeom>
+          <a:noFill/>
         </p:spPr>
         <p:style>
           <a:lnRef idx="2">
@@ -3797,26 +3805,27 @@
           <a:p>
             <a:pPr algn="ctr"/>
             <a:r>
-              <a:rPr lang="en-US" altLang="ko-KR" sz="1200" b="1"/>
+              <a:rPr lang="en-US" altLang="ko-KR" sz="1200"/>
               <a:t>Prometheus</a:t>
             </a:r>
-          </a:p>
-          <a:p>
-            <a:pPr algn="ctr"/>
-            <a:r>
-              <a:rPr lang="en-US" altLang="ko-KR" sz="1200" b="1"/>
-              <a:t>Exporter</a:t>
-            </a:r>
-            <a:endParaRPr lang="ko-KR" altLang="en-US" sz="1200" b="1"/>
-          </a:p>
-        </p:txBody>
-      </p:sp>
-      <p:sp>
-        <p:nvSpPr>
-          <p:cNvPr id="7" name="사각형: 둥근 모서리 6">
+            <a:r>
+              <a:rPr lang="ko-KR" altLang="en-US" sz="1200"/>
+              <a:t> </a:t>
+            </a:r>
+            <a:r>
+              <a:rPr lang="en-US" altLang="ko-KR" sz="1200"/>
+              <a:t>Pushgateway</a:t>
+            </a:r>
+            <a:endParaRPr lang="ko-KR" altLang="en-US" sz="1200"/>
+          </a:p>
+        </p:txBody>
+      </p:sp>
+      <p:sp>
+        <p:nvSpPr>
+          <p:cNvPr id="79" name="사각형: 둥근 모서리 78">
             <a:extLst>
               <a:ext uri="{FF2B5EF4-FFF2-40B4-BE49-F238E27FC236}">
-                <a16:creationId xmlns:a16="http://schemas.microsoft.com/office/drawing/2014/main" id="{8F4E3788-4F12-4A66-82B7-2DD468D36F88}"/>
+                <a16:creationId xmlns:a16="http://schemas.microsoft.com/office/drawing/2014/main" id="{0E950D99-0D50-4CA0-B60E-A8C4434F3AF4}"/>
               </a:ext>
             </a:extLst>
           </p:cNvPr>
@@ -3825,14 +3834,15 @@
         </p:nvSpPr>
         <p:spPr>
           <a:xfrm>
-            <a:off x="1191697" y="1025440"/>
-            <a:ext cx="1287695" cy="409160"/>
+            <a:off x="4594159" y="3570113"/>
+            <a:ext cx="1263236" cy="527174"/>
           </a:xfrm>
           <a:prstGeom prst="roundRect">
             <a:avLst>
-              <a:gd name="adj" fmla="val 5026"/>
+              <a:gd name="adj" fmla="val 7693"/>
             </a:avLst>
           </a:prstGeom>
+          <a:noFill/>
         </p:spPr>
         <p:style>
           <a:lnRef idx="2">
@@ -3855,159 +3865,26 @@
             <a:pPr algn="ctr"/>
             <a:r>
               <a:rPr lang="en-US" altLang="ko-KR" sz="1200"/>
-              <a:t>Batch Job</a:t>
+              <a:t>Prometheus</a:t>
+            </a:r>
+            <a:r>
+              <a:rPr lang="ko-KR" altLang="en-US" sz="1200"/>
+              <a:t> </a:t>
+            </a:r>
+            <a:r>
+              <a:rPr lang="en-US" altLang="ko-KR" sz="1200"/>
+              <a:t>Pushgateway</a:t>
             </a:r>
             <a:endParaRPr lang="ko-KR" altLang="en-US" sz="1200"/>
           </a:p>
         </p:txBody>
       </p:sp>
-      <p:cxnSp>
-        <p:nvCxnSpPr>
-          <p:cNvPr id="8" name="직선 연결선 7">
+      <p:sp>
+        <p:nvSpPr>
+          <p:cNvPr id="82" name="사각형: 둥근 모서리 81">
             <a:extLst>
               <a:ext uri="{FF2B5EF4-FFF2-40B4-BE49-F238E27FC236}">
-                <a16:creationId xmlns:a16="http://schemas.microsoft.com/office/drawing/2014/main" id="{B2D4838A-ACEB-454C-B6DE-5D24FC39C5AD}"/>
-              </a:ext>
-            </a:extLst>
-          </p:cNvPr>
-          <p:cNvCxnSpPr>
-            <a:cxnSpLocks/>
-            <a:stCxn id="7" idx="2"/>
-            <a:endCxn id="4" idx="0"/>
-          </p:cNvCxnSpPr>
-          <p:nvPr/>
-        </p:nvCxnSpPr>
-        <p:spPr>
-          <a:xfrm>
-            <a:off x="1835545" y="1434600"/>
-            <a:ext cx="1" cy="311324"/>
-          </a:xfrm>
-          <a:prstGeom prst="line">
-            <a:avLst/>
-          </a:prstGeom>
-          <a:ln w="19050">
-            <a:solidFill>
-              <a:srgbClr val="C00000"/>
-            </a:solidFill>
-            <a:headEnd type="none" w="med" len="med"/>
-            <a:tailEnd type="arrow" w="med" len="med"/>
-          </a:ln>
-        </p:spPr>
-        <p:style>
-          <a:lnRef idx="1">
-            <a:schemeClr val="accent1"/>
-          </a:lnRef>
-          <a:fillRef idx="0">
-            <a:schemeClr val="accent1"/>
-          </a:fillRef>
-          <a:effectRef idx="0">
-            <a:schemeClr val="accent1"/>
-          </a:effectRef>
-          <a:fontRef idx="minor">
-            <a:schemeClr val="tx1"/>
-          </a:fontRef>
-        </p:style>
-      </p:cxnSp>
-      <p:cxnSp>
-        <p:nvCxnSpPr>
-          <p:cNvPr id="11" name="직선 연결선 10">
-            <a:extLst>
-              <a:ext uri="{FF2B5EF4-FFF2-40B4-BE49-F238E27FC236}">
-                <a16:creationId xmlns:a16="http://schemas.microsoft.com/office/drawing/2014/main" id="{B9E8065F-5F40-48CF-9EA7-AA6F8A17B2D3}"/>
-              </a:ext>
-            </a:extLst>
-          </p:cNvPr>
-          <p:cNvCxnSpPr>
-            <a:cxnSpLocks/>
-            <a:stCxn id="54" idx="1"/>
-            <a:endCxn id="4" idx="3"/>
-          </p:cNvCxnSpPr>
-          <p:nvPr/>
-        </p:nvCxnSpPr>
-        <p:spPr>
-          <a:xfrm flipH="1" flipV="1">
-            <a:off x="2479393" y="2067459"/>
-            <a:ext cx="458262" cy="803767"/>
-          </a:xfrm>
-          <a:prstGeom prst="line">
-            <a:avLst/>
-          </a:prstGeom>
-          <a:ln w="19050">
-            <a:solidFill>
-              <a:srgbClr val="C00000"/>
-            </a:solidFill>
-            <a:headEnd type="arrow" w="med" len="med"/>
-            <a:tailEnd type="none" w="med" len="med"/>
-          </a:ln>
-        </p:spPr>
-        <p:style>
-          <a:lnRef idx="1">
-            <a:schemeClr val="accent1"/>
-          </a:lnRef>
-          <a:fillRef idx="0">
-            <a:schemeClr val="accent1"/>
-          </a:fillRef>
-          <a:effectRef idx="0">
-            <a:schemeClr val="accent1"/>
-          </a:effectRef>
-          <a:fontRef idx="minor">
-            <a:schemeClr val="tx1"/>
-          </a:fontRef>
-        </p:style>
-      </p:cxnSp>
-      <p:cxnSp>
-        <p:nvCxnSpPr>
-          <p:cNvPr id="17" name="직선 연결선 16">
-            <a:extLst>
-              <a:ext uri="{FF2B5EF4-FFF2-40B4-BE49-F238E27FC236}">
-                <a16:creationId xmlns:a16="http://schemas.microsoft.com/office/drawing/2014/main" id="{70359EE4-7282-4B05-BB4C-A880DD745097}"/>
-              </a:ext>
-            </a:extLst>
-          </p:cNvPr>
-          <p:cNvCxnSpPr>
-            <a:cxnSpLocks/>
-            <a:stCxn id="54" idx="1"/>
-            <a:endCxn id="6" idx="3"/>
-          </p:cNvCxnSpPr>
-          <p:nvPr/>
-        </p:nvCxnSpPr>
-        <p:spPr>
-          <a:xfrm flipH="1">
-            <a:off x="2479390" y="2871226"/>
-            <a:ext cx="458265" cy="36503"/>
-          </a:xfrm>
-          <a:prstGeom prst="line">
-            <a:avLst/>
-          </a:prstGeom>
-          <a:ln w="19050">
-            <a:solidFill>
-              <a:srgbClr val="C00000"/>
-            </a:solidFill>
-            <a:headEnd type="arrow" w="med" len="med"/>
-            <a:tailEnd type="none" w="med" len="med"/>
-          </a:ln>
-        </p:spPr>
-        <p:style>
-          <a:lnRef idx="1">
-            <a:schemeClr val="accent1"/>
-          </a:lnRef>
-          <a:fillRef idx="0">
-            <a:schemeClr val="accent1"/>
-          </a:fillRef>
-          <a:effectRef idx="0">
-            <a:schemeClr val="accent1"/>
-          </a:effectRef>
-          <a:fontRef idx="minor">
-            <a:schemeClr val="tx1"/>
-          </a:fontRef>
-        </p:style>
-      </p:cxnSp>
-      <p:sp>
-        <p:nvSpPr>
-          <p:cNvPr id="26" name="사각형: 둥근 모서리 25">
-            <a:extLst>
-              <a:ext uri="{FF2B5EF4-FFF2-40B4-BE49-F238E27FC236}">
-                <a16:creationId xmlns:a16="http://schemas.microsoft.com/office/drawing/2014/main" id="{0842EE3E-0910-4A1C-B774-A24FCD3F14CF}"/>
+                <a16:creationId xmlns:a16="http://schemas.microsoft.com/office/drawing/2014/main" id="{3B244165-2C32-416D-BC21-DDD0137C6A86}"/>
               </a:ext>
             </a:extLst>
           </p:cNvPr>
@@ -4016,14 +3893,15 @@
         </p:nvSpPr>
         <p:spPr>
           <a:xfrm>
-            <a:off x="5926208" y="2258318"/>
-            <a:ext cx="1287695" cy="485059"/>
+            <a:off x="314137" y="3570113"/>
+            <a:ext cx="1263236" cy="527174"/>
           </a:xfrm>
           <a:prstGeom prst="roundRect">
             <a:avLst>
-              <a:gd name="adj" fmla="val 5026"/>
+              <a:gd name="adj" fmla="val 7693"/>
             </a:avLst>
           </a:prstGeom>
+          <a:noFill/>
         </p:spPr>
         <p:style>
           <a:lnRef idx="2">
@@ -4045,26 +3923,27 @@
           <a:p>
             <a:pPr algn="ctr"/>
             <a:r>
-              <a:rPr lang="en-US" altLang="ko-KR" sz="1200" b="1"/>
+              <a:rPr lang="en-US" altLang="ko-KR" sz="1200"/>
               <a:t>Prometheus</a:t>
             </a:r>
-          </a:p>
-          <a:p>
-            <a:pPr algn="ctr"/>
-            <a:r>
-              <a:rPr lang="en-US" altLang="ko-KR" sz="1200" b="1"/>
-              <a:t>Alertmanager</a:t>
-            </a:r>
-            <a:endParaRPr lang="ko-KR" altLang="en-US" sz="1200" b="1"/>
-          </a:p>
-        </p:txBody>
-      </p:sp>
-      <p:sp>
-        <p:nvSpPr>
-          <p:cNvPr id="28" name="사각형: 둥근 모서리 27">
+            <a:r>
+              <a:rPr lang="ko-KR" altLang="en-US" sz="1200"/>
+              <a:t> </a:t>
+            </a:r>
+            <a:r>
+              <a:rPr lang="en-US" altLang="ko-KR" sz="1200"/>
+              <a:t>Exporter</a:t>
+            </a:r>
+            <a:endParaRPr lang="ko-KR" altLang="en-US" sz="1200"/>
+          </a:p>
+        </p:txBody>
+      </p:sp>
+      <p:sp>
+        <p:nvSpPr>
+          <p:cNvPr id="99" name="사각형: 둥근 모서리 98">
             <a:extLst>
               <a:ext uri="{FF2B5EF4-FFF2-40B4-BE49-F238E27FC236}">
-                <a16:creationId xmlns:a16="http://schemas.microsoft.com/office/drawing/2014/main" id="{B6D1F209-4918-419D-AE61-0DB8F3C74085}"/>
+                <a16:creationId xmlns:a16="http://schemas.microsoft.com/office/drawing/2014/main" id="{56C977BC-9A7B-4F40-8730-C993BA2A95B6}"/>
               </a:ext>
             </a:extLst>
           </p:cNvPr>
@@ -4073,14 +3952,15 @@
         </p:nvSpPr>
         <p:spPr>
           <a:xfrm>
-            <a:off x="5446429" y="1096318"/>
-            <a:ext cx="870792" cy="409160"/>
+            <a:off x="2456718" y="4371950"/>
+            <a:ext cx="1263236" cy="527174"/>
           </a:xfrm>
           <a:prstGeom prst="roundRect">
             <a:avLst>
-              <a:gd name="adj" fmla="val 5026"/>
+              <a:gd name="adj" fmla="val 7693"/>
             </a:avLst>
           </a:prstGeom>
+          <a:noFill/>
         </p:spPr>
         <p:style>
           <a:lnRef idx="2">
@@ -4102,19 +3982,19 @@
           <a:p>
             <a:pPr algn="ctr"/>
             <a:r>
-              <a:rPr lang="en-US" altLang="ko-KR" sz="1100"/>
-              <a:t>Email</a:t>
-            </a:r>
-            <a:endParaRPr lang="ko-KR" altLang="en-US" sz="1100"/>
-          </a:p>
-        </p:txBody>
-      </p:sp>
-      <p:sp>
-        <p:nvSpPr>
-          <p:cNvPr id="29" name="사각형: 둥근 모서리 28">
+              <a:rPr lang="en-US" altLang="ko-KR" sz="1200"/>
+              <a:t>Batch Job</a:t>
+            </a:r>
+            <a:endParaRPr lang="ko-KR" altLang="en-US" sz="1200"/>
+          </a:p>
+        </p:txBody>
+      </p:sp>
+      <p:sp>
+        <p:nvSpPr>
+          <p:cNvPr id="100" name="사각형: 둥근 모서리 99">
             <a:extLst>
               <a:ext uri="{FF2B5EF4-FFF2-40B4-BE49-F238E27FC236}">
-                <a16:creationId xmlns:a16="http://schemas.microsoft.com/office/drawing/2014/main" id="{58DDC7E0-5BFE-44CB-AF5B-371C0AD067CC}"/>
+                <a16:creationId xmlns:a16="http://schemas.microsoft.com/office/drawing/2014/main" id="{26D4DCD2-3BA3-40D4-BF98-B2042E46D55A}"/>
               </a:ext>
             </a:extLst>
           </p:cNvPr>
@@ -4123,14 +4003,15 @@
         </p:nvSpPr>
         <p:spPr>
           <a:xfrm>
-            <a:off x="6418537" y="1096318"/>
-            <a:ext cx="870792" cy="409160"/>
+            <a:off x="4594159" y="4371950"/>
+            <a:ext cx="1263236" cy="527174"/>
           </a:xfrm>
           <a:prstGeom prst="roundRect">
             <a:avLst>
-              <a:gd name="adj" fmla="val 5026"/>
+              <a:gd name="adj" fmla="val 7693"/>
             </a:avLst>
           </a:prstGeom>
+          <a:noFill/>
         </p:spPr>
         <p:style>
           <a:lnRef idx="2">
@@ -4152,19 +4033,19 @@
           <a:p>
             <a:pPr algn="ctr"/>
             <a:r>
-              <a:rPr lang="en-US" altLang="ko-KR" sz="1100"/>
-              <a:t>HTTP, HTTPS</a:t>
-            </a:r>
-            <a:endParaRPr lang="ko-KR" altLang="en-US" sz="1100"/>
-          </a:p>
-        </p:txBody>
-      </p:sp>
-      <p:sp>
-        <p:nvSpPr>
-          <p:cNvPr id="30" name="사각형: 둥근 모서리 29">
+              <a:rPr lang="en-US" altLang="ko-KR" sz="1200" b="1"/>
+              <a:t>Load Balancer</a:t>
+            </a:r>
+            <a:endParaRPr lang="ko-KR" altLang="en-US" sz="1200" b="1"/>
+          </a:p>
+        </p:txBody>
+      </p:sp>
+      <p:sp>
+        <p:nvSpPr>
+          <p:cNvPr id="102" name="사각형: 둥근 모서리 101">
             <a:extLst>
               <a:ext uri="{FF2B5EF4-FFF2-40B4-BE49-F238E27FC236}">
-                <a16:creationId xmlns:a16="http://schemas.microsoft.com/office/drawing/2014/main" id="{21D8BFF1-02A9-4922-9E66-187D09F2F7A5}"/>
+                <a16:creationId xmlns:a16="http://schemas.microsoft.com/office/drawing/2014/main" id="{EDD9E68A-6AF8-4CA6-8C37-5EB62DA23973}"/>
               </a:ext>
             </a:extLst>
           </p:cNvPr>
@@ -4173,14 +4054,18 @@
         </p:nvSpPr>
         <p:spPr>
           <a:xfrm>
-            <a:off x="6418537" y="1626872"/>
-            <a:ext cx="870792" cy="409160"/>
+            <a:off x="1242438" y="2489572"/>
+            <a:ext cx="4614957" cy="730250"/>
           </a:xfrm>
           <a:prstGeom prst="roundRect">
             <a:avLst>
-              <a:gd name="adj" fmla="val 5026"/>
+              <a:gd name="adj" fmla="val 4089"/>
             </a:avLst>
           </a:prstGeom>
+          <a:noFill/>
+          <a:ln>
+            <a:prstDash val="dash"/>
+          </a:ln>
         </p:spPr>
         <p:style>
           <a:lnRef idx="2">
@@ -4200,21 +4085,28 @@
           <a:bodyPr rtlCol="0" anchor="ctr"/>
           <a:lstStyle/>
           <a:p>
-            <a:pPr algn="ctr"/>
-            <a:r>
-              <a:rPr lang="en-US" altLang="ko-KR" sz="1100"/>
-              <a:t>Slack</a:t>
-            </a:r>
-            <a:endParaRPr lang="ko-KR" altLang="en-US" sz="1100"/>
-          </a:p>
-        </p:txBody>
-      </p:sp>
-      <p:sp>
-        <p:nvSpPr>
-          <p:cNvPr id="31" name="사각형: 둥근 모서리 30">
+            <a:pPr algn="r"/>
+            <a:r>
+              <a:rPr lang="en-US" altLang="ko-KR" sz="1200" b="1"/>
+              <a:t>Prometheus </a:t>
+            </a:r>
+          </a:p>
+          <a:p>
+            <a:pPr algn="r"/>
+            <a:r>
+              <a:rPr lang="en-US" altLang="ko-KR" sz="1200" b="1"/>
+              <a:t>Servers</a:t>
+            </a:r>
+            <a:endParaRPr lang="ko-KR" altLang="en-US" sz="1200" b="1"/>
+          </a:p>
+        </p:txBody>
+      </p:sp>
+      <p:sp>
+        <p:nvSpPr>
+          <p:cNvPr id="103" name="사각형: 둥근 모서리 102">
             <a:extLst>
               <a:ext uri="{FF2B5EF4-FFF2-40B4-BE49-F238E27FC236}">
-                <a16:creationId xmlns:a16="http://schemas.microsoft.com/office/drawing/2014/main" id="{EEC5937D-9F44-4E1C-B516-506F564338E0}"/>
+                <a16:creationId xmlns:a16="http://schemas.microsoft.com/office/drawing/2014/main" id="{20684741-02EE-42B6-97F5-09BCD4C5E0C3}"/>
               </a:ext>
             </a:extLst>
           </p:cNvPr>
@@ -4223,14 +4115,18 @@
         </p:nvSpPr>
         <p:spPr>
           <a:xfrm>
-            <a:off x="5446429" y="1628590"/>
-            <a:ext cx="870792" cy="409160"/>
+            <a:off x="2360039" y="3475198"/>
+            <a:ext cx="4683385" cy="717550"/>
           </a:xfrm>
           <a:prstGeom prst="roundRect">
             <a:avLst>
-              <a:gd name="adj" fmla="val 5026"/>
+              <a:gd name="adj" fmla="val 4089"/>
             </a:avLst>
           </a:prstGeom>
+          <a:noFill/>
+          <a:ln>
+            <a:prstDash val="dash"/>
+          </a:ln>
         </p:spPr>
         <p:style>
           <a:lnRef idx="2">
@@ -4250,42 +4146,49 @@
           <a:bodyPr rtlCol="0" anchor="ctr"/>
           <a:lstStyle/>
           <a:p>
-            <a:pPr algn="ctr"/>
-            <a:r>
-              <a:rPr lang="en-US" altLang="ko-KR" sz="1100"/>
-              <a:t>Webhook</a:t>
-            </a:r>
-            <a:endParaRPr lang="ko-KR" altLang="en-US" sz="1100"/>
+            <a:pPr algn="r"/>
+            <a:r>
+              <a:rPr lang="en-US" altLang="ko-KR" sz="1200" b="1"/>
+              <a:t>Prometheus </a:t>
+            </a:r>
+          </a:p>
+          <a:p>
+            <a:pPr algn="r"/>
+            <a:r>
+              <a:rPr lang="en-US" altLang="ko-KR" sz="1200" b="1"/>
+              <a:t>Pushgateways</a:t>
+            </a:r>
+            <a:endParaRPr lang="ko-KR" altLang="en-US" sz="1200" b="1"/>
           </a:p>
         </p:txBody>
       </p:sp>
       <p:cxnSp>
         <p:nvCxnSpPr>
-          <p:cNvPr id="45" name="직선 연결선 44">
+          <p:cNvPr id="104" name="직선 연결선 103">
             <a:extLst>
               <a:ext uri="{FF2B5EF4-FFF2-40B4-BE49-F238E27FC236}">
-                <a16:creationId xmlns:a16="http://schemas.microsoft.com/office/drawing/2014/main" id="{1D4E0DD1-05E9-41BF-8E77-D12F94F2EE99}"/>
+                <a16:creationId xmlns:a16="http://schemas.microsoft.com/office/drawing/2014/main" id="{9D9FEFAC-7966-4000-A1C2-0FEC1813CFD6}"/>
               </a:ext>
             </a:extLst>
           </p:cNvPr>
           <p:cNvCxnSpPr>
             <a:cxnSpLocks/>
-            <a:stCxn id="26" idx="0"/>
-            <a:endCxn id="44" idx="2"/>
+            <a:stCxn id="99" idx="3"/>
+            <a:endCxn id="100" idx="1"/>
           </p:cNvCxnSpPr>
           <p:nvPr/>
         </p:nvCxnSpPr>
         <p:spPr>
-          <a:xfrm flipH="1" flipV="1">
-            <a:off x="6549082" y="2139702"/>
-            <a:ext cx="20974" cy="118616"/>
+          <a:xfrm>
+            <a:off x="3719954" y="4635537"/>
+            <a:ext cx="874205" cy="0"/>
           </a:xfrm>
           <a:prstGeom prst="line">
             <a:avLst/>
           </a:prstGeom>
           <a:ln w="19050">
             <a:solidFill>
-              <a:schemeClr val="tx2"/>
+              <a:srgbClr val="C00000"/>
             </a:solidFill>
             <a:headEnd type="none" w="med" len="med"/>
             <a:tailEnd type="arrow" w="med" len="med"/>
@@ -4306,12 +4209,484 @@
           </a:fontRef>
         </p:style>
       </p:cxnSp>
-      <p:sp>
-        <p:nvSpPr>
-          <p:cNvPr id="53" name="사각형: 둥근 모서리 52">
+      <p:cxnSp>
+        <p:nvCxnSpPr>
+          <p:cNvPr id="105" name="직선 연결선 104">
             <a:extLst>
               <a:ext uri="{FF2B5EF4-FFF2-40B4-BE49-F238E27FC236}">
-                <a16:creationId xmlns:a16="http://schemas.microsoft.com/office/drawing/2014/main" id="{C1B91AEC-AFEA-4541-8939-B9A6336C40AC}"/>
+                <a16:creationId xmlns:a16="http://schemas.microsoft.com/office/drawing/2014/main" id="{62F918FF-5470-4EDE-B762-7E156AF204BF}"/>
+              </a:ext>
+            </a:extLst>
+          </p:cNvPr>
+          <p:cNvCxnSpPr>
+            <a:cxnSpLocks/>
+            <a:stCxn id="100" idx="0"/>
+          </p:cNvCxnSpPr>
+          <p:nvPr/>
+        </p:nvCxnSpPr>
+        <p:spPr>
+          <a:xfrm flipV="1">
+            <a:off x="5225777" y="4146177"/>
+            <a:ext cx="0" cy="225773"/>
+          </a:xfrm>
+          <a:prstGeom prst="line">
+            <a:avLst/>
+          </a:prstGeom>
+          <a:ln w="19050">
+            <a:solidFill>
+              <a:srgbClr val="C00000"/>
+            </a:solidFill>
+            <a:headEnd type="none" w="med" len="med"/>
+            <a:tailEnd type="arrow" w="med" len="med"/>
+          </a:ln>
+        </p:spPr>
+        <p:style>
+          <a:lnRef idx="1">
+            <a:schemeClr val="accent1"/>
+          </a:lnRef>
+          <a:fillRef idx="0">
+            <a:schemeClr val="accent1"/>
+          </a:fillRef>
+          <a:effectRef idx="0">
+            <a:schemeClr val="accent1"/>
+          </a:effectRef>
+          <a:fontRef idx="minor">
+            <a:schemeClr val="tx1"/>
+          </a:fontRef>
+        </p:style>
+      </p:cxnSp>
+      <p:cxnSp>
+        <p:nvCxnSpPr>
+          <p:cNvPr id="107" name="직선 연결선 106">
+            <a:extLst>
+              <a:ext uri="{FF2B5EF4-FFF2-40B4-BE49-F238E27FC236}">
+                <a16:creationId xmlns:a16="http://schemas.microsoft.com/office/drawing/2014/main" id="{0899348F-001B-4CBC-B85B-41DF8FF9BE94}"/>
+              </a:ext>
+            </a:extLst>
+          </p:cNvPr>
+          <p:cNvCxnSpPr>
+            <a:cxnSpLocks/>
+            <a:stCxn id="100" idx="0"/>
+          </p:cNvCxnSpPr>
+          <p:nvPr/>
+        </p:nvCxnSpPr>
+        <p:spPr>
+          <a:xfrm flipH="1" flipV="1">
+            <a:off x="3085766" y="4146177"/>
+            <a:ext cx="2140011" cy="225773"/>
+          </a:xfrm>
+          <a:prstGeom prst="line">
+            <a:avLst/>
+          </a:prstGeom>
+          <a:ln w="19050">
+            <a:solidFill>
+              <a:srgbClr val="C00000"/>
+            </a:solidFill>
+            <a:headEnd type="none" w="med" len="med"/>
+            <a:tailEnd type="arrow" w="med" len="med"/>
+          </a:ln>
+        </p:spPr>
+        <p:style>
+          <a:lnRef idx="1">
+            <a:schemeClr val="accent1"/>
+          </a:lnRef>
+          <a:fillRef idx="0">
+            <a:schemeClr val="accent1"/>
+          </a:fillRef>
+          <a:effectRef idx="0">
+            <a:schemeClr val="accent1"/>
+          </a:effectRef>
+          <a:fontRef idx="minor">
+            <a:schemeClr val="tx1"/>
+          </a:fontRef>
+        </p:style>
+      </p:cxnSp>
+      <p:cxnSp>
+        <p:nvCxnSpPr>
+          <p:cNvPr id="108" name="직선 연결선 107">
+            <a:extLst>
+              <a:ext uri="{FF2B5EF4-FFF2-40B4-BE49-F238E27FC236}">
+                <a16:creationId xmlns:a16="http://schemas.microsoft.com/office/drawing/2014/main" id="{AD7FF1FF-A652-452A-B27D-1514A279B800}"/>
+              </a:ext>
+            </a:extLst>
+          </p:cNvPr>
+          <p:cNvCxnSpPr>
+            <a:cxnSpLocks/>
+            <a:stCxn id="78" idx="0"/>
+            <a:endCxn id="68" idx="2"/>
+          </p:cNvCxnSpPr>
+          <p:nvPr/>
+        </p:nvCxnSpPr>
+        <p:spPr>
+          <a:xfrm flipH="1" flipV="1">
+            <a:off x="1984166" y="3122786"/>
+            <a:ext cx="1101600" cy="447327"/>
+          </a:xfrm>
+          <a:prstGeom prst="line">
+            <a:avLst/>
+          </a:prstGeom>
+          <a:ln w="19050">
+            <a:solidFill>
+              <a:srgbClr val="C00000"/>
+            </a:solidFill>
+            <a:headEnd type="none" w="med" len="med"/>
+            <a:tailEnd type="arrow" w="med" len="med"/>
+          </a:ln>
+        </p:spPr>
+        <p:style>
+          <a:lnRef idx="1">
+            <a:schemeClr val="accent1"/>
+          </a:lnRef>
+          <a:fillRef idx="0">
+            <a:schemeClr val="accent1"/>
+          </a:fillRef>
+          <a:effectRef idx="0">
+            <a:schemeClr val="accent1"/>
+          </a:effectRef>
+          <a:fontRef idx="minor">
+            <a:schemeClr val="tx1"/>
+          </a:fontRef>
+        </p:style>
+      </p:cxnSp>
+      <p:cxnSp>
+        <p:nvCxnSpPr>
+          <p:cNvPr id="109" name="직선 연결선 108">
+            <a:extLst>
+              <a:ext uri="{FF2B5EF4-FFF2-40B4-BE49-F238E27FC236}">
+                <a16:creationId xmlns:a16="http://schemas.microsoft.com/office/drawing/2014/main" id="{B5F532B9-21C8-47CB-9A92-07EA65D14C45}"/>
+              </a:ext>
+            </a:extLst>
+          </p:cNvPr>
+          <p:cNvCxnSpPr>
+            <a:cxnSpLocks/>
+            <a:stCxn id="79" idx="0"/>
+            <a:endCxn id="68" idx="2"/>
+          </p:cNvCxnSpPr>
+          <p:nvPr/>
+        </p:nvCxnSpPr>
+        <p:spPr>
+          <a:xfrm flipH="1" flipV="1">
+            <a:off x="1984166" y="3122786"/>
+            <a:ext cx="3241611" cy="447327"/>
+          </a:xfrm>
+          <a:prstGeom prst="line">
+            <a:avLst/>
+          </a:prstGeom>
+          <a:ln w="19050">
+            <a:solidFill>
+              <a:srgbClr val="C00000"/>
+            </a:solidFill>
+            <a:headEnd type="none" w="med" len="med"/>
+            <a:tailEnd type="arrow" w="med" len="med"/>
+          </a:ln>
+        </p:spPr>
+        <p:style>
+          <a:lnRef idx="1">
+            <a:schemeClr val="accent1"/>
+          </a:lnRef>
+          <a:fillRef idx="0">
+            <a:schemeClr val="accent1"/>
+          </a:fillRef>
+          <a:effectRef idx="0">
+            <a:schemeClr val="accent1"/>
+          </a:effectRef>
+          <a:fontRef idx="minor">
+            <a:schemeClr val="tx1"/>
+          </a:fontRef>
+        </p:style>
+      </p:cxnSp>
+      <p:cxnSp>
+        <p:nvCxnSpPr>
+          <p:cNvPr id="110" name="직선 연결선 109">
+            <a:extLst>
+              <a:ext uri="{FF2B5EF4-FFF2-40B4-BE49-F238E27FC236}">
+                <a16:creationId xmlns:a16="http://schemas.microsoft.com/office/drawing/2014/main" id="{B9108377-56A3-4EFE-A80D-87ABD4832751}"/>
+              </a:ext>
+            </a:extLst>
+          </p:cNvPr>
+          <p:cNvCxnSpPr>
+            <a:cxnSpLocks/>
+            <a:stCxn id="82" idx="0"/>
+            <a:endCxn id="68" idx="2"/>
+          </p:cNvCxnSpPr>
+          <p:nvPr/>
+        </p:nvCxnSpPr>
+        <p:spPr>
+          <a:xfrm flipV="1">
+            <a:off x="945755" y="3122786"/>
+            <a:ext cx="1038411" cy="447327"/>
+          </a:xfrm>
+          <a:prstGeom prst="line">
+            <a:avLst/>
+          </a:prstGeom>
+          <a:ln w="19050">
+            <a:solidFill>
+              <a:srgbClr val="C00000"/>
+            </a:solidFill>
+            <a:headEnd type="none" w="med" len="med"/>
+            <a:tailEnd type="arrow" w="med" len="med"/>
+          </a:ln>
+        </p:spPr>
+        <p:style>
+          <a:lnRef idx="1">
+            <a:schemeClr val="accent1"/>
+          </a:lnRef>
+          <a:fillRef idx="0">
+            <a:schemeClr val="accent1"/>
+          </a:fillRef>
+          <a:effectRef idx="0">
+            <a:schemeClr val="accent1"/>
+          </a:effectRef>
+          <a:fontRef idx="minor">
+            <a:schemeClr val="tx1"/>
+          </a:fontRef>
+        </p:style>
+      </p:cxnSp>
+      <p:cxnSp>
+        <p:nvCxnSpPr>
+          <p:cNvPr id="121" name="직선 연결선 120">
+            <a:extLst>
+              <a:ext uri="{FF2B5EF4-FFF2-40B4-BE49-F238E27FC236}">
+                <a16:creationId xmlns:a16="http://schemas.microsoft.com/office/drawing/2014/main" id="{25BBF46F-CDC9-42AC-A2DD-20F144A8D487}"/>
+              </a:ext>
+            </a:extLst>
+          </p:cNvPr>
+          <p:cNvCxnSpPr>
+            <a:cxnSpLocks/>
+            <a:stCxn id="78" idx="0"/>
+            <a:endCxn id="70" idx="2"/>
+          </p:cNvCxnSpPr>
+          <p:nvPr/>
+        </p:nvCxnSpPr>
+        <p:spPr>
+          <a:xfrm flipV="1">
+            <a:off x="3085766" y="3113534"/>
+            <a:ext cx="1072575" cy="456579"/>
+          </a:xfrm>
+          <a:prstGeom prst="line">
+            <a:avLst/>
+          </a:prstGeom>
+          <a:ln w="19050">
+            <a:solidFill>
+              <a:srgbClr val="C00000"/>
+            </a:solidFill>
+            <a:headEnd type="none" w="med" len="med"/>
+            <a:tailEnd type="arrow" w="med" len="med"/>
+          </a:ln>
+        </p:spPr>
+        <p:style>
+          <a:lnRef idx="1">
+            <a:schemeClr val="accent1"/>
+          </a:lnRef>
+          <a:fillRef idx="0">
+            <a:schemeClr val="accent1"/>
+          </a:fillRef>
+          <a:effectRef idx="0">
+            <a:schemeClr val="accent1"/>
+          </a:effectRef>
+          <a:fontRef idx="minor">
+            <a:schemeClr val="tx1"/>
+          </a:fontRef>
+        </p:style>
+      </p:cxnSp>
+      <p:cxnSp>
+        <p:nvCxnSpPr>
+          <p:cNvPr id="124" name="직선 연결선 123">
+            <a:extLst>
+              <a:ext uri="{FF2B5EF4-FFF2-40B4-BE49-F238E27FC236}">
+                <a16:creationId xmlns:a16="http://schemas.microsoft.com/office/drawing/2014/main" id="{9987D96C-F8E9-4F1E-896C-D12B6B66168F}"/>
+              </a:ext>
+            </a:extLst>
+          </p:cNvPr>
+          <p:cNvCxnSpPr>
+            <a:cxnSpLocks/>
+            <a:stCxn id="79" idx="0"/>
+            <a:endCxn id="70" idx="2"/>
+          </p:cNvCxnSpPr>
+          <p:nvPr/>
+        </p:nvCxnSpPr>
+        <p:spPr>
+          <a:xfrm flipH="1" flipV="1">
+            <a:off x="4158341" y="3113534"/>
+            <a:ext cx="1067436" cy="456579"/>
+          </a:xfrm>
+          <a:prstGeom prst="line">
+            <a:avLst/>
+          </a:prstGeom>
+          <a:ln w="19050">
+            <a:solidFill>
+              <a:srgbClr val="C00000"/>
+            </a:solidFill>
+            <a:headEnd type="none" w="med" len="med"/>
+            <a:tailEnd type="arrow" w="med" len="med"/>
+          </a:ln>
+        </p:spPr>
+        <p:style>
+          <a:lnRef idx="1">
+            <a:schemeClr val="accent1"/>
+          </a:lnRef>
+          <a:fillRef idx="0">
+            <a:schemeClr val="accent1"/>
+          </a:fillRef>
+          <a:effectRef idx="0">
+            <a:schemeClr val="accent1"/>
+          </a:effectRef>
+          <a:fontRef idx="minor">
+            <a:schemeClr val="tx1"/>
+          </a:fontRef>
+        </p:style>
+      </p:cxnSp>
+      <p:cxnSp>
+        <p:nvCxnSpPr>
+          <p:cNvPr id="127" name="직선 연결선 126">
+            <a:extLst>
+              <a:ext uri="{FF2B5EF4-FFF2-40B4-BE49-F238E27FC236}">
+                <a16:creationId xmlns:a16="http://schemas.microsoft.com/office/drawing/2014/main" id="{AD9562CC-17A5-4A66-B51B-B7DC0D4DA9DE}"/>
+              </a:ext>
+            </a:extLst>
+          </p:cNvPr>
+          <p:cNvCxnSpPr>
+            <a:cxnSpLocks/>
+            <a:stCxn id="82" idx="0"/>
+            <a:endCxn id="70" idx="2"/>
+          </p:cNvCxnSpPr>
+          <p:nvPr/>
+        </p:nvCxnSpPr>
+        <p:spPr>
+          <a:xfrm flipV="1">
+            <a:off x="945755" y="3113534"/>
+            <a:ext cx="3212586" cy="456579"/>
+          </a:xfrm>
+          <a:prstGeom prst="line">
+            <a:avLst/>
+          </a:prstGeom>
+          <a:ln w="19050">
+            <a:solidFill>
+              <a:srgbClr val="C00000"/>
+            </a:solidFill>
+            <a:headEnd type="none" w="med" len="med"/>
+            <a:tailEnd type="arrow" w="med" len="med"/>
+          </a:ln>
+        </p:spPr>
+        <p:style>
+          <a:lnRef idx="1">
+            <a:schemeClr val="accent1"/>
+          </a:lnRef>
+          <a:fillRef idx="0">
+            <a:schemeClr val="accent1"/>
+          </a:fillRef>
+          <a:effectRef idx="0">
+            <a:schemeClr val="accent1"/>
+          </a:effectRef>
+          <a:fontRef idx="minor">
+            <a:schemeClr val="tx1"/>
+          </a:fontRef>
+        </p:style>
+      </p:cxnSp>
+      <p:cxnSp>
+        <p:nvCxnSpPr>
+          <p:cNvPr id="136" name="직선 연결선 135">
+            <a:extLst>
+              <a:ext uri="{FF2B5EF4-FFF2-40B4-BE49-F238E27FC236}">
+                <a16:creationId xmlns:a16="http://schemas.microsoft.com/office/drawing/2014/main" id="{515A517A-B934-40C1-852C-56E576C57DC0}"/>
+              </a:ext>
+            </a:extLst>
+          </p:cNvPr>
+          <p:cNvCxnSpPr>
+            <a:cxnSpLocks/>
+            <a:stCxn id="68" idx="0"/>
+            <a:endCxn id="76" idx="2"/>
+          </p:cNvCxnSpPr>
+          <p:nvPr/>
+        </p:nvCxnSpPr>
+        <p:spPr>
+          <a:xfrm flipH="1" flipV="1">
+            <a:off x="945755" y="2201710"/>
+            <a:ext cx="1038411" cy="393902"/>
+          </a:xfrm>
+          <a:prstGeom prst="line">
+            <a:avLst/>
+          </a:prstGeom>
+          <a:ln w="19050">
+            <a:solidFill>
+              <a:schemeClr val="accent3">
+                <a:lumMod val="75000"/>
+              </a:schemeClr>
+            </a:solidFill>
+            <a:headEnd type="arrow" w="med" len="med"/>
+            <a:tailEnd type="arrow" w="med" len="med"/>
+          </a:ln>
+        </p:spPr>
+        <p:style>
+          <a:lnRef idx="1">
+            <a:schemeClr val="accent1"/>
+          </a:lnRef>
+          <a:fillRef idx="0">
+            <a:schemeClr val="accent1"/>
+          </a:fillRef>
+          <a:effectRef idx="0">
+            <a:schemeClr val="accent1"/>
+          </a:effectRef>
+          <a:fontRef idx="minor">
+            <a:schemeClr val="tx1"/>
+          </a:fontRef>
+        </p:style>
+      </p:cxnSp>
+      <p:cxnSp>
+        <p:nvCxnSpPr>
+          <p:cNvPr id="139" name="직선 연결선 138">
+            <a:extLst>
+              <a:ext uri="{FF2B5EF4-FFF2-40B4-BE49-F238E27FC236}">
+                <a16:creationId xmlns:a16="http://schemas.microsoft.com/office/drawing/2014/main" id="{5B55F6C3-B5F5-477A-A779-9322B0B0CD8F}"/>
+              </a:ext>
+            </a:extLst>
+          </p:cNvPr>
+          <p:cNvCxnSpPr>
+            <a:cxnSpLocks/>
+            <a:stCxn id="70" idx="0"/>
+            <a:endCxn id="76" idx="2"/>
+          </p:cNvCxnSpPr>
+          <p:nvPr/>
+        </p:nvCxnSpPr>
+        <p:spPr>
+          <a:xfrm flipH="1" flipV="1">
+            <a:off x="945755" y="2201710"/>
+            <a:ext cx="3212586" cy="384650"/>
+          </a:xfrm>
+          <a:prstGeom prst="line">
+            <a:avLst/>
+          </a:prstGeom>
+          <a:ln w="19050">
+            <a:solidFill>
+              <a:schemeClr val="accent3">
+                <a:lumMod val="75000"/>
+              </a:schemeClr>
+            </a:solidFill>
+            <a:headEnd type="arrow" w="med" len="med"/>
+            <a:tailEnd type="arrow" w="med" len="med"/>
+          </a:ln>
+        </p:spPr>
+        <p:style>
+          <a:lnRef idx="1">
+            <a:schemeClr val="accent1"/>
+          </a:lnRef>
+          <a:fillRef idx="0">
+            <a:schemeClr val="accent1"/>
+          </a:fillRef>
+          <a:effectRef idx="0">
+            <a:schemeClr val="accent1"/>
+          </a:effectRef>
+          <a:fontRef idx="minor">
+            <a:schemeClr val="tx1"/>
+          </a:fontRef>
+        </p:style>
+      </p:cxnSp>
+      <p:sp>
+        <p:nvSpPr>
+          <p:cNvPr id="150" name="사각형: 둥근 모서리 149">
+            <a:extLst>
+              <a:ext uri="{FF2B5EF4-FFF2-40B4-BE49-F238E27FC236}">
+                <a16:creationId xmlns:a16="http://schemas.microsoft.com/office/drawing/2014/main" id="{AB6C03F4-5A82-4A5A-8F2D-8676149A0C9B}"/>
               </a:ext>
             </a:extLst>
           </p:cNvPr>
@@ -4320,14 +4695,15 @@
         </p:nvSpPr>
         <p:spPr>
           <a:xfrm>
-            <a:off x="2938537" y="3258247"/>
-            <a:ext cx="1534020" cy="854084"/>
+            <a:off x="314137" y="843558"/>
+            <a:ext cx="1263236" cy="527174"/>
           </a:xfrm>
           <a:prstGeom prst="roundRect">
             <a:avLst>
-              <a:gd name="adj" fmla="val 2982"/>
+              <a:gd name="adj" fmla="val 7693"/>
             </a:avLst>
           </a:prstGeom>
+          <a:noFill/>
         </p:spPr>
         <p:style>
           <a:lnRef idx="2">
@@ -4344,23 +4720,81 @@
           </a:fontRef>
         </p:style>
         <p:txBody>
-          <a:bodyPr rtlCol="0" anchor="t"/>
+          <a:bodyPr rtlCol="0" anchor="ctr"/>
           <a:lstStyle/>
           <a:p>
             <a:pPr algn="ctr"/>
             <a:r>
               <a:rPr lang="en-US" altLang="ko-KR" sz="1200"/>
-              <a:t>Storage</a:t>
-            </a:r>
-          </a:p>
-        </p:txBody>
-      </p:sp>
-      <p:sp>
-        <p:nvSpPr>
-          <p:cNvPr id="54" name="사각형: 둥근 모서리 53">
+              <a:t>Prometheus</a:t>
+            </a:r>
+            <a:r>
+              <a:rPr lang="ko-KR" altLang="en-US" sz="1200"/>
+              <a:t> </a:t>
+            </a:r>
+            <a:r>
+              <a:rPr lang="en-US" altLang="ko-KR" sz="1200"/>
+              <a:t>Client</a:t>
+            </a:r>
+            <a:endParaRPr lang="ko-KR" altLang="en-US" sz="1200"/>
+          </a:p>
+        </p:txBody>
+      </p:sp>
+      <p:cxnSp>
+        <p:nvCxnSpPr>
+          <p:cNvPr id="151" name="직선 연결선 150">
             <a:extLst>
               <a:ext uri="{FF2B5EF4-FFF2-40B4-BE49-F238E27FC236}">
-                <a16:creationId xmlns:a16="http://schemas.microsoft.com/office/drawing/2014/main" id="{1DF9AAE2-5C87-4524-8369-02B800671202}"/>
+                <a16:creationId xmlns:a16="http://schemas.microsoft.com/office/drawing/2014/main" id="{B1C8AD96-0C1B-4BD6-BAC0-E6398D68D74F}"/>
+              </a:ext>
+            </a:extLst>
+          </p:cNvPr>
+          <p:cNvCxnSpPr>
+            <a:cxnSpLocks/>
+            <a:stCxn id="76" idx="0"/>
+            <a:endCxn id="150" idx="2"/>
+          </p:cNvCxnSpPr>
+          <p:nvPr/>
+        </p:nvCxnSpPr>
+        <p:spPr>
+          <a:xfrm flipV="1">
+            <a:off x="945755" y="1370732"/>
+            <a:ext cx="0" cy="303804"/>
+          </a:xfrm>
+          <a:prstGeom prst="line">
+            <a:avLst/>
+          </a:prstGeom>
+          <a:ln w="19050">
+            <a:solidFill>
+              <a:schemeClr val="accent3">
+                <a:lumMod val="75000"/>
+              </a:schemeClr>
+            </a:solidFill>
+            <a:headEnd type="arrow" w="med" len="med"/>
+            <a:tailEnd type="arrow" w="med" len="med"/>
+          </a:ln>
+        </p:spPr>
+        <p:style>
+          <a:lnRef idx="1">
+            <a:schemeClr val="accent1"/>
+          </a:lnRef>
+          <a:fillRef idx="0">
+            <a:schemeClr val="accent1"/>
+          </a:fillRef>
+          <a:effectRef idx="0">
+            <a:schemeClr val="accent1"/>
+          </a:effectRef>
+          <a:fontRef idx="minor">
+            <a:schemeClr val="tx1"/>
+          </a:fontRef>
+        </p:style>
+      </p:cxnSp>
+      <p:sp>
+        <p:nvSpPr>
+          <p:cNvPr id="101" name="사각형: 둥근 모서리 100">
+            <a:extLst>
+              <a:ext uri="{FF2B5EF4-FFF2-40B4-BE49-F238E27FC236}">
+                <a16:creationId xmlns:a16="http://schemas.microsoft.com/office/drawing/2014/main" id="{F2946A33-0F8C-420B-9F70-F5E0E2392F9F}"/>
               </a:ext>
             </a:extLst>
           </p:cNvPr>
@@ -4369,14 +4803,15 @@
         </p:nvSpPr>
         <p:spPr>
           <a:xfrm>
-            <a:off x="2937655" y="2666646"/>
-            <a:ext cx="968371" cy="409160"/>
+            <a:off x="2449212" y="1680532"/>
+            <a:ext cx="1263236" cy="527174"/>
           </a:xfrm>
           <a:prstGeom prst="roundRect">
             <a:avLst>
-              <a:gd name="adj" fmla="val 5026"/>
+              <a:gd name="adj" fmla="val 7693"/>
             </a:avLst>
           </a:prstGeom>
+          <a:noFill/>
         </p:spPr>
         <p:style>
           <a:lnRef idx="2">
@@ -4399,24 +4834,25 @@
             <a:pPr algn="ctr"/>
             <a:r>
               <a:rPr lang="en-US" altLang="ko-KR" sz="1200"/>
-              <a:t>Scrape</a:t>
+              <a:t>Prometheus</a:t>
             </a:r>
           </a:p>
           <a:p>
             <a:pPr algn="ctr"/>
             <a:r>
               <a:rPr lang="en-US" altLang="ko-KR" sz="1200"/>
-              <a:t>Manager</a:t>
-            </a:r>
-          </a:p>
-        </p:txBody>
-      </p:sp>
-      <p:sp>
-        <p:nvSpPr>
-          <p:cNvPr id="64" name="사각형: 둥근 모서리 63">
+              <a:t>Alertmanager</a:t>
+            </a:r>
+            <a:endParaRPr lang="ko-KR" altLang="en-US" sz="1200"/>
+          </a:p>
+        </p:txBody>
+      </p:sp>
+      <p:sp>
+        <p:nvSpPr>
+          <p:cNvPr id="155" name="사각형: 둥근 모서리 154">
             <a:extLst>
               <a:ext uri="{FF2B5EF4-FFF2-40B4-BE49-F238E27FC236}">
-                <a16:creationId xmlns:a16="http://schemas.microsoft.com/office/drawing/2014/main" id="{942C992A-CEBF-4F11-9828-1A4FDFBBC242}"/>
+                <a16:creationId xmlns:a16="http://schemas.microsoft.com/office/drawing/2014/main" id="{9DCB89F4-FC7A-4BC1-A028-D24DEBE4CCB3}"/>
               </a:ext>
             </a:extLst>
           </p:cNvPr>
@@ -4425,14 +4861,15 @@
         </p:nvSpPr>
         <p:spPr>
           <a:xfrm>
-            <a:off x="4683749" y="2378614"/>
-            <a:ext cx="968371" cy="409160"/>
+            <a:off x="4594159" y="1679633"/>
+            <a:ext cx="1263236" cy="527174"/>
           </a:xfrm>
           <a:prstGeom prst="roundRect">
             <a:avLst>
-              <a:gd name="adj" fmla="val 5026"/>
+              <a:gd name="adj" fmla="val 7693"/>
             </a:avLst>
           </a:prstGeom>
+          <a:noFill/>
         </p:spPr>
         <p:style>
           <a:lnRef idx="2">
@@ -4455,7 +4892,14 @@
             <a:pPr algn="ctr"/>
             <a:r>
               <a:rPr lang="en-US" altLang="ko-KR" sz="1200"/>
-              <a:t>Notifier</a:t>
+              <a:t>Prometheus</a:t>
+            </a:r>
+          </a:p>
+          <a:p>
+            <a:pPr algn="ctr"/>
+            <a:r>
+              <a:rPr lang="en-US" altLang="ko-KR" sz="1200"/>
+              <a:t>Alertmanager</a:t>
             </a:r>
             <a:endParaRPr lang="ko-KR" altLang="en-US" sz="1200"/>
           </a:p>
@@ -4463,33 +4907,33 @@
       </p:sp>
       <p:cxnSp>
         <p:nvCxnSpPr>
-          <p:cNvPr id="65" name="직선 연결선 64">
+          <p:cNvPr id="164" name="직선 연결선 163">
             <a:extLst>
               <a:ext uri="{FF2B5EF4-FFF2-40B4-BE49-F238E27FC236}">
-                <a16:creationId xmlns:a16="http://schemas.microsoft.com/office/drawing/2014/main" id="{2B562CA4-B42B-4A6D-8298-01CD6A6F4607}"/>
+                <a16:creationId xmlns:a16="http://schemas.microsoft.com/office/drawing/2014/main" id="{EC683CB3-440A-4CF1-8F1A-467F44DBC03E}"/>
               </a:ext>
             </a:extLst>
           </p:cNvPr>
           <p:cNvCxnSpPr>
             <a:cxnSpLocks/>
-            <a:stCxn id="64" idx="3"/>
-            <a:endCxn id="26" idx="1"/>
+            <a:stCxn id="101" idx="3"/>
+            <a:endCxn id="155" idx="1"/>
           </p:cNvCxnSpPr>
           <p:nvPr/>
         </p:nvCxnSpPr>
         <p:spPr>
           <a:xfrm flipV="1">
-            <a:off x="5652120" y="2500848"/>
-            <a:ext cx="274088" cy="82346"/>
+            <a:off x="3712448" y="1943220"/>
+            <a:ext cx="881711" cy="899"/>
           </a:xfrm>
           <a:prstGeom prst="line">
             <a:avLst/>
           </a:prstGeom>
           <a:ln w="19050">
             <a:solidFill>
-              <a:schemeClr val="tx2"/>
+              <a:schemeClr val="tx1"/>
             </a:solidFill>
-            <a:headEnd type="none" w="med" len="med"/>
+            <a:headEnd type="arrow" w="med" len="med"/>
             <a:tailEnd type="arrow" w="med" len="med"/>
           </a:ln>
         </p:spPr>
@@ -4510,10 +4954,10 @@
       </p:cxnSp>
       <p:sp>
         <p:nvSpPr>
-          <p:cNvPr id="73" name="사각형: 둥근 모서리 72">
+          <p:cNvPr id="167" name="사각형: 둥근 모서리 166">
             <a:extLst>
               <a:ext uri="{FF2B5EF4-FFF2-40B4-BE49-F238E27FC236}">
-                <a16:creationId xmlns:a16="http://schemas.microsoft.com/office/drawing/2014/main" id="{B8A91312-748B-40CD-8F2B-8E2A35263267}"/>
+                <a16:creationId xmlns:a16="http://schemas.microsoft.com/office/drawing/2014/main" id="{FC26E226-EEB0-4B1D-A342-D7C6C7F446CF}"/>
               </a:ext>
             </a:extLst>
           </p:cNvPr>
@@ -4522,14 +4966,18 @@
         </p:nvSpPr>
         <p:spPr>
           <a:xfrm>
-            <a:off x="4681518" y="3714930"/>
-            <a:ext cx="968371" cy="409160"/>
+            <a:off x="2356745" y="1585070"/>
+            <a:ext cx="4683382" cy="719587"/>
           </a:xfrm>
           <a:prstGeom prst="roundRect">
             <a:avLst>
-              <a:gd name="adj" fmla="val 5026"/>
+              <a:gd name="adj" fmla="val 4089"/>
             </a:avLst>
           </a:prstGeom>
+          <a:noFill/>
+          <a:ln>
+            <a:prstDash val="dash"/>
+          </a:ln>
         </p:spPr>
         <p:style>
           <a:lnRef idx="2">
@@ -4546,51 +4994,59 @@
           </a:fontRef>
         </p:style>
         <p:txBody>
-          <a:bodyPr rtlCol="0" anchor="ctr"/>
+          <a:bodyPr rtlCol="0" anchor="t"/>
           <a:lstStyle/>
           <a:p>
-            <a:pPr algn="ctr"/>
-            <a:r>
-              <a:rPr lang="en-US" altLang="ko-KR" sz="1200"/>
-              <a:t>PromQL</a:t>
-            </a:r>
-          </a:p>
-          <a:p>
-            <a:pPr algn="ctr"/>
-            <a:r>
-              <a:rPr lang="en-US" altLang="ko-KR" sz="1200"/>
-              <a:t>Engine</a:t>
-            </a:r>
+            <a:pPr algn="r"/>
+            <a:r>
+              <a:rPr lang="en-US" altLang="ko-KR" sz="1200" b="1"/>
+              <a:t>Prometheus </a:t>
+            </a:r>
+          </a:p>
+          <a:p>
+            <a:pPr algn="r"/>
+            <a:r>
+              <a:rPr lang="en-US" altLang="ko-KR" sz="1200" b="1"/>
+              <a:t>Alermanager</a:t>
+            </a:r>
+          </a:p>
+          <a:p>
+            <a:pPr algn="r"/>
+            <a:r>
+              <a:rPr lang="en-US" altLang="ko-KR" sz="1200" b="1"/>
+              <a:t>Cluster</a:t>
+            </a:r>
+            <a:endParaRPr lang="ko-KR" altLang="en-US" sz="1200" b="1"/>
           </a:p>
         </p:txBody>
       </p:sp>
       <p:cxnSp>
         <p:nvCxnSpPr>
-          <p:cNvPr id="77" name="직선 연결선 76">
+          <p:cNvPr id="200" name="직선 연결선 199">
             <a:extLst>
               <a:ext uri="{FF2B5EF4-FFF2-40B4-BE49-F238E27FC236}">
-                <a16:creationId xmlns:a16="http://schemas.microsoft.com/office/drawing/2014/main" id="{72C86ABB-815C-4996-B06C-0A70A6D0E336}"/>
+                <a16:creationId xmlns:a16="http://schemas.microsoft.com/office/drawing/2014/main" id="{3840CD60-4551-4CAE-827A-F561D7C3F9B1}"/>
               </a:ext>
             </a:extLst>
           </p:cNvPr>
           <p:cNvCxnSpPr>
             <a:cxnSpLocks/>
-            <a:stCxn id="54" idx="0"/>
-            <a:endCxn id="89" idx="2"/>
+            <a:stCxn id="68" idx="0"/>
+            <a:endCxn id="101" idx="2"/>
           </p:cNvCxnSpPr>
           <p:nvPr/>
         </p:nvCxnSpPr>
         <p:spPr>
           <a:xfrm flipV="1">
-            <a:off x="3421841" y="2139702"/>
-            <a:ext cx="606961" cy="526944"/>
+            <a:off x="1984166" y="2207706"/>
+            <a:ext cx="1096664" cy="387906"/>
           </a:xfrm>
           <a:prstGeom prst="line">
             <a:avLst/>
           </a:prstGeom>
           <a:ln w="19050">
             <a:solidFill>
-              <a:schemeClr val="tx1"/>
+              <a:schemeClr val="tx2"/>
             </a:solidFill>
             <a:headEnd type="none" w="med" len="med"/>
             <a:tailEnd type="arrow" w="med" len="med"/>
@@ -4611,232 +5067,106 @@
           </a:fontRef>
         </p:style>
       </p:cxnSp>
-      <p:sp>
-        <p:nvSpPr>
-          <p:cNvPr id="80" name="TextBox 79">
+      <p:cxnSp>
+        <p:nvCxnSpPr>
+          <p:cNvPr id="69" name="직선 연결선 68">
             <a:extLst>
               <a:ext uri="{FF2B5EF4-FFF2-40B4-BE49-F238E27FC236}">
-                <a16:creationId xmlns:a16="http://schemas.microsoft.com/office/drawing/2014/main" id="{27C380EB-5D72-45A9-9A2D-2C20F08AA061}"/>
+                <a16:creationId xmlns:a16="http://schemas.microsoft.com/office/drawing/2014/main" id="{5A4A2301-4656-4603-8040-73B427F9F9CA}"/>
               </a:ext>
             </a:extLst>
           </p:cNvPr>
-          <p:cNvSpPr txBox="1"/>
+          <p:cNvCxnSpPr>
+            <a:cxnSpLocks/>
+            <a:stCxn id="70" idx="0"/>
+            <a:endCxn id="155" idx="2"/>
+          </p:cNvCxnSpPr>
           <p:nvPr/>
-        </p:nvSpPr>
-        <p:spPr>
-          <a:xfrm>
-            <a:off x="3615867" y="2289061"/>
-            <a:ext cx="956133" cy="430887"/>
-          </a:xfrm>
-          <a:prstGeom prst="rect">
+        </p:nvCxnSpPr>
+        <p:spPr>
+          <a:xfrm flipV="1">
+            <a:off x="4158341" y="2206807"/>
+            <a:ext cx="1067436" cy="379553"/>
+          </a:xfrm>
+          <a:prstGeom prst="line">
             <a:avLst/>
           </a:prstGeom>
-          <a:noFill/>
-        </p:spPr>
-        <p:txBody>
-          <a:bodyPr wrap="square" rtlCol="0" anchor="ctr">
-            <a:spAutoFit/>
-          </a:bodyPr>
-          <a:lstStyle/>
-          <a:p>
-            <a:pPr algn="ctr"/>
-            <a:r>
-              <a:rPr lang="en-US" altLang="ko-KR" sz="1100"/>
-              <a:t>Discover</a:t>
-            </a:r>
-          </a:p>
-          <a:p>
-            <a:pPr algn="ctr"/>
-            <a:r>
-              <a:rPr lang="en-US" altLang="ko-KR" sz="1100"/>
-              <a:t>Target</a:t>
-            </a:r>
-          </a:p>
-        </p:txBody>
-      </p:sp>
-      <p:grpSp>
-        <p:nvGrpSpPr>
-          <p:cNvPr id="87" name="그룹 86">
+          <a:ln w="19050">
+            <a:solidFill>
+              <a:schemeClr val="tx2"/>
+            </a:solidFill>
+            <a:headEnd type="none" w="med" len="med"/>
+            <a:tailEnd type="arrow" w="med" len="med"/>
+          </a:ln>
+        </p:spPr>
+        <p:style>
+          <a:lnRef idx="1">
+            <a:schemeClr val="accent1"/>
+          </a:lnRef>
+          <a:fillRef idx="0">
+            <a:schemeClr val="accent1"/>
+          </a:fillRef>
+          <a:effectRef idx="0">
+            <a:schemeClr val="accent1"/>
+          </a:effectRef>
+          <a:fontRef idx="minor">
+            <a:schemeClr val="tx1"/>
+          </a:fontRef>
+        </p:style>
+      </p:cxnSp>
+      <p:cxnSp>
+        <p:nvCxnSpPr>
+          <p:cNvPr id="71" name="직선 연결선 70">
             <a:extLst>
               <a:ext uri="{FF2B5EF4-FFF2-40B4-BE49-F238E27FC236}">
-                <a16:creationId xmlns:a16="http://schemas.microsoft.com/office/drawing/2014/main" id="{6D93933C-A081-4B3D-A7A4-5EE58235C2F8}"/>
+                <a16:creationId xmlns:a16="http://schemas.microsoft.com/office/drawing/2014/main" id="{D9BDD1C0-6890-43C4-8EA9-B4D79FCA5E17}"/>
               </a:ext>
             </a:extLst>
           </p:cNvPr>
-          <p:cNvGrpSpPr/>
+          <p:cNvCxnSpPr>
+            <a:cxnSpLocks/>
+            <a:stCxn id="70" idx="0"/>
+            <a:endCxn id="101" idx="2"/>
+          </p:cNvCxnSpPr>
           <p:nvPr/>
-        </p:nvGrpSpPr>
-        <p:grpSpPr>
-          <a:xfrm>
-            <a:off x="7361336" y="1525074"/>
-            <a:ext cx="300112" cy="65162"/>
-            <a:chOff x="8028384" y="1512622"/>
-            <a:chExt cx="300112" cy="65162"/>
-          </a:xfrm>
-        </p:grpSpPr>
-        <p:sp>
-          <p:nvSpPr>
-            <p:cNvPr id="83" name="타원 82">
-              <a:extLst>
-                <a:ext uri="{FF2B5EF4-FFF2-40B4-BE49-F238E27FC236}">
-                  <a16:creationId xmlns:a16="http://schemas.microsoft.com/office/drawing/2014/main" id="{62B353D5-094C-4AD9-9694-75ED17E5A362}"/>
-                </a:ext>
-              </a:extLst>
-            </p:cNvPr>
-            <p:cNvSpPr/>
-            <p:nvPr/>
-          </p:nvSpPr>
-          <p:spPr>
-            <a:xfrm>
-              <a:off x="8028384" y="1512622"/>
-              <a:ext cx="65162" cy="65162"/>
-            </a:xfrm>
-            <a:prstGeom prst="ellipse">
-              <a:avLst/>
-            </a:prstGeom>
+        </p:nvCxnSpPr>
+        <p:spPr>
+          <a:xfrm flipH="1" flipV="1">
+            <a:off x="3080830" y="2207706"/>
+            <a:ext cx="1077511" cy="378654"/>
+          </a:xfrm>
+          <a:prstGeom prst="line">
+            <a:avLst/>
+          </a:prstGeom>
+          <a:ln w="19050">
             <a:solidFill>
-              <a:schemeClr val="tx1"/>
+              <a:schemeClr val="tx2"/>
             </a:solidFill>
-            <a:ln>
-              <a:noFill/>
-            </a:ln>
-          </p:spPr>
-          <p:style>
-            <a:lnRef idx="2">
-              <a:schemeClr val="accent1">
-                <a:shade val="50000"/>
-              </a:schemeClr>
-            </a:lnRef>
-            <a:fillRef idx="1">
-              <a:schemeClr val="accent1"/>
-            </a:fillRef>
-            <a:effectRef idx="0">
-              <a:schemeClr val="accent1"/>
-            </a:effectRef>
-            <a:fontRef idx="minor">
-              <a:schemeClr val="lt1"/>
-            </a:fontRef>
-          </p:style>
-          <p:txBody>
-            <a:bodyPr rtlCol="0" anchor="ctr"/>
-            <a:lstStyle/>
-            <a:p>
-              <a:pPr algn="ctr"/>
-              <a:endParaRPr lang="ko-KR" altLang="en-US"/>
-            </a:p>
-          </p:txBody>
-        </p:sp>
-        <p:sp>
-          <p:nvSpPr>
-            <p:cNvPr id="85" name="타원 84">
-              <a:extLst>
-                <a:ext uri="{FF2B5EF4-FFF2-40B4-BE49-F238E27FC236}">
-                  <a16:creationId xmlns:a16="http://schemas.microsoft.com/office/drawing/2014/main" id="{FAD9CEB6-092F-44D5-87DF-78B16081C41E}"/>
-                </a:ext>
-              </a:extLst>
-            </p:cNvPr>
-            <p:cNvSpPr/>
-            <p:nvPr/>
-          </p:nvSpPr>
-          <p:spPr>
-            <a:xfrm>
-              <a:off x="8142684" y="1512622"/>
-              <a:ext cx="65162" cy="65162"/>
-            </a:xfrm>
-            <a:prstGeom prst="ellipse">
-              <a:avLst/>
-            </a:prstGeom>
-            <a:solidFill>
-              <a:schemeClr val="tx1"/>
-            </a:solidFill>
-            <a:ln>
-              <a:noFill/>
-            </a:ln>
-          </p:spPr>
-          <p:style>
-            <a:lnRef idx="2">
-              <a:schemeClr val="accent1">
-                <a:shade val="50000"/>
-              </a:schemeClr>
-            </a:lnRef>
-            <a:fillRef idx="1">
-              <a:schemeClr val="accent1"/>
-            </a:fillRef>
-            <a:effectRef idx="0">
-              <a:schemeClr val="accent1"/>
-            </a:effectRef>
-            <a:fontRef idx="minor">
-              <a:schemeClr val="lt1"/>
-            </a:fontRef>
-          </p:style>
-          <p:txBody>
-            <a:bodyPr rtlCol="0" anchor="ctr"/>
-            <a:lstStyle/>
-            <a:p>
-              <a:pPr algn="ctr"/>
-              <a:endParaRPr lang="ko-KR" altLang="en-US"/>
-            </a:p>
-          </p:txBody>
-        </p:sp>
-        <p:sp>
-          <p:nvSpPr>
-            <p:cNvPr id="86" name="타원 85">
-              <a:extLst>
-                <a:ext uri="{FF2B5EF4-FFF2-40B4-BE49-F238E27FC236}">
-                  <a16:creationId xmlns:a16="http://schemas.microsoft.com/office/drawing/2014/main" id="{C172A9BE-1D80-4957-BB0D-569446934DDA}"/>
-                </a:ext>
-              </a:extLst>
-            </p:cNvPr>
-            <p:cNvSpPr/>
-            <p:nvPr/>
-          </p:nvSpPr>
-          <p:spPr>
-            <a:xfrm>
-              <a:off x="8263334" y="1512622"/>
-              <a:ext cx="65162" cy="65162"/>
-            </a:xfrm>
-            <a:prstGeom prst="ellipse">
-              <a:avLst/>
-            </a:prstGeom>
-            <a:solidFill>
-              <a:schemeClr val="tx1"/>
-            </a:solidFill>
-            <a:ln>
-              <a:noFill/>
-            </a:ln>
-          </p:spPr>
-          <p:style>
-            <a:lnRef idx="2">
-              <a:schemeClr val="accent1">
-                <a:shade val="50000"/>
-              </a:schemeClr>
-            </a:lnRef>
-            <a:fillRef idx="1">
-              <a:schemeClr val="accent1"/>
-            </a:fillRef>
-            <a:effectRef idx="0">
-              <a:schemeClr val="accent1"/>
-            </a:effectRef>
-            <a:fontRef idx="minor">
-              <a:schemeClr val="lt1"/>
-            </a:fontRef>
-          </p:style>
-          <p:txBody>
-            <a:bodyPr rtlCol="0" anchor="ctr"/>
-            <a:lstStyle/>
-            <a:p>
-              <a:pPr algn="ctr"/>
-              <a:endParaRPr lang="ko-KR" altLang="en-US"/>
-            </a:p>
-          </p:txBody>
-        </p:sp>
-      </p:grpSp>
-      <p:sp>
-        <p:nvSpPr>
-          <p:cNvPr id="89" name="사각형: 둥근 모서리 88">
+            <a:headEnd type="none" w="med" len="med"/>
+            <a:tailEnd type="arrow" w="med" len="med"/>
+          </a:ln>
+        </p:spPr>
+        <p:style>
+          <a:lnRef idx="1">
+            <a:schemeClr val="accent1"/>
+          </a:lnRef>
+          <a:fillRef idx="0">
+            <a:schemeClr val="accent1"/>
+          </a:fillRef>
+          <a:effectRef idx="0">
+            <a:schemeClr val="accent1"/>
+          </a:effectRef>
+          <a:fontRef idx="minor">
+            <a:schemeClr val="tx1"/>
+          </a:fontRef>
+        </p:style>
+      </p:cxnSp>
+      <p:sp>
+        <p:nvSpPr>
+          <p:cNvPr id="74" name="사각형: 둥근 모서리 73">
             <a:extLst>
               <a:ext uri="{FF2B5EF4-FFF2-40B4-BE49-F238E27FC236}">
-                <a16:creationId xmlns:a16="http://schemas.microsoft.com/office/drawing/2014/main" id="{F599F04D-2644-48AC-B1EE-128A3574817B}"/>
+                <a16:creationId xmlns:a16="http://schemas.microsoft.com/office/drawing/2014/main" id="{2BF776DC-7C24-4EE0-AB95-2F3D82079C82}"/>
               </a:ext>
             </a:extLst>
           </p:cNvPr>
@@ -4845,17 +5175,15 @@
         </p:nvSpPr>
         <p:spPr>
           <a:xfrm>
-            <a:off x="2824832" y="784002"/>
-            <a:ext cx="2407940" cy="1355700"/>
+            <a:off x="3521685" y="859444"/>
+            <a:ext cx="1263236" cy="527174"/>
           </a:xfrm>
           <a:prstGeom prst="roundRect">
             <a:avLst>
-              <a:gd name="adj" fmla="val 4089"/>
+              <a:gd name="adj" fmla="val 7693"/>
             </a:avLst>
           </a:prstGeom>
-          <a:ln>
-            <a:prstDash val="dash"/>
-          </a:ln>
+          <a:noFill/>
         </p:spPr>
         <p:style>
           <a:lnRef idx="2">
@@ -4872,572 +5200,45 @@
           </a:fontRef>
         </p:style>
         <p:txBody>
-          <a:bodyPr rtlCol="0" anchor="t"/>
+          <a:bodyPr rtlCol="0" anchor="ctr"/>
           <a:lstStyle/>
           <a:p>
             <a:pPr algn="ctr"/>
             <a:r>
-              <a:rPr lang="en-US" altLang="ko-KR" sz="1200" b="1"/>
-              <a:t>Target (Service)</a:t>
-            </a:r>
-            <a:endParaRPr lang="ko-KR" altLang="en-US" sz="1200" b="1"/>
-          </a:p>
-        </p:txBody>
-      </p:sp>
-      <p:sp>
-        <p:nvSpPr>
-          <p:cNvPr id="90" name="사각형: 둥근 모서리 89">
+              <a:rPr lang="en-US" altLang="ko-KR" sz="1200"/>
+              <a:t>Alert</a:t>
+            </a:r>
+          </a:p>
+          <a:p>
+            <a:pPr algn="ctr"/>
+            <a:r>
+              <a:rPr lang="en-US" altLang="ko-KR" sz="1200"/>
+              <a:t>Destination</a:t>
+            </a:r>
+            <a:endParaRPr lang="ko-KR" altLang="en-US" sz="1200"/>
+          </a:p>
+        </p:txBody>
+      </p:sp>
+      <p:cxnSp>
+        <p:nvCxnSpPr>
+          <p:cNvPr id="75" name="직선 연결선 74">
             <a:extLst>
               <a:ext uri="{FF2B5EF4-FFF2-40B4-BE49-F238E27FC236}">
-                <a16:creationId xmlns:a16="http://schemas.microsoft.com/office/drawing/2014/main" id="{851A06A8-B56F-4B90-B837-1E60F93631F0}"/>
-              </a:ext>
-            </a:extLst>
-          </p:cNvPr>
-          <p:cNvSpPr/>
-          <p:nvPr/>
-        </p:nvSpPr>
-        <p:spPr>
-          <a:xfrm>
-            <a:off x="2926149" y="1096318"/>
-            <a:ext cx="870792" cy="409160"/>
-          </a:xfrm>
-          <a:prstGeom prst="roundRect">
-            <a:avLst>
-              <a:gd name="adj" fmla="val 5026"/>
-            </a:avLst>
-          </a:prstGeom>
-        </p:spPr>
-        <p:style>
-          <a:lnRef idx="2">
-            <a:schemeClr val="dk1"/>
-          </a:lnRef>
-          <a:fillRef idx="1">
-            <a:schemeClr val="lt1"/>
-          </a:fillRef>
-          <a:effectRef idx="0">
-            <a:schemeClr val="dk1"/>
-          </a:effectRef>
-          <a:fontRef idx="minor">
-            <a:schemeClr val="dk1"/>
-          </a:fontRef>
-        </p:style>
-        <p:txBody>
-          <a:bodyPr rtlCol="0" anchor="ctr"/>
-          <a:lstStyle/>
-          <a:p>
-            <a:pPr algn="ctr"/>
-            <a:r>
-              <a:rPr lang="en-US" altLang="ko-KR" sz="1100"/>
-              <a:t>K8s</a:t>
-            </a:r>
-            <a:endParaRPr lang="ko-KR" altLang="en-US" sz="1100"/>
-          </a:p>
-        </p:txBody>
-      </p:sp>
-      <p:sp>
-        <p:nvSpPr>
-          <p:cNvPr id="91" name="사각형: 둥근 모서리 90">
-            <a:extLst>
-              <a:ext uri="{FF2B5EF4-FFF2-40B4-BE49-F238E27FC236}">
-                <a16:creationId xmlns:a16="http://schemas.microsoft.com/office/drawing/2014/main" id="{8F9A2416-E287-4B25-9471-9B1ACAB48E5E}"/>
-              </a:ext>
-            </a:extLst>
-          </p:cNvPr>
-          <p:cNvSpPr/>
-          <p:nvPr/>
-        </p:nvSpPr>
-        <p:spPr>
-          <a:xfrm>
-            <a:off x="3898257" y="1096318"/>
-            <a:ext cx="870792" cy="409160"/>
-          </a:xfrm>
-          <a:prstGeom prst="roundRect">
-            <a:avLst>
-              <a:gd name="adj" fmla="val 5026"/>
-            </a:avLst>
-          </a:prstGeom>
-        </p:spPr>
-        <p:style>
-          <a:lnRef idx="2">
-            <a:schemeClr val="dk1"/>
-          </a:lnRef>
-          <a:fillRef idx="1">
-            <a:schemeClr val="lt1"/>
-          </a:fillRef>
-          <a:effectRef idx="0">
-            <a:schemeClr val="dk1"/>
-          </a:effectRef>
-          <a:fontRef idx="minor">
-            <a:schemeClr val="dk1"/>
-          </a:fontRef>
-        </p:style>
-        <p:txBody>
-          <a:bodyPr rtlCol="0" anchor="ctr"/>
-          <a:lstStyle/>
-          <a:p>
-            <a:pPr algn="ctr"/>
-            <a:r>
-              <a:rPr lang="en-US" altLang="ko-KR" sz="1100"/>
-              <a:t>Marathon</a:t>
-            </a:r>
-            <a:endParaRPr lang="ko-KR" altLang="en-US" sz="1100"/>
-          </a:p>
-        </p:txBody>
-      </p:sp>
-      <p:sp>
-        <p:nvSpPr>
-          <p:cNvPr id="92" name="사각형: 둥근 모서리 91">
-            <a:extLst>
-              <a:ext uri="{FF2B5EF4-FFF2-40B4-BE49-F238E27FC236}">
-                <a16:creationId xmlns:a16="http://schemas.microsoft.com/office/drawing/2014/main" id="{984C2891-9887-498A-AEA2-623B339C4B37}"/>
-              </a:ext>
-            </a:extLst>
-          </p:cNvPr>
-          <p:cNvSpPr/>
-          <p:nvPr/>
-        </p:nvSpPr>
-        <p:spPr>
-          <a:xfrm>
-            <a:off x="3898257" y="1626872"/>
-            <a:ext cx="870792" cy="409160"/>
-          </a:xfrm>
-          <a:prstGeom prst="roundRect">
-            <a:avLst>
-              <a:gd name="adj" fmla="val 5026"/>
-            </a:avLst>
-          </a:prstGeom>
-        </p:spPr>
-        <p:style>
-          <a:lnRef idx="2">
-            <a:schemeClr val="dk1"/>
-          </a:lnRef>
-          <a:fillRef idx="1">
-            <a:schemeClr val="lt1"/>
-          </a:fillRef>
-          <a:effectRef idx="0">
-            <a:schemeClr val="dk1"/>
-          </a:effectRef>
-          <a:fontRef idx="minor">
-            <a:schemeClr val="dk1"/>
-          </a:fontRef>
-        </p:style>
-        <p:txBody>
-          <a:bodyPr rtlCol="0" anchor="ctr"/>
-          <a:lstStyle/>
-          <a:p>
-            <a:pPr algn="ctr"/>
-            <a:r>
-              <a:rPr lang="en-US" altLang="ko-KR" sz="1100"/>
-              <a:t>Openstack</a:t>
-            </a:r>
-            <a:endParaRPr lang="ko-KR" altLang="en-US" sz="1100"/>
-          </a:p>
-        </p:txBody>
-      </p:sp>
-      <p:sp>
-        <p:nvSpPr>
-          <p:cNvPr id="93" name="사각형: 둥근 모서리 92">
-            <a:extLst>
-              <a:ext uri="{FF2B5EF4-FFF2-40B4-BE49-F238E27FC236}">
-                <a16:creationId xmlns:a16="http://schemas.microsoft.com/office/drawing/2014/main" id="{A91C243E-D359-4C75-86AC-463738444E5C}"/>
-              </a:ext>
-            </a:extLst>
-          </p:cNvPr>
-          <p:cNvSpPr/>
-          <p:nvPr/>
-        </p:nvSpPr>
-        <p:spPr>
-          <a:xfrm>
-            <a:off x="2926149" y="1628590"/>
-            <a:ext cx="870792" cy="409160"/>
-          </a:xfrm>
-          <a:prstGeom prst="roundRect">
-            <a:avLst>
-              <a:gd name="adj" fmla="val 5026"/>
-            </a:avLst>
-          </a:prstGeom>
-        </p:spPr>
-        <p:style>
-          <a:lnRef idx="2">
-            <a:schemeClr val="dk1"/>
-          </a:lnRef>
-          <a:fillRef idx="1">
-            <a:schemeClr val="lt1"/>
-          </a:fillRef>
-          <a:effectRef idx="0">
-            <a:schemeClr val="dk1"/>
-          </a:effectRef>
-          <a:fontRef idx="minor">
-            <a:schemeClr val="dk1"/>
-          </a:fontRef>
-        </p:style>
-        <p:txBody>
-          <a:bodyPr rtlCol="0" anchor="ctr"/>
-          <a:lstStyle/>
-          <a:p>
-            <a:pPr algn="ctr"/>
-            <a:r>
-              <a:rPr lang="en-US" altLang="ko-KR" sz="1100"/>
-              <a:t>DNS</a:t>
-            </a:r>
-            <a:endParaRPr lang="ko-KR" altLang="en-US" sz="1100"/>
-          </a:p>
-        </p:txBody>
-      </p:sp>
-      <p:grpSp>
-        <p:nvGrpSpPr>
-          <p:cNvPr id="94" name="그룹 93">
-            <a:extLst>
-              <a:ext uri="{FF2B5EF4-FFF2-40B4-BE49-F238E27FC236}">
-                <a16:creationId xmlns:a16="http://schemas.microsoft.com/office/drawing/2014/main" id="{4E8865B4-7B80-4FB5-A700-56A5477A29E5}"/>
-              </a:ext>
-            </a:extLst>
-          </p:cNvPr>
-          <p:cNvGrpSpPr/>
-          <p:nvPr/>
-        </p:nvGrpSpPr>
-        <p:grpSpPr>
-          <a:xfrm>
-            <a:off x="4841056" y="1525074"/>
-            <a:ext cx="300112" cy="65162"/>
-            <a:chOff x="8028384" y="1512622"/>
-            <a:chExt cx="300112" cy="65162"/>
-          </a:xfrm>
-        </p:grpSpPr>
-        <p:sp>
-          <p:nvSpPr>
-            <p:cNvPr id="95" name="타원 94">
-              <a:extLst>
-                <a:ext uri="{FF2B5EF4-FFF2-40B4-BE49-F238E27FC236}">
-                  <a16:creationId xmlns:a16="http://schemas.microsoft.com/office/drawing/2014/main" id="{D15D6868-55C0-4759-B71F-FECC5C06BBCC}"/>
-                </a:ext>
-              </a:extLst>
-            </p:cNvPr>
-            <p:cNvSpPr/>
-            <p:nvPr/>
-          </p:nvSpPr>
-          <p:spPr>
-            <a:xfrm>
-              <a:off x="8028384" y="1512622"/>
-              <a:ext cx="65162" cy="65162"/>
-            </a:xfrm>
-            <a:prstGeom prst="ellipse">
-              <a:avLst/>
-            </a:prstGeom>
-            <a:solidFill>
-              <a:schemeClr val="tx1"/>
-            </a:solidFill>
-            <a:ln>
-              <a:noFill/>
-            </a:ln>
-          </p:spPr>
-          <p:style>
-            <a:lnRef idx="2">
-              <a:schemeClr val="accent1">
-                <a:shade val="50000"/>
-              </a:schemeClr>
-            </a:lnRef>
-            <a:fillRef idx="1">
-              <a:schemeClr val="accent1"/>
-            </a:fillRef>
-            <a:effectRef idx="0">
-              <a:schemeClr val="accent1"/>
-            </a:effectRef>
-            <a:fontRef idx="minor">
-              <a:schemeClr val="lt1"/>
-            </a:fontRef>
-          </p:style>
-          <p:txBody>
-            <a:bodyPr rtlCol="0" anchor="ctr"/>
-            <a:lstStyle/>
-            <a:p>
-              <a:pPr algn="ctr"/>
-              <a:endParaRPr lang="ko-KR" altLang="en-US"/>
-            </a:p>
-          </p:txBody>
-        </p:sp>
-        <p:sp>
-          <p:nvSpPr>
-            <p:cNvPr id="96" name="타원 95">
-              <a:extLst>
-                <a:ext uri="{FF2B5EF4-FFF2-40B4-BE49-F238E27FC236}">
-                  <a16:creationId xmlns:a16="http://schemas.microsoft.com/office/drawing/2014/main" id="{E5A9B3AD-3E88-4EF9-B640-128F21A827A0}"/>
-                </a:ext>
-              </a:extLst>
-            </p:cNvPr>
-            <p:cNvSpPr/>
-            <p:nvPr/>
-          </p:nvSpPr>
-          <p:spPr>
-            <a:xfrm>
-              <a:off x="8142684" y="1512622"/>
-              <a:ext cx="65162" cy="65162"/>
-            </a:xfrm>
-            <a:prstGeom prst="ellipse">
-              <a:avLst/>
-            </a:prstGeom>
-            <a:solidFill>
-              <a:schemeClr val="tx1"/>
-            </a:solidFill>
-            <a:ln>
-              <a:noFill/>
-            </a:ln>
-          </p:spPr>
-          <p:style>
-            <a:lnRef idx="2">
-              <a:schemeClr val="accent1">
-                <a:shade val="50000"/>
-              </a:schemeClr>
-            </a:lnRef>
-            <a:fillRef idx="1">
-              <a:schemeClr val="accent1"/>
-            </a:fillRef>
-            <a:effectRef idx="0">
-              <a:schemeClr val="accent1"/>
-            </a:effectRef>
-            <a:fontRef idx="minor">
-              <a:schemeClr val="lt1"/>
-            </a:fontRef>
-          </p:style>
-          <p:txBody>
-            <a:bodyPr rtlCol="0" anchor="ctr"/>
-            <a:lstStyle/>
-            <a:p>
-              <a:pPr algn="ctr"/>
-              <a:endParaRPr lang="ko-KR" altLang="en-US"/>
-            </a:p>
-          </p:txBody>
-        </p:sp>
-        <p:sp>
-          <p:nvSpPr>
-            <p:cNvPr id="97" name="타원 96">
-              <a:extLst>
-                <a:ext uri="{FF2B5EF4-FFF2-40B4-BE49-F238E27FC236}">
-                  <a16:creationId xmlns:a16="http://schemas.microsoft.com/office/drawing/2014/main" id="{185DA695-3263-4F65-87EF-6727D2E80F19}"/>
-                </a:ext>
-              </a:extLst>
-            </p:cNvPr>
-            <p:cNvSpPr/>
-            <p:nvPr/>
-          </p:nvSpPr>
-          <p:spPr>
-            <a:xfrm>
-              <a:off x="8263334" y="1512622"/>
-              <a:ext cx="65162" cy="65162"/>
-            </a:xfrm>
-            <a:prstGeom prst="ellipse">
-              <a:avLst/>
-            </a:prstGeom>
-            <a:solidFill>
-              <a:schemeClr val="tx1"/>
-            </a:solidFill>
-            <a:ln>
-              <a:noFill/>
-            </a:ln>
-          </p:spPr>
-          <p:style>
-            <a:lnRef idx="2">
-              <a:schemeClr val="accent1">
-                <a:shade val="50000"/>
-              </a:schemeClr>
-            </a:lnRef>
-            <a:fillRef idx="1">
-              <a:schemeClr val="accent1"/>
-            </a:fillRef>
-            <a:effectRef idx="0">
-              <a:schemeClr val="accent1"/>
-            </a:effectRef>
-            <a:fontRef idx="minor">
-              <a:schemeClr val="lt1"/>
-            </a:fontRef>
-          </p:style>
-          <p:txBody>
-            <a:bodyPr rtlCol="0" anchor="ctr"/>
-            <a:lstStyle/>
-            <a:p>
-              <a:pPr algn="ctr"/>
-              <a:endParaRPr lang="ko-KR" altLang="en-US"/>
-            </a:p>
-          </p:txBody>
-        </p:sp>
-      </p:grpSp>
-      <p:sp>
-        <p:nvSpPr>
-          <p:cNvPr id="106" name="사각형: 둥근 모서리 105">
-            <a:extLst>
-              <a:ext uri="{FF2B5EF4-FFF2-40B4-BE49-F238E27FC236}">
-                <a16:creationId xmlns:a16="http://schemas.microsoft.com/office/drawing/2014/main" id="{73AF33D7-79AA-4C7F-B935-09D342451698}"/>
-              </a:ext>
-            </a:extLst>
-          </p:cNvPr>
-          <p:cNvSpPr/>
-          <p:nvPr/>
-        </p:nvSpPr>
-        <p:spPr>
-          <a:xfrm>
-            <a:off x="4682077" y="3045736"/>
-            <a:ext cx="968371" cy="409160"/>
-          </a:xfrm>
-          <a:prstGeom prst="roundRect">
-            <a:avLst>
-              <a:gd name="adj" fmla="val 5026"/>
-            </a:avLst>
-          </a:prstGeom>
-        </p:spPr>
-        <p:style>
-          <a:lnRef idx="2">
-            <a:schemeClr val="dk1"/>
-          </a:lnRef>
-          <a:fillRef idx="1">
-            <a:schemeClr val="lt1"/>
-          </a:fillRef>
-          <a:effectRef idx="0">
-            <a:schemeClr val="dk1"/>
-          </a:effectRef>
-          <a:fontRef idx="minor">
-            <a:schemeClr val="dk1"/>
-          </a:fontRef>
-        </p:style>
-        <p:txBody>
-          <a:bodyPr rtlCol="0" anchor="ctr"/>
-          <a:lstStyle/>
-          <a:p>
-            <a:pPr algn="ctr"/>
-            <a:r>
-              <a:rPr lang="en-US" altLang="ko-KR" sz="1200"/>
-              <a:t>Rule Manager</a:t>
-            </a:r>
-            <a:endParaRPr lang="ko-KR" altLang="en-US" sz="1200"/>
-          </a:p>
-        </p:txBody>
-      </p:sp>
-      <p:sp>
-        <p:nvSpPr>
-          <p:cNvPr id="115" name="사각형: 둥근 모서리 114">
-            <a:extLst>
-              <a:ext uri="{FF2B5EF4-FFF2-40B4-BE49-F238E27FC236}">
-                <a16:creationId xmlns:a16="http://schemas.microsoft.com/office/drawing/2014/main" id="{B038B081-D7FD-43E1-8F07-F4EEE3A7A276}"/>
-              </a:ext>
-            </a:extLst>
-          </p:cNvPr>
-          <p:cNvSpPr/>
-          <p:nvPr/>
-        </p:nvSpPr>
-        <p:spPr>
-          <a:xfrm>
-            <a:off x="3103900" y="3550040"/>
-            <a:ext cx="1189809" cy="480470"/>
-          </a:xfrm>
-          <a:prstGeom prst="roundRect">
-            <a:avLst>
-              <a:gd name="adj" fmla="val 5026"/>
-            </a:avLst>
-          </a:prstGeom>
-        </p:spPr>
-        <p:style>
-          <a:lnRef idx="2">
-            <a:schemeClr val="dk1"/>
-          </a:lnRef>
-          <a:fillRef idx="1">
-            <a:schemeClr val="lt1"/>
-          </a:fillRef>
-          <a:effectRef idx="0">
-            <a:schemeClr val="dk1"/>
-          </a:effectRef>
-          <a:fontRef idx="minor">
-            <a:schemeClr val="dk1"/>
-          </a:fontRef>
-        </p:style>
-        <p:txBody>
-          <a:bodyPr rtlCol="0" anchor="ctr"/>
-          <a:lstStyle/>
-          <a:p>
-            <a:pPr algn="ctr"/>
-            <a:r>
-              <a:rPr lang="en-US" altLang="ko-KR" sz="1200"/>
-              <a:t>Local Storage </a:t>
-            </a:r>
-          </a:p>
-          <a:p>
-            <a:pPr algn="ctr"/>
-            <a:r>
-              <a:rPr lang="en-US" altLang="ko-KR" sz="1200"/>
-              <a:t>(TSDB)</a:t>
-            </a:r>
-            <a:endParaRPr lang="ko-KR" altLang="en-US" sz="1200"/>
-          </a:p>
-        </p:txBody>
-      </p:sp>
-      <p:sp>
-        <p:nvSpPr>
-          <p:cNvPr id="120" name="사각형: 둥근 모서리 119">
-            <a:extLst>
-              <a:ext uri="{FF2B5EF4-FFF2-40B4-BE49-F238E27FC236}">
-                <a16:creationId xmlns:a16="http://schemas.microsoft.com/office/drawing/2014/main" id="{8F5762BA-1C69-4353-A60F-2E13D0CB0F73}"/>
-              </a:ext>
-            </a:extLst>
-          </p:cNvPr>
-          <p:cNvSpPr/>
-          <p:nvPr/>
-        </p:nvSpPr>
-        <p:spPr>
-          <a:xfrm>
-            <a:off x="1187624" y="3424592"/>
-            <a:ext cx="1287693" cy="409160"/>
-          </a:xfrm>
-          <a:prstGeom prst="roundRect">
-            <a:avLst>
-              <a:gd name="adj" fmla="val 8130"/>
-            </a:avLst>
-          </a:prstGeom>
-        </p:spPr>
-        <p:style>
-          <a:lnRef idx="2">
-            <a:schemeClr val="dk1"/>
-          </a:lnRef>
-          <a:fillRef idx="1">
-            <a:schemeClr val="lt1"/>
-          </a:fillRef>
-          <a:effectRef idx="0">
-            <a:schemeClr val="dk1"/>
-          </a:effectRef>
-          <a:fontRef idx="minor">
-            <a:schemeClr val="dk1"/>
-          </a:fontRef>
-        </p:style>
-        <p:txBody>
-          <a:bodyPr rtlCol="0" anchor="ctr"/>
-          <a:lstStyle/>
-          <a:p>
-            <a:pPr algn="ctr"/>
-            <a:r>
-              <a:rPr lang="en-US" altLang="ko-KR" sz="1200"/>
-              <a:t>Target</a:t>
-            </a:r>
-            <a:endParaRPr lang="ko-KR" altLang="en-US" sz="1200"/>
-          </a:p>
-        </p:txBody>
-      </p:sp>
-      <p:cxnSp>
-        <p:nvCxnSpPr>
-          <p:cNvPr id="143" name="직선 연결선 142">
-            <a:extLst>
-              <a:ext uri="{FF2B5EF4-FFF2-40B4-BE49-F238E27FC236}">
-                <a16:creationId xmlns:a16="http://schemas.microsoft.com/office/drawing/2014/main" id="{AA349B72-6A93-444D-90E8-1502C2392575}"/>
+                <a16:creationId xmlns:a16="http://schemas.microsoft.com/office/drawing/2014/main" id="{9CE1D8F8-E3D3-413D-B103-A921E47F6897}"/>
               </a:ext>
             </a:extLst>
           </p:cNvPr>
           <p:cNvCxnSpPr>
             <a:cxnSpLocks/>
-            <a:stCxn id="106" idx="0"/>
-            <a:endCxn id="64" idx="2"/>
+            <a:stCxn id="101" idx="0"/>
+            <a:endCxn id="74" idx="2"/>
           </p:cNvCxnSpPr>
           <p:nvPr/>
         </p:nvCxnSpPr>
         <p:spPr>
           <a:xfrm flipV="1">
-            <a:off x="5166263" y="2787774"/>
-            <a:ext cx="1672" cy="257962"/>
+            <a:off x="3080830" y="1386618"/>
+            <a:ext cx="1072473" cy="293914"/>
           </a:xfrm>
           <a:prstGeom prst="line">
             <a:avLst/>
@@ -5467,35 +5268,33 @@
       </p:cxnSp>
       <p:cxnSp>
         <p:nvCxnSpPr>
-          <p:cNvPr id="147" name="직선 연결선 146">
+          <p:cNvPr id="80" name="직선 연결선 79">
             <a:extLst>
               <a:ext uri="{FF2B5EF4-FFF2-40B4-BE49-F238E27FC236}">
-                <a16:creationId xmlns:a16="http://schemas.microsoft.com/office/drawing/2014/main" id="{0F5B454A-48F1-4EEA-A139-892A1DCD95F8}"/>
+                <a16:creationId xmlns:a16="http://schemas.microsoft.com/office/drawing/2014/main" id="{C8A43A93-3014-4DD5-896C-BBE56D835828}"/>
               </a:ext>
             </a:extLst>
           </p:cNvPr>
           <p:cNvCxnSpPr>
             <a:cxnSpLocks/>
-            <a:stCxn id="73" idx="0"/>
-            <a:endCxn id="106" idx="2"/>
+            <a:stCxn id="155" idx="0"/>
+            <a:endCxn id="74" idx="2"/>
           </p:cNvCxnSpPr>
           <p:nvPr/>
         </p:nvCxnSpPr>
         <p:spPr>
-          <a:xfrm flipV="1">
-            <a:off x="5165704" y="3454896"/>
-            <a:ext cx="559" cy="260034"/>
+          <a:xfrm flipH="1" flipV="1">
+            <a:off x="4153303" y="1386618"/>
+            <a:ext cx="1072474" cy="293015"/>
           </a:xfrm>
           <a:prstGeom prst="line">
             <a:avLst/>
           </a:prstGeom>
           <a:ln w="19050">
             <a:solidFill>
-              <a:schemeClr val="accent3">
-                <a:lumMod val="75000"/>
-              </a:schemeClr>
+              <a:schemeClr val="tx2"/>
             </a:solidFill>
-            <a:headEnd type="arrow" w="med" len="med"/>
+            <a:headEnd type="none" w="med" len="med"/>
             <a:tailEnd type="arrow" w="med" len="med"/>
           </a:ln>
         </p:spPr>
@@ -5514,78 +5313,33 @@
           </a:fontRef>
         </p:style>
       </p:cxnSp>
-      <p:sp>
-        <p:nvSpPr>
-          <p:cNvPr id="171" name="TextBox 170">
+      <p:cxnSp>
+        <p:nvCxnSpPr>
+          <p:cNvPr id="84" name="직선 연결선 83">
             <a:extLst>
               <a:ext uri="{FF2B5EF4-FFF2-40B4-BE49-F238E27FC236}">
-                <a16:creationId xmlns:a16="http://schemas.microsoft.com/office/drawing/2014/main" id="{36B5238E-0B20-41BA-A95E-71AA4273064E}"/>
-              </a:ext>
-            </a:extLst>
-          </p:cNvPr>
-          <p:cNvSpPr txBox="1"/>
-          <p:nvPr/>
-        </p:nvSpPr>
-        <p:spPr>
-          <a:xfrm>
-            <a:off x="2175707" y="2598172"/>
-            <a:ext cx="956133" cy="261610"/>
-          </a:xfrm>
-          <a:prstGeom prst="rect">
-            <a:avLst/>
-          </a:prstGeom>
-          <a:noFill/>
-        </p:spPr>
-        <p:txBody>
-          <a:bodyPr wrap="square" rtlCol="0" anchor="ctr">
-            <a:spAutoFit/>
-          </a:bodyPr>
-          <a:lstStyle/>
-          <a:p>
-            <a:pPr algn="ctr"/>
-            <a:r>
-              <a:rPr lang="en-US" altLang="ko-KR" sz="1100" b="1">
-                <a:solidFill>
-                  <a:srgbClr val="C00000"/>
-                </a:solidFill>
-              </a:rPr>
-              <a:t>Pull</a:t>
-            </a:r>
-            <a:endParaRPr lang="ko-KR" altLang="en-US" sz="1100" b="1">
-              <a:solidFill>
-                <a:srgbClr val="C00000"/>
-              </a:solidFill>
-            </a:endParaRPr>
-          </a:p>
-        </p:txBody>
-      </p:sp>
-      <p:cxnSp>
-        <p:nvCxnSpPr>
-          <p:cNvPr id="172" name="직선 연결선 171">
-            <a:extLst>
-              <a:ext uri="{FF2B5EF4-FFF2-40B4-BE49-F238E27FC236}">
-                <a16:creationId xmlns:a16="http://schemas.microsoft.com/office/drawing/2014/main" id="{8B05DCE3-1A7F-4675-BA69-F508B340EE39}"/>
+                <a16:creationId xmlns:a16="http://schemas.microsoft.com/office/drawing/2014/main" id="{49461D93-7130-495B-995E-7C44523DD167}"/>
               </a:ext>
             </a:extLst>
           </p:cNvPr>
           <p:cNvCxnSpPr>
             <a:cxnSpLocks/>
-            <a:stCxn id="53" idx="3"/>
-            <a:endCxn id="73" idx="1"/>
+            <a:stCxn id="68" idx="0"/>
+            <a:endCxn id="155" idx="2"/>
           </p:cNvCxnSpPr>
           <p:nvPr/>
         </p:nvCxnSpPr>
         <p:spPr>
-          <a:xfrm>
-            <a:off x="4472557" y="3685289"/>
-            <a:ext cx="208961" cy="234221"/>
+          <a:xfrm flipV="1">
+            <a:off x="1984166" y="2206807"/>
+            <a:ext cx="3241611" cy="388805"/>
           </a:xfrm>
           <a:prstGeom prst="line">
             <a:avLst/>
           </a:prstGeom>
           <a:ln w="19050">
             <a:solidFill>
-              <a:srgbClr val="C00000"/>
+              <a:schemeClr val="tx2"/>
             </a:solidFill>
             <a:headEnd type="none" w="med" len="med"/>
             <a:tailEnd type="arrow" w="med" len="med"/>
@@ -5608,10 +5362,10 @@
       </p:cxnSp>
       <p:grpSp>
         <p:nvGrpSpPr>
-          <p:cNvPr id="250" name="그룹 249">
+          <p:cNvPr id="87" name="그룹 86">
             <a:extLst>
               <a:ext uri="{FF2B5EF4-FFF2-40B4-BE49-F238E27FC236}">
-                <a16:creationId xmlns:a16="http://schemas.microsoft.com/office/drawing/2014/main" id="{61479E87-C41F-4F4C-A32B-76B323DA947C}"/>
+                <a16:creationId xmlns:a16="http://schemas.microsoft.com/office/drawing/2014/main" id="{86955D70-FCB4-4292-BEA3-461839923958}"/>
               </a:ext>
             </a:extLst>
           </p:cNvPr>
@@ -5620,480 +5374,24 @@
         </p:nvGrpSpPr>
         <p:grpSpPr>
           <a:xfrm>
-            <a:off x="5926208" y="2867290"/>
-            <a:ext cx="1598120" cy="1590037"/>
-            <a:chOff x="6358256" y="2757934"/>
-            <a:chExt cx="1598120" cy="1699394"/>
-          </a:xfrm>
-        </p:grpSpPr>
-        <p:sp>
-          <p:nvSpPr>
-            <p:cNvPr id="180" name="사각형: 둥근 모서리 179">
-              <a:extLst>
-                <a:ext uri="{FF2B5EF4-FFF2-40B4-BE49-F238E27FC236}">
-                  <a16:creationId xmlns:a16="http://schemas.microsoft.com/office/drawing/2014/main" id="{2E70D0D8-5548-46F9-8330-ADBA73172C91}"/>
-                </a:ext>
-              </a:extLst>
-            </p:cNvPr>
-            <p:cNvSpPr/>
-            <p:nvPr/>
-          </p:nvSpPr>
-          <p:spPr>
-            <a:xfrm>
-              <a:off x="6358256" y="2757934"/>
-              <a:ext cx="1598120" cy="1699394"/>
-            </a:xfrm>
-            <a:prstGeom prst="roundRect">
-              <a:avLst>
-                <a:gd name="adj" fmla="val 5026"/>
-              </a:avLst>
-            </a:prstGeom>
-            <a:ln>
-              <a:prstDash val="dash"/>
-            </a:ln>
-          </p:spPr>
-          <p:style>
-            <a:lnRef idx="2">
-              <a:schemeClr val="dk1"/>
-            </a:lnRef>
-            <a:fillRef idx="1">
-              <a:schemeClr val="lt1"/>
-            </a:fillRef>
-            <a:effectRef idx="0">
-              <a:schemeClr val="dk1"/>
-            </a:effectRef>
-            <a:fontRef idx="minor">
-              <a:schemeClr val="dk1"/>
-            </a:fontRef>
-          </p:style>
-          <p:txBody>
-            <a:bodyPr rtlCol="0" anchor="t"/>
-            <a:lstStyle/>
-            <a:p>
-              <a:pPr algn="ctr"/>
-              <a:r>
-                <a:rPr lang="en-US" altLang="ko-KR" sz="1200" b="1"/>
-                <a:t>Prometheus Client</a:t>
-              </a:r>
-              <a:endParaRPr lang="ko-KR" altLang="en-US" sz="1200" b="1"/>
-            </a:p>
-          </p:txBody>
-        </p:sp>
-        <p:sp>
-          <p:nvSpPr>
-            <p:cNvPr id="177" name="사각형: 둥근 모서리 176">
-              <a:extLst>
-                <a:ext uri="{FF2B5EF4-FFF2-40B4-BE49-F238E27FC236}">
-                  <a16:creationId xmlns:a16="http://schemas.microsoft.com/office/drawing/2014/main" id="{AE1194B0-F3A1-4DC0-B168-E743331413A0}"/>
-                </a:ext>
-              </a:extLst>
-            </p:cNvPr>
-            <p:cNvSpPr/>
-            <p:nvPr/>
-          </p:nvSpPr>
-          <p:spPr>
-            <a:xfrm>
-              <a:off x="6513469" y="3076867"/>
-              <a:ext cx="1287694" cy="409160"/>
-            </a:xfrm>
-            <a:prstGeom prst="roundRect">
-              <a:avLst>
-                <a:gd name="adj" fmla="val 5026"/>
-              </a:avLst>
-            </a:prstGeom>
-          </p:spPr>
-          <p:style>
-            <a:lnRef idx="2">
-              <a:schemeClr val="dk1"/>
-            </a:lnRef>
-            <a:fillRef idx="1">
-              <a:schemeClr val="lt1"/>
-            </a:fillRef>
-            <a:effectRef idx="0">
-              <a:schemeClr val="dk1"/>
-            </a:effectRef>
-            <a:fontRef idx="minor">
-              <a:schemeClr val="dk1"/>
-            </a:fontRef>
-          </p:style>
-          <p:txBody>
-            <a:bodyPr rtlCol="0" anchor="ctr"/>
-            <a:lstStyle/>
-            <a:p>
-              <a:pPr algn="ctr"/>
-              <a:r>
-                <a:rPr lang="en-US" altLang="ko-KR" sz="1200"/>
-                <a:t>Prometheus</a:t>
-              </a:r>
-            </a:p>
-            <a:p>
-              <a:pPr algn="ctr"/>
-              <a:r>
-                <a:rPr lang="en-US" altLang="ko-KR" sz="1200"/>
-                <a:t>Web UI</a:t>
-              </a:r>
-              <a:endParaRPr lang="ko-KR" altLang="en-US" sz="1200"/>
-            </a:p>
-          </p:txBody>
-        </p:sp>
-        <p:sp>
-          <p:nvSpPr>
-            <p:cNvPr id="178" name="사각형: 둥근 모서리 177">
-              <a:extLst>
-                <a:ext uri="{FF2B5EF4-FFF2-40B4-BE49-F238E27FC236}">
-                  <a16:creationId xmlns:a16="http://schemas.microsoft.com/office/drawing/2014/main" id="{43946E3E-ABCE-479E-AE0A-6D0BB309BFCA}"/>
-                </a:ext>
-              </a:extLst>
-            </p:cNvPr>
-            <p:cNvSpPr/>
-            <p:nvPr/>
-          </p:nvSpPr>
-          <p:spPr>
-            <a:xfrm>
-              <a:off x="6501230" y="3609454"/>
-              <a:ext cx="1287694" cy="409160"/>
-            </a:xfrm>
-            <a:prstGeom prst="roundRect">
-              <a:avLst>
-                <a:gd name="adj" fmla="val 5026"/>
-              </a:avLst>
-            </a:prstGeom>
-          </p:spPr>
-          <p:style>
-            <a:lnRef idx="2">
-              <a:schemeClr val="dk1"/>
-            </a:lnRef>
-            <a:fillRef idx="1">
-              <a:schemeClr val="lt1"/>
-            </a:fillRef>
-            <a:effectRef idx="0">
-              <a:schemeClr val="dk1"/>
-            </a:effectRef>
-            <a:fontRef idx="minor">
-              <a:schemeClr val="dk1"/>
-            </a:fontRef>
-          </p:style>
-          <p:txBody>
-            <a:bodyPr rtlCol="0" anchor="ctr"/>
-            <a:lstStyle/>
-            <a:p>
-              <a:pPr algn="ctr"/>
-              <a:r>
-                <a:rPr lang="en-US" altLang="ko-KR" sz="1200"/>
-                <a:t>Grafana</a:t>
-              </a:r>
-              <a:endParaRPr lang="ko-KR" altLang="en-US" sz="1200"/>
-            </a:p>
-          </p:txBody>
-        </p:sp>
-        <p:grpSp>
-          <p:nvGrpSpPr>
-            <p:cNvPr id="182" name="그룹 181">
-              <a:extLst>
-                <a:ext uri="{FF2B5EF4-FFF2-40B4-BE49-F238E27FC236}">
-                  <a16:creationId xmlns:a16="http://schemas.microsoft.com/office/drawing/2014/main" id="{2A7781F0-6BE8-4CD0-B193-AD889F3016D3}"/>
-                </a:ext>
-              </a:extLst>
-            </p:cNvPr>
-            <p:cNvGrpSpPr/>
-            <p:nvPr/>
-          </p:nvGrpSpPr>
-          <p:grpSpPr>
-            <a:xfrm rot="5400000">
-              <a:off x="7002859" y="4206081"/>
-              <a:ext cx="300112" cy="65162"/>
-              <a:chOff x="8028384" y="1512622"/>
-              <a:chExt cx="300112" cy="65162"/>
-            </a:xfrm>
-          </p:grpSpPr>
-          <p:sp>
-            <p:nvSpPr>
-              <p:cNvPr id="183" name="타원 182">
-                <a:extLst>
-                  <a:ext uri="{FF2B5EF4-FFF2-40B4-BE49-F238E27FC236}">
-                    <a16:creationId xmlns:a16="http://schemas.microsoft.com/office/drawing/2014/main" id="{094BDE03-EDB8-4533-BA48-D2443F90A079}"/>
-                  </a:ext>
-                </a:extLst>
-              </p:cNvPr>
-              <p:cNvSpPr/>
-              <p:nvPr/>
-            </p:nvSpPr>
-            <p:spPr>
-              <a:xfrm>
-                <a:off x="8028384" y="1512622"/>
-                <a:ext cx="65162" cy="65162"/>
-              </a:xfrm>
-              <a:prstGeom prst="ellipse">
-                <a:avLst/>
-              </a:prstGeom>
-              <a:solidFill>
-                <a:schemeClr val="tx1"/>
-              </a:solidFill>
-              <a:ln>
-                <a:noFill/>
-              </a:ln>
-            </p:spPr>
-            <p:style>
-              <a:lnRef idx="2">
-                <a:schemeClr val="accent1">
-                  <a:shade val="50000"/>
-                </a:schemeClr>
-              </a:lnRef>
-              <a:fillRef idx="1">
-                <a:schemeClr val="accent1"/>
-              </a:fillRef>
-              <a:effectRef idx="0">
-                <a:schemeClr val="accent1"/>
-              </a:effectRef>
-              <a:fontRef idx="minor">
-                <a:schemeClr val="lt1"/>
-              </a:fontRef>
-            </p:style>
-            <p:txBody>
-              <a:bodyPr rtlCol="0" anchor="ctr"/>
-              <a:lstStyle/>
-              <a:p>
-                <a:pPr algn="ctr"/>
-                <a:endParaRPr lang="ko-KR" altLang="en-US"/>
-              </a:p>
-            </p:txBody>
-          </p:sp>
-          <p:sp>
-            <p:nvSpPr>
-              <p:cNvPr id="184" name="타원 183">
-                <a:extLst>
-                  <a:ext uri="{FF2B5EF4-FFF2-40B4-BE49-F238E27FC236}">
-                    <a16:creationId xmlns:a16="http://schemas.microsoft.com/office/drawing/2014/main" id="{BA36DCF9-CE47-4E5B-A063-6583746F0CC4}"/>
-                  </a:ext>
-                </a:extLst>
-              </p:cNvPr>
-              <p:cNvSpPr/>
-              <p:nvPr/>
-            </p:nvSpPr>
-            <p:spPr>
-              <a:xfrm>
-                <a:off x="8142684" y="1512622"/>
-                <a:ext cx="65162" cy="65162"/>
-              </a:xfrm>
-              <a:prstGeom prst="ellipse">
-                <a:avLst/>
-              </a:prstGeom>
-              <a:solidFill>
-                <a:schemeClr val="tx1"/>
-              </a:solidFill>
-              <a:ln>
-                <a:noFill/>
-              </a:ln>
-            </p:spPr>
-            <p:style>
-              <a:lnRef idx="2">
-                <a:schemeClr val="accent1">
-                  <a:shade val="50000"/>
-                </a:schemeClr>
-              </a:lnRef>
-              <a:fillRef idx="1">
-                <a:schemeClr val="accent1"/>
-              </a:fillRef>
-              <a:effectRef idx="0">
-                <a:schemeClr val="accent1"/>
-              </a:effectRef>
-              <a:fontRef idx="minor">
-                <a:schemeClr val="lt1"/>
-              </a:fontRef>
-            </p:style>
-            <p:txBody>
-              <a:bodyPr rtlCol="0" anchor="ctr"/>
-              <a:lstStyle/>
-              <a:p>
-                <a:pPr algn="ctr"/>
-                <a:endParaRPr lang="ko-KR" altLang="en-US"/>
-              </a:p>
-            </p:txBody>
-          </p:sp>
-          <p:sp>
-            <p:nvSpPr>
-              <p:cNvPr id="185" name="타원 184">
-                <a:extLst>
-                  <a:ext uri="{FF2B5EF4-FFF2-40B4-BE49-F238E27FC236}">
-                    <a16:creationId xmlns:a16="http://schemas.microsoft.com/office/drawing/2014/main" id="{4016E81F-8CF7-421C-A979-1B9FC24EB8E7}"/>
-                  </a:ext>
-                </a:extLst>
-              </p:cNvPr>
-              <p:cNvSpPr/>
-              <p:nvPr/>
-            </p:nvSpPr>
-            <p:spPr>
-              <a:xfrm>
-                <a:off x="8263334" y="1512622"/>
-                <a:ext cx="65162" cy="65162"/>
-              </a:xfrm>
-              <a:prstGeom prst="ellipse">
-                <a:avLst/>
-              </a:prstGeom>
-              <a:solidFill>
-                <a:schemeClr val="tx1"/>
-              </a:solidFill>
-              <a:ln>
-                <a:noFill/>
-              </a:ln>
-            </p:spPr>
-            <p:style>
-              <a:lnRef idx="2">
-                <a:schemeClr val="accent1">
-                  <a:shade val="50000"/>
-                </a:schemeClr>
-              </a:lnRef>
-              <a:fillRef idx="1">
-                <a:schemeClr val="accent1"/>
-              </a:fillRef>
-              <a:effectRef idx="0">
-                <a:schemeClr val="accent1"/>
-              </a:effectRef>
-              <a:fontRef idx="minor">
-                <a:schemeClr val="lt1"/>
-              </a:fontRef>
-            </p:style>
-            <p:txBody>
-              <a:bodyPr rtlCol="0" anchor="ctr"/>
-              <a:lstStyle/>
-              <a:p>
-                <a:pPr algn="ctr"/>
-                <a:endParaRPr lang="ko-KR" altLang="en-US"/>
-              </a:p>
-            </p:txBody>
-          </p:sp>
-        </p:grpSp>
-      </p:grpSp>
-      <p:cxnSp>
-        <p:nvCxnSpPr>
-          <p:cNvPr id="186" name="직선 연결선 185">
-            <a:extLst>
-              <a:ext uri="{FF2B5EF4-FFF2-40B4-BE49-F238E27FC236}">
-                <a16:creationId xmlns:a16="http://schemas.microsoft.com/office/drawing/2014/main" id="{73AE958F-7573-4451-B278-47484BAE533E}"/>
-              </a:ext>
-            </a:extLst>
-          </p:cNvPr>
-          <p:cNvCxnSpPr>
-            <a:cxnSpLocks/>
-            <a:stCxn id="73" idx="3"/>
-            <a:endCxn id="178" idx="1"/>
-          </p:cNvCxnSpPr>
-          <p:nvPr/>
-        </p:nvCxnSpPr>
-        <p:spPr>
-          <a:xfrm flipV="1">
-            <a:off x="5649889" y="3855429"/>
-            <a:ext cx="419293" cy="64081"/>
-          </a:xfrm>
-          <a:prstGeom prst="line">
-            <a:avLst/>
-          </a:prstGeom>
-          <a:ln w="19050">
-            <a:solidFill>
-              <a:schemeClr val="accent3">
-                <a:lumMod val="75000"/>
-              </a:schemeClr>
-            </a:solidFill>
-            <a:headEnd type="arrow" w="med" len="med"/>
-            <a:tailEnd type="arrow" w="med" len="med"/>
-          </a:ln>
-        </p:spPr>
-        <p:style>
-          <a:lnRef idx="1">
-            <a:schemeClr val="accent1"/>
-          </a:lnRef>
-          <a:fillRef idx="0">
-            <a:schemeClr val="accent1"/>
-          </a:fillRef>
-          <a:effectRef idx="0">
-            <a:schemeClr val="accent1"/>
-          </a:effectRef>
-          <a:fontRef idx="minor">
-            <a:schemeClr val="tx1"/>
-          </a:fontRef>
-        </p:style>
-      </p:cxnSp>
-      <p:cxnSp>
-        <p:nvCxnSpPr>
-          <p:cNvPr id="189" name="직선 연결선 188">
-            <a:extLst>
-              <a:ext uri="{FF2B5EF4-FFF2-40B4-BE49-F238E27FC236}">
-                <a16:creationId xmlns:a16="http://schemas.microsoft.com/office/drawing/2014/main" id="{B0492CC0-BAD3-43CB-824C-16FB30B2C919}"/>
-              </a:ext>
-            </a:extLst>
-          </p:cNvPr>
-          <p:cNvCxnSpPr>
-            <a:cxnSpLocks/>
-            <a:stCxn id="73" idx="3"/>
-            <a:endCxn id="177" idx="1"/>
-          </p:cNvCxnSpPr>
-          <p:nvPr/>
-        </p:nvCxnSpPr>
-        <p:spPr>
-          <a:xfrm flipV="1">
-            <a:off x="5649889" y="3357114"/>
-            <a:ext cx="431532" cy="562396"/>
-          </a:xfrm>
-          <a:prstGeom prst="line">
-            <a:avLst/>
-          </a:prstGeom>
-          <a:ln w="19050">
-            <a:solidFill>
-              <a:schemeClr val="accent3">
-                <a:lumMod val="75000"/>
-              </a:schemeClr>
-            </a:solidFill>
-            <a:headEnd type="arrow" w="med" len="med"/>
-            <a:tailEnd type="arrow" w="med" len="med"/>
-          </a:ln>
-        </p:spPr>
-        <p:style>
-          <a:lnRef idx="1">
-            <a:schemeClr val="accent1"/>
-          </a:lnRef>
-          <a:fillRef idx="0">
-            <a:schemeClr val="accent1"/>
-          </a:fillRef>
-          <a:effectRef idx="0">
-            <a:schemeClr val="accent1"/>
-          </a:effectRef>
-          <a:fontRef idx="minor">
-            <a:schemeClr val="tx1"/>
-          </a:fontRef>
-        </p:style>
-      </p:cxnSp>
-      <p:grpSp>
-        <p:nvGrpSpPr>
-          <p:cNvPr id="249" name="그룹 248">
-            <a:extLst>
-              <a:ext uri="{FF2B5EF4-FFF2-40B4-BE49-F238E27FC236}">
-                <a16:creationId xmlns:a16="http://schemas.microsoft.com/office/drawing/2014/main" id="{6F4DDCB0-07EC-4C89-9A85-856950C40EA8}"/>
-              </a:ext>
-            </a:extLst>
-          </p:cNvPr>
-          <p:cNvGrpSpPr/>
-          <p:nvPr/>
-        </p:nvGrpSpPr>
-        <p:grpSpPr>
-          <a:xfrm>
-            <a:off x="2500542" y="4463008"/>
-            <a:ext cx="4015674" cy="261610"/>
-            <a:chOff x="2555776" y="4515966"/>
-            <a:chExt cx="4015674" cy="261610"/>
+            <a:off x="332357" y="4323060"/>
+            <a:ext cx="2018551" cy="480015"/>
+            <a:chOff x="2553449" y="4515966"/>
+            <a:chExt cx="2018551" cy="480015"/>
           </a:xfrm>
         </p:grpSpPr>
         <p:cxnSp>
           <p:nvCxnSpPr>
-            <p:cNvPr id="234" name="직선 연결선 233">
+            <p:cNvPr id="88" name="직선 연결선 87">
               <a:extLst>
                 <a:ext uri="{FF2B5EF4-FFF2-40B4-BE49-F238E27FC236}">
-                  <a16:creationId xmlns:a16="http://schemas.microsoft.com/office/drawing/2014/main" id="{0F121FC2-BEFB-4D11-A68D-F08DA54304B2}"/>
+                  <a16:creationId xmlns:a16="http://schemas.microsoft.com/office/drawing/2014/main" id="{5F62C869-3A7B-4063-866E-83DDEABA0B0D}"/>
                 </a:ext>
               </a:extLst>
             </p:cNvPr>
             <p:cNvCxnSpPr>
               <a:cxnSpLocks/>
-              <a:stCxn id="236" idx="1"/>
+              <a:stCxn id="89" idx="1"/>
             </p:cNvCxnSpPr>
             <p:nvPr/>
           </p:nvCxnSpPr>
@@ -6130,10 +5428,10 @@
         </p:cxnSp>
         <p:sp>
           <p:nvSpPr>
-            <p:cNvPr id="236" name="TextBox 235">
+            <p:cNvPr id="89" name="TextBox 88">
               <a:extLst>
                 <a:ext uri="{FF2B5EF4-FFF2-40B4-BE49-F238E27FC236}">
-                  <a16:creationId xmlns:a16="http://schemas.microsoft.com/office/drawing/2014/main" id="{4985D540-5031-42FF-88F6-614AAD2B6D2C}"/>
+                  <a16:creationId xmlns:a16="http://schemas.microsoft.com/office/drawing/2014/main" id="{E2FC01EC-E8C4-4A32-9D27-6CFFF9A8127D}"/>
                 </a:ext>
               </a:extLst>
             </p:cNvPr>
@@ -6166,16 +5464,16 @@
         </p:sp>
         <p:cxnSp>
           <p:nvCxnSpPr>
-            <p:cNvPr id="242" name="직선 연결선 241">
+            <p:cNvPr id="90" name="직선 연결선 89">
               <a:extLst>
                 <a:ext uri="{FF2B5EF4-FFF2-40B4-BE49-F238E27FC236}">
-                  <a16:creationId xmlns:a16="http://schemas.microsoft.com/office/drawing/2014/main" id="{B2077152-5942-451F-B3EE-CCEC7E0728EC}"/>
+                  <a16:creationId xmlns:a16="http://schemas.microsoft.com/office/drawing/2014/main" id="{964F6123-6149-4F7A-9516-A8C9DB3709B9}"/>
                 </a:ext>
               </a:extLst>
             </p:cNvPr>
             <p:cNvCxnSpPr>
               <a:cxnSpLocks/>
-              <a:stCxn id="243" idx="1"/>
+              <a:stCxn id="91" idx="1"/>
             </p:cNvCxnSpPr>
             <p:nvPr/>
           </p:nvCxnSpPr>
@@ -6212,10 +5510,10 @@
         </p:cxnSp>
         <p:sp>
           <p:nvSpPr>
-            <p:cNvPr id="243" name="TextBox 242">
+            <p:cNvPr id="91" name="TextBox 90">
               <a:extLst>
                 <a:ext uri="{FF2B5EF4-FFF2-40B4-BE49-F238E27FC236}">
-                  <a16:creationId xmlns:a16="http://schemas.microsoft.com/office/drawing/2014/main" id="{DDE7163D-D7F2-4869-AA0E-34ADE78D0CE0}"/>
+                  <a16:creationId xmlns:a16="http://schemas.microsoft.com/office/drawing/2014/main" id="{A6E5BC50-119B-411E-95B1-1383DBCC0687}"/>
                 </a:ext>
               </a:extLst>
             </p:cNvPr>
@@ -6248,22 +5546,22 @@
         </p:sp>
         <p:cxnSp>
           <p:nvCxnSpPr>
-            <p:cNvPr id="244" name="직선 연결선 243">
+            <p:cNvPr id="92" name="직선 연결선 91">
               <a:extLst>
                 <a:ext uri="{FF2B5EF4-FFF2-40B4-BE49-F238E27FC236}">
-                  <a16:creationId xmlns:a16="http://schemas.microsoft.com/office/drawing/2014/main" id="{5D4822EB-D9F8-48B1-8569-39491786D9C4}"/>
+                  <a16:creationId xmlns:a16="http://schemas.microsoft.com/office/drawing/2014/main" id="{8FF844AC-1367-436E-936B-EC34B238FD98}"/>
                 </a:ext>
               </a:extLst>
             </p:cNvPr>
             <p:cNvCxnSpPr>
               <a:cxnSpLocks/>
-              <a:stCxn id="245" idx="1"/>
+              <a:stCxn id="93" idx="1"/>
             </p:cNvCxnSpPr>
             <p:nvPr/>
           </p:nvCxnSpPr>
           <p:spPr>
             <a:xfrm flipH="1">
-              <a:off x="4644009" y="4646771"/>
+              <a:off x="2553449" y="4865176"/>
               <a:ext cx="288030" cy="1"/>
             </a:xfrm>
             <a:prstGeom prst="line">
@@ -6296,10 +5594,10 @@
         </p:cxnSp>
         <p:sp>
           <p:nvSpPr>
-            <p:cNvPr id="245" name="TextBox 244">
+            <p:cNvPr id="93" name="TextBox 92">
               <a:extLst>
                 <a:ext uri="{FF2B5EF4-FFF2-40B4-BE49-F238E27FC236}">
-                  <a16:creationId xmlns:a16="http://schemas.microsoft.com/office/drawing/2014/main" id="{CB867BC1-D1A2-436A-B906-96F1931BC529}"/>
+                  <a16:creationId xmlns:a16="http://schemas.microsoft.com/office/drawing/2014/main" id="{72443D8B-4468-44EA-8F61-E0C2D9F27686}"/>
                 </a:ext>
               </a:extLst>
             </p:cNvPr>
@@ -6308,7 +5606,7 @@
           </p:nvSpPr>
           <p:spPr>
             <a:xfrm>
-              <a:off x="4932039" y="4515966"/>
+              <a:off x="2841479" y="4734371"/>
               <a:ext cx="1639411" cy="261610"/>
             </a:xfrm>
             <a:prstGeom prst="rect">
@@ -6333,10 +5631,10 @@
       </p:grpSp>
       <p:sp>
         <p:nvSpPr>
-          <p:cNvPr id="71" name="TextBox 70">
+          <p:cNvPr id="96" name="TextBox 95">
             <a:extLst>
               <a:ext uri="{FF2B5EF4-FFF2-40B4-BE49-F238E27FC236}">
-                <a16:creationId xmlns:a16="http://schemas.microsoft.com/office/drawing/2014/main" id="{291169E0-569A-4AF6-813E-8218B7B24921}"/>
+                <a16:creationId xmlns:a16="http://schemas.microsoft.com/office/drawing/2014/main" id="{BF5D4B4A-D4B4-4281-905C-BFA9EE5584BD}"/>
               </a:ext>
             </a:extLst>
           </p:cNvPr>
@@ -6345,7 +5643,43 @@
         </p:nvSpPr>
         <p:spPr>
           <a:xfrm>
-            <a:off x="1609309" y="1446101"/>
+            <a:off x="3799352" y="1690181"/>
+            <a:ext cx="697828" cy="261610"/>
+          </a:xfrm>
+          <a:prstGeom prst="rect">
+            <a:avLst/>
+          </a:prstGeom>
+          <a:noFill/>
+        </p:spPr>
+        <p:txBody>
+          <a:bodyPr wrap="square" rtlCol="0" anchor="ctr">
+            <a:spAutoFit/>
+          </a:bodyPr>
+          <a:lstStyle/>
+          <a:p>
+            <a:pPr algn="ctr"/>
+            <a:r>
+              <a:rPr lang="en-US" altLang="ko-KR" sz="1100"/>
+              <a:t>gossip</a:t>
+            </a:r>
+          </a:p>
+        </p:txBody>
+      </p:sp>
+      <p:sp>
+        <p:nvSpPr>
+          <p:cNvPr id="97" name="TextBox 96">
+            <a:extLst>
+              <a:ext uri="{FF2B5EF4-FFF2-40B4-BE49-F238E27FC236}">
+                <a16:creationId xmlns:a16="http://schemas.microsoft.com/office/drawing/2014/main" id="{4DBB4E80-D262-4C12-ACF4-4C8BCEDD27D6}"/>
+              </a:ext>
+            </a:extLst>
+          </p:cNvPr>
+          <p:cNvSpPr txBox="1"/>
+          <p:nvPr/>
+        </p:nvSpPr>
+        <p:spPr>
+          <a:xfrm>
+            <a:off x="4497180" y="4117572"/>
             <a:ext cx="956133" cy="261610"/>
           </a:xfrm>
           <a:prstGeom prst="rect">
@@ -6378,246 +5712,53 @@
       </p:sp>
       <p:sp>
         <p:nvSpPr>
-          <p:cNvPr id="69" name="사각형: 둥근 모서리 68">
+          <p:cNvPr id="106" name="TextBox 105">
             <a:extLst>
               <a:ext uri="{FF2B5EF4-FFF2-40B4-BE49-F238E27FC236}">
-                <a16:creationId xmlns:a16="http://schemas.microsoft.com/office/drawing/2014/main" id="{DC633AA7-040D-406B-ADFE-62108416F048}"/>
+                <a16:creationId xmlns:a16="http://schemas.microsoft.com/office/drawing/2014/main" id="{9F46A2BD-445B-4084-803E-C06F08EE9B14}"/>
               </a:ext>
             </a:extLst>
           </p:cNvPr>
-          <p:cNvSpPr/>
+          <p:cNvSpPr txBox="1"/>
           <p:nvPr/>
         </p:nvSpPr>
         <p:spPr>
           <a:xfrm>
-            <a:off x="1187624" y="4030447"/>
-            <a:ext cx="1287693" cy="409160"/>
-          </a:xfrm>
-          <a:prstGeom prst="roundRect">
-            <a:avLst>
-              <a:gd name="adj" fmla="val 8130"/>
-            </a:avLst>
-          </a:prstGeom>
-        </p:spPr>
-        <p:style>
-          <a:lnRef idx="2">
-            <a:schemeClr val="dk1"/>
-          </a:lnRef>
-          <a:fillRef idx="1">
-            <a:schemeClr val="lt1"/>
-          </a:fillRef>
-          <a:effectRef idx="0">
-            <a:schemeClr val="dk1"/>
-          </a:effectRef>
-          <a:fontRef idx="minor">
-            <a:schemeClr val="dk1"/>
-          </a:fontRef>
-        </p:style>
-        <p:txBody>
-          <a:bodyPr rtlCol="0" anchor="ctr"/>
-          <a:lstStyle/>
-          <a:p>
-            <a:pPr algn="ctr"/>
-            <a:r>
-              <a:rPr lang="en-US" altLang="ko-KR" sz="1200"/>
-              <a:t>Remote Storage</a:t>
-            </a:r>
-            <a:endParaRPr lang="ko-KR" altLang="en-US" sz="1200"/>
-          </a:p>
-        </p:txBody>
-      </p:sp>
-      <p:cxnSp>
-        <p:nvCxnSpPr>
-          <p:cNvPr id="72" name="직선 연결선 71">
-            <a:extLst>
-              <a:ext uri="{FF2B5EF4-FFF2-40B4-BE49-F238E27FC236}">
-                <a16:creationId xmlns:a16="http://schemas.microsoft.com/office/drawing/2014/main" id="{63AEA18C-BAE8-4915-973F-BD16459A662C}"/>
-              </a:ext>
-            </a:extLst>
-          </p:cNvPr>
-          <p:cNvCxnSpPr>
-            <a:cxnSpLocks/>
-            <a:stCxn id="6" idx="2"/>
-            <a:endCxn id="120" idx="0"/>
-          </p:cNvCxnSpPr>
-          <p:nvPr/>
-        </p:nvCxnSpPr>
-        <p:spPr>
-          <a:xfrm flipH="1">
-            <a:off x="1831471" y="3229263"/>
-            <a:ext cx="4073" cy="195329"/>
-          </a:xfrm>
-          <a:prstGeom prst="line">
+            <a:off x="2607755" y="3237649"/>
+            <a:ext cx="956133" cy="261610"/>
+          </a:xfrm>
+          <a:prstGeom prst="rect">
             <a:avLst/>
           </a:prstGeom>
-          <a:ln w="19050">
-            <a:solidFill>
-              <a:srgbClr val="C00000"/>
-            </a:solidFill>
-            <a:headEnd type="arrow" w="med" len="med"/>
-            <a:tailEnd type="none" w="med" len="med"/>
-          </a:ln>
-        </p:spPr>
-        <p:style>
-          <a:lnRef idx="1">
-            <a:schemeClr val="accent1"/>
-          </a:lnRef>
-          <a:fillRef idx="0">
-            <a:schemeClr val="accent1"/>
-          </a:fillRef>
-          <a:effectRef idx="0">
-            <a:schemeClr val="accent1"/>
-          </a:effectRef>
-          <a:fontRef idx="minor">
-            <a:schemeClr val="tx1"/>
-          </a:fontRef>
-        </p:style>
-      </p:cxnSp>
-      <p:cxnSp>
-        <p:nvCxnSpPr>
-          <p:cNvPr id="98" name="직선 연결선 97">
-            <a:extLst>
-              <a:ext uri="{FF2B5EF4-FFF2-40B4-BE49-F238E27FC236}">
-                <a16:creationId xmlns:a16="http://schemas.microsoft.com/office/drawing/2014/main" id="{C0EBC855-D0F3-48EF-B154-C1E39FBD0A2F}"/>
-              </a:ext>
-            </a:extLst>
-          </p:cNvPr>
-          <p:cNvCxnSpPr>
-            <a:cxnSpLocks/>
-            <a:stCxn id="69" idx="3"/>
-            <a:endCxn id="53" idx="1"/>
-          </p:cNvCxnSpPr>
-          <p:nvPr/>
-        </p:nvCxnSpPr>
-        <p:spPr>
-          <a:xfrm flipV="1">
-            <a:off x="2475317" y="3685289"/>
-            <a:ext cx="463220" cy="549738"/>
-          </a:xfrm>
-          <a:prstGeom prst="line">
-            <a:avLst/>
-          </a:prstGeom>
-          <a:ln w="19050">
-            <a:solidFill>
-              <a:srgbClr val="C00000"/>
-            </a:solidFill>
-            <a:headEnd type="arrow" w="med" len="med"/>
-            <a:tailEnd type="arrow" w="med" len="med"/>
-          </a:ln>
-        </p:spPr>
-        <p:style>
-          <a:lnRef idx="1">
-            <a:schemeClr val="accent1"/>
-          </a:lnRef>
-          <a:fillRef idx="0">
-            <a:schemeClr val="accent1"/>
-          </a:fillRef>
-          <a:effectRef idx="0">
-            <a:schemeClr val="accent1"/>
-          </a:effectRef>
-          <a:fontRef idx="minor">
-            <a:schemeClr val="tx1"/>
-          </a:fontRef>
-        </p:style>
-      </p:cxnSp>
-      <p:cxnSp>
-        <p:nvCxnSpPr>
-          <p:cNvPr id="114" name="직선 연결선 113">
-            <a:extLst>
-              <a:ext uri="{FF2B5EF4-FFF2-40B4-BE49-F238E27FC236}">
-                <a16:creationId xmlns:a16="http://schemas.microsoft.com/office/drawing/2014/main" id="{D5B7BE39-2E96-4D91-ADD7-7F1FD93C5C21}"/>
-              </a:ext>
-            </a:extLst>
-          </p:cNvPr>
-          <p:cNvCxnSpPr>
-            <a:cxnSpLocks/>
-            <a:stCxn id="53" idx="0"/>
-            <a:endCxn id="54" idx="2"/>
-          </p:cNvCxnSpPr>
-          <p:nvPr/>
-        </p:nvCxnSpPr>
-        <p:spPr>
-          <a:xfrm flipH="1" flipV="1">
-            <a:off x="3421841" y="3075806"/>
-            <a:ext cx="283706" cy="182441"/>
-          </a:xfrm>
-          <a:prstGeom prst="line">
-            <a:avLst/>
-          </a:prstGeom>
-          <a:ln w="19050">
-            <a:solidFill>
-              <a:srgbClr val="C00000"/>
-            </a:solidFill>
-            <a:headEnd type="arrow" w="med" len="med"/>
-            <a:tailEnd type="none" w="med" len="med"/>
-          </a:ln>
-        </p:spPr>
-        <p:style>
-          <a:lnRef idx="1">
-            <a:schemeClr val="accent1"/>
-          </a:lnRef>
-          <a:fillRef idx="0">
-            <a:schemeClr val="accent1"/>
-          </a:fillRef>
-          <a:effectRef idx="0">
-            <a:schemeClr val="accent1"/>
-          </a:effectRef>
-          <a:fontRef idx="minor">
-            <a:schemeClr val="tx1"/>
-          </a:fontRef>
-        </p:style>
-      </p:cxnSp>
-      <p:cxnSp>
-        <p:nvCxnSpPr>
-          <p:cNvPr id="119" name="직선 연결선 118">
-            <a:extLst>
-              <a:ext uri="{FF2B5EF4-FFF2-40B4-BE49-F238E27FC236}">
-                <a16:creationId xmlns:a16="http://schemas.microsoft.com/office/drawing/2014/main" id="{19B0492C-FE33-4EB2-9F3B-8E8C482BF313}"/>
-              </a:ext>
-            </a:extLst>
-          </p:cNvPr>
-          <p:cNvCxnSpPr>
-            <a:cxnSpLocks/>
-            <a:stCxn id="64" idx="1"/>
-            <a:endCxn id="89" idx="2"/>
-          </p:cNvCxnSpPr>
-          <p:nvPr/>
-        </p:nvCxnSpPr>
-        <p:spPr>
-          <a:xfrm flipH="1" flipV="1">
-            <a:off x="4028802" y="2139702"/>
-            <a:ext cx="654947" cy="443492"/>
-          </a:xfrm>
-          <a:prstGeom prst="line">
-            <a:avLst/>
-          </a:prstGeom>
-          <a:ln w="19050">
-            <a:solidFill>
-              <a:schemeClr val="tx1"/>
-            </a:solidFill>
-            <a:headEnd type="none" w="med" len="med"/>
-            <a:tailEnd type="arrow" w="med" len="med"/>
-          </a:ln>
-        </p:spPr>
-        <p:style>
-          <a:lnRef idx="1">
-            <a:schemeClr val="accent1"/>
-          </a:lnRef>
-          <a:fillRef idx="0">
-            <a:schemeClr val="accent1"/>
-          </a:fillRef>
-          <a:effectRef idx="0">
-            <a:schemeClr val="accent1"/>
-          </a:effectRef>
-          <a:fontRef idx="minor">
-            <a:schemeClr val="tx1"/>
-          </a:fontRef>
-        </p:style>
-      </p:cxnSp>
+          <a:noFill/>
+        </p:spPr>
+        <p:txBody>
+          <a:bodyPr wrap="square" rtlCol="0" anchor="ctr">
+            <a:spAutoFit/>
+          </a:bodyPr>
+          <a:lstStyle/>
+          <a:p>
+            <a:pPr algn="ctr"/>
+            <a:r>
+              <a:rPr lang="en-US" altLang="ko-KR" sz="1100" b="1">
+                <a:solidFill>
+                  <a:srgbClr val="C00000"/>
+                </a:solidFill>
+              </a:rPr>
+              <a:t>Pull</a:t>
+            </a:r>
+            <a:endParaRPr lang="ko-KR" altLang="en-US" sz="1100" b="1">
+              <a:solidFill>
+                <a:srgbClr val="C00000"/>
+              </a:solidFill>
+            </a:endParaRPr>
+          </a:p>
+        </p:txBody>
+      </p:sp>
     </p:spTree>
     <p:extLst>
       <p:ext uri="{BB962C8B-B14F-4D97-AF65-F5344CB8AC3E}">
-        <p14:creationId xmlns:p14="http://schemas.microsoft.com/office/powerpoint/2010/main" val="3013921878"/>
+        <p14:creationId xmlns:p14="http://schemas.microsoft.com/office/powerpoint/2010/main" val="76693892"/>
       </p:ext>
     </p:extLst>
   </p:cSld>
@@ -6676,55 +5817,38 @@
       </p:grpSpPr>
       <p:sp>
         <p:nvSpPr>
-          <p:cNvPr id="168" name="TextBox 167">
+          <p:cNvPr id="2" name="제목 1"/>
+          <p:cNvSpPr>
+            <a:spLocks noGrp="1"/>
+          </p:cNvSpPr>
+          <p:nvPr>
+            <p:ph type="title"/>
+          </p:nvPr>
+        </p:nvSpPr>
+        <p:spPr>
+          <a:xfrm>
+            <a:off x="565354" y="-524594"/>
+            <a:ext cx="8229600" cy="857250"/>
+          </a:xfrm>
+        </p:spPr>
+        <p:txBody>
+          <a:bodyPr/>
+          <a:lstStyle/>
+          <a:p>
+            <a:r>
+              <a:rPr lang="en-US" altLang="ko-KR"/>
+              <a:t>Prometheus HA</a:t>
+            </a:r>
+            <a:endParaRPr lang="ko-KR" altLang="en-US"/>
+          </a:p>
+        </p:txBody>
+      </p:sp>
+      <p:sp>
+        <p:nvSpPr>
+          <p:cNvPr id="67" name="사각형: 둥근 모서리 66">
             <a:extLst>
               <a:ext uri="{FF2B5EF4-FFF2-40B4-BE49-F238E27FC236}">
-                <a16:creationId xmlns:a16="http://schemas.microsoft.com/office/drawing/2014/main" id="{4D658D72-C27E-4E8B-BA5E-404B6E6A557C}"/>
-              </a:ext>
-            </a:extLst>
-          </p:cNvPr>
-          <p:cNvSpPr txBox="1"/>
-          <p:nvPr/>
-        </p:nvSpPr>
-        <p:spPr>
-          <a:xfrm>
-            <a:off x="4619524" y="2787774"/>
-            <a:ext cx="1157562" cy="261610"/>
-          </a:xfrm>
-          <a:prstGeom prst="rect">
-            <a:avLst/>
-          </a:prstGeom>
-          <a:noFill/>
-        </p:spPr>
-        <p:txBody>
-          <a:bodyPr wrap="square" rtlCol="0" anchor="ctr">
-            <a:spAutoFit/>
-          </a:bodyPr>
-          <a:lstStyle/>
-          <a:p>
-            <a:pPr algn="ctr"/>
-            <a:r>
-              <a:rPr lang="en-US" altLang="ko-KR" sz="1100">
-                <a:solidFill>
-                  <a:schemeClr val="tx2"/>
-                </a:solidFill>
-              </a:rPr>
-              <a:t>Metric</a:t>
-            </a:r>
-            <a:endParaRPr lang="ko-KR" altLang="en-US" sz="1100">
-              <a:solidFill>
-                <a:schemeClr val="tx2"/>
-              </a:solidFill>
-            </a:endParaRPr>
-          </a:p>
-        </p:txBody>
-      </p:sp>
-      <p:sp>
-        <p:nvSpPr>
-          <p:cNvPr id="44" name="사각형: 둥근 모서리 43">
-            <a:extLst>
-              <a:ext uri="{FF2B5EF4-FFF2-40B4-BE49-F238E27FC236}">
-                <a16:creationId xmlns:a16="http://schemas.microsoft.com/office/drawing/2014/main" id="{5BD225FF-7FCC-453F-975C-6A518AB4A6E9}"/>
+                <a16:creationId xmlns:a16="http://schemas.microsoft.com/office/drawing/2014/main" id="{E8201E4B-3228-4661-8669-1F6F80CFEE01}"/>
               </a:ext>
             </a:extLst>
           </p:cNvPr>
@@ -6733,17 +5857,15 @@
         </p:nvSpPr>
         <p:spPr>
           <a:xfrm>
-            <a:off x="5546208" y="784002"/>
-            <a:ext cx="2407940" cy="1355700"/>
+            <a:off x="1268798" y="2523604"/>
+            <a:ext cx="1263236" cy="527174"/>
           </a:xfrm>
           <a:prstGeom prst="roundRect">
             <a:avLst>
-              <a:gd name="adj" fmla="val 3621"/>
+              <a:gd name="adj" fmla="val 7693"/>
             </a:avLst>
           </a:prstGeom>
-          <a:ln>
-            <a:prstDash val="dash"/>
-          </a:ln>
+          <a:noFill/>
         </p:spPr>
         <p:style>
           <a:lnRef idx="2">
@@ -6760,52 +5882,32 @@
           </a:fontRef>
         </p:style>
         <p:txBody>
-          <a:bodyPr rtlCol="0" anchor="t"/>
+          <a:bodyPr rtlCol="0" anchor="ctr"/>
           <a:lstStyle/>
           <a:p>
             <a:pPr algn="ctr"/>
             <a:r>
-              <a:rPr lang="en-US" altLang="ko-KR" sz="1200" b="1"/>
-              <a:t>Alert Destination</a:t>
-            </a:r>
-            <a:endParaRPr lang="ko-KR" altLang="en-US" sz="1200" b="1"/>
-          </a:p>
-        </p:txBody>
-      </p:sp>
-      <p:sp>
-        <p:nvSpPr>
-          <p:cNvPr id="2" name="제목 1"/>
-          <p:cNvSpPr>
-            <a:spLocks noGrp="1"/>
-          </p:cNvSpPr>
-          <p:nvPr>
-            <p:ph type="title"/>
-          </p:nvPr>
-        </p:nvSpPr>
-        <p:spPr>
-          <a:xfrm>
-            <a:off x="565354" y="-164554"/>
-            <a:ext cx="8229600" cy="857250"/>
-          </a:xfrm>
-        </p:spPr>
-        <p:txBody>
-          <a:bodyPr/>
-          <a:lstStyle/>
-          <a:p>
-            <a:r>
-              <a:rPr lang="en-US" altLang="ko-KR"/>
+              <a:rPr lang="en-US" altLang="ko-KR" sz="1200"/>
               <a:t>Prometheus</a:t>
             </a:r>
-            <a:endParaRPr lang="ko-KR" altLang="en-US"/>
-          </a:p>
-        </p:txBody>
-      </p:sp>
-      <p:sp>
-        <p:nvSpPr>
-          <p:cNvPr id="3" name="사각형: 둥근 모서리 2">
+            <a:r>
+              <a:rPr lang="ko-KR" altLang="en-US" sz="1200"/>
+              <a:t> </a:t>
+            </a:r>
+            <a:r>
+              <a:rPr lang="en-US" altLang="ko-KR" sz="1200"/>
+              <a:t>Server</a:t>
+            </a:r>
+            <a:endParaRPr lang="ko-KR" altLang="en-US" sz="1200"/>
+          </a:p>
+        </p:txBody>
+      </p:sp>
+      <p:sp>
+        <p:nvSpPr>
+          <p:cNvPr id="68" name="사각형: 둥근 모서리 67">
             <a:extLst>
               <a:ext uri="{FF2B5EF4-FFF2-40B4-BE49-F238E27FC236}">
-                <a16:creationId xmlns:a16="http://schemas.microsoft.com/office/drawing/2014/main" id="{42B5E3DD-4903-48C8-8495-1481530A6503}"/>
+                <a16:creationId xmlns:a16="http://schemas.microsoft.com/office/drawing/2014/main" id="{CAD06047-500A-402F-B918-5D947910874E}"/>
               </a:ext>
             </a:extLst>
           </p:cNvPr>
@@ -6814,12 +5916,12 @@
         </p:nvSpPr>
         <p:spPr>
           <a:xfrm>
-            <a:off x="2564076" y="2260600"/>
-            <a:ext cx="3531924" cy="2183854"/>
+            <a:off x="3411379" y="2523604"/>
+            <a:ext cx="1263236" cy="527174"/>
           </a:xfrm>
           <a:prstGeom prst="roundRect">
             <a:avLst>
-              <a:gd name="adj" fmla="val 1670"/>
+              <a:gd name="adj" fmla="val 7693"/>
             </a:avLst>
           </a:prstGeom>
           <a:noFill/>
@@ -6839,32 +5941,32 @@
           </a:fontRef>
         </p:style>
         <p:txBody>
-          <a:bodyPr rtlCol="0" anchor="b"/>
+          <a:bodyPr rtlCol="0" anchor="ctr"/>
           <a:lstStyle/>
           <a:p>
             <a:pPr algn="ctr"/>
             <a:r>
-              <a:rPr lang="en-US" altLang="ko-KR" sz="1200" b="1"/>
+              <a:rPr lang="en-US" altLang="ko-KR" sz="1200"/>
               <a:t>Prometheus</a:t>
             </a:r>
             <a:r>
-              <a:rPr lang="ko-KR" altLang="en-US" sz="1200" b="1"/>
+              <a:rPr lang="ko-KR" altLang="en-US" sz="1200"/>
               <a:t> </a:t>
             </a:r>
             <a:r>
-              <a:rPr lang="en-US" altLang="ko-KR" sz="1200" b="1"/>
+              <a:rPr lang="en-US" altLang="ko-KR" sz="1200"/>
               <a:t>Server</a:t>
             </a:r>
-            <a:endParaRPr lang="ko-KR" altLang="en-US" sz="1200" b="1"/>
-          </a:p>
-        </p:txBody>
-      </p:sp>
-      <p:sp>
-        <p:nvSpPr>
-          <p:cNvPr id="4" name="사각형: 둥근 모서리 3">
+            <a:endParaRPr lang="ko-KR" altLang="en-US" sz="1200"/>
+          </a:p>
+        </p:txBody>
+      </p:sp>
+      <p:sp>
+        <p:nvSpPr>
+          <p:cNvPr id="70" name="사각형: 둥근 모서리 69">
             <a:extLst>
               <a:ext uri="{FF2B5EF4-FFF2-40B4-BE49-F238E27FC236}">
-                <a16:creationId xmlns:a16="http://schemas.microsoft.com/office/drawing/2014/main" id="{5219D31E-254A-4D51-A842-B42856E66609}"/>
+                <a16:creationId xmlns:a16="http://schemas.microsoft.com/office/drawing/2014/main" id="{FACCF7B7-24BD-4684-8BBC-F17E06054C1E}"/>
               </a:ext>
             </a:extLst>
           </p:cNvPr>
@@ -6873,14 +5975,15 @@
         </p:nvSpPr>
         <p:spPr>
           <a:xfrm>
-            <a:off x="975674" y="1745924"/>
-            <a:ext cx="1287695" cy="643070"/>
+            <a:off x="5553960" y="2514352"/>
+            <a:ext cx="1263236" cy="527174"/>
           </a:xfrm>
           <a:prstGeom prst="roundRect">
             <a:avLst>
-              <a:gd name="adj" fmla="val 5026"/>
+              <a:gd name="adj" fmla="val 7693"/>
             </a:avLst>
           </a:prstGeom>
+          <a:noFill/>
         </p:spPr>
         <p:style>
           <a:lnRef idx="2">
@@ -6902,26 +6005,27 @@
           <a:p>
             <a:pPr algn="ctr"/>
             <a:r>
-              <a:rPr lang="en-US" altLang="ko-KR" sz="1200" b="1"/>
+              <a:rPr lang="en-US" altLang="ko-KR" sz="1200"/>
               <a:t>Prometheus</a:t>
             </a:r>
-          </a:p>
-          <a:p>
-            <a:pPr algn="ctr"/>
-            <a:r>
-              <a:rPr lang="en-US" altLang="ko-KR" sz="1200" b="1"/>
-              <a:t>Pushgateway</a:t>
-            </a:r>
-            <a:endParaRPr lang="ko-KR" altLang="en-US" sz="1200" b="1"/>
-          </a:p>
-        </p:txBody>
-      </p:sp>
-      <p:sp>
-        <p:nvSpPr>
-          <p:cNvPr id="6" name="사각형: 둥근 모서리 5">
+            <a:r>
+              <a:rPr lang="ko-KR" altLang="en-US" sz="1200"/>
+              <a:t> </a:t>
+            </a:r>
+            <a:r>
+              <a:rPr lang="en-US" altLang="ko-KR" sz="1200"/>
+              <a:t>Server</a:t>
+            </a:r>
+            <a:endParaRPr lang="ko-KR" altLang="en-US" sz="1200"/>
+          </a:p>
+        </p:txBody>
+      </p:sp>
+      <p:sp>
+        <p:nvSpPr>
+          <p:cNvPr id="76" name="사각형: 둥근 모서리 75">
             <a:extLst>
               <a:ext uri="{FF2B5EF4-FFF2-40B4-BE49-F238E27FC236}">
-                <a16:creationId xmlns:a16="http://schemas.microsoft.com/office/drawing/2014/main" id="{38621790-3888-4E5F-A539-E1945B41E740}"/>
+                <a16:creationId xmlns:a16="http://schemas.microsoft.com/office/drawing/2014/main" id="{5E29EE41-F0F3-47C8-9FA7-8635F5DACF5C}"/>
               </a:ext>
             </a:extLst>
           </p:cNvPr>
@@ -6930,14 +6034,15 @@
         </p:nvSpPr>
         <p:spPr>
           <a:xfrm>
-            <a:off x="975673" y="2586194"/>
-            <a:ext cx="1287693" cy="643069"/>
+            <a:off x="2244592" y="1612528"/>
+            <a:ext cx="1388470" cy="527174"/>
           </a:xfrm>
           <a:prstGeom prst="roundRect">
             <a:avLst>
-              <a:gd name="adj" fmla="val 5026"/>
+              <a:gd name="adj" fmla="val 7693"/>
             </a:avLst>
           </a:prstGeom>
+          <a:noFill/>
         </p:spPr>
         <p:style>
           <a:lnRef idx="2">
@@ -6960,14 +6065,14 @@
             <a:pPr algn="ctr"/>
             <a:r>
               <a:rPr lang="en-US" altLang="ko-KR" sz="1200" b="1"/>
-              <a:t>Prometheus</a:t>
+              <a:t>Load Balancer</a:t>
             </a:r>
           </a:p>
           <a:p>
             <a:pPr algn="ctr"/>
             <a:r>
               <a:rPr lang="en-US" altLang="ko-KR" sz="1200" b="1"/>
-              <a:t>Exporter</a:t>
+              <a:t>(Session Affinity)</a:t>
             </a:r>
             <a:endParaRPr lang="ko-KR" altLang="en-US" sz="1200" b="1"/>
           </a:p>
@@ -6975,10 +6080,10 @@
       </p:sp>
       <p:sp>
         <p:nvSpPr>
-          <p:cNvPr id="7" name="사각형: 둥근 모서리 6">
+          <p:cNvPr id="78" name="사각형: 둥근 모서리 77">
             <a:extLst>
               <a:ext uri="{FF2B5EF4-FFF2-40B4-BE49-F238E27FC236}">
-                <a16:creationId xmlns:a16="http://schemas.microsoft.com/office/drawing/2014/main" id="{8F4E3788-4F12-4A66-82B7-2DD468D36F88}"/>
+                <a16:creationId xmlns:a16="http://schemas.microsoft.com/office/drawing/2014/main" id="{41F780A1-4221-434E-9956-206E5D26FE66}"/>
               </a:ext>
             </a:extLst>
           </p:cNvPr>
@@ -6987,14 +6092,15 @@
         </p:nvSpPr>
         <p:spPr>
           <a:xfrm>
-            <a:off x="975673" y="1025440"/>
-            <a:ext cx="1287695" cy="409160"/>
+            <a:off x="3408809" y="3498105"/>
+            <a:ext cx="1263236" cy="527174"/>
           </a:xfrm>
           <a:prstGeom prst="roundRect">
             <a:avLst>
-              <a:gd name="adj" fmla="val 5026"/>
+              <a:gd name="adj" fmla="val 7693"/>
             </a:avLst>
           </a:prstGeom>
+          <a:noFill/>
         </p:spPr>
         <p:style>
           <a:lnRef idx="2">
@@ -7017,159 +6123,26 @@
             <a:pPr algn="ctr"/>
             <a:r>
               <a:rPr lang="en-US" altLang="ko-KR" sz="1200"/>
-              <a:t>Batch Job</a:t>
+              <a:t>Prometheus</a:t>
+            </a:r>
+            <a:r>
+              <a:rPr lang="ko-KR" altLang="en-US" sz="1200"/>
+              <a:t> </a:t>
+            </a:r>
+            <a:r>
+              <a:rPr lang="en-US" altLang="ko-KR" sz="1200"/>
+              <a:t>Pushgateway</a:t>
             </a:r>
             <a:endParaRPr lang="ko-KR" altLang="en-US" sz="1200"/>
           </a:p>
         </p:txBody>
       </p:sp>
-      <p:cxnSp>
-        <p:nvCxnSpPr>
-          <p:cNvPr id="8" name="직선 연결선 7">
+      <p:sp>
+        <p:nvSpPr>
+          <p:cNvPr id="79" name="사각형: 둥근 모서리 78">
             <a:extLst>
               <a:ext uri="{FF2B5EF4-FFF2-40B4-BE49-F238E27FC236}">
-                <a16:creationId xmlns:a16="http://schemas.microsoft.com/office/drawing/2014/main" id="{B2D4838A-ACEB-454C-B6DE-5D24FC39C5AD}"/>
-              </a:ext>
-            </a:extLst>
-          </p:cNvPr>
-          <p:cNvCxnSpPr>
-            <a:cxnSpLocks/>
-            <a:stCxn id="7" idx="2"/>
-            <a:endCxn id="4" idx="0"/>
-          </p:cNvCxnSpPr>
-          <p:nvPr/>
-        </p:nvCxnSpPr>
-        <p:spPr>
-          <a:xfrm>
-            <a:off x="1619521" y="1434600"/>
-            <a:ext cx="1" cy="311324"/>
-          </a:xfrm>
-          <a:prstGeom prst="line">
-            <a:avLst/>
-          </a:prstGeom>
-          <a:ln w="19050">
-            <a:solidFill>
-              <a:srgbClr val="C00000"/>
-            </a:solidFill>
-            <a:headEnd type="none" w="med" len="med"/>
-            <a:tailEnd type="arrow" w="med" len="med"/>
-          </a:ln>
-        </p:spPr>
-        <p:style>
-          <a:lnRef idx="1">
-            <a:schemeClr val="accent1"/>
-          </a:lnRef>
-          <a:fillRef idx="0">
-            <a:schemeClr val="accent1"/>
-          </a:fillRef>
-          <a:effectRef idx="0">
-            <a:schemeClr val="accent1"/>
-          </a:effectRef>
-          <a:fontRef idx="minor">
-            <a:schemeClr val="tx1"/>
-          </a:fontRef>
-        </p:style>
-      </p:cxnSp>
-      <p:cxnSp>
-        <p:nvCxnSpPr>
-          <p:cNvPr id="11" name="직선 연결선 10">
-            <a:extLst>
-              <a:ext uri="{FF2B5EF4-FFF2-40B4-BE49-F238E27FC236}">
-                <a16:creationId xmlns:a16="http://schemas.microsoft.com/office/drawing/2014/main" id="{B9E8065F-5F40-48CF-9EA7-AA6F8A17B2D3}"/>
-              </a:ext>
-            </a:extLst>
-          </p:cNvPr>
-          <p:cNvCxnSpPr>
-            <a:cxnSpLocks/>
-            <a:stCxn id="54" idx="1"/>
-            <a:endCxn id="4" idx="3"/>
-          </p:cNvCxnSpPr>
-          <p:nvPr/>
-        </p:nvCxnSpPr>
-        <p:spPr>
-          <a:xfrm flipH="1" flipV="1">
-            <a:off x="2263369" y="2067459"/>
-            <a:ext cx="408229" cy="1182857"/>
-          </a:xfrm>
-          <a:prstGeom prst="line">
-            <a:avLst/>
-          </a:prstGeom>
-          <a:ln w="19050">
-            <a:solidFill>
-              <a:srgbClr val="C00000"/>
-            </a:solidFill>
-            <a:headEnd type="arrow" w="med" len="med"/>
-            <a:tailEnd type="none" w="med" len="med"/>
-          </a:ln>
-        </p:spPr>
-        <p:style>
-          <a:lnRef idx="1">
-            <a:schemeClr val="accent1"/>
-          </a:lnRef>
-          <a:fillRef idx="0">
-            <a:schemeClr val="accent1"/>
-          </a:fillRef>
-          <a:effectRef idx="0">
-            <a:schemeClr val="accent1"/>
-          </a:effectRef>
-          <a:fontRef idx="minor">
-            <a:schemeClr val="tx1"/>
-          </a:fontRef>
-        </p:style>
-      </p:cxnSp>
-      <p:cxnSp>
-        <p:nvCxnSpPr>
-          <p:cNvPr id="17" name="직선 연결선 16">
-            <a:extLst>
-              <a:ext uri="{FF2B5EF4-FFF2-40B4-BE49-F238E27FC236}">
-                <a16:creationId xmlns:a16="http://schemas.microsoft.com/office/drawing/2014/main" id="{70359EE4-7282-4B05-BB4C-A880DD745097}"/>
-              </a:ext>
-            </a:extLst>
-          </p:cNvPr>
-          <p:cNvCxnSpPr>
-            <a:cxnSpLocks/>
-            <a:stCxn id="54" idx="1"/>
-            <a:endCxn id="6" idx="3"/>
-          </p:cNvCxnSpPr>
-          <p:nvPr/>
-        </p:nvCxnSpPr>
-        <p:spPr>
-          <a:xfrm flipH="1" flipV="1">
-            <a:off x="2263366" y="2907729"/>
-            <a:ext cx="408232" cy="342587"/>
-          </a:xfrm>
-          <a:prstGeom prst="line">
-            <a:avLst/>
-          </a:prstGeom>
-          <a:ln w="19050">
-            <a:solidFill>
-              <a:srgbClr val="C00000"/>
-            </a:solidFill>
-            <a:headEnd type="arrow" w="med" len="med"/>
-            <a:tailEnd type="none" w="med" len="med"/>
-          </a:ln>
-        </p:spPr>
-        <p:style>
-          <a:lnRef idx="1">
-            <a:schemeClr val="accent1"/>
-          </a:lnRef>
-          <a:fillRef idx="0">
-            <a:schemeClr val="accent1"/>
-          </a:fillRef>
-          <a:effectRef idx="0">
-            <a:schemeClr val="accent1"/>
-          </a:effectRef>
-          <a:fontRef idx="minor">
-            <a:schemeClr val="tx1"/>
-          </a:fontRef>
-        </p:style>
-      </p:cxnSp>
-      <p:sp>
-        <p:nvSpPr>
-          <p:cNvPr id="26" name="사각형: 둥근 모서리 25">
-            <a:extLst>
-              <a:ext uri="{FF2B5EF4-FFF2-40B4-BE49-F238E27FC236}">
-                <a16:creationId xmlns:a16="http://schemas.microsoft.com/office/drawing/2014/main" id="{0842EE3E-0910-4A1C-B774-A24FCD3F14CF}"/>
+                <a16:creationId xmlns:a16="http://schemas.microsoft.com/office/drawing/2014/main" id="{0E950D99-0D50-4CA0-B60E-A8C4434F3AF4}"/>
               </a:ext>
             </a:extLst>
           </p:cNvPr>
@@ -7178,14 +6151,15 @@
         </p:nvSpPr>
         <p:spPr>
           <a:xfrm>
-            <a:off x="6358256" y="2258318"/>
-            <a:ext cx="1287695" cy="485059"/>
+            <a:off x="5548820" y="3498105"/>
+            <a:ext cx="1263236" cy="527174"/>
           </a:xfrm>
           <a:prstGeom prst="roundRect">
             <a:avLst>
-              <a:gd name="adj" fmla="val 5026"/>
+              <a:gd name="adj" fmla="val 7693"/>
             </a:avLst>
           </a:prstGeom>
+          <a:noFill/>
         </p:spPr>
         <p:style>
           <a:lnRef idx="2">
@@ -7207,26 +6181,27 @@
           <a:p>
             <a:pPr algn="ctr"/>
             <a:r>
-              <a:rPr lang="en-US" altLang="ko-KR" sz="1200" b="1"/>
+              <a:rPr lang="en-US" altLang="ko-KR" sz="1200"/>
               <a:t>Prometheus</a:t>
             </a:r>
-          </a:p>
-          <a:p>
-            <a:pPr algn="ctr"/>
-            <a:r>
-              <a:rPr lang="en-US" altLang="ko-KR" sz="1200" b="1"/>
-              <a:t>Alertmanager</a:t>
-            </a:r>
-            <a:endParaRPr lang="ko-KR" altLang="en-US" sz="1200" b="1"/>
-          </a:p>
-        </p:txBody>
-      </p:sp>
-      <p:sp>
-        <p:nvSpPr>
-          <p:cNvPr id="28" name="사각형: 둥근 모서리 27">
+            <a:r>
+              <a:rPr lang="ko-KR" altLang="en-US" sz="1200"/>
+              <a:t> </a:t>
+            </a:r>
+            <a:r>
+              <a:rPr lang="en-US" altLang="ko-KR" sz="1200"/>
+              <a:t>Pushgateway</a:t>
+            </a:r>
+            <a:endParaRPr lang="ko-KR" altLang="en-US" sz="1200"/>
+          </a:p>
+        </p:txBody>
+      </p:sp>
+      <p:sp>
+        <p:nvSpPr>
+          <p:cNvPr id="82" name="사각형: 둥근 모서리 81">
             <a:extLst>
               <a:ext uri="{FF2B5EF4-FFF2-40B4-BE49-F238E27FC236}">
-                <a16:creationId xmlns:a16="http://schemas.microsoft.com/office/drawing/2014/main" id="{B6D1F209-4918-419D-AE61-0DB8F3C74085}"/>
+                <a16:creationId xmlns:a16="http://schemas.microsoft.com/office/drawing/2014/main" id="{3B244165-2C32-416D-BC21-DDD0137C6A86}"/>
               </a:ext>
             </a:extLst>
           </p:cNvPr>
@@ -7235,14 +6210,15 @@
         </p:nvSpPr>
         <p:spPr>
           <a:xfrm>
-            <a:off x="5647525" y="1096318"/>
-            <a:ext cx="870792" cy="409160"/>
+            <a:off x="1268798" y="3498105"/>
+            <a:ext cx="1263236" cy="527174"/>
           </a:xfrm>
           <a:prstGeom prst="roundRect">
             <a:avLst>
-              <a:gd name="adj" fmla="val 5026"/>
+              <a:gd name="adj" fmla="val 7693"/>
             </a:avLst>
           </a:prstGeom>
+          <a:noFill/>
         </p:spPr>
         <p:style>
           <a:lnRef idx="2">
@@ -7264,19 +6240,27 @@
           <a:p>
             <a:pPr algn="ctr"/>
             <a:r>
-              <a:rPr lang="en-US" altLang="ko-KR" sz="1100"/>
-              <a:t>Email</a:t>
-            </a:r>
-            <a:endParaRPr lang="ko-KR" altLang="en-US" sz="1100"/>
-          </a:p>
-        </p:txBody>
-      </p:sp>
-      <p:sp>
-        <p:nvSpPr>
-          <p:cNvPr id="29" name="사각형: 둥근 모서리 28">
+              <a:rPr lang="en-US" altLang="ko-KR" sz="1200"/>
+              <a:t>Prometheus</a:t>
+            </a:r>
+            <a:r>
+              <a:rPr lang="ko-KR" altLang="en-US" sz="1200"/>
+              <a:t> </a:t>
+            </a:r>
+            <a:r>
+              <a:rPr lang="en-US" altLang="ko-KR" sz="1200"/>
+              <a:t>Exporter</a:t>
+            </a:r>
+            <a:endParaRPr lang="ko-KR" altLang="en-US" sz="1200"/>
+          </a:p>
+        </p:txBody>
+      </p:sp>
+      <p:sp>
+        <p:nvSpPr>
+          <p:cNvPr id="99" name="사각형: 둥근 모서리 98">
             <a:extLst>
               <a:ext uri="{FF2B5EF4-FFF2-40B4-BE49-F238E27FC236}">
-                <a16:creationId xmlns:a16="http://schemas.microsoft.com/office/drawing/2014/main" id="{58DDC7E0-5BFE-44CB-AF5B-371C0AD067CC}"/>
+                <a16:creationId xmlns:a16="http://schemas.microsoft.com/office/drawing/2014/main" id="{56C977BC-9A7B-4F40-8730-C993BA2A95B6}"/>
               </a:ext>
             </a:extLst>
           </p:cNvPr>
@@ -7285,14 +6269,15 @@
         </p:nvSpPr>
         <p:spPr>
           <a:xfrm>
-            <a:off x="6619633" y="1096318"/>
-            <a:ext cx="870792" cy="409160"/>
+            <a:off x="3411379" y="4371950"/>
+            <a:ext cx="1263236" cy="527174"/>
           </a:xfrm>
           <a:prstGeom prst="roundRect">
             <a:avLst>
-              <a:gd name="adj" fmla="val 5026"/>
+              <a:gd name="adj" fmla="val 7693"/>
             </a:avLst>
           </a:prstGeom>
+          <a:noFill/>
         </p:spPr>
         <p:style>
           <a:lnRef idx="2">
@@ -7314,19 +6299,19 @@
           <a:p>
             <a:pPr algn="ctr"/>
             <a:r>
-              <a:rPr lang="en-US" altLang="ko-KR" sz="1100"/>
-              <a:t>HTTP, HTTPS</a:t>
-            </a:r>
-            <a:endParaRPr lang="ko-KR" altLang="en-US" sz="1100"/>
-          </a:p>
-        </p:txBody>
-      </p:sp>
-      <p:sp>
-        <p:nvSpPr>
-          <p:cNvPr id="30" name="사각형: 둥근 모서리 29">
+              <a:rPr lang="en-US" altLang="ko-KR" sz="1200"/>
+              <a:t>Batch Job</a:t>
+            </a:r>
+            <a:endParaRPr lang="ko-KR" altLang="en-US" sz="1200"/>
+          </a:p>
+        </p:txBody>
+      </p:sp>
+      <p:sp>
+        <p:nvSpPr>
+          <p:cNvPr id="100" name="사각형: 둥근 모서리 99">
             <a:extLst>
               <a:ext uri="{FF2B5EF4-FFF2-40B4-BE49-F238E27FC236}">
-                <a16:creationId xmlns:a16="http://schemas.microsoft.com/office/drawing/2014/main" id="{21D8BFF1-02A9-4922-9E66-187D09F2F7A5}"/>
+                <a16:creationId xmlns:a16="http://schemas.microsoft.com/office/drawing/2014/main" id="{26D4DCD2-3BA3-40D4-BF98-B2042E46D55A}"/>
               </a:ext>
             </a:extLst>
           </p:cNvPr>
@@ -7335,14 +6320,15 @@
         </p:nvSpPr>
         <p:spPr>
           <a:xfrm>
-            <a:off x="6619633" y="1626872"/>
-            <a:ext cx="870792" cy="409160"/>
+            <a:off x="5553960" y="4371950"/>
+            <a:ext cx="1263236" cy="527174"/>
           </a:xfrm>
           <a:prstGeom prst="roundRect">
             <a:avLst>
-              <a:gd name="adj" fmla="val 5026"/>
+              <a:gd name="adj" fmla="val 7693"/>
             </a:avLst>
           </a:prstGeom>
+          <a:noFill/>
         </p:spPr>
         <p:style>
           <a:lnRef idx="2">
@@ -7364,19 +6350,19 @@
           <a:p>
             <a:pPr algn="ctr"/>
             <a:r>
-              <a:rPr lang="en-US" altLang="ko-KR" sz="1100"/>
-              <a:t>Slack</a:t>
-            </a:r>
-            <a:endParaRPr lang="ko-KR" altLang="en-US" sz="1100"/>
-          </a:p>
-        </p:txBody>
-      </p:sp>
-      <p:sp>
-        <p:nvSpPr>
-          <p:cNvPr id="31" name="사각형: 둥근 모서리 30">
+              <a:rPr lang="en-US" altLang="ko-KR" sz="1200" b="1"/>
+              <a:t>Load Balancer</a:t>
+            </a:r>
+            <a:endParaRPr lang="ko-KR" altLang="en-US" sz="1200" b="1"/>
+          </a:p>
+        </p:txBody>
+      </p:sp>
+      <p:sp>
+        <p:nvSpPr>
+          <p:cNvPr id="102" name="사각형: 둥근 모서리 101">
             <a:extLst>
               <a:ext uri="{FF2B5EF4-FFF2-40B4-BE49-F238E27FC236}">
-                <a16:creationId xmlns:a16="http://schemas.microsoft.com/office/drawing/2014/main" id="{EEC5937D-9F44-4E1C-B516-506F564338E0}"/>
+                <a16:creationId xmlns:a16="http://schemas.microsoft.com/office/drawing/2014/main" id="{EDD9E68A-6AF8-4CA6-8C37-5EB62DA23973}"/>
               </a:ext>
             </a:extLst>
           </p:cNvPr>
@@ -7385,14 +6371,18 @@
         </p:nvSpPr>
         <p:spPr>
           <a:xfrm>
-            <a:off x="5647525" y="1628590"/>
-            <a:ext cx="870792" cy="409160"/>
+            <a:off x="1162554" y="2417564"/>
+            <a:ext cx="6835531" cy="730250"/>
           </a:xfrm>
           <a:prstGeom prst="roundRect">
             <a:avLst>
-              <a:gd name="adj" fmla="val 5026"/>
+              <a:gd name="adj" fmla="val 4089"/>
             </a:avLst>
           </a:prstGeom>
+          <a:noFill/>
+          <a:ln>
+            <a:prstDash val="dash"/>
+          </a:ln>
         </p:spPr>
         <p:style>
           <a:lnRef idx="2">
@@ -7412,68 +6402,28 @@
           <a:bodyPr rtlCol="0" anchor="ctr"/>
           <a:lstStyle/>
           <a:p>
-            <a:pPr algn="ctr"/>
-            <a:r>
-              <a:rPr lang="en-US" altLang="ko-KR" sz="1100"/>
-              <a:t>Webhook</a:t>
-            </a:r>
-            <a:endParaRPr lang="ko-KR" altLang="en-US" sz="1100"/>
-          </a:p>
-        </p:txBody>
-      </p:sp>
-      <p:cxnSp>
-        <p:nvCxnSpPr>
-          <p:cNvPr id="45" name="직선 연결선 44">
+            <a:pPr algn="r"/>
+            <a:r>
+              <a:rPr lang="en-US" altLang="ko-KR" sz="1200" b="1"/>
+              <a:t>Prometheus </a:t>
+            </a:r>
+          </a:p>
+          <a:p>
+            <a:pPr algn="r"/>
+            <a:r>
+              <a:rPr lang="en-US" altLang="ko-KR" sz="1200" b="1"/>
+              <a:t>Servers</a:t>
+            </a:r>
+            <a:endParaRPr lang="ko-KR" altLang="en-US" sz="1200" b="1"/>
+          </a:p>
+        </p:txBody>
+      </p:sp>
+      <p:sp>
+        <p:nvSpPr>
+          <p:cNvPr id="103" name="사각형: 둥근 모서리 102">
             <a:extLst>
               <a:ext uri="{FF2B5EF4-FFF2-40B4-BE49-F238E27FC236}">
-                <a16:creationId xmlns:a16="http://schemas.microsoft.com/office/drawing/2014/main" id="{1D4E0DD1-05E9-41BF-8E77-D12F94F2EE99}"/>
-              </a:ext>
-            </a:extLst>
-          </p:cNvPr>
-          <p:cNvCxnSpPr>
-            <a:cxnSpLocks/>
-            <a:stCxn id="26" idx="0"/>
-            <a:endCxn id="44" idx="2"/>
-          </p:cNvCxnSpPr>
-          <p:nvPr/>
-        </p:nvCxnSpPr>
-        <p:spPr>
-          <a:xfrm flipH="1" flipV="1">
-            <a:off x="6750178" y="2139702"/>
-            <a:ext cx="251926" cy="118616"/>
-          </a:xfrm>
-          <a:prstGeom prst="line">
-            <a:avLst/>
-          </a:prstGeom>
-          <a:ln w="19050">
-            <a:solidFill>
-              <a:schemeClr val="tx2"/>
-            </a:solidFill>
-            <a:headEnd type="none" w="med" len="med"/>
-            <a:tailEnd type="arrow" w="med" len="med"/>
-          </a:ln>
-        </p:spPr>
-        <p:style>
-          <a:lnRef idx="1">
-            <a:schemeClr val="accent1"/>
-          </a:lnRef>
-          <a:fillRef idx="0">
-            <a:schemeClr val="accent1"/>
-          </a:fillRef>
-          <a:effectRef idx="0">
-            <a:schemeClr val="accent1"/>
-          </a:effectRef>
-          <a:fontRef idx="minor">
-            <a:schemeClr val="tx1"/>
-          </a:fontRef>
-        </p:style>
-      </p:cxnSp>
-      <p:sp>
-        <p:nvSpPr>
-          <p:cNvPr id="53" name="사각형: 둥근 모서리 52">
-            <a:extLst>
-              <a:ext uri="{FF2B5EF4-FFF2-40B4-BE49-F238E27FC236}">
-                <a16:creationId xmlns:a16="http://schemas.microsoft.com/office/drawing/2014/main" id="{C1B91AEC-AFEA-4541-8939-B9A6336C40AC}"/>
+                <a16:creationId xmlns:a16="http://schemas.microsoft.com/office/drawing/2014/main" id="{20684741-02EE-42B6-97F5-09BCD4C5E0C3}"/>
               </a:ext>
             </a:extLst>
           </p:cNvPr>
@@ -7482,14 +6432,18 @@
         </p:nvSpPr>
         <p:spPr>
           <a:xfrm>
-            <a:off x="3832900" y="3045736"/>
-            <a:ext cx="968371" cy="409160"/>
+            <a:off x="3314700" y="3403190"/>
+            <a:ext cx="4683385" cy="717550"/>
           </a:xfrm>
           <a:prstGeom prst="roundRect">
             <a:avLst>
-              <a:gd name="adj" fmla="val 5026"/>
+              <a:gd name="adj" fmla="val 4089"/>
             </a:avLst>
           </a:prstGeom>
+          <a:noFill/>
+          <a:ln>
+            <a:prstDash val="dash"/>
+          </a:ln>
         </p:spPr>
         <p:style>
           <a:lnRef idx="2">
@@ -7509,20 +6463,733 @@
           <a:bodyPr rtlCol="0" anchor="ctr"/>
           <a:lstStyle/>
           <a:p>
-            <a:pPr algn="ctr"/>
-            <a:r>
-              <a:rPr lang="en-US" altLang="ko-KR" sz="1200"/>
-              <a:t>Storage</a:t>
-            </a:r>
-          </a:p>
-        </p:txBody>
-      </p:sp>
-      <p:sp>
-        <p:nvSpPr>
-          <p:cNvPr id="54" name="사각형: 둥근 모서리 53">
+            <a:pPr algn="r"/>
+            <a:r>
+              <a:rPr lang="en-US" altLang="ko-KR" sz="1200" b="1"/>
+              <a:t>Prometheus </a:t>
+            </a:r>
+          </a:p>
+          <a:p>
+            <a:pPr algn="r"/>
+            <a:r>
+              <a:rPr lang="en-US" altLang="ko-KR" sz="1200" b="1"/>
+              <a:t>Pushgateways</a:t>
+            </a:r>
+            <a:endParaRPr lang="ko-KR" altLang="en-US" sz="1200" b="1"/>
+          </a:p>
+        </p:txBody>
+      </p:sp>
+      <p:cxnSp>
+        <p:nvCxnSpPr>
+          <p:cNvPr id="104" name="직선 연결선 103">
             <a:extLst>
               <a:ext uri="{FF2B5EF4-FFF2-40B4-BE49-F238E27FC236}">
-                <a16:creationId xmlns:a16="http://schemas.microsoft.com/office/drawing/2014/main" id="{1DF9AAE2-5C87-4524-8369-02B800671202}"/>
+                <a16:creationId xmlns:a16="http://schemas.microsoft.com/office/drawing/2014/main" id="{9D9FEFAC-7966-4000-A1C2-0FEC1813CFD6}"/>
+              </a:ext>
+            </a:extLst>
+          </p:cNvPr>
+          <p:cNvCxnSpPr>
+            <a:cxnSpLocks/>
+            <a:stCxn id="99" idx="3"/>
+            <a:endCxn id="100" idx="1"/>
+          </p:cNvCxnSpPr>
+          <p:nvPr/>
+        </p:nvCxnSpPr>
+        <p:spPr>
+          <a:xfrm>
+            <a:off x="4674615" y="4635537"/>
+            <a:ext cx="879345" cy="0"/>
+          </a:xfrm>
+          <a:prstGeom prst="line">
+            <a:avLst/>
+          </a:prstGeom>
+          <a:ln w="19050">
+            <a:solidFill>
+              <a:schemeClr val="tx1"/>
+            </a:solidFill>
+            <a:headEnd type="none" w="med" len="med"/>
+            <a:tailEnd type="arrow" w="med" len="med"/>
+          </a:ln>
+        </p:spPr>
+        <p:style>
+          <a:lnRef idx="1">
+            <a:schemeClr val="accent1"/>
+          </a:lnRef>
+          <a:fillRef idx="0">
+            <a:schemeClr val="accent1"/>
+          </a:fillRef>
+          <a:effectRef idx="0">
+            <a:schemeClr val="accent1"/>
+          </a:effectRef>
+          <a:fontRef idx="minor">
+            <a:schemeClr val="tx1"/>
+          </a:fontRef>
+        </p:style>
+      </p:cxnSp>
+      <p:cxnSp>
+        <p:nvCxnSpPr>
+          <p:cNvPr id="105" name="직선 연결선 104">
+            <a:extLst>
+              <a:ext uri="{FF2B5EF4-FFF2-40B4-BE49-F238E27FC236}">
+                <a16:creationId xmlns:a16="http://schemas.microsoft.com/office/drawing/2014/main" id="{62F918FF-5470-4EDE-B762-7E156AF204BF}"/>
+              </a:ext>
+            </a:extLst>
+          </p:cNvPr>
+          <p:cNvCxnSpPr>
+            <a:cxnSpLocks/>
+            <a:stCxn id="100" idx="0"/>
+            <a:endCxn id="79" idx="2"/>
+          </p:cNvCxnSpPr>
+          <p:nvPr/>
+        </p:nvCxnSpPr>
+        <p:spPr>
+          <a:xfrm flipH="1" flipV="1">
+            <a:off x="6180438" y="4025279"/>
+            <a:ext cx="5140" cy="346671"/>
+          </a:xfrm>
+          <a:prstGeom prst="line">
+            <a:avLst/>
+          </a:prstGeom>
+          <a:ln w="19050">
+            <a:solidFill>
+              <a:schemeClr val="tx1"/>
+            </a:solidFill>
+            <a:headEnd type="none" w="med" len="med"/>
+            <a:tailEnd type="arrow" w="med" len="med"/>
+          </a:ln>
+        </p:spPr>
+        <p:style>
+          <a:lnRef idx="1">
+            <a:schemeClr val="accent1"/>
+          </a:lnRef>
+          <a:fillRef idx="0">
+            <a:schemeClr val="accent1"/>
+          </a:fillRef>
+          <a:effectRef idx="0">
+            <a:schemeClr val="accent1"/>
+          </a:effectRef>
+          <a:fontRef idx="minor">
+            <a:schemeClr val="tx1"/>
+          </a:fontRef>
+        </p:style>
+      </p:cxnSp>
+      <p:cxnSp>
+        <p:nvCxnSpPr>
+          <p:cNvPr id="107" name="직선 연결선 106">
+            <a:extLst>
+              <a:ext uri="{FF2B5EF4-FFF2-40B4-BE49-F238E27FC236}">
+                <a16:creationId xmlns:a16="http://schemas.microsoft.com/office/drawing/2014/main" id="{0899348F-001B-4CBC-B85B-41DF8FF9BE94}"/>
+              </a:ext>
+            </a:extLst>
+          </p:cNvPr>
+          <p:cNvCxnSpPr>
+            <a:cxnSpLocks/>
+            <a:stCxn id="100" idx="0"/>
+            <a:endCxn id="78" idx="2"/>
+          </p:cNvCxnSpPr>
+          <p:nvPr/>
+        </p:nvCxnSpPr>
+        <p:spPr>
+          <a:xfrm flipH="1" flipV="1">
+            <a:off x="4040427" y="4025279"/>
+            <a:ext cx="2145151" cy="346671"/>
+          </a:xfrm>
+          <a:prstGeom prst="line">
+            <a:avLst/>
+          </a:prstGeom>
+          <a:ln w="19050">
+            <a:solidFill>
+              <a:schemeClr val="tx1"/>
+            </a:solidFill>
+            <a:headEnd type="none" w="med" len="med"/>
+            <a:tailEnd type="arrow" w="med" len="med"/>
+          </a:ln>
+        </p:spPr>
+        <p:style>
+          <a:lnRef idx="1">
+            <a:schemeClr val="accent1"/>
+          </a:lnRef>
+          <a:fillRef idx="0">
+            <a:schemeClr val="accent1"/>
+          </a:fillRef>
+          <a:effectRef idx="0">
+            <a:schemeClr val="accent1"/>
+          </a:effectRef>
+          <a:fontRef idx="minor">
+            <a:schemeClr val="tx1"/>
+          </a:fontRef>
+        </p:style>
+      </p:cxnSp>
+      <p:cxnSp>
+        <p:nvCxnSpPr>
+          <p:cNvPr id="108" name="직선 연결선 107">
+            <a:extLst>
+              <a:ext uri="{FF2B5EF4-FFF2-40B4-BE49-F238E27FC236}">
+                <a16:creationId xmlns:a16="http://schemas.microsoft.com/office/drawing/2014/main" id="{AD7FF1FF-A652-452A-B27D-1514A279B800}"/>
+              </a:ext>
+            </a:extLst>
+          </p:cNvPr>
+          <p:cNvCxnSpPr>
+            <a:cxnSpLocks/>
+            <a:stCxn id="78" idx="0"/>
+            <a:endCxn id="68" idx="2"/>
+          </p:cNvCxnSpPr>
+          <p:nvPr/>
+        </p:nvCxnSpPr>
+        <p:spPr>
+          <a:xfrm flipV="1">
+            <a:off x="4040427" y="3050778"/>
+            <a:ext cx="2570" cy="447327"/>
+          </a:xfrm>
+          <a:prstGeom prst="line">
+            <a:avLst/>
+          </a:prstGeom>
+          <a:ln w="19050">
+            <a:solidFill>
+              <a:schemeClr val="tx1"/>
+            </a:solidFill>
+            <a:headEnd type="none" w="med" len="med"/>
+            <a:tailEnd type="arrow" w="med" len="med"/>
+          </a:ln>
+        </p:spPr>
+        <p:style>
+          <a:lnRef idx="1">
+            <a:schemeClr val="accent1"/>
+          </a:lnRef>
+          <a:fillRef idx="0">
+            <a:schemeClr val="accent1"/>
+          </a:fillRef>
+          <a:effectRef idx="0">
+            <a:schemeClr val="accent1"/>
+          </a:effectRef>
+          <a:fontRef idx="minor">
+            <a:schemeClr val="tx1"/>
+          </a:fontRef>
+        </p:style>
+      </p:cxnSp>
+      <p:cxnSp>
+        <p:nvCxnSpPr>
+          <p:cNvPr id="109" name="직선 연결선 108">
+            <a:extLst>
+              <a:ext uri="{FF2B5EF4-FFF2-40B4-BE49-F238E27FC236}">
+                <a16:creationId xmlns:a16="http://schemas.microsoft.com/office/drawing/2014/main" id="{B5F532B9-21C8-47CB-9A92-07EA65D14C45}"/>
+              </a:ext>
+            </a:extLst>
+          </p:cNvPr>
+          <p:cNvCxnSpPr>
+            <a:cxnSpLocks/>
+            <a:stCxn id="79" idx="0"/>
+            <a:endCxn id="68" idx="2"/>
+          </p:cNvCxnSpPr>
+          <p:nvPr/>
+        </p:nvCxnSpPr>
+        <p:spPr>
+          <a:xfrm flipH="1" flipV="1">
+            <a:off x="4042997" y="3050778"/>
+            <a:ext cx="2137441" cy="447327"/>
+          </a:xfrm>
+          <a:prstGeom prst="line">
+            <a:avLst/>
+          </a:prstGeom>
+          <a:ln w="19050">
+            <a:solidFill>
+              <a:schemeClr val="tx1"/>
+            </a:solidFill>
+            <a:headEnd type="none" w="med" len="med"/>
+            <a:tailEnd type="arrow" w="med" len="med"/>
+          </a:ln>
+        </p:spPr>
+        <p:style>
+          <a:lnRef idx="1">
+            <a:schemeClr val="accent1"/>
+          </a:lnRef>
+          <a:fillRef idx="0">
+            <a:schemeClr val="accent1"/>
+          </a:fillRef>
+          <a:effectRef idx="0">
+            <a:schemeClr val="accent1"/>
+          </a:effectRef>
+          <a:fontRef idx="minor">
+            <a:schemeClr val="tx1"/>
+          </a:fontRef>
+        </p:style>
+      </p:cxnSp>
+      <p:cxnSp>
+        <p:nvCxnSpPr>
+          <p:cNvPr id="110" name="직선 연결선 109">
+            <a:extLst>
+              <a:ext uri="{FF2B5EF4-FFF2-40B4-BE49-F238E27FC236}">
+                <a16:creationId xmlns:a16="http://schemas.microsoft.com/office/drawing/2014/main" id="{B9108377-56A3-4EFE-A80D-87ABD4832751}"/>
+              </a:ext>
+            </a:extLst>
+          </p:cNvPr>
+          <p:cNvCxnSpPr>
+            <a:cxnSpLocks/>
+            <a:stCxn id="82" idx="0"/>
+            <a:endCxn id="68" idx="2"/>
+          </p:cNvCxnSpPr>
+          <p:nvPr/>
+        </p:nvCxnSpPr>
+        <p:spPr>
+          <a:xfrm flipV="1">
+            <a:off x="1900416" y="3050778"/>
+            <a:ext cx="2142581" cy="447327"/>
+          </a:xfrm>
+          <a:prstGeom prst="line">
+            <a:avLst/>
+          </a:prstGeom>
+          <a:ln w="19050">
+            <a:solidFill>
+              <a:schemeClr val="tx1"/>
+            </a:solidFill>
+            <a:headEnd type="none" w="med" len="med"/>
+            <a:tailEnd type="arrow" w="med" len="med"/>
+          </a:ln>
+        </p:spPr>
+        <p:style>
+          <a:lnRef idx="1">
+            <a:schemeClr val="accent1"/>
+          </a:lnRef>
+          <a:fillRef idx="0">
+            <a:schemeClr val="accent1"/>
+          </a:fillRef>
+          <a:effectRef idx="0">
+            <a:schemeClr val="accent1"/>
+          </a:effectRef>
+          <a:fontRef idx="minor">
+            <a:schemeClr val="tx1"/>
+          </a:fontRef>
+        </p:style>
+      </p:cxnSp>
+      <p:cxnSp>
+        <p:nvCxnSpPr>
+          <p:cNvPr id="112" name="직선 연결선 111">
+            <a:extLst>
+              <a:ext uri="{FF2B5EF4-FFF2-40B4-BE49-F238E27FC236}">
+                <a16:creationId xmlns:a16="http://schemas.microsoft.com/office/drawing/2014/main" id="{E4FE999E-7B0C-42EB-BE8D-90F4E1567390}"/>
+              </a:ext>
+            </a:extLst>
+          </p:cNvPr>
+          <p:cNvCxnSpPr>
+            <a:cxnSpLocks/>
+            <a:stCxn id="82" idx="0"/>
+            <a:endCxn id="67" idx="2"/>
+          </p:cNvCxnSpPr>
+          <p:nvPr/>
+        </p:nvCxnSpPr>
+        <p:spPr>
+          <a:xfrm flipV="1">
+            <a:off x="1900416" y="3050778"/>
+            <a:ext cx="0" cy="447327"/>
+          </a:xfrm>
+          <a:prstGeom prst="line">
+            <a:avLst/>
+          </a:prstGeom>
+          <a:ln w="19050">
+            <a:solidFill>
+              <a:schemeClr val="tx1"/>
+            </a:solidFill>
+            <a:headEnd type="none" w="med" len="med"/>
+            <a:tailEnd type="arrow" w="med" len="med"/>
+          </a:ln>
+        </p:spPr>
+        <p:style>
+          <a:lnRef idx="1">
+            <a:schemeClr val="accent1"/>
+          </a:lnRef>
+          <a:fillRef idx="0">
+            <a:schemeClr val="accent1"/>
+          </a:fillRef>
+          <a:effectRef idx="0">
+            <a:schemeClr val="accent1"/>
+          </a:effectRef>
+          <a:fontRef idx="minor">
+            <a:schemeClr val="tx1"/>
+          </a:fontRef>
+        </p:style>
+      </p:cxnSp>
+      <p:cxnSp>
+        <p:nvCxnSpPr>
+          <p:cNvPr id="116" name="직선 연결선 115">
+            <a:extLst>
+              <a:ext uri="{FF2B5EF4-FFF2-40B4-BE49-F238E27FC236}">
+                <a16:creationId xmlns:a16="http://schemas.microsoft.com/office/drawing/2014/main" id="{66D4C4F9-E295-4944-8519-DCAF19DD6F06}"/>
+              </a:ext>
+            </a:extLst>
+          </p:cNvPr>
+          <p:cNvCxnSpPr>
+            <a:cxnSpLocks/>
+            <a:stCxn id="78" idx="0"/>
+            <a:endCxn id="67" idx="2"/>
+          </p:cNvCxnSpPr>
+          <p:nvPr/>
+        </p:nvCxnSpPr>
+        <p:spPr>
+          <a:xfrm flipH="1" flipV="1">
+            <a:off x="1900416" y="3050778"/>
+            <a:ext cx="2140011" cy="447327"/>
+          </a:xfrm>
+          <a:prstGeom prst="line">
+            <a:avLst/>
+          </a:prstGeom>
+          <a:ln w="19050">
+            <a:solidFill>
+              <a:schemeClr val="tx1"/>
+            </a:solidFill>
+            <a:headEnd type="none" w="med" len="med"/>
+            <a:tailEnd type="arrow" w="med" len="med"/>
+          </a:ln>
+        </p:spPr>
+        <p:style>
+          <a:lnRef idx="1">
+            <a:schemeClr val="accent1"/>
+          </a:lnRef>
+          <a:fillRef idx="0">
+            <a:schemeClr val="accent1"/>
+          </a:fillRef>
+          <a:effectRef idx="0">
+            <a:schemeClr val="accent1"/>
+          </a:effectRef>
+          <a:fontRef idx="minor">
+            <a:schemeClr val="tx1"/>
+          </a:fontRef>
+        </p:style>
+      </p:cxnSp>
+      <p:cxnSp>
+        <p:nvCxnSpPr>
+          <p:cNvPr id="118" name="직선 연결선 117">
+            <a:extLst>
+              <a:ext uri="{FF2B5EF4-FFF2-40B4-BE49-F238E27FC236}">
+                <a16:creationId xmlns:a16="http://schemas.microsoft.com/office/drawing/2014/main" id="{C3812240-394C-44FE-8123-EB4B441D8502}"/>
+              </a:ext>
+            </a:extLst>
+          </p:cNvPr>
+          <p:cNvCxnSpPr>
+            <a:cxnSpLocks/>
+            <a:stCxn id="79" idx="0"/>
+            <a:endCxn id="67" idx="2"/>
+          </p:cNvCxnSpPr>
+          <p:nvPr/>
+        </p:nvCxnSpPr>
+        <p:spPr>
+          <a:xfrm flipH="1" flipV="1">
+            <a:off x="1900416" y="3050778"/>
+            <a:ext cx="4280022" cy="447327"/>
+          </a:xfrm>
+          <a:prstGeom prst="line">
+            <a:avLst/>
+          </a:prstGeom>
+          <a:ln w="19050">
+            <a:solidFill>
+              <a:schemeClr val="tx1"/>
+            </a:solidFill>
+            <a:headEnd type="none" w="med" len="med"/>
+            <a:tailEnd type="arrow" w="med" len="med"/>
+          </a:ln>
+        </p:spPr>
+        <p:style>
+          <a:lnRef idx="1">
+            <a:schemeClr val="accent1"/>
+          </a:lnRef>
+          <a:fillRef idx="0">
+            <a:schemeClr val="accent1"/>
+          </a:fillRef>
+          <a:effectRef idx="0">
+            <a:schemeClr val="accent1"/>
+          </a:effectRef>
+          <a:fontRef idx="minor">
+            <a:schemeClr val="tx1"/>
+          </a:fontRef>
+        </p:style>
+      </p:cxnSp>
+      <p:cxnSp>
+        <p:nvCxnSpPr>
+          <p:cNvPr id="121" name="직선 연결선 120">
+            <a:extLst>
+              <a:ext uri="{FF2B5EF4-FFF2-40B4-BE49-F238E27FC236}">
+                <a16:creationId xmlns:a16="http://schemas.microsoft.com/office/drawing/2014/main" id="{25BBF46F-CDC9-42AC-A2DD-20F144A8D487}"/>
+              </a:ext>
+            </a:extLst>
+          </p:cNvPr>
+          <p:cNvCxnSpPr>
+            <a:cxnSpLocks/>
+            <a:stCxn id="78" idx="0"/>
+            <a:endCxn id="70" idx="2"/>
+          </p:cNvCxnSpPr>
+          <p:nvPr/>
+        </p:nvCxnSpPr>
+        <p:spPr>
+          <a:xfrm flipV="1">
+            <a:off x="4040427" y="3041526"/>
+            <a:ext cx="2145151" cy="456579"/>
+          </a:xfrm>
+          <a:prstGeom prst="line">
+            <a:avLst/>
+          </a:prstGeom>
+          <a:ln w="19050">
+            <a:solidFill>
+              <a:schemeClr val="tx1"/>
+            </a:solidFill>
+            <a:headEnd type="none" w="med" len="med"/>
+            <a:tailEnd type="arrow" w="med" len="med"/>
+          </a:ln>
+        </p:spPr>
+        <p:style>
+          <a:lnRef idx="1">
+            <a:schemeClr val="accent1"/>
+          </a:lnRef>
+          <a:fillRef idx="0">
+            <a:schemeClr val="accent1"/>
+          </a:fillRef>
+          <a:effectRef idx="0">
+            <a:schemeClr val="accent1"/>
+          </a:effectRef>
+          <a:fontRef idx="minor">
+            <a:schemeClr val="tx1"/>
+          </a:fontRef>
+        </p:style>
+      </p:cxnSp>
+      <p:cxnSp>
+        <p:nvCxnSpPr>
+          <p:cNvPr id="124" name="직선 연결선 123">
+            <a:extLst>
+              <a:ext uri="{FF2B5EF4-FFF2-40B4-BE49-F238E27FC236}">
+                <a16:creationId xmlns:a16="http://schemas.microsoft.com/office/drawing/2014/main" id="{9987D96C-F8E9-4F1E-896C-D12B6B66168F}"/>
+              </a:ext>
+            </a:extLst>
+          </p:cNvPr>
+          <p:cNvCxnSpPr>
+            <a:cxnSpLocks/>
+            <a:stCxn id="79" idx="0"/>
+            <a:endCxn id="70" idx="2"/>
+          </p:cNvCxnSpPr>
+          <p:nvPr/>
+        </p:nvCxnSpPr>
+        <p:spPr>
+          <a:xfrm flipV="1">
+            <a:off x="6180438" y="3041526"/>
+            <a:ext cx="5140" cy="456579"/>
+          </a:xfrm>
+          <a:prstGeom prst="line">
+            <a:avLst/>
+          </a:prstGeom>
+          <a:ln w="19050">
+            <a:solidFill>
+              <a:schemeClr val="tx1"/>
+            </a:solidFill>
+            <a:headEnd type="none" w="med" len="med"/>
+            <a:tailEnd type="arrow" w="med" len="med"/>
+          </a:ln>
+        </p:spPr>
+        <p:style>
+          <a:lnRef idx="1">
+            <a:schemeClr val="accent1"/>
+          </a:lnRef>
+          <a:fillRef idx="0">
+            <a:schemeClr val="accent1"/>
+          </a:fillRef>
+          <a:effectRef idx="0">
+            <a:schemeClr val="accent1"/>
+          </a:effectRef>
+          <a:fontRef idx="minor">
+            <a:schemeClr val="tx1"/>
+          </a:fontRef>
+        </p:style>
+      </p:cxnSp>
+      <p:cxnSp>
+        <p:nvCxnSpPr>
+          <p:cNvPr id="127" name="직선 연결선 126">
+            <a:extLst>
+              <a:ext uri="{FF2B5EF4-FFF2-40B4-BE49-F238E27FC236}">
+                <a16:creationId xmlns:a16="http://schemas.microsoft.com/office/drawing/2014/main" id="{AD9562CC-17A5-4A66-B51B-B7DC0D4DA9DE}"/>
+              </a:ext>
+            </a:extLst>
+          </p:cNvPr>
+          <p:cNvCxnSpPr>
+            <a:cxnSpLocks/>
+            <a:stCxn id="82" idx="0"/>
+            <a:endCxn id="70" idx="2"/>
+          </p:cNvCxnSpPr>
+          <p:nvPr/>
+        </p:nvCxnSpPr>
+        <p:spPr>
+          <a:xfrm flipV="1">
+            <a:off x="1900416" y="3041526"/>
+            <a:ext cx="4285162" cy="456579"/>
+          </a:xfrm>
+          <a:prstGeom prst="line">
+            <a:avLst/>
+          </a:prstGeom>
+          <a:ln w="19050">
+            <a:solidFill>
+              <a:schemeClr val="tx1"/>
+            </a:solidFill>
+            <a:headEnd type="none" w="med" len="med"/>
+            <a:tailEnd type="arrow" w="med" len="med"/>
+          </a:ln>
+        </p:spPr>
+        <p:style>
+          <a:lnRef idx="1">
+            <a:schemeClr val="accent1"/>
+          </a:lnRef>
+          <a:fillRef idx="0">
+            <a:schemeClr val="accent1"/>
+          </a:fillRef>
+          <a:effectRef idx="0">
+            <a:schemeClr val="accent1"/>
+          </a:effectRef>
+          <a:fontRef idx="minor">
+            <a:schemeClr val="tx1"/>
+          </a:fontRef>
+        </p:style>
+      </p:cxnSp>
+      <p:cxnSp>
+        <p:nvCxnSpPr>
+          <p:cNvPr id="133" name="직선 연결선 132">
+            <a:extLst>
+              <a:ext uri="{FF2B5EF4-FFF2-40B4-BE49-F238E27FC236}">
+                <a16:creationId xmlns:a16="http://schemas.microsoft.com/office/drawing/2014/main" id="{015705D1-0DE5-4004-96E2-BAF2B642EDBF}"/>
+              </a:ext>
+            </a:extLst>
+          </p:cNvPr>
+          <p:cNvCxnSpPr>
+            <a:cxnSpLocks/>
+            <a:stCxn id="67" idx="0"/>
+            <a:endCxn id="76" idx="2"/>
+          </p:cNvCxnSpPr>
+          <p:nvPr/>
+        </p:nvCxnSpPr>
+        <p:spPr>
+          <a:xfrm flipV="1">
+            <a:off x="1900416" y="2139702"/>
+            <a:ext cx="1038411" cy="383902"/>
+          </a:xfrm>
+          <a:prstGeom prst="line">
+            <a:avLst/>
+          </a:prstGeom>
+          <a:ln w="19050">
+            <a:solidFill>
+              <a:schemeClr val="tx1"/>
+            </a:solidFill>
+            <a:headEnd type="none" w="med" len="med"/>
+            <a:tailEnd type="arrow" w="med" len="med"/>
+          </a:ln>
+        </p:spPr>
+        <p:style>
+          <a:lnRef idx="1">
+            <a:schemeClr val="accent1"/>
+          </a:lnRef>
+          <a:fillRef idx="0">
+            <a:schemeClr val="accent1"/>
+          </a:fillRef>
+          <a:effectRef idx="0">
+            <a:schemeClr val="accent1"/>
+          </a:effectRef>
+          <a:fontRef idx="minor">
+            <a:schemeClr val="tx1"/>
+          </a:fontRef>
+        </p:style>
+      </p:cxnSp>
+      <p:cxnSp>
+        <p:nvCxnSpPr>
+          <p:cNvPr id="136" name="직선 연결선 135">
+            <a:extLst>
+              <a:ext uri="{FF2B5EF4-FFF2-40B4-BE49-F238E27FC236}">
+                <a16:creationId xmlns:a16="http://schemas.microsoft.com/office/drawing/2014/main" id="{515A517A-B934-40C1-852C-56E576C57DC0}"/>
+              </a:ext>
+            </a:extLst>
+          </p:cNvPr>
+          <p:cNvCxnSpPr>
+            <a:cxnSpLocks/>
+            <a:stCxn id="68" idx="0"/>
+            <a:endCxn id="76" idx="2"/>
+          </p:cNvCxnSpPr>
+          <p:nvPr/>
+        </p:nvCxnSpPr>
+        <p:spPr>
+          <a:xfrm flipH="1" flipV="1">
+            <a:off x="2938827" y="2139702"/>
+            <a:ext cx="1104170" cy="383902"/>
+          </a:xfrm>
+          <a:prstGeom prst="line">
+            <a:avLst/>
+          </a:prstGeom>
+          <a:ln w="19050">
+            <a:solidFill>
+              <a:schemeClr val="tx1"/>
+            </a:solidFill>
+            <a:headEnd type="none" w="med" len="med"/>
+            <a:tailEnd type="arrow" w="med" len="med"/>
+          </a:ln>
+        </p:spPr>
+        <p:style>
+          <a:lnRef idx="1">
+            <a:schemeClr val="accent1"/>
+          </a:lnRef>
+          <a:fillRef idx="0">
+            <a:schemeClr val="accent1"/>
+          </a:fillRef>
+          <a:effectRef idx="0">
+            <a:schemeClr val="accent1"/>
+          </a:effectRef>
+          <a:fontRef idx="minor">
+            <a:schemeClr val="tx1"/>
+          </a:fontRef>
+        </p:style>
+      </p:cxnSp>
+      <p:cxnSp>
+        <p:nvCxnSpPr>
+          <p:cNvPr id="139" name="직선 연결선 138">
+            <a:extLst>
+              <a:ext uri="{FF2B5EF4-FFF2-40B4-BE49-F238E27FC236}">
+                <a16:creationId xmlns:a16="http://schemas.microsoft.com/office/drawing/2014/main" id="{5B55F6C3-B5F5-477A-A779-9322B0B0CD8F}"/>
+              </a:ext>
+            </a:extLst>
+          </p:cNvPr>
+          <p:cNvCxnSpPr>
+            <a:cxnSpLocks/>
+            <a:stCxn id="70" idx="0"/>
+            <a:endCxn id="76" idx="2"/>
+          </p:cNvCxnSpPr>
+          <p:nvPr/>
+        </p:nvCxnSpPr>
+        <p:spPr>
+          <a:xfrm flipH="1" flipV="1">
+            <a:off x="2938827" y="2139702"/>
+            <a:ext cx="3246751" cy="374650"/>
+          </a:xfrm>
+          <a:prstGeom prst="line">
+            <a:avLst/>
+          </a:prstGeom>
+          <a:ln w="19050">
+            <a:solidFill>
+              <a:schemeClr val="tx1"/>
+            </a:solidFill>
+            <a:headEnd type="none" w="med" len="med"/>
+            <a:tailEnd type="arrow" w="med" len="med"/>
+          </a:ln>
+        </p:spPr>
+        <p:style>
+          <a:lnRef idx="1">
+            <a:schemeClr val="accent1"/>
+          </a:lnRef>
+          <a:fillRef idx="0">
+            <a:schemeClr val="accent1"/>
+          </a:fillRef>
+          <a:effectRef idx="0">
+            <a:schemeClr val="accent1"/>
+          </a:effectRef>
+          <a:fontRef idx="minor">
+            <a:schemeClr val="tx1"/>
+          </a:fontRef>
+        </p:style>
+      </p:cxnSp>
+      <p:sp>
+        <p:nvSpPr>
+          <p:cNvPr id="150" name="사각형: 둥근 모서리 149">
+            <a:extLst>
+              <a:ext uri="{FF2B5EF4-FFF2-40B4-BE49-F238E27FC236}">
+                <a16:creationId xmlns:a16="http://schemas.microsoft.com/office/drawing/2014/main" id="{AB6C03F4-5A82-4A5A-8F2D-8676149A0C9B}"/>
               </a:ext>
             </a:extLst>
           </p:cNvPr>
@@ -7531,14 +7198,15 @@
         </p:nvSpPr>
         <p:spPr>
           <a:xfrm>
-            <a:off x="2671598" y="3045736"/>
-            <a:ext cx="968371" cy="409160"/>
+            <a:off x="2307209" y="824470"/>
+            <a:ext cx="1263236" cy="527174"/>
           </a:xfrm>
           <a:prstGeom prst="roundRect">
             <a:avLst>
-              <a:gd name="adj" fmla="val 5026"/>
+              <a:gd name="adj" fmla="val 7693"/>
             </a:avLst>
           </a:prstGeom>
+          <a:noFill/>
         </p:spPr>
         <p:style>
           <a:lnRef idx="2">
@@ -7561,186 +7229,40 @@
             <a:pPr algn="ctr"/>
             <a:r>
               <a:rPr lang="en-US" altLang="ko-KR" sz="1200"/>
-              <a:t>Scrape</a:t>
-            </a:r>
-          </a:p>
-          <a:p>
-            <a:pPr algn="ctr"/>
+              <a:t>Prometheus</a:t>
+            </a:r>
+            <a:r>
+              <a:rPr lang="ko-KR" altLang="en-US" sz="1200"/>
+              <a:t> </a:t>
+            </a:r>
             <a:r>
               <a:rPr lang="en-US" altLang="ko-KR" sz="1200"/>
-              <a:t>Manager</a:t>
+              <a:t>Client</a:t>
             </a:r>
             <a:endParaRPr lang="ko-KR" altLang="en-US" sz="1200"/>
           </a:p>
         </p:txBody>
       </p:sp>
-      <p:sp>
-        <p:nvSpPr>
-          <p:cNvPr id="64" name="사각형: 둥근 모서리 63">
+      <p:cxnSp>
+        <p:nvCxnSpPr>
+          <p:cNvPr id="151" name="직선 연결선 150">
             <a:extLst>
               <a:ext uri="{FF2B5EF4-FFF2-40B4-BE49-F238E27FC236}">
-                <a16:creationId xmlns:a16="http://schemas.microsoft.com/office/drawing/2014/main" id="{942C992A-CEBF-4F11-9828-1A4FDFBBC242}"/>
-              </a:ext>
-            </a:extLst>
-          </p:cNvPr>
-          <p:cNvSpPr/>
-          <p:nvPr/>
-        </p:nvSpPr>
-        <p:spPr>
-          <a:xfrm>
-            <a:off x="4994913" y="2378614"/>
-            <a:ext cx="968371" cy="409160"/>
-          </a:xfrm>
-          <a:prstGeom prst="roundRect">
-            <a:avLst>
-              <a:gd name="adj" fmla="val 5026"/>
-            </a:avLst>
-          </a:prstGeom>
-        </p:spPr>
-        <p:style>
-          <a:lnRef idx="2">
-            <a:schemeClr val="dk1"/>
-          </a:lnRef>
-          <a:fillRef idx="1">
-            <a:schemeClr val="lt1"/>
-          </a:fillRef>
-          <a:effectRef idx="0">
-            <a:schemeClr val="dk1"/>
-          </a:effectRef>
-          <a:fontRef idx="minor">
-            <a:schemeClr val="dk1"/>
-          </a:fontRef>
-        </p:style>
-        <p:txBody>
-          <a:bodyPr rtlCol="0" anchor="ctr"/>
-          <a:lstStyle/>
-          <a:p>
-            <a:pPr algn="ctr"/>
-            <a:r>
-              <a:rPr lang="en-US" altLang="ko-KR" sz="1200"/>
-              <a:t>Notifier</a:t>
-            </a:r>
-            <a:endParaRPr lang="ko-KR" altLang="en-US" sz="1200"/>
-          </a:p>
-        </p:txBody>
-      </p:sp>
-      <p:cxnSp>
-        <p:nvCxnSpPr>
-          <p:cNvPr id="65" name="직선 연결선 64">
-            <a:extLst>
-              <a:ext uri="{FF2B5EF4-FFF2-40B4-BE49-F238E27FC236}">
-                <a16:creationId xmlns:a16="http://schemas.microsoft.com/office/drawing/2014/main" id="{2B562CA4-B42B-4A6D-8298-01CD6A6F4607}"/>
+                <a16:creationId xmlns:a16="http://schemas.microsoft.com/office/drawing/2014/main" id="{B1C8AD96-0C1B-4BD6-BAC0-E6398D68D74F}"/>
               </a:ext>
             </a:extLst>
           </p:cNvPr>
           <p:cNvCxnSpPr>
             <a:cxnSpLocks/>
-            <a:stCxn id="64" idx="3"/>
-            <a:endCxn id="26" idx="1"/>
+            <a:stCxn id="76" idx="0"/>
+            <a:endCxn id="150" idx="2"/>
           </p:cNvCxnSpPr>
           <p:nvPr/>
         </p:nvCxnSpPr>
         <p:spPr>
           <a:xfrm flipV="1">
-            <a:off x="5963284" y="2500848"/>
-            <a:ext cx="394972" cy="82346"/>
-          </a:xfrm>
-          <a:prstGeom prst="line">
-            <a:avLst/>
-          </a:prstGeom>
-          <a:ln w="19050">
-            <a:solidFill>
-              <a:schemeClr val="tx2"/>
-            </a:solidFill>
-            <a:headEnd type="none" w="med" len="med"/>
-            <a:tailEnd type="arrow" w="med" len="med"/>
-          </a:ln>
-        </p:spPr>
-        <p:style>
-          <a:lnRef idx="1">
-            <a:schemeClr val="accent1"/>
-          </a:lnRef>
-          <a:fillRef idx="0">
-            <a:schemeClr val="accent1"/>
-          </a:fillRef>
-          <a:effectRef idx="0">
-            <a:schemeClr val="accent1"/>
-          </a:effectRef>
-          <a:fontRef idx="minor">
-            <a:schemeClr val="tx1"/>
-          </a:fontRef>
-        </p:style>
-      </p:cxnSp>
-      <p:sp>
-        <p:nvSpPr>
-          <p:cNvPr id="73" name="사각형: 둥근 모서리 72">
-            <a:extLst>
-              <a:ext uri="{FF2B5EF4-FFF2-40B4-BE49-F238E27FC236}">
-                <a16:creationId xmlns:a16="http://schemas.microsoft.com/office/drawing/2014/main" id="{B8A91312-748B-40CD-8F2B-8E2A35263267}"/>
-              </a:ext>
-            </a:extLst>
-          </p:cNvPr>
-          <p:cNvSpPr/>
-          <p:nvPr/>
-        </p:nvSpPr>
-        <p:spPr>
-          <a:xfrm>
-            <a:off x="4992682" y="3714930"/>
-            <a:ext cx="968371" cy="409160"/>
-          </a:xfrm>
-          <a:prstGeom prst="roundRect">
-            <a:avLst>
-              <a:gd name="adj" fmla="val 5026"/>
-            </a:avLst>
-          </a:prstGeom>
-        </p:spPr>
-        <p:style>
-          <a:lnRef idx="2">
-            <a:schemeClr val="dk1"/>
-          </a:lnRef>
-          <a:fillRef idx="1">
-            <a:schemeClr val="lt1"/>
-          </a:fillRef>
-          <a:effectRef idx="0">
-            <a:schemeClr val="dk1"/>
-          </a:effectRef>
-          <a:fontRef idx="minor">
-            <a:schemeClr val="dk1"/>
-          </a:fontRef>
-        </p:style>
-        <p:txBody>
-          <a:bodyPr rtlCol="0" anchor="ctr"/>
-          <a:lstStyle/>
-          <a:p>
-            <a:pPr algn="ctr"/>
-            <a:r>
-              <a:rPr lang="en-US" altLang="ko-KR" sz="1200"/>
-              <a:t>PromQL</a:t>
-            </a:r>
-            <a:endParaRPr lang="ko-KR" altLang="en-US" sz="1200"/>
-          </a:p>
-        </p:txBody>
-      </p:sp>
-      <p:cxnSp>
-        <p:nvCxnSpPr>
-          <p:cNvPr id="77" name="직선 연결선 76">
-            <a:extLst>
-              <a:ext uri="{FF2B5EF4-FFF2-40B4-BE49-F238E27FC236}">
-                <a16:creationId xmlns:a16="http://schemas.microsoft.com/office/drawing/2014/main" id="{72C86ABB-815C-4996-B06C-0A70A6D0E336}"/>
-              </a:ext>
-            </a:extLst>
-          </p:cNvPr>
-          <p:cNvCxnSpPr>
-            <a:cxnSpLocks/>
-            <a:stCxn id="54" idx="0"/>
-            <a:endCxn id="89" idx="2"/>
-          </p:cNvCxnSpPr>
-          <p:nvPr/>
-        </p:nvCxnSpPr>
-        <p:spPr>
-          <a:xfrm flipV="1">
-            <a:off x="3155784" y="2139702"/>
-            <a:ext cx="819986" cy="906034"/>
+            <a:off x="2938827" y="1351644"/>
+            <a:ext cx="0" cy="260884"/>
           </a:xfrm>
           <a:prstGeom prst="line">
             <a:avLst/>
@@ -7768,55 +7290,57 @@
           </a:fontRef>
         </p:style>
       </p:cxnSp>
-      <p:sp>
-        <p:nvSpPr>
-          <p:cNvPr id="80" name="TextBox 79">
+      <p:cxnSp>
+        <p:nvCxnSpPr>
+          <p:cNvPr id="154" name="직선 연결선 153">
             <a:extLst>
               <a:ext uri="{FF2B5EF4-FFF2-40B4-BE49-F238E27FC236}">
-                <a16:creationId xmlns:a16="http://schemas.microsoft.com/office/drawing/2014/main" id="{27C380EB-5D72-45A9-9A2D-2C20F08AA061}"/>
+                <a16:creationId xmlns:a16="http://schemas.microsoft.com/office/drawing/2014/main" id="{3903356E-C611-47BA-994B-BB34A46FB00E}"/>
               </a:ext>
             </a:extLst>
           </p:cNvPr>
-          <p:cNvSpPr txBox="1"/>
+          <p:cNvCxnSpPr>
+            <a:cxnSpLocks/>
+          </p:cNvCxnSpPr>
           <p:nvPr/>
-        </p:nvSpPr>
-        <p:spPr>
-          <a:xfrm>
-            <a:off x="2843808" y="2237110"/>
-            <a:ext cx="956133" cy="430887"/>
-          </a:xfrm>
-          <a:prstGeom prst="rect">
+        </p:nvCxnSpPr>
+        <p:spPr>
+          <a:xfrm flipH="1" flipV="1">
+            <a:off x="754190" y="1229979"/>
+            <a:ext cx="816728" cy="2400"/>
+          </a:xfrm>
+          <a:prstGeom prst="line">
             <a:avLst/>
           </a:prstGeom>
-          <a:noFill/>
-        </p:spPr>
-        <p:txBody>
-          <a:bodyPr wrap="square" rtlCol="0" anchor="ctr">
-            <a:spAutoFit/>
-          </a:bodyPr>
-          <a:lstStyle/>
-          <a:p>
-            <a:pPr algn="ctr"/>
-            <a:r>
-              <a:rPr lang="en-US" altLang="ko-KR" sz="1100"/>
-              <a:t>Discover</a:t>
-            </a:r>
-          </a:p>
-          <a:p>
-            <a:pPr algn="ctr"/>
-            <a:r>
-              <a:rPr lang="en-US" altLang="ko-KR" sz="1100"/>
-              <a:t>Target</a:t>
-            </a:r>
-          </a:p>
-        </p:txBody>
-      </p:sp>
+          <a:ln w="19050">
+            <a:solidFill>
+              <a:schemeClr val="tx1"/>
+            </a:solidFill>
+            <a:headEnd type="none" w="med" len="med"/>
+            <a:tailEnd type="arrow" w="med" len="med"/>
+          </a:ln>
+        </p:spPr>
+        <p:style>
+          <a:lnRef idx="1">
+            <a:schemeClr val="accent1"/>
+          </a:lnRef>
+          <a:fillRef idx="0">
+            <a:schemeClr val="accent1"/>
+          </a:fillRef>
+          <a:effectRef idx="0">
+            <a:schemeClr val="accent1"/>
+          </a:effectRef>
+          <a:fontRef idx="minor">
+            <a:schemeClr val="tx1"/>
+          </a:fontRef>
+        </p:style>
+      </p:cxnSp>
       <p:grpSp>
         <p:nvGrpSpPr>
-          <p:cNvPr id="87" name="그룹 86">
+          <p:cNvPr id="181" name="그룹 180">
             <a:extLst>
               <a:ext uri="{FF2B5EF4-FFF2-40B4-BE49-F238E27FC236}">
-                <a16:creationId xmlns:a16="http://schemas.microsoft.com/office/drawing/2014/main" id="{6D93933C-A081-4B3D-A7A4-5EE58235C2F8}"/>
+                <a16:creationId xmlns:a16="http://schemas.microsoft.com/office/drawing/2014/main" id="{2107EBE8-2F5F-451C-8466-EF72261E133F}"/>
               </a:ext>
             </a:extLst>
           </p:cNvPr>
@@ -7825,18 +7349,18 @@
         </p:nvGrpSpPr>
         <p:grpSpPr>
           <a:xfrm>
-            <a:off x="7562432" y="1525074"/>
-            <a:ext cx="300112" cy="65162"/>
-            <a:chOff x="8028384" y="1512622"/>
-            <a:chExt cx="300112" cy="65162"/>
+            <a:off x="4657663" y="723900"/>
+            <a:ext cx="3340422" cy="1508750"/>
+            <a:chOff x="4644008" y="637550"/>
+            <a:chExt cx="3340422" cy="1508750"/>
           </a:xfrm>
         </p:grpSpPr>
         <p:sp>
           <p:nvSpPr>
-            <p:cNvPr id="83" name="타원 82">
+            <p:cNvPr id="101" name="사각형: 둥근 모서리 100">
               <a:extLst>
                 <a:ext uri="{FF2B5EF4-FFF2-40B4-BE49-F238E27FC236}">
-                  <a16:creationId xmlns:a16="http://schemas.microsoft.com/office/drawing/2014/main" id="{62B353D5-094C-4AD9-9694-75ED17E5A362}"/>
+                  <a16:creationId xmlns:a16="http://schemas.microsoft.com/office/drawing/2014/main" id="{F2946A33-0F8C-420B-9F70-F5E0E2392F9F}"/>
                 </a:ext>
               </a:extLst>
             </p:cNvPr>
@@ -7845,1252 +7369,15 @@
           </p:nvSpPr>
           <p:spPr>
             <a:xfrm>
-              <a:off x="8028384" y="1512622"/>
-              <a:ext cx="65162" cy="65162"/>
-            </a:xfrm>
-            <a:prstGeom prst="ellipse">
-              <a:avLst/>
-            </a:prstGeom>
-            <a:solidFill>
-              <a:schemeClr val="tx1"/>
-            </a:solidFill>
-            <a:ln>
-              <a:noFill/>
-            </a:ln>
-          </p:spPr>
-          <p:style>
-            <a:lnRef idx="2">
-              <a:schemeClr val="accent1">
-                <a:shade val="50000"/>
-              </a:schemeClr>
-            </a:lnRef>
-            <a:fillRef idx="1">
-              <a:schemeClr val="accent1"/>
-            </a:fillRef>
-            <a:effectRef idx="0">
-              <a:schemeClr val="accent1"/>
-            </a:effectRef>
-            <a:fontRef idx="minor">
-              <a:schemeClr val="lt1"/>
-            </a:fontRef>
-          </p:style>
-          <p:txBody>
-            <a:bodyPr rtlCol="0" anchor="ctr"/>
-            <a:lstStyle/>
-            <a:p>
-              <a:pPr algn="ctr"/>
-              <a:endParaRPr lang="ko-KR" altLang="en-US"/>
-            </a:p>
-          </p:txBody>
-        </p:sp>
-        <p:sp>
-          <p:nvSpPr>
-            <p:cNvPr id="85" name="타원 84">
-              <a:extLst>
-                <a:ext uri="{FF2B5EF4-FFF2-40B4-BE49-F238E27FC236}">
-                  <a16:creationId xmlns:a16="http://schemas.microsoft.com/office/drawing/2014/main" id="{FAD9CEB6-092F-44D5-87DF-78B16081C41E}"/>
-                </a:ext>
-              </a:extLst>
-            </p:cNvPr>
-            <p:cNvSpPr/>
-            <p:nvPr/>
-          </p:nvSpPr>
-          <p:spPr>
-            <a:xfrm>
-              <a:off x="8142684" y="1512622"/>
-              <a:ext cx="65162" cy="65162"/>
-            </a:xfrm>
-            <a:prstGeom prst="ellipse">
-              <a:avLst/>
-            </a:prstGeom>
-            <a:solidFill>
-              <a:schemeClr val="tx1"/>
-            </a:solidFill>
-            <a:ln>
-              <a:noFill/>
-            </a:ln>
-          </p:spPr>
-          <p:style>
-            <a:lnRef idx="2">
-              <a:schemeClr val="accent1">
-                <a:shade val="50000"/>
-              </a:schemeClr>
-            </a:lnRef>
-            <a:fillRef idx="1">
-              <a:schemeClr val="accent1"/>
-            </a:fillRef>
-            <a:effectRef idx="0">
-              <a:schemeClr val="accent1"/>
-            </a:effectRef>
-            <a:fontRef idx="minor">
-              <a:schemeClr val="lt1"/>
-            </a:fontRef>
-          </p:style>
-          <p:txBody>
-            <a:bodyPr rtlCol="0" anchor="ctr"/>
-            <a:lstStyle/>
-            <a:p>
-              <a:pPr algn="ctr"/>
-              <a:endParaRPr lang="ko-KR" altLang="en-US"/>
-            </a:p>
-          </p:txBody>
-        </p:sp>
-        <p:sp>
-          <p:nvSpPr>
-            <p:cNvPr id="86" name="타원 85">
-              <a:extLst>
-                <a:ext uri="{FF2B5EF4-FFF2-40B4-BE49-F238E27FC236}">
-                  <a16:creationId xmlns:a16="http://schemas.microsoft.com/office/drawing/2014/main" id="{C172A9BE-1D80-4957-BB0D-569446934DDA}"/>
-                </a:ext>
-              </a:extLst>
-            </p:cNvPr>
-            <p:cNvSpPr/>
-            <p:nvPr/>
-          </p:nvSpPr>
-          <p:spPr>
-            <a:xfrm>
-              <a:off x="8263334" y="1512622"/>
-              <a:ext cx="65162" cy="65162"/>
-            </a:xfrm>
-            <a:prstGeom prst="ellipse">
-              <a:avLst/>
-            </a:prstGeom>
-            <a:solidFill>
-              <a:schemeClr val="tx1"/>
-            </a:solidFill>
-            <a:ln>
-              <a:noFill/>
-            </a:ln>
-          </p:spPr>
-          <p:style>
-            <a:lnRef idx="2">
-              <a:schemeClr val="accent1">
-                <a:shade val="50000"/>
-              </a:schemeClr>
-            </a:lnRef>
-            <a:fillRef idx="1">
-              <a:schemeClr val="accent1"/>
-            </a:fillRef>
-            <a:effectRef idx="0">
-              <a:schemeClr val="accent1"/>
-            </a:effectRef>
-            <a:fontRef idx="minor">
-              <a:schemeClr val="lt1"/>
-            </a:fontRef>
-          </p:style>
-          <p:txBody>
-            <a:bodyPr rtlCol="0" anchor="ctr"/>
-            <a:lstStyle/>
-            <a:p>
-              <a:pPr algn="ctr"/>
-              <a:endParaRPr lang="ko-KR" altLang="en-US"/>
-            </a:p>
-          </p:txBody>
-        </p:sp>
-      </p:grpSp>
-      <p:sp>
-        <p:nvSpPr>
-          <p:cNvPr id="89" name="사각형: 둥근 모서리 88">
-            <a:extLst>
-              <a:ext uri="{FF2B5EF4-FFF2-40B4-BE49-F238E27FC236}">
-                <a16:creationId xmlns:a16="http://schemas.microsoft.com/office/drawing/2014/main" id="{F599F04D-2644-48AC-B1EE-128A3574817B}"/>
-              </a:ext>
-            </a:extLst>
-          </p:cNvPr>
-          <p:cNvSpPr/>
-          <p:nvPr/>
-        </p:nvSpPr>
-        <p:spPr>
-          <a:xfrm>
-            <a:off x="2771800" y="784002"/>
-            <a:ext cx="2407940" cy="1355700"/>
-          </a:xfrm>
-          <a:prstGeom prst="roundRect">
-            <a:avLst>
-              <a:gd name="adj" fmla="val 4089"/>
-            </a:avLst>
-          </a:prstGeom>
-          <a:ln>
-            <a:prstDash val="dash"/>
-          </a:ln>
-        </p:spPr>
-        <p:style>
-          <a:lnRef idx="2">
-            <a:schemeClr val="dk1"/>
-          </a:lnRef>
-          <a:fillRef idx="1">
-            <a:schemeClr val="lt1"/>
-          </a:fillRef>
-          <a:effectRef idx="0">
-            <a:schemeClr val="dk1"/>
-          </a:effectRef>
-          <a:fontRef idx="minor">
-            <a:schemeClr val="dk1"/>
-          </a:fontRef>
-        </p:style>
-        <p:txBody>
-          <a:bodyPr rtlCol="0" anchor="t"/>
-          <a:lstStyle/>
-          <a:p>
-            <a:pPr algn="ctr"/>
-            <a:r>
-              <a:rPr lang="en-US" altLang="ko-KR" sz="1200" b="1"/>
-              <a:t>Target (Service)</a:t>
-            </a:r>
-            <a:endParaRPr lang="ko-KR" altLang="en-US" sz="1200" b="1"/>
-          </a:p>
-        </p:txBody>
-      </p:sp>
-      <p:sp>
-        <p:nvSpPr>
-          <p:cNvPr id="90" name="사각형: 둥근 모서리 89">
-            <a:extLst>
-              <a:ext uri="{FF2B5EF4-FFF2-40B4-BE49-F238E27FC236}">
-                <a16:creationId xmlns:a16="http://schemas.microsoft.com/office/drawing/2014/main" id="{851A06A8-B56F-4B90-B837-1E60F93631F0}"/>
-              </a:ext>
-            </a:extLst>
-          </p:cNvPr>
-          <p:cNvSpPr/>
-          <p:nvPr/>
-        </p:nvSpPr>
-        <p:spPr>
-          <a:xfrm>
-            <a:off x="2873117" y="1096318"/>
-            <a:ext cx="870792" cy="409160"/>
-          </a:xfrm>
-          <a:prstGeom prst="roundRect">
-            <a:avLst>
-              <a:gd name="adj" fmla="val 5026"/>
-            </a:avLst>
-          </a:prstGeom>
-        </p:spPr>
-        <p:style>
-          <a:lnRef idx="2">
-            <a:schemeClr val="dk1"/>
-          </a:lnRef>
-          <a:fillRef idx="1">
-            <a:schemeClr val="lt1"/>
-          </a:fillRef>
-          <a:effectRef idx="0">
-            <a:schemeClr val="dk1"/>
-          </a:effectRef>
-          <a:fontRef idx="minor">
-            <a:schemeClr val="dk1"/>
-          </a:fontRef>
-        </p:style>
-        <p:txBody>
-          <a:bodyPr rtlCol="0" anchor="ctr"/>
-          <a:lstStyle/>
-          <a:p>
-            <a:pPr algn="ctr"/>
-            <a:r>
-              <a:rPr lang="en-US" altLang="ko-KR" sz="1100"/>
-              <a:t>K8s</a:t>
-            </a:r>
-            <a:endParaRPr lang="ko-KR" altLang="en-US" sz="1100"/>
-          </a:p>
-        </p:txBody>
-      </p:sp>
-      <p:sp>
-        <p:nvSpPr>
-          <p:cNvPr id="91" name="사각형: 둥근 모서리 90">
-            <a:extLst>
-              <a:ext uri="{FF2B5EF4-FFF2-40B4-BE49-F238E27FC236}">
-                <a16:creationId xmlns:a16="http://schemas.microsoft.com/office/drawing/2014/main" id="{8F9A2416-E287-4B25-9471-9B1ACAB48E5E}"/>
-              </a:ext>
-            </a:extLst>
-          </p:cNvPr>
-          <p:cNvSpPr/>
-          <p:nvPr/>
-        </p:nvSpPr>
-        <p:spPr>
-          <a:xfrm>
-            <a:off x="3845225" y="1096318"/>
-            <a:ext cx="870792" cy="409160"/>
-          </a:xfrm>
-          <a:prstGeom prst="roundRect">
-            <a:avLst>
-              <a:gd name="adj" fmla="val 5026"/>
-            </a:avLst>
-          </a:prstGeom>
-        </p:spPr>
-        <p:style>
-          <a:lnRef idx="2">
-            <a:schemeClr val="dk1"/>
-          </a:lnRef>
-          <a:fillRef idx="1">
-            <a:schemeClr val="lt1"/>
-          </a:fillRef>
-          <a:effectRef idx="0">
-            <a:schemeClr val="dk1"/>
-          </a:effectRef>
-          <a:fontRef idx="minor">
-            <a:schemeClr val="dk1"/>
-          </a:fontRef>
-        </p:style>
-        <p:txBody>
-          <a:bodyPr rtlCol="0" anchor="ctr"/>
-          <a:lstStyle/>
-          <a:p>
-            <a:pPr algn="ctr"/>
-            <a:r>
-              <a:rPr lang="en-US" altLang="ko-KR" sz="1100"/>
-              <a:t>Marathon</a:t>
-            </a:r>
-            <a:endParaRPr lang="ko-KR" altLang="en-US" sz="1100"/>
-          </a:p>
-        </p:txBody>
-      </p:sp>
-      <p:sp>
-        <p:nvSpPr>
-          <p:cNvPr id="92" name="사각형: 둥근 모서리 91">
-            <a:extLst>
-              <a:ext uri="{FF2B5EF4-FFF2-40B4-BE49-F238E27FC236}">
-                <a16:creationId xmlns:a16="http://schemas.microsoft.com/office/drawing/2014/main" id="{984C2891-9887-498A-AEA2-623B339C4B37}"/>
-              </a:ext>
-            </a:extLst>
-          </p:cNvPr>
-          <p:cNvSpPr/>
-          <p:nvPr/>
-        </p:nvSpPr>
-        <p:spPr>
-          <a:xfrm>
-            <a:off x="3845225" y="1626872"/>
-            <a:ext cx="870792" cy="409160"/>
-          </a:xfrm>
-          <a:prstGeom prst="roundRect">
-            <a:avLst>
-              <a:gd name="adj" fmla="val 5026"/>
-            </a:avLst>
-          </a:prstGeom>
-        </p:spPr>
-        <p:style>
-          <a:lnRef idx="2">
-            <a:schemeClr val="dk1"/>
-          </a:lnRef>
-          <a:fillRef idx="1">
-            <a:schemeClr val="lt1"/>
-          </a:fillRef>
-          <a:effectRef idx="0">
-            <a:schemeClr val="dk1"/>
-          </a:effectRef>
-          <a:fontRef idx="minor">
-            <a:schemeClr val="dk1"/>
-          </a:fontRef>
-        </p:style>
-        <p:txBody>
-          <a:bodyPr rtlCol="0" anchor="ctr"/>
-          <a:lstStyle/>
-          <a:p>
-            <a:pPr algn="ctr"/>
-            <a:r>
-              <a:rPr lang="en-US" altLang="ko-KR" sz="1100"/>
-              <a:t>Openstack</a:t>
-            </a:r>
-            <a:endParaRPr lang="ko-KR" altLang="en-US" sz="1100"/>
-          </a:p>
-        </p:txBody>
-      </p:sp>
-      <p:sp>
-        <p:nvSpPr>
-          <p:cNvPr id="93" name="사각형: 둥근 모서리 92">
-            <a:extLst>
-              <a:ext uri="{FF2B5EF4-FFF2-40B4-BE49-F238E27FC236}">
-                <a16:creationId xmlns:a16="http://schemas.microsoft.com/office/drawing/2014/main" id="{A91C243E-D359-4C75-86AC-463738444E5C}"/>
-              </a:ext>
-            </a:extLst>
-          </p:cNvPr>
-          <p:cNvSpPr/>
-          <p:nvPr/>
-        </p:nvSpPr>
-        <p:spPr>
-          <a:xfrm>
-            <a:off x="2873117" y="1628590"/>
-            <a:ext cx="870792" cy="409160"/>
-          </a:xfrm>
-          <a:prstGeom prst="roundRect">
-            <a:avLst>
-              <a:gd name="adj" fmla="val 5026"/>
-            </a:avLst>
-          </a:prstGeom>
-        </p:spPr>
-        <p:style>
-          <a:lnRef idx="2">
-            <a:schemeClr val="dk1"/>
-          </a:lnRef>
-          <a:fillRef idx="1">
-            <a:schemeClr val="lt1"/>
-          </a:fillRef>
-          <a:effectRef idx="0">
-            <a:schemeClr val="dk1"/>
-          </a:effectRef>
-          <a:fontRef idx="minor">
-            <a:schemeClr val="dk1"/>
-          </a:fontRef>
-        </p:style>
-        <p:txBody>
-          <a:bodyPr rtlCol="0" anchor="ctr"/>
-          <a:lstStyle/>
-          <a:p>
-            <a:pPr algn="ctr"/>
-            <a:r>
-              <a:rPr lang="en-US" altLang="ko-KR" sz="1100"/>
-              <a:t>DNS</a:t>
-            </a:r>
-            <a:endParaRPr lang="ko-KR" altLang="en-US" sz="1100"/>
-          </a:p>
-        </p:txBody>
-      </p:sp>
-      <p:grpSp>
-        <p:nvGrpSpPr>
-          <p:cNvPr id="94" name="그룹 93">
-            <a:extLst>
-              <a:ext uri="{FF2B5EF4-FFF2-40B4-BE49-F238E27FC236}">
-                <a16:creationId xmlns:a16="http://schemas.microsoft.com/office/drawing/2014/main" id="{4E8865B4-7B80-4FB5-A700-56A5477A29E5}"/>
-              </a:ext>
-            </a:extLst>
-          </p:cNvPr>
-          <p:cNvGrpSpPr/>
-          <p:nvPr/>
-        </p:nvGrpSpPr>
-        <p:grpSpPr>
-          <a:xfrm>
-            <a:off x="4788024" y="1525074"/>
-            <a:ext cx="300112" cy="65162"/>
-            <a:chOff x="8028384" y="1512622"/>
-            <a:chExt cx="300112" cy="65162"/>
-          </a:xfrm>
-        </p:grpSpPr>
-        <p:sp>
-          <p:nvSpPr>
-            <p:cNvPr id="95" name="타원 94">
-              <a:extLst>
-                <a:ext uri="{FF2B5EF4-FFF2-40B4-BE49-F238E27FC236}">
-                  <a16:creationId xmlns:a16="http://schemas.microsoft.com/office/drawing/2014/main" id="{D15D6868-55C0-4759-B71F-FECC5C06BBCC}"/>
-                </a:ext>
-              </a:extLst>
-            </p:cNvPr>
-            <p:cNvSpPr/>
-            <p:nvPr/>
-          </p:nvSpPr>
-          <p:spPr>
-            <a:xfrm>
-              <a:off x="8028384" y="1512622"/>
-              <a:ext cx="65162" cy="65162"/>
-            </a:xfrm>
-            <a:prstGeom prst="ellipse">
-              <a:avLst/>
-            </a:prstGeom>
-            <a:solidFill>
-              <a:schemeClr val="tx1"/>
-            </a:solidFill>
-            <a:ln>
-              <a:noFill/>
-            </a:ln>
-          </p:spPr>
-          <p:style>
-            <a:lnRef idx="2">
-              <a:schemeClr val="accent1">
-                <a:shade val="50000"/>
-              </a:schemeClr>
-            </a:lnRef>
-            <a:fillRef idx="1">
-              <a:schemeClr val="accent1"/>
-            </a:fillRef>
-            <a:effectRef idx="0">
-              <a:schemeClr val="accent1"/>
-            </a:effectRef>
-            <a:fontRef idx="minor">
-              <a:schemeClr val="lt1"/>
-            </a:fontRef>
-          </p:style>
-          <p:txBody>
-            <a:bodyPr rtlCol="0" anchor="ctr"/>
-            <a:lstStyle/>
-            <a:p>
-              <a:pPr algn="ctr"/>
-              <a:endParaRPr lang="ko-KR" altLang="en-US"/>
-            </a:p>
-          </p:txBody>
-        </p:sp>
-        <p:sp>
-          <p:nvSpPr>
-            <p:cNvPr id="96" name="타원 95">
-              <a:extLst>
-                <a:ext uri="{FF2B5EF4-FFF2-40B4-BE49-F238E27FC236}">
-                  <a16:creationId xmlns:a16="http://schemas.microsoft.com/office/drawing/2014/main" id="{E5A9B3AD-3E88-4EF9-B640-128F21A827A0}"/>
-                </a:ext>
-              </a:extLst>
-            </p:cNvPr>
-            <p:cNvSpPr/>
-            <p:nvPr/>
-          </p:nvSpPr>
-          <p:spPr>
-            <a:xfrm>
-              <a:off x="8142684" y="1512622"/>
-              <a:ext cx="65162" cy="65162"/>
-            </a:xfrm>
-            <a:prstGeom prst="ellipse">
-              <a:avLst/>
-            </a:prstGeom>
-            <a:solidFill>
-              <a:schemeClr val="tx1"/>
-            </a:solidFill>
-            <a:ln>
-              <a:noFill/>
-            </a:ln>
-          </p:spPr>
-          <p:style>
-            <a:lnRef idx="2">
-              <a:schemeClr val="accent1">
-                <a:shade val="50000"/>
-              </a:schemeClr>
-            </a:lnRef>
-            <a:fillRef idx="1">
-              <a:schemeClr val="accent1"/>
-            </a:fillRef>
-            <a:effectRef idx="0">
-              <a:schemeClr val="accent1"/>
-            </a:effectRef>
-            <a:fontRef idx="minor">
-              <a:schemeClr val="lt1"/>
-            </a:fontRef>
-          </p:style>
-          <p:txBody>
-            <a:bodyPr rtlCol="0" anchor="ctr"/>
-            <a:lstStyle/>
-            <a:p>
-              <a:pPr algn="ctr"/>
-              <a:endParaRPr lang="ko-KR" altLang="en-US"/>
-            </a:p>
-          </p:txBody>
-        </p:sp>
-        <p:sp>
-          <p:nvSpPr>
-            <p:cNvPr id="97" name="타원 96">
-              <a:extLst>
-                <a:ext uri="{FF2B5EF4-FFF2-40B4-BE49-F238E27FC236}">
-                  <a16:creationId xmlns:a16="http://schemas.microsoft.com/office/drawing/2014/main" id="{185DA695-3263-4F65-87EF-6727D2E80F19}"/>
-                </a:ext>
-              </a:extLst>
-            </p:cNvPr>
-            <p:cNvSpPr/>
-            <p:nvPr/>
-          </p:nvSpPr>
-          <p:spPr>
-            <a:xfrm>
-              <a:off x="8263334" y="1512622"/>
-              <a:ext cx="65162" cy="65162"/>
-            </a:xfrm>
-            <a:prstGeom prst="ellipse">
-              <a:avLst/>
-            </a:prstGeom>
-            <a:solidFill>
-              <a:schemeClr val="tx1"/>
-            </a:solidFill>
-            <a:ln>
-              <a:noFill/>
-            </a:ln>
-          </p:spPr>
-          <p:style>
-            <a:lnRef idx="2">
-              <a:schemeClr val="accent1">
-                <a:shade val="50000"/>
-              </a:schemeClr>
-            </a:lnRef>
-            <a:fillRef idx="1">
-              <a:schemeClr val="accent1"/>
-            </a:fillRef>
-            <a:effectRef idx="0">
-              <a:schemeClr val="accent1"/>
-            </a:effectRef>
-            <a:fontRef idx="minor">
-              <a:schemeClr val="lt1"/>
-            </a:fontRef>
-          </p:style>
-          <p:txBody>
-            <a:bodyPr rtlCol="0" anchor="ctr"/>
-            <a:lstStyle/>
-            <a:p>
-              <a:pPr algn="ctr"/>
-              <a:endParaRPr lang="ko-KR" altLang="en-US"/>
-            </a:p>
-          </p:txBody>
-        </p:sp>
-      </p:grpSp>
-      <p:cxnSp>
-        <p:nvCxnSpPr>
-          <p:cNvPr id="101" name="직선 연결선 100">
-            <a:extLst>
-              <a:ext uri="{FF2B5EF4-FFF2-40B4-BE49-F238E27FC236}">
-                <a16:creationId xmlns:a16="http://schemas.microsoft.com/office/drawing/2014/main" id="{4F96398B-AB0A-41CA-91C6-83530ECD2D89}"/>
-              </a:ext>
-            </a:extLst>
-          </p:cNvPr>
-          <p:cNvCxnSpPr>
-            <a:cxnSpLocks/>
-            <a:stCxn id="54" idx="3"/>
-            <a:endCxn id="53" idx="1"/>
-          </p:cNvCxnSpPr>
-          <p:nvPr/>
-        </p:nvCxnSpPr>
-        <p:spPr>
-          <a:xfrm>
-            <a:off x="3639969" y="3250316"/>
-            <a:ext cx="192931" cy="0"/>
-          </a:xfrm>
-          <a:prstGeom prst="line">
-            <a:avLst/>
-          </a:prstGeom>
-          <a:ln w="19050">
-            <a:solidFill>
-              <a:srgbClr val="C00000"/>
-            </a:solidFill>
-            <a:headEnd type="none" w="med" len="med"/>
-            <a:tailEnd type="arrow" w="med" len="med"/>
-          </a:ln>
-        </p:spPr>
-        <p:style>
-          <a:lnRef idx="1">
-            <a:schemeClr val="accent1"/>
-          </a:lnRef>
-          <a:fillRef idx="0">
-            <a:schemeClr val="accent1"/>
-          </a:fillRef>
-          <a:effectRef idx="0">
-            <a:schemeClr val="accent1"/>
-          </a:effectRef>
-          <a:fontRef idx="minor">
-            <a:schemeClr val="tx1"/>
-          </a:fontRef>
-        </p:style>
-      </p:cxnSp>
-      <p:sp>
-        <p:nvSpPr>
-          <p:cNvPr id="106" name="사각형: 둥근 모서리 105">
-            <a:extLst>
-              <a:ext uri="{FF2B5EF4-FFF2-40B4-BE49-F238E27FC236}">
-                <a16:creationId xmlns:a16="http://schemas.microsoft.com/office/drawing/2014/main" id="{73AF33D7-79AA-4C7F-B935-09D342451698}"/>
-              </a:ext>
-            </a:extLst>
-          </p:cNvPr>
-          <p:cNvSpPr/>
-          <p:nvPr/>
-        </p:nvSpPr>
-        <p:spPr>
-          <a:xfrm>
-            <a:off x="4993241" y="3045736"/>
-            <a:ext cx="968371" cy="409160"/>
-          </a:xfrm>
-          <a:prstGeom prst="roundRect">
-            <a:avLst>
-              <a:gd name="adj" fmla="val 5026"/>
-            </a:avLst>
-          </a:prstGeom>
-        </p:spPr>
-        <p:style>
-          <a:lnRef idx="2">
-            <a:schemeClr val="dk1"/>
-          </a:lnRef>
-          <a:fillRef idx="1">
-            <a:schemeClr val="lt1"/>
-          </a:fillRef>
-          <a:effectRef idx="0">
-            <a:schemeClr val="dk1"/>
-          </a:effectRef>
-          <a:fontRef idx="minor">
-            <a:schemeClr val="dk1"/>
-          </a:fontRef>
-        </p:style>
-        <p:txBody>
-          <a:bodyPr rtlCol="0" anchor="ctr"/>
-          <a:lstStyle/>
-          <a:p>
-            <a:pPr algn="ctr"/>
-            <a:r>
-              <a:rPr lang="en-US" altLang="ko-KR" sz="1200"/>
-              <a:t>Rule Manager</a:t>
-            </a:r>
-            <a:endParaRPr lang="ko-KR" altLang="en-US" sz="1200"/>
-          </a:p>
-        </p:txBody>
-      </p:sp>
-      <p:sp>
-        <p:nvSpPr>
-          <p:cNvPr id="115" name="사각형: 둥근 모서리 114">
-            <a:extLst>
-              <a:ext uri="{FF2B5EF4-FFF2-40B4-BE49-F238E27FC236}">
-                <a16:creationId xmlns:a16="http://schemas.microsoft.com/office/drawing/2014/main" id="{B038B081-D7FD-43E1-8F07-F4EEE3A7A276}"/>
-              </a:ext>
-            </a:extLst>
-          </p:cNvPr>
-          <p:cNvSpPr/>
-          <p:nvPr/>
-        </p:nvSpPr>
-        <p:spPr>
-          <a:xfrm>
-            <a:off x="3563888" y="3709467"/>
-            <a:ext cx="1207766" cy="409160"/>
-          </a:xfrm>
-          <a:prstGeom prst="roundRect">
-            <a:avLst>
-              <a:gd name="adj" fmla="val 5026"/>
-            </a:avLst>
-          </a:prstGeom>
-        </p:spPr>
-        <p:style>
-          <a:lnRef idx="2">
-            <a:schemeClr val="dk1"/>
-          </a:lnRef>
-          <a:fillRef idx="1">
-            <a:schemeClr val="lt1"/>
-          </a:fillRef>
-          <a:effectRef idx="0">
-            <a:schemeClr val="dk1"/>
-          </a:effectRef>
-          <a:fontRef idx="minor">
-            <a:schemeClr val="dk1"/>
-          </a:fontRef>
-        </p:style>
-        <p:txBody>
-          <a:bodyPr rtlCol="0" anchor="ctr"/>
-          <a:lstStyle/>
-          <a:p>
-            <a:pPr algn="ctr"/>
-            <a:r>
-              <a:rPr lang="en-US" altLang="ko-KR" sz="1200"/>
-              <a:t>Local Storage </a:t>
-            </a:r>
-          </a:p>
-          <a:p>
-            <a:pPr algn="ctr"/>
-            <a:r>
-              <a:rPr lang="en-US" altLang="ko-KR" sz="1200"/>
-              <a:t>(TSDB)</a:t>
-            </a:r>
-            <a:endParaRPr lang="ko-KR" altLang="en-US" sz="1200"/>
-          </a:p>
-        </p:txBody>
-      </p:sp>
-      <p:sp>
-        <p:nvSpPr>
-          <p:cNvPr id="120" name="사각형: 둥근 모서리 119">
-            <a:extLst>
-              <a:ext uri="{FF2B5EF4-FFF2-40B4-BE49-F238E27FC236}">
-                <a16:creationId xmlns:a16="http://schemas.microsoft.com/office/drawing/2014/main" id="{8F5762BA-1C69-4353-A60F-2E13D0CB0F73}"/>
-              </a:ext>
-            </a:extLst>
-          </p:cNvPr>
-          <p:cNvSpPr/>
-          <p:nvPr/>
-        </p:nvSpPr>
-        <p:spPr>
-          <a:xfrm>
-            <a:off x="971600" y="3424592"/>
-            <a:ext cx="1287693" cy="409160"/>
-          </a:xfrm>
-          <a:prstGeom prst="roundRect">
-            <a:avLst>
-              <a:gd name="adj" fmla="val 8130"/>
-            </a:avLst>
-          </a:prstGeom>
-        </p:spPr>
-        <p:style>
-          <a:lnRef idx="2">
-            <a:schemeClr val="dk1"/>
-          </a:lnRef>
-          <a:fillRef idx="1">
-            <a:schemeClr val="lt1"/>
-          </a:fillRef>
-          <a:effectRef idx="0">
-            <a:schemeClr val="dk1"/>
-          </a:effectRef>
-          <a:fontRef idx="minor">
-            <a:schemeClr val="dk1"/>
-          </a:fontRef>
-        </p:style>
-        <p:txBody>
-          <a:bodyPr rtlCol="0" anchor="ctr"/>
-          <a:lstStyle/>
-          <a:p>
-            <a:pPr algn="ctr"/>
-            <a:r>
-              <a:rPr lang="en-US" altLang="ko-KR" sz="1200"/>
-              <a:t>Target</a:t>
-            </a:r>
-            <a:endParaRPr lang="ko-KR" altLang="en-US" sz="1200"/>
-          </a:p>
-        </p:txBody>
-      </p:sp>
-      <p:cxnSp>
-        <p:nvCxnSpPr>
-          <p:cNvPr id="121" name="직선 연결선 120">
-            <a:extLst>
-              <a:ext uri="{FF2B5EF4-FFF2-40B4-BE49-F238E27FC236}">
-                <a16:creationId xmlns:a16="http://schemas.microsoft.com/office/drawing/2014/main" id="{D832854A-109E-4128-9D7C-811155870B70}"/>
-              </a:ext>
-            </a:extLst>
-          </p:cNvPr>
-          <p:cNvCxnSpPr>
-            <a:cxnSpLocks/>
-            <a:stCxn id="53" idx="2"/>
-            <a:endCxn id="115" idx="0"/>
-          </p:cNvCxnSpPr>
-          <p:nvPr/>
-        </p:nvCxnSpPr>
-        <p:spPr>
-          <a:xfrm flipH="1">
-            <a:off x="4167771" y="3454896"/>
-            <a:ext cx="149315" cy="254571"/>
-          </a:xfrm>
-          <a:prstGeom prst="line">
-            <a:avLst/>
-          </a:prstGeom>
-          <a:ln w="19050">
-            <a:solidFill>
-              <a:srgbClr val="C00000"/>
-            </a:solidFill>
-            <a:headEnd type="arrow" w="med" len="med"/>
-            <a:tailEnd type="arrow" w="med" len="med"/>
-          </a:ln>
-        </p:spPr>
-        <p:style>
-          <a:lnRef idx="1">
-            <a:schemeClr val="accent1"/>
-          </a:lnRef>
-          <a:fillRef idx="0">
-            <a:schemeClr val="accent1"/>
-          </a:fillRef>
-          <a:effectRef idx="0">
-            <a:schemeClr val="accent1"/>
-          </a:effectRef>
-          <a:fontRef idx="minor">
-            <a:schemeClr val="tx1"/>
-          </a:fontRef>
-        </p:style>
-      </p:cxnSp>
-      <p:cxnSp>
-        <p:nvCxnSpPr>
-          <p:cNvPr id="125" name="직선 연결선 124">
-            <a:extLst>
-              <a:ext uri="{FF2B5EF4-FFF2-40B4-BE49-F238E27FC236}">
-                <a16:creationId xmlns:a16="http://schemas.microsoft.com/office/drawing/2014/main" id="{961CFF57-071F-4B89-AA73-41EAC9E6DF5D}"/>
-              </a:ext>
-            </a:extLst>
-          </p:cNvPr>
-          <p:cNvCxnSpPr>
-            <a:cxnSpLocks/>
-            <a:stCxn id="53" idx="2"/>
-            <a:endCxn id="69" idx="3"/>
-          </p:cNvCxnSpPr>
-          <p:nvPr/>
-        </p:nvCxnSpPr>
-        <p:spPr>
-          <a:xfrm flipH="1">
-            <a:off x="2259293" y="3454896"/>
-            <a:ext cx="2057793" cy="784482"/>
-          </a:xfrm>
-          <a:prstGeom prst="line">
-            <a:avLst/>
-          </a:prstGeom>
-          <a:ln w="19050">
-            <a:solidFill>
-              <a:srgbClr val="C00000"/>
-            </a:solidFill>
-            <a:headEnd type="arrow" w="med" len="med"/>
-            <a:tailEnd type="arrow" w="med" len="med"/>
-          </a:ln>
-        </p:spPr>
-        <p:style>
-          <a:lnRef idx="1">
-            <a:schemeClr val="accent1"/>
-          </a:lnRef>
-          <a:fillRef idx="0">
-            <a:schemeClr val="accent1"/>
-          </a:fillRef>
-          <a:effectRef idx="0">
-            <a:schemeClr val="accent1"/>
-          </a:effectRef>
-          <a:fontRef idx="minor">
-            <a:schemeClr val="tx1"/>
-          </a:fontRef>
-        </p:style>
-      </p:cxnSp>
-      <p:cxnSp>
-        <p:nvCxnSpPr>
-          <p:cNvPr id="129" name="직선 연결선 128">
-            <a:extLst>
-              <a:ext uri="{FF2B5EF4-FFF2-40B4-BE49-F238E27FC236}">
-                <a16:creationId xmlns:a16="http://schemas.microsoft.com/office/drawing/2014/main" id="{F49D05F0-C8F4-4EDA-9B4A-11DFC968B2F9}"/>
-              </a:ext>
-            </a:extLst>
-          </p:cNvPr>
-          <p:cNvCxnSpPr>
-            <a:cxnSpLocks/>
-            <a:stCxn id="54" idx="0"/>
-            <a:endCxn id="64" idx="1"/>
-          </p:cNvCxnSpPr>
-          <p:nvPr/>
-        </p:nvCxnSpPr>
-        <p:spPr>
-          <a:xfrm flipV="1">
-            <a:off x="3155784" y="2583194"/>
-            <a:ext cx="1839129" cy="462542"/>
-          </a:xfrm>
-          <a:prstGeom prst="line">
-            <a:avLst/>
-          </a:prstGeom>
-          <a:ln w="19050">
-            <a:solidFill>
-              <a:schemeClr val="tx2"/>
-            </a:solidFill>
-            <a:headEnd type="none" w="med" len="med"/>
-            <a:tailEnd type="arrow" w="med" len="med"/>
-          </a:ln>
-        </p:spPr>
-        <p:style>
-          <a:lnRef idx="1">
-            <a:schemeClr val="accent1"/>
-          </a:lnRef>
-          <a:fillRef idx="0">
-            <a:schemeClr val="accent1"/>
-          </a:fillRef>
-          <a:effectRef idx="0">
-            <a:schemeClr val="accent1"/>
-          </a:effectRef>
-          <a:fontRef idx="minor">
-            <a:schemeClr val="tx1"/>
-          </a:fontRef>
-        </p:style>
-      </p:cxnSp>
-      <p:sp>
-        <p:nvSpPr>
-          <p:cNvPr id="135" name="TextBox 134">
-            <a:extLst>
-              <a:ext uri="{FF2B5EF4-FFF2-40B4-BE49-F238E27FC236}">
-                <a16:creationId xmlns:a16="http://schemas.microsoft.com/office/drawing/2014/main" id="{A2854DB8-0308-4B26-83E9-C57A1750E97A}"/>
-              </a:ext>
-            </a:extLst>
-          </p:cNvPr>
-          <p:cNvSpPr txBox="1"/>
-          <p:nvPr/>
-        </p:nvSpPr>
-        <p:spPr>
-          <a:xfrm>
-            <a:off x="4060184" y="2355726"/>
-            <a:ext cx="1159888" cy="261610"/>
-          </a:xfrm>
-          <a:prstGeom prst="rect">
-            <a:avLst/>
-          </a:prstGeom>
-          <a:noFill/>
-        </p:spPr>
-        <p:txBody>
-          <a:bodyPr wrap="square" rtlCol="0" anchor="ctr">
-            <a:spAutoFit/>
-          </a:bodyPr>
-          <a:lstStyle/>
-          <a:p>
-            <a:pPr algn="ctr"/>
-            <a:r>
-              <a:rPr lang="en-US" altLang="ko-KR" sz="1100">
-                <a:solidFill>
-                  <a:schemeClr val="tx2"/>
-                </a:solidFill>
-              </a:rPr>
-              <a:t>Target</a:t>
-            </a:r>
-            <a:endParaRPr lang="ko-KR" altLang="en-US" sz="1100">
-              <a:solidFill>
-                <a:schemeClr val="tx2"/>
-              </a:solidFill>
-            </a:endParaRPr>
-          </a:p>
-        </p:txBody>
-      </p:sp>
-      <p:cxnSp>
-        <p:nvCxnSpPr>
-          <p:cNvPr id="143" name="직선 연결선 142">
-            <a:extLst>
-              <a:ext uri="{FF2B5EF4-FFF2-40B4-BE49-F238E27FC236}">
-                <a16:creationId xmlns:a16="http://schemas.microsoft.com/office/drawing/2014/main" id="{AA349B72-6A93-444D-90E8-1502C2392575}"/>
-              </a:ext>
-            </a:extLst>
-          </p:cNvPr>
-          <p:cNvCxnSpPr>
-            <a:cxnSpLocks/>
-            <a:stCxn id="106" idx="0"/>
-            <a:endCxn id="64" idx="2"/>
-          </p:cNvCxnSpPr>
-          <p:nvPr/>
-        </p:nvCxnSpPr>
-        <p:spPr>
-          <a:xfrm flipV="1">
-            <a:off x="5477427" y="2787774"/>
-            <a:ext cx="1672" cy="257962"/>
-          </a:xfrm>
-          <a:prstGeom prst="line">
-            <a:avLst/>
-          </a:prstGeom>
-          <a:ln w="19050">
-            <a:solidFill>
-              <a:schemeClr val="tx2"/>
-            </a:solidFill>
-            <a:headEnd type="none" w="med" len="med"/>
-            <a:tailEnd type="arrow" w="med" len="med"/>
-          </a:ln>
-        </p:spPr>
-        <p:style>
-          <a:lnRef idx="1">
-            <a:schemeClr val="accent1"/>
-          </a:lnRef>
-          <a:fillRef idx="0">
-            <a:schemeClr val="accent1"/>
-          </a:fillRef>
-          <a:effectRef idx="0">
-            <a:schemeClr val="accent1"/>
-          </a:effectRef>
-          <a:fontRef idx="minor">
-            <a:schemeClr val="tx1"/>
-          </a:fontRef>
-        </p:style>
-      </p:cxnSp>
-      <p:cxnSp>
-        <p:nvCxnSpPr>
-          <p:cNvPr id="147" name="직선 연결선 146">
-            <a:extLst>
-              <a:ext uri="{FF2B5EF4-FFF2-40B4-BE49-F238E27FC236}">
-                <a16:creationId xmlns:a16="http://schemas.microsoft.com/office/drawing/2014/main" id="{0F5B454A-48F1-4EEA-A139-892A1DCD95F8}"/>
-              </a:ext>
-            </a:extLst>
-          </p:cNvPr>
-          <p:cNvCxnSpPr>
-            <a:cxnSpLocks/>
-            <a:stCxn id="73" idx="0"/>
-            <a:endCxn id="106" idx="2"/>
-          </p:cNvCxnSpPr>
-          <p:nvPr/>
-        </p:nvCxnSpPr>
-        <p:spPr>
-          <a:xfrm flipV="1">
-            <a:off x="5476868" y="3454896"/>
-            <a:ext cx="559" cy="260034"/>
-          </a:xfrm>
-          <a:prstGeom prst="line">
-            <a:avLst/>
-          </a:prstGeom>
-          <a:ln w="19050">
-            <a:solidFill>
-              <a:schemeClr val="accent3">
-                <a:lumMod val="75000"/>
-              </a:schemeClr>
-            </a:solidFill>
-            <a:headEnd type="arrow" w="med" len="med"/>
-            <a:tailEnd type="arrow" w="med" len="med"/>
-          </a:ln>
-        </p:spPr>
-        <p:style>
-          <a:lnRef idx="1">
-            <a:schemeClr val="accent1"/>
-          </a:lnRef>
-          <a:fillRef idx="0">
-            <a:schemeClr val="accent1"/>
-          </a:fillRef>
-          <a:effectRef idx="0">
-            <a:schemeClr val="accent1"/>
-          </a:effectRef>
-          <a:fontRef idx="minor">
-            <a:schemeClr val="tx1"/>
-          </a:fontRef>
-        </p:style>
-      </p:cxnSp>
-      <p:sp>
-        <p:nvSpPr>
-          <p:cNvPr id="171" name="TextBox 170">
-            <a:extLst>
-              <a:ext uri="{FF2B5EF4-FFF2-40B4-BE49-F238E27FC236}">
-                <a16:creationId xmlns:a16="http://schemas.microsoft.com/office/drawing/2014/main" id="{36B5238E-0B20-41BA-A95E-71AA4273064E}"/>
-              </a:ext>
-            </a:extLst>
-          </p:cNvPr>
-          <p:cNvSpPr txBox="1"/>
-          <p:nvPr/>
-        </p:nvSpPr>
-        <p:spPr>
-          <a:xfrm>
-            <a:off x="1924477" y="2742188"/>
-            <a:ext cx="956133" cy="261610"/>
-          </a:xfrm>
-          <a:prstGeom prst="rect">
-            <a:avLst/>
-          </a:prstGeom>
-          <a:noFill/>
-        </p:spPr>
-        <p:txBody>
-          <a:bodyPr wrap="square" rtlCol="0" anchor="ctr">
-            <a:spAutoFit/>
-          </a:bodyPr>
-          <a:lstStyle/>
-          <a:p>
-            <a:pPr algn="ctr"/>
-            <a:r>
-              <a:rPr lang="en-US" altLang="ko-KR" sz="1100">
-                <a:solidFill>
-                  <a:srgbClr val="C00000"/>
-                </a:solidFill>
-              </a:rPr>
-              <a:t>Pull</a:t>
-            </a:r>
-            <a:endParaRPr lang="ko-KR" altLang="en-US" sz="1100">
-              <a:solidFill>
-                <a:srgbClr val="C00000"/>
-              </a:solidFill>
-            </a:endParaRPr>
-          </a:p>
-        </p:txBody>
-      </p:sp>
-      <p:cxnSp>
-        <p:nvCxnSpPr>
-          <p:cNvPr id="172" name="직선 연결선 171">
-            <a:extLst>
-              <a:ext uri="{FF2B5EF4-FFF2-40B4-BE49-F238E27FC236}">
-                <a16:creationId xmlns:a16="http://schemas.microsoft.com/office/drawing/2014/main" id="{8B05DCE3-1A7F-4675-BA69-F508B340EE39}"/>
-              </a:ext>
-            </a:extLst>
-          </p:cNvPr>
-          <p:cNvCxnSpPr>
-            <a:cxnSpLocks/>
-            <a:stCxn id="53" idx="3"/>
-            <a:endCxn id="73" idx="1"/>
-          </p:cNvCxnSpPr>
-          <p:nvPr/>
-        </p:nvCxnSpPr>
-        <p:spPr>
-          <a:xfrm>
-            <a:off x="4801271" y="3250316"/>
-            <a:ext cx="191411" cy="669194"/>
-          </a:xfrm>
-          <a:prstGeom prst="line">
-            <a:avLst/>
-          </a:prstGeom>
-          <a:ln w="19050">
-            <a:solidFill>
-              <a:srgbClr val="C00000"/>
-            </a:solidFill>
-            <a:headEnd type="none" w="med" len="med"/>
-            <a:tailEnd type="arrow" w="med" len="med"/>
-          </a:ln>
-        </p:spPr>
-        <p:style>
-          <a:lnRef idx="1">
-            <a:schemeClr val="accent1"/>
-          </a:lnRef>
-          <a:fillRef idx="0">
-            <a:schemeClr val="accent1"/>
-          </a:fillRef>
-          <a:effectRef idx="0">
-            <a:schemeClr val="accent1"/>
-          </a:effectRef>
-          <a:fontRef idx="minor">
-            <a:schemeClr val="tx1"/>
-          </a:fontRef>
-        </p:style>
-      </p:cxnSp>
-      <p:grpSp>
-        <p:nvGrpSpPr>
-          <p:cNvPr id="250" name="그룹 249">
-            <a:extLst>
-              <a:ext uri="{FF2B5EF4-FFF2-40B4-BE49-F238E27FC236}">
-                <a16:creationId xmlns:a16="http://schemas.microsoft.com/office/drawing/2014/main" id="{61479E87-C41F-4F4C-A32B-76B323DA947C}"/>
-              </a:ext>
-            </a:extLst>
-          </p:cNvPr>
-          <p:cNvGrpSpPr/>
-          <p:nvPr/>
-        </p:nvGrpSpPr>
-        <p:grpSpPr>
-          <a:xfrm>
-            <a:off x="6358256" y="2867290"/>
-            <a:ext cx="1598120" cy="1590037"/>
-            <a:chOff x="6358256" y="2757934"/>
-            <a:chExt cx="1598120" cy="1699394"/>
-          </a:xfrm>
-        </p:grpSpPr>
-        <p:sp>
-          <p:nvSpPr>
-            <p:cNvPr id="180" name="사각형: 둥근 모서리 179">
-              <a:extLst>
-                <a:ext uri="{FF2B5EF4-FFF2-40B4-BE49-F238E27FC236}">
-                  <a16:creationId xmlns:a16="http://schemas.microsoft.com/office/drawing/2014/main" id="{2E70D0D8-5548-46F9-8330-ADBA73172C91}"/>
-                </a:ext>
-              </a:extLst>
-            </p:cNvPr>
-            <p:cNvSpPr/>
-            <p:nvPr/>
-          </p:nvSpPr>
-          <p:spPr>
-            <a:xfrm>
-              <a:off x="6358256" y="2757934"/>
-              <a:ext cx="1598120" cy="1699394"/>
+              <a:off x="4736474" y="1522174"/>
+              <a:ext cx="1263236" cy="527174"/>
             </a:xfrm>
             <a:prstGeom prst="roundRect">
               <a:avLst>
-                <a:gd name="adj" fmla="val 5026"/>
+                <a:gd name="adj" fmla="val 7693"/>
               </a:avLst>
             </a:prstGeom>
-            <a:ln>
-              <a:prstDash val="dash"/>
-            </a:ln>
-          </p:spPr>
-          <p:style>
-            <a:lnRef idx="2">
-              <a:schemeClr val="dk1"/>
-            </a:lnRef>
-            <a:fillRef idx="1">
-              <a:schemeClr val="lt1"/>
-            </a:fillRef>
-            <a:effectRef idx="0">
-              <a:schemeClr val="dk1"/>
-            </a:effectRef>
-            <a:fontRef idx="minor">
-              <a:schemeClr val="dk1"/>
-            </a:fontRef>
-          </p:style>
-          <p:txBody>
-            <a:bodyPr rtlCol="0" anchor="t"/>
-            <a:lstStyle/>
-            <a:p>
-              <a:pPr algn="ctr"/>
-              <a:r>
-                <a:rPr lang="en-US" altLang="ko-KR" sz="1200" b="1"/>
-                <a:t>Prometheus Client</a:t>
-              </a:r>
-              <a:endParaRPr lang="ko-KR" altLang="en-US" sz="1200" b="1"/>
-            </a:p>
-          </p:txBody>
-        </p:sp>
-        <p:sp>
-          <p:nvSpPr>
-            <p:cNvPr id="177" name="사각형: 둥근 모서리 176">
-              <a:extLst>
-                <a:ext uri="{FF2B5EF4-FFF2-40B4-BE49-F238E27FC236}">
-                  <a16:creationId xmlns:a16="http://schemas.microsoft.com/office/drawing/2014/main" id="{AE1194B0-F3A1-4DC0-B168-E743331413A0}"/>
-                </a:ext>
-              </a:extLst>
-            </p:cNvPr>
-            <p:cNvSpPr/>
-            <p:nvPr/>
-          </p:nvSpPr>
-          <p:spPr>
-            <a:xfrm>
-              <a:off x="6513469" y="3076867"/>
-              <a:ext cx="1287694" cy="409160"/>
-            </a:xfrm>
-            <a:prstGeom prst="roundRect">
-              <a:avLst>
-                <a:gd name="adj" fmla="val 5026"/>
-              </a:avLst>
-            </a:prstGeom>
+            <a:noFill/>
           </p:spPr>
           <p:style>
             <a:lnRef idx="2">
@@ -9120,7 +7407,7 @@
               <a:pPr algn="ctr"/>
               <a:r>
                 <a:rPr lang="en-US" altLang="ko-KR" sz="1200"/>
-                <a:t>Web UI</a:t>
+                <a:t>Alertmanager</a:t>
               </a:r>
               <a:endParaRPr lang="ko-KR" altLang="en-US" sz="1200"/>
             </a:p>
@@ -9128,10 +7415,10 @@
         </p:sp>
         <p:sp>
           <p:nvSpPr>
-            <p:cNvPr id="178" name="사각형: 둥근 모서리 177">
+            <p:cNvPr id="155" name="사각형: 둥근 모서리 154">
               <a:extLst>
                 <a:ext uri="{FF2B5EF4-FFF2-40B4-BE49-F238E27FC236}">
-                  <a16:creationId xmlns:a16="http://schemas.microsoft.com/office/drawing/2014/main" id="{43946E3E-ABCE-479E-AE0A-6D0BB309BFCA}"/>
+                  <a16:creationId xmlns:a16="http://schemas.microsoft.com/office/drawing/2014/main" id="{9DCB89F4-FC7A-4BC1-A028-D24DEBE4CCB3}"/>
                 </a:ext>
               </a:extLst>
             </p:cNvPr>
@@ -9140,14 +7427,15 @@
           </p:nvSpPr>
           <p:spPr>
             <a:xfrm>
-              <a:off x="6501230" y="3609454"/>
-              <a:ext cx="1287694" cy="409160"/>
+              <a:off x="6491312" y="1521275"/>
+              <a:ext cx="1263236" cy="527174"/>
             </a:xfrm>
             <a:prstGeom prst="roundRect">
               <a:avLst>
-                <a:gd name="adj" fmla="val 5026"/>
+                <a:gd name="adj" fmla="val 7693"/>
               </a:avLst>
             </a:prstGeom>
+            <a:noFill/>
           </p:spPr>
           <p:style>
             <a:lnRef idx="2">
@@ -9170,337 +7458,201 @@
               <a:pPr algn="ctr"/>
               <a:r>
                 <a:rPr lang="en-US" altLang="ko-KR" sz="1200"/>
-                <a:t>Grafana</a:t>
+                <a:t>Prometheus</a:t>
+              </a:r>
+            </a:p>
+            <a:p>
+              <a:pPr algn="ctr"/>
+              <a:r>
+                <a:rPr lang="en-US" altLang="ko-KR" sz="1200"/>
+                <a:t>Alertmanager</a:t>
               </a:r>
               <a:endParaRPr lang="ko-KR" altLang="en-US" sz="1200"/>
             </a:p>
           </p:txBody>
         </p:sp>
-        <p:grpSp>
-          <p:nvGrpSpPr>
-            <p:cNvPr id="182" name="그룹 181">
+        <p:sp>
+          <p:nvSpPr>
+            <p:cNvPr id="156" name="사각형: 둥근 모서리 155">
               <a:extLst>
                 <a:ext uri="{FF2B5EF4-FFF2-40B4-BE49-F238E27FC236}">
-                  <a16:creationId xmlns:a16="http://schemas.microsoft.com/office/drawing/2014/main" id="{2A7781F0-6BE8-4CD0-B193-AD889F3016D3}"/>
+                  <a16:creationId xmlns:a16="http://schemas.microsoft.com/office/drawing/2014/main" id="{C58D1235-F9D3-4EBE-A2CF-E76C41036CD2}"/>
                 </a:ext>
               </a:extLst>
             </p:cNvPr>
-            <p:cNvGrpSpPr/>
+            <p:cNvSpPr/>
             <p:nvPr/>
-          </p:nvGrpSpPr>
-          <p:grpSpPr>
-            <a:xfrm rot="5400000">
-              <a:off x="7002859" y="4206081"/>
-              <a:ext cx="300112" cy="65162"/>
-              <a:chOff x="8028384" y="1512622"/>
-              <a:chExt cx="300112" cy="65162"/>
+          </p:nvSpPr>
+          <p:spPr>
+            <a:xfrm>
+              <a:off x="5608166" y="738120"/>
+              <a:ext cx="1263236" cy="527174"/>
             </a:xfrm>
-          </p:grpSpPr>
-          <p:sp>
-            <p:nvSpPr>
-              <p:cNvPr id="183" name="타원 182">
-                <a:extLst>
-                  <a:ext uri="{FF2B5EF4-FFF2-40B4-BE49-F238E27FC236}">
-                    <a16:creationId xmlns:a16="http://schemas.microsoft.com/office/drawing/2014/main" id="{094BDE03-EDB8-4533-BA48-D2443F90A079}"/>
-                  </a:ext>
-                </a:extLst>
-              </p:cNvPr>
-              <p:cNvSpPr/>
-              <p:nvPr/>
-            </p:nvSpPr>
-            <p:spPr>
-              <a:xfrm>
-                <a:off x="8028384" y="1512622"/>
-                <a:ext cx="65162" cy="65162"/>
-              </a:xfrm>
-              <a:prstGeom prst="ellipse">
-                <a:avLst/>
-              </a:prstGeom>
-              <a:solidFill>
-                <a:schemeClr val="tx1"/>
-              </a:solidFill>
-              <a:ln>
-                <a:noFill/>
-              </a:ln>
-            </p:spPr>
-            <p:style>
-              <a:lnRef idx="2">
-                <a:schemeClr val="accent1">
-                  <a:shade val="50000"/>
-                </a:schemeClr>
-              </a:lnRef>
-              <a:fillRef idx="1">
-                <a:schemeClr val="accent1"/>
-              </a:fillRef>
-              <a:effectRef idx="0">
-                <a:schemeClr val="accent1"/>
-              </a:effectRef>
-              <a:fontRef idx="minor">
-                <a:schemeClr val="lt1"/>
-              </a:fontRef>
-            </p:style>
-            <p:txBody>
-              <a:bodyPr rtlCol="0" anchor="ctr"/>
-              <a:lstStyle/>
-              <a:p>
-                <a:pPr algn="ctr"/>
-                <a:endParaRPr lang="ko-KR" altLang="en-US"/>
-              </a:p>
-            </p:txBody>
-          </p:sp>
-          <p:sp>
-            <p:nvSpPr>
-              <p:cNvPr id="184" name="타원 183">
-                <a:extLst>
-                  <a:ext uri="{FF2B5EF4-FFF2-40B4-BE49-F238E27FC236}">
-                    <a16:creationId xmlns:a16="http://schemas.microsoft.com/office/drawing/2014/main" id="{BA36DCF9-CE47-4E5B-A063-6583746F0CC4}"/>
-                  </a:ext>
-                </a:extLst>
-              </p:cNvPr>
-              <p:cNvSpPr/>
-              <p:nvPr/>
-            </p:nvSpPr>
-            <p:spPr>
-              <a:xfrm>
-                <a:off x="8142684" y="1512622"/>
-                <a:ext cx="65162" cy="65162"/>
-              </a:xfrm>
-              <a:prstGeom prst="ellipse">
-                <a:avLst/>
-              </a:prstGeom>
-              <a:solidFill>
-                <a:schemeClr val="tx1"/>
-              </a:solidFill>
-              <a:ln>
-                <a:noFill/>
-              </a:ln>
-            </p:spPr>
-            <p:style>
-              <a:lnRef idx="2">
-                <a:schemeClr val="accent1">
-                  <a:shade val="50000"/>
-                </a:schemeClr>
-              </a:lnRef>
-              <a:fillRef idx="1">
-                <a:schemeClr val="accent1"/>
-              </a:fillRef>
-              <a:effectRef idx="0">
-                <a:schemeClr val="accent1"/>
-              </a:effectRef>
-              <a:fontRef idx="minor">
-                <a:schemeClr val="lt1"/>
-              </a:fontRef>
-            </p:style>
-            <p:txBody>
-              <a:bodyPr rtlCol="0" anchor="ctr"/>
-              <a:lstStyle/>
-              <a:p>
-                <a:pPr algn="ctr"/>
-                <a:endParaRPr lang="ko-KR" altLang="en-US"/>
-              </a:p>
-            </p:txBody>
-          </p:sp>
-          <p:sp>
-            <p:nvSpPr>
-              <p:cNvPr id="185" name="타원 184">
-                <a:extLst>
-                  <a:ext uri="{FF2B5EF4-FFF2-40B4-BE49-F238E27FC236}">
-                    <a16:creationId xmlns:a16="http://schemas.microsoft.com/office/drawing/2014/main" id="{4016E81F-8CF7-421C-A979-1B9FC24EB8E7}"/>
-                  </a:ext>
-                </a:extLst>
-              </p:cNvPr>
-              <p:cNvSpPr/>
-              <p:nvPr/>
-            </p:nvSpPr>
-            <p:spPr>
-              <a:xfrm>
-                <a:off x="8263334" y="1512622"/>
-                <a:ext cx="65162" cy="65162"/>
-              </a:xfrm>
-              <a:prstGeom prst="ellipse">
-                <a:avLst/>
-              </a:prstGeom>
-              <a:solidFill>
-                <a:schemeClr val="tx1"/>
-              </a:solidFill>
-              <a:ln>
-                <a:noFill/>
-              </a:ln>
-            </p:spPr>
-            <p:style>
-              <a:lnRef idx="2">
-                <a:schemeClr val="accent1">
-                  <a:shade val="50000"/>
-                </a:schemeClr>
-              </a:lnRef>
-              <a:fillRef idx="1">
-                <a:schemeClr val="accent1"/>
-              </a:fillRef>
-              <a:effectRef idx="0">
-                <a:schemeClr val="accent1"/>
-              </a:effectRef>
-              <a:fontRef idx="minor">
-                <a:schemeClr val="lt1"/>
-              </a:fontRef>
-            </p:style>
-            <p:txBody>
-              <a:bodyPr rtlCol="0" anchor="ctr"/>
-              <a:lstStyle/>
-              <a:p>
-                <a:pPr algn="ctr"/>
-                <a:endParaRPr lang="ko-KR" altLang="en-US"/>
-              </a:p>
-            </p:txBody>
-          </p:sp>
-        </p:grpSp>
-      </p:grpSp>
-      <p:cxnSp>
-        <p:nvCxnSpPr>
-          <p:cNvPr id="186" name="직선 연결선 185">
-            <a:extLst>
-              <a:ext uri="{FF2B5EF4-FFF2-40B4-BE49-F238E27FC236}">
-                <a16:creationId xmlns:a16="http://schemas.microsoft.com/office/drawing/2014/main" id="{73AE958F-7573-4451-B278-47484BAE533E}"/>
-              </a:ext>
-            </a:extLst>
-          </p:cNvPr>
-          <p:cNvCxnSpPr>
-            <a:cxnSpLocks/>
-            <a:stCxn id="73" idx="3"/>
-            <a:endCxn id="178" idx="1"/>
-          </p:cNvCxnSpPr>
-          <p:nvPr/>
-        </p:nvCxnSpPr>
-        <p:spPr>
-          <a:xfrm flipV="1">
-            <a:off x="5961053" y="3855429"/>
-            <a:ext cx="540177" cy="64081"/>
-          </a:xfrm>
-          <a:prstGeom prst="line">
-            <a:avLst/>
-          </a:prstGeom>
-          <a:ln w="19050">
-            <a:solidFill>
-              <a:schemeClr val="accent3">
-                <a:lumMod val="75000"/>
-              </a:schemeClr>
-            </a:solidFill>
-            <a:headEnd type="arrow" w="med" len="med"/>
-            <a:tailEnd type="arrow" w="med" len="med"/>
-          </a:ln>
-        </p:spPr>
-        <p:style>
-          <a:lnRef idx="1">
-            <a:schemeClr val="accent1"/>
-          </a:lnRef>
-          <a:fillRef idx="0">
-            <a:schemeClr val="accent1"/>
-          </a:fillRef>
-          <a:effectRef idx="0">
-            <a:schemeClr val="accent1"/>
-          </a:effectRef>
-          <a:fontRef idx="minor">
-            <a:schemeClr val="tx1"/>
-          </a:fontRef>
-        </p:style>
-      </p:cxnSp>
-      <p:cxnSp>
-        <p:nvCxnSpPr>
-          <p:cNvPr id="189" name="직선 연결선 188">
-            <a:extLst>
-              <a:ext uri="{FF2B5EF4-FFF2-40B4-BE49-F238E27FC236}">
-                <a16:creationId xmlns:a16="http://schemas.microsoft.com/office/drawing/2014/main" id="{B0492CC0-BAD3-43CB-824C-16FB30B2C919}"/>
-              </a:ext>
-            </a:extLst>
-          </p:cNvPr>
-          <p:cNvCxnSpPr>
-            <a:cxnSpLocks/>
-            <a:stCxn id="73" idx="3"/>
-            <a:endCxn id="177" idx="1"/>
-          </p:cNvCxnSpPr>
-          <p:nvPr/>
-        </p:nvCxnSpPr>
-        <p:spPr>
-          <a:xfrm flipV="1">
-            <a:off x="5961053" y="3357114"/>
-            <a:ext cx="552416" cy="562396"/>
-          </a:xfrm>
-          <a:prstGeom prst="line">
-            <a:avLst/>
-          </a:prstGeom>
-          <a:ln w="19050">
-            <a:solidFill>
-              <a:schemeClr val="accent3">
-                <a:lumMod val="75000"/>
-              </a:schemeClr>
-            </a:solidFill>
-            <a:headEnd type="arrow" w="med" len="med"/>
-            <a:tailEnd type="arrow" w="med" len="med"/>
-          </a:ln>
-        </p:spPr>
-        <p:style>
-          <a:lnRef idx="1">
-            <a:schemeClr val="accent1"/>
-          </a:lnRef>
-          <a:fillRef idx="0">
-            <a:schemeClr val="accent1"/>
-          </a:fillRef>
-          <a:effectRef idx="0">
-            <a:schemeClr val="accent1"/>
-          </a:effectRef>
-          <a:fontRef idx="minor">
-            <a:schemeClr val="tx1"/>
-          </a:fontRef>
-        </p:style>
-      </p:cxnSp>
-      <p:grpSp>
-        <p:nvGrpSpPr>
-          <p:cNvPr id="249" name="그룹 248">
-            <a:extLst>
-              <a:ext uri="{FF2B5EF4-FFF2-40B4-BE49-F238E27FC236}">
-                <a16:creationId xmlns:a16="http://schemas.microsoft.com/office/drawing/2014/main" id="{6F4DDCB0-07EC-4C89-9A85-856950C40EA8}"/>
-              </a:ext>
-            </a:extLst>
-          </p:cNvPr>
-          <p:cNvGrpSpPr/>
-          <p:nvPr/>
-        </p:nvGrpSpPr>
-        <p:grpSpPr>
-          <a:xfrm>
-            <a:off x="2356526" y="4515966"/>
-            <a:ext cx="4015674" cy="261610"/>
-            <a:chOff x="2555776" y="4515966"/>
-            <a:chExt cx="4015674" cy="261610"/>
-          </a:xfrm>
-        </p:grpSpPr>
+            <a:prstGeom prst="roundRect">
+              <a:avLst>
+                <a:gd name="adj" fmla="val 7693"/>
+              </a:avLst>
+            </a:prstGeom>
+            <a:noFill/>
+          </p:spPr>
+          <p:style>
+            <a:lnRef idx="2">
+              <a:schemeClr val="dk1"/>
+            </a:lnRef>
+            <a:fillRef idx="1">
+              <a:schemeClr val="lt1"/>
+            </a:fillRef>
+            <a:effectRef idx="0">
+              <a:schemeClr val="dk1"/>
+            </a:effectRef>
+            <a:fontRef idx="minor">
+              <a:schemeClr val="dk1"/>
+            </a:fontRef>
+          </p:style>
+          <p:txBody>
+            <a:bodyPr rtlCol="0" anchor="ctr"/>
+            <a:lstStyle/>
+            <a:p>
+              <a:pPr algn="ctr"/>
+              <a:r>
+                <a:rPr lang="en-US" altLang="ko-KR" sz="1200"/>
+                <a:t>Prometheus</a:t>
+              </a:r>
+            </a:p>
+            <a:p>
+              <a:pPr algn="ctr"/>
+              <a:r>
+                <a:rPr lang="en-US" altLang="ko-KR" sz="1200"/>
+                <a:t>Alertmanager</a:t>
+              </a:r>
+              <a:endParaRPr lang="ko-KR" altLang="en-US" sz="1200"/>
+            </a:p>
+          </p:txBody>
+        </p:sp>
         <p:cxnSp>
           <p:nvCxnSpPr>
-            <p:cNvPr id="234" name="직선 연결선 233">
+            <p:cNvPr id="157" name="직선 연결선 156">
               <a:extLst>
                 <a:ext uri="{FF2B5EF4-FFF2-40B4-BE49-F238E27FC236}">
-                  <a16:creationId xmlns:a16="http://schemas.microsoft.com/office/drawing/2014/main" id="{0F121FC2-BEFB-4D11-A68D-F08DA54304B2}"/>
+                  <a16:creationId xmlns:a16="http://schemas.microsoft.com/office/drawing/2014/main" id="{A9D379B8-D338-400A-A38E-4F9F42DBC52A}"/>
                 </a:ext>
               </a:extLst>
             </p:cNvPr>
             <p:cNvCxnSpPr>
               <a:cxnSpLocks/>
-              <a:stCxn id="236" idx="1"/>
+              <a:stCxn id="101" idx="0"/>
+              <a:endCxn id="156" idx="2"/>
             </p:cNvCxnSpPr>
             <p:nvPr/>
           </p:nvCxnSpPr>
           <p:spPr>
-            <a:xfrm flipH="1">
-              <a:off x="2555776" y="4646771"/>
-              <a:ext cx="288032" cy="0"/>
+            <a:xfrm flipV="1">
+              <a:off x="5368092" y="1265294"/>
+              <a:ext cx="871692" cy="256880"/>
             </a:xfrm>
             <a:prstGeom prst="line">
               <a:avLst/>
             </a:prstGeom>
             <a:ln w="19050">
               <a:solidFill>
-                <a:srgbClr val="C00000"/>
+                <a:schemeClr val="tx1"/>
               </a:solidFill>
               <a:headEnd type="arrow" w="med" len="med"/>
-              <a:tailEnd type="none" w="med" len="med"/>
+              <a:tailEnd type="arrow" w="med" len="med"/>
+            </a:ln>
+          </p:spPr>
+          <p:style>
+            <a:lnRef idx="1">
+              <a:schemeClr val="accent1"/>
+            </a:lnRef>
+            <a:fillRef idx="0">
+              <a:schemeClr val="accent1"/>
+            </a:fillRef>
+            <a:effectRef idx="0">
+              <a:schemeClr val="accent1"/>
+            </a:effectRef>
+            <a:fontRef idx="minor">
+              <a:schemeClr val="tx1"/>
+            </a:fontRef>
+          </p:style>
+        </p:cxnSp>
+        <p:cxnSp>
+          <p:nvCxnSpPr>
+            <p:cNvPr id="161" name="직선 연결선 160">
+              <a:extLst>
+                <a:ext uri="{FF2B5EF4-FFF2-40B4-BE49-F238E27FC236}">
+                  <a16:creationId xmlns:a16="http://schemas.microsoft.com/office/drawing/2014/main" id="{7D7F9EEC-2013-410A-9763-2B89312DF9F4}"/>
+                </a:ext>
+              </a:extLst>
+            </p:cNvPr>
+            <p:cNvCxnSpPr>
+              <a:cxnSpLocks/>
+              <a:stCxn id="155" idx="0"/>
+              <a:endCxn id="156" idx="2"/>
+            </p:cNvCxnSpPr>
+            <p:nvPr/>
+          </p:nvCxnSpPr>
+          <p:spPr>
+            <a:xfrm flipH="1" flipV="1">
+              <a:off x="6239784" y="1265294"/>
+              <a:ext cx="883146" cy="255981"/>
+            </a:xfrm>
+            <a:prstGeom prst="line">
+              <a:avLst/>
+            </a:prstGeom>
+            <a:ln w="19050">
+              <a:solidFill>
+                <a:schemeClr val="tx1"/>
+              </a:solidFill>
+              <a:headEnd type="arrow" w="med" len="med"/>
+              <a:tailEnd type="arrow" w="med" len="med"/>
+            </a:ln>
+          </p:spPr>
+          <p:style>
+            <a:lnRef idx="1">
+              <a:schemeClr val="accent1"/>
+            </a:lnRef>
+            <a:fillRef idx="0">
+              <a:schemeClr val="accent1"/>
+            </a:fillRef>
+            <a:effectRef idx="0">
+              <a:schemeClr val="accent1"/>
+            </a:effectRef>
+            <a:fontRef idx="minor">
+              <a:schemeClr val="tx1"/>
+            </a:fontRef>
+          </p:style>
+        </p:cxnSp>
+        <p:cxnSp>
+          <p:nvCxnSpPr>
+            <p:cNvPr id="164" name="직선 연결선 163">
+              <a:extLst>
+                <a:ext uri="{FF2B5EF4-FFF2-40B4-BE49-F238E27FC236}">
+                  <a16:creationId xmlns:a16="http://schemas.microsoft.com/office/drawing/2014/main" id="{EC683CB3-440A-4CF1-8F1A-467F44DBC03E}"/>
+                </a:ext>
+              </a:extLst>
+            </p:cNvPr>
+            <p:cNvCxnSpPr>
+              <a:cxnSpLocks/>
+              <a:stCxn id="101" idx="3"/>
+              <a:endCxn id="155" idx="1"/>
+            </p:cNvCxnSpPr>
+            <p:nvPr/>
+          </p:nvCxnSpPr>
+          <p:spPr>
+            <a:xfrm flipV="1">
+              <a:off x="5999710" y="1784862"/>
+              <a:ext cx="491602" cy="899"/>
+            </a:xfrm>
+            <a:prstGeom prst="line">
+              <a:avLst/>
+            </a:prstGeom>
+            <a:ln w="19050">
+              <a:solidFill>
+                <a:schemeClr val="tx1"/>
+              </a:solidFill>
+              <a:headEnd type="arrow" w="med" len="med"/>
+              <a:tailEnd type="arrow" w="med" len="med"/>
             </a:ln>
           </p:spPr>
           <p:style>
@@ -9520,332 +7672,102 @@
         </p:cxnSp>
         <p:sp>
           <p:nvSpPr>
-            <p:cNvPr id="236" name="TextBox 235">
+            <p:cNvPr id="167" name="사각형: 둥근 모서리 166">
               <a:extLst>
                 <a:ext uri="{FF2B5EF4-FFF2-40B4-BE49-F238E27FC236}">
-                  <a16:creationId xmlns:a16="http://schemas.microsoft.com/office/drawing/2014/main" id="{4985D540-5031-42FF-88F6-614AAD2B6D2C}"/>
+                  <a16:creationId xmlns:a16="http://schemas.microsoft.com/office/drawing/2014/main" id="{FC26E226-EEB0-4B1D-A342-D7C6C7F446CF}"/>
                 </a:ext>
               </a:extLst>
             </p:cNvPr>
-            <p:cNvSpPr txBox="1"/>
+            <p:cNvSpPr/>
             <p:nvPr/>
           </p:nvSpPr>
           <p:spPr>
             <a:xfrm>
-              <a:off x="2843808" y="4515966"/>
-              <a:ext cx="697828" cy="261610"/>
+              <a:off x="4644008" y="637550"/>
+              <a:ext cx="3340422" cy="1508750"/>
             </a:xfrm>
-            <a:prstGeom prst="rect">
-              <a:avLst/>
+            <a:prstGeom prst="roundRect">
+              <a:avLst>
+                <a:gd name="adj" fmla="val 4089"/>
+              </a:avLst>
             </a:prstGeom>
             <a:noFill/>
-          </p:spPr>
-          <p:txBody>
-            <a:bodyPr wrap="square" rtlCol="0" anchor="ctr">
-              <a:spAutoFit/>
-            </a:bodyPr>
-            <a:lstStyle/>
-            <a:p>
-              <a:pPr algn="ctr"/>
-              <a:r>
-                <a:rPr lang="en-US" altLang="ko-KR" sz="1100"/>
-                <a:t>Metric</a:t>
-              </a:r>
-            </a:p>
-          </p:txBody>
-        </p:sp>
-        <p:cxnSp>
-          <p:nvCxnSpPr>
-            <p:cNvPr id="242" name="직선 연결선 241">
-              <a:extLst>
-                <a:ext uri="{FF2B5EF4-FFF2-40B4-BE49-F238E27FC236}">
-                  <a16:creationId xmlns:a16="http://schemas.microsoft.com/office/drawing/2014/main" id="{B2077152-5942-451F-B3EE-CCEC7E0728EC}"/>
-                </a:ext>
-              </a:extLst>
-            </p:cNvPr>
-            <p:cNvCxnSpPr>
-              <a:cxnSpLocks/>
-              <a:stCxn id="243" idx="1"/>
-            </p:cNvCxnSpPr>
-            <p:nvPr/>
-          </p:nvCxnSpPr>
-          <p:spPr>
-            <a:xfrm flipH="1">
-              <a:off x="3669014" y="4646771"/>
-              <a:ext cx="288032" cy="0"/>
-            </a:xfrm>
-            <a:prstGeom prst="line">
-              <a:avLst/>
-            </a:prstGeom>
-            <a:ln w="19050">
-              <a:solidFill>
-                <a:schemeClr val="tx2"/>
-              </a:solidFill>
-              <a:headEnd type="arrow" w="med" len="med"/>
-              <a:tailEnd type="none" w="med" len="med"/>
+            <a:ln>
+              <a:prstDash val="dash"/>
             </a:ln>
           </p:spPr>
           <p:style>
-            <a:lnRef idx="1">
-              <a:schemeClr val="accent1"/>
+            <a:lnRef idx="2">
+              <a:schemeClr val="dk1"/>
             </a:lnRef>
-            <a:fillRef idx="0">
-              <a:schemeClr val="accent1"/>
+            <a:fillRef idx="1">
+              <a:schemeClr val="lt1"/>
             </a:fillRef>
             <a:effectRef idx="0">
-              <a:schemeClr val="accent1"/>
+              <a:schemeClr val="dk1"/>
             </a:effectRef>
             <a:fontRef idx="minor">
-              <a:schemeClr val="tx1"/>
+              <a:schemeClr val="dk1"/>
             </a:fontRef>
           </p:style>
-        </p:cxnSp>
-        <p:sp>
-          <p:nvSpPr>
-            <p:cNvPr id="243" name="TextBox 242">
-              <a:extLst>
-                <a:ext uri="{FF2B5EF4-FFF2-40B4-BE49-F238E27FC236}">
-                  <a16:creationId xmlns:a16="http://schemas.microsoft.com/office/drawing/2014/main" id="{DDE7163D-D7F2-4869-AA0E-34ADE78D0CE0}"/>
-                </a:ext>
-              </a:extLst>
-            </p:cNvPr>
-            <p:cNvSpPr txBox="1"/>
-            <p:nvPr/>
-          </p:nvSpPr>
-          <p:spPr>
-            <a:xfrm>
-              <a:off x="3957046" y="4515966"/>
-              <a:ext cx="614954" cy="261610"/>
-            </a:xfrm>
-            <a:prstGeom prst="rect">
-              <a:avLst/>
-            </a:prstGeom>
-            <a:noFill/>
-          </p:spPr>
           <p:txBody>
-            <a:bodyPr wrap="square" rtlCol="0" anchor="ctr">
-              <a:spAutoFit/>
-            </a:bodyPr>
+            <a:bodyPr rtlCol="0" anchor="t"/>
             <a:lstStyle/>
             <a:p>
-              <a:pPr algn="ctr"/>
+              <a:pPr algn="r"/>
               <a:r>
-                <a:rPr lang="en-US" altLang="ko-KR" sz="1100"/>
-                <a:t>Alert</a:t>
+                <a:rPr lang="en-US" altLang="ko-KR" sz="1200" b="1"/>
+                <a:t>Prometheus </a:t>
               </a:r>
             </a:p>
-          </p:txBody>
-        </p:sp>
-        <p:cxnSp>
-          <p:nvCxnSpPr>
-            <p:cNvPr id="244" name="직선 연결선 243">
-              <a:extLst>
-                <a:ext uri="{FF2B5EF4-FFF2-40B4-BE49-F238E27FC236}">
-                  <a16:creationId xmlns:a16="http://schemas.microsoft.com/office/drawing/2014/main" id="{5D4822EB-D9F8-48B1-8569-39491786D9C4}"/>
-                </a:ext>
-              </a:extLst>
-            </p:cNvPr>
-            <p:cNvCxnSpPr>
-              <a:cxnSpLocks/>
-              <a:stCxn id="245" idx="1"/>
-            </p:cNvCxnSpPr>
-            <p:nvPr/>
-          </p:nvCxnSpPr>
-          <p:spPr>
-            <a:xfrm flipH="1">
-              <a:off x="4644009" y="4646771"/>
-              <a:ext cx="288030" cy="1"/>
-            </a:xfrm>
-            <a:prstGeom prst="line">
-              <a:avLst/>
-            </a:prstGeom>
-            <a:ln w="19050">
-              <a:solidFill>
-                <a:schemeClr val="accent3">
-                  <a:lumMod val="75000"/>
-                </a:schemeClr>
-              </a:solidFill>
-              <a:headEnd type="arrow" w="med" len="med"/>
-              <a:tailEnd type="none" w="med" len="med"/>
-            </a:ln>
-          </p:spPr>
-          <p:style>
-            <a:lnRef idx="1">
-              <a:schemeClr val="accent1"/>
-            </a:lnRef>
-            <a:fillRef idx="0">
-              <a:schemeClr val="accent1"/>
-            </a:fillRef>
-            <a:effectRef idx="0">
-              <a:schemeClr val="accent1"/>
-            </a:effectRef>
-            <a:fontRef idx="minor">
-              <a:schemeClr val="tx1"/>
-            </a:fontRef>
-          </p:style>
-        </p:cxnSp>
-        <p:sp>
-          <p:nvSpPr>
-            <p:cNvPr id="245" name="TextBox 244">
-              <a:extLst>
-                <a:ext uri="{FF2B5EF4-FFF2-40B4-BE49-F238E27FC236}">
-                  <a16:creationId xmlns:a16="http://schemas.microsoft.com/office/drawing/2014/main" id="{CB867BC1-D1A2-436A-B906-96F1931BC529}"/>
-                </a:ext>
-              </a:extLst>
-            </p:cNvPr>
-            <p:cNvSpPr txBox="1"/>
-            <p:nvPr/>
-          </p:nvSpPr>
-          <p:spPr>
-            <a:xfrm>
-              <a:off x="4932039" y="4515966"/>
-              <a:ext cx="1639411" cy="261610"/>
-            </a:xfrm>
-            <a:prstGeom prst="rect">
-              <a:avLst/>
-            </a:prstGeom>
-            <a:noFill/>
-          </p:spPr>
-          <p:txBody>
-            <a:bodyPr wrap="square" rtlCol="0" anchor="ctr">
-              <a:spAutoFit/>
-            </a:bodyPr>
-            <a:lstStyle/>
             <a:p>
-              <a:pPr algn="ctr"/>
+              <a:pPr algn="r"/>
               <a:r>
-                <a:rPr lang="en-US" altLang="ko-KR" sz="1100"/>
-                <a:t>PromQL Query/Result</a:t>
+                <a:rPr lang="en-US" altLang="ko-KR" sz="1200" b="1"/>
+                <a:t>Alermanager</a:t>
               </a:r>
+            </a:p>
+            <a:p>
+              <a:pPr algn="r"/>
+              <a:r>
+                <a:rPr lang="en-US" altLang="ko-KR" sz="1200" b="1"/>
+                <a:t>Cluster</a:t>
+              </a:r>
+              <a:endParaRPr lang="ko-KR" altLang="en-US" sz="1200" b="1"/>
             </a:p>
           </p:txBody>
         </p:sp>
       </p:grpSp>
-      <p:sp>
-        <p:nvSpPr>
-          <p:cNvPr id="71" name="TextBox 70">
+      <p:cxnSp>
+        <p:nvCxnSpPr>
+          <p:cNvPr id="200" name="직선 연결선 199">
             <a:extLst>
               <a:ext uri="{FF2B5EF4-FFF2-40B4-BE49-F238E27FC236}">
-                <a16:creationId xmlns:a16="http://schemas.microsoft.com/office/drawing/2014/main" id="{291169E0-569A-4AF6-813E-8218B7B24921}"/>
-              </a:ext>
-            </a:extLst>
-          </p:cNvPr>
-          <p:cNvSpPr txBox="1"/>
-          <p:nvPr/>
-        </p:nvSpPr>
-        <p:spPr>
-          <a:xfrm>
-            <a:off x="1393285" y="1446101"/>
-            <a:ext cx="956133" cy="261610"/>
-          </a:xfrm>
-          <a:prstGeom prst="rect">
-            <a:avLst/>
-          </a:prstGeom>
-          <a:noFill/>
-        </p:spPr>
-        <p:txBody>
-          <a:bodyPr wrap="square" rtlCol="0" anchor="ctr">
-            <a:spAutoFit/>
-          </a:bodyPr>
-          <a:lstStyle/>
-          <a:p>
-            <a:pPr algn="ctr"/>
-            <a:r>
-              <a:rPr lang="en-US" altLang="ko-KR" sz="1100">
-                <a:solidFill>
-                  <a:srgbClr val="C00000"/>
-                </a:solidFill>
-              </a:rPr>
-              <a:t>Push</a:t>
-            </a:r>
-            <a:endParaRPr lang="ko-KR" altLang="en-US" sz="1100">
-              <a:solidFill>
-                <a:srgbClr val="C00000"/>
-              </a:solidFill>
-            </a:endParaRPr>
-          </a:p>
-        </p:txBody>
-      </p:sp>
-      <p:sp>
-        <p:nvSpPr>
-          <p:cNvPr id="69" name="사각형: 둥근 모서리 68">
-            <a:extLst>
-              <a:ext uri="{FF2B5EF4-FFF2-40B4-BE49-F238E27FC236}">
-                <a16:creationId xmlns:a16="http://schemas.microsoft.com/office/drawing/2014/main" id="{DC633AA7-040D-406B-ADFE-62108416F048}"/>
-              </a:ext>
-            </a:extLst>
-          </p:cNvPr>
-          <p:cNvSpPr/>
-          <p:nvPr/>
-        </p:nvSpPr>
-        <p:spPr>
-          <a:xfrm>
-            <a:off x="971600" y="4034798"/>
-            <a:ext cx="1287693" cy="409160"/>
-          </a:xfrm>
-          <a:prstGeom prst="roundRect">
-            <a:avLst>
-              <a:gd name="adj" fmla="val 8130"/>
-            </a:avLst>
-          </a:prstGeom>
-        </p:spPr>
-        <p:style>
-          <a:lnRef idx="2">
-            <a:schemeClr val="dk1"/>
-          </a:lnRef>
-          <a:fillRef idx="1">
-            <a:schemeClr val="lt1"/>
-          </a:fillRef>
-          <a:effectRef idx="0">
-            <a:schemeClr val="dk1"/>
-          </a:effectRef>
-          <a:fontRef idx="minor">
-            <a:schemeClr val="dk1"/>
-          </a:fontRef>
-        </p:style>
-        <p:txBody>
-          <a:bodyPr rtlCol="0" anchor="ctr"/>
-          <a:lstStyle/>
-          <a:p>
-            <a:pPr algn="ctr"/>
-            <a:r>
-              <a:rPr lang="en-US" altLang="ko-KR" sz="1200"/>
-              <a:t>Remote Storage</a:t>
-            </a:r>
-            <a:endParaRPr lang="ko-KR" altLang="en-US" sz="1200"/>
-          </a:p>
-        </p:txBody>
-      </p:sp>
-      <p:cxnSp>
-        <p:nvCxnSpPr>
-          <p:cNvPr id="72" name="직선 연결선 71">
-            <a:extLst>
-              <a:ext uri="{FF2B5EF4-FFF2-40B4-BE49-F238E27FC236}">
-                <a16:creationId xmlns:a16="http://schemas.microsoft.com/office/drawing/2014/main" id="{63AEA18C-BAE8-4915-973F-BD16459A662C}"/>
+                <a16:creationId xmlns:a16="http://schemas.microsoft.com/office/drawing/2014/main" id="{3840CD60-4551-4CAE-827A-F561D7C3F9B1}"/>
               </a:ext>
             </a:extLst>
           </p:cNvPr>
           <p:cNvCxnSpPr>
             <a:cxnSpLocks/>
-            <a:stCxn id="6" idx="2"/>
-            <a:endCxn id="120" idx="0"/>
+            <a:endCxn id="101" idx="1"/>
           </p:cNvCxnSpPr>
           <p:nvPr/>
         </p:nvCxnSpPr>
         <p:spPr>
-          <a:xfrm flipH="1">
-            <a:off x="1615447" y="3229263"/>
-            <a:ext cx="4073" cy="195329"/>
+          <a:xfrm flipV="1">
+            <a:off x="1861214" y="1872111"/>
+            <a:ext cx="2888915" cy="713878"/>
           </a:xfrm>
           <a:prstGeom prst="line">
             <a:avLst/>
           </a:prstGeom>
           <a:ln w="19050">
             <a:solidFill>
-              <a:srgbClr val="C00000"/>
+              <a:schemeClr val="tx1"/>
             </a:solidFill>
-            <a:headEnd type="arrow" w="med" len="med"/>
-            <a:tailEnd type="none" w="med" len="med"/>
+            <a:headEnd type="none" w="med" len="med"/>
+            <a:tailEnd type="arrow" w="med" len="med"/>
           </a:ln>
         </p:spPr>
         <p:style>
@@ -9866,7 +7788,7 @@
     </p:spTree>
     <p:extLst>
       <p:ext uri="{BB962C8B-B14F-4D97-AF65-F5344CB8AC3E}">
-        <p14:creationId xmlns:p14="http://schemas.microsoft.com/office/powerpoint/2010/main" val="1684644402"/>
+        <p14:creationId xmlns:p14="http://schemas.microsoft.com/office/powerpoint/2010/main" val="2536070412"/>
       </p:ext>
     </p:extLst>
   </p:cSld>

--- a/images/theory_analysis/Prometheus_High_Availability/Prometheus_High_Availability.pptx
+++ b/images/theory_analysis/Prometheus_High_Availability/Prometheus_High_Availability.pptx
@@ -5,12 +5,13 @@
     <p:sldMasterId id="2147483648" r:id="rId1"/>
   </p:sldMasterIdLst>
   <p:notesMasterIdLst>
-    <p:notesMasterId r:id="rId5"/>
+    <p:notesMasterId r:id="rId6"/>
   </p:notesMasterIdLst>
   <p:sldIdLst>
     <p:sldId id="370" r:id="rId2"/>
     <p:sldId id="368" r:id="rId3"/>
-    <p:sldId id="369" r:id="rId4"/>
+    <p:sldId id="372" r:id="rId4"/>
+    <p:sldId id="371" r:id="rId5"/>
   </p:sldIdLst>
   <p:sldSz cx="9144000" cy="5143500" type="screen16x9"/>
   <p:notesSz cx="6858000" cy="9144000"/>
@@ -215,7 +216,7 @@
           <a:p>
             <a:fld id="{6CD5550B-26C4-49A9-A5BA-636EF7BE6CE9}" type="datetimeFigureOut">
               <a:rPr lang="ko-KR" altLang="en-US" smtClean="0"/>
-              <a:t>2020-01-09</a:t>
+              <a:t>2020-01-10</a:t>
             </a:fld>
             <a:endParaRPr lang="ko-KR" altLang="en-US"/>
           </a:p>
@@ -640,7 +641,91 @@
     </p:spTree>
     <p:extLst>
       <p:ext uri="{BB962C8B-B14F-4D97-AF65-F5344CB8AC3E}">
-        <p14:creationId xmlns:p14="http://schemas.microsoft.com/office/powerpoint/2010/main" val="439919745"/>
+        <p14:creationId xmlns:p14="http://schemas.microsoft.com/office/powerpoint/2010/main" val="4045275748"/>
+      </p:ext>
+    </p:extLst>
+  </p:cSld>
+  <p:clrMapOvr>
+    <a:masterClrMapping/>
+  </p:clrMapOvr>
+</p:notes>
+</file>
+
+<file path=ppt/notesSlides/notesSlide3.xml><?xml version="1.0" encoding="utf-8"?>
+<p:notes xmlns:a="http://schemas.openxmlformats.org/drawingml/2006/main" xmlns:r="http://schemas.openxmlformats.org/officeDocument/2006/relationships" xmlns:p="http://schemas.openxmlformats.org/presentationml/2006/main">
+  <p:cSld>
+    <p:spTree>
+      <p:nvGrpSpPr>
+        <p:cNvPr id="1" name=""/>
+        <p:cNvGrpSpPr/>
+        <p:nvPr/>
+      </p:nvGrpSpPr>
+      <p:grpSpPr>
+        <a:xfrm>
+          <a:off x="0" y="0"/>
+          <a:ext cx="0" cy="0"/>
+          <a:chOff x="0" y="0"/>
+          <a:chExt cx="0" cy="0"/>
+        </a:xfrm>
+      </p:grpSpPr>
+      <p:sp>
+        <p:nvSpPr>
+          <p:cNvPr id="2" name="슬라이드 이미지 개체 틀 1"/>
+          <p:cNvSpPr>
+            <a:spLocks noGrp="1" noRot="1" noChangeAspect="1"/>
+          </p:cNvSpPr>
+          <p:nvPr>
+            <p:ph type="sldImg"/>
+          </p:nvPr>
+        </p:nvSpPr>
+        <p:spPr/>
+      </p:sp>
+      <p:sp>
+        <p:nvSpPr>
+          <p:cNvPr id="3" name="슬라이드 노트 개체 틀 2"/>
+          <p:cNvSpPr>
+            <a:spLocks noGrp="1"/>
+          </p:cNvSpPr>
+          <p:nvPr>
+            <p:ph type="body" idx="1"/>
+          </p:nvPr>
+        </p:nvSpPr>
+        <p:spPr/>
+        <p:txBody>
+          <a:bodyPr/>
+          <a:lstStyle/>
+          <a:p>
+            <a:endParaRPr lang="ko-KR" altLang="en-US"/>
+          </a:p>
+        </p:txBody>
+      </p:sp>
+      <p:sp>
+        <p:nvSpPr>
+          <p:cNvPr id="4" name="슬라이드 번호 개체 틀 3"/>
+          <p:cNvSpPr>
+            <a:spLocks noGrp="1"/>
+          </p:cNvSpPr>
+          <p:nvPr>
+            <p:ph type="sldNum" sz="quarter" idx="10"/>
+          </p:nvPr>
+        </p:nvSpPr>
+        <p:spPr/>
+        <p:txBody>
+          <a:bodyPr/>
+          <a:lstStyle/>
+          <a:p>
+            <a:fld id="{BA5DFA43-8D57-47FB-BC46-057616015C3B}" type="slidenum">
+              <a:rPr lang="ko-KR" altLang="en-US" smtClean="0"/>
+              <a:t>4</a:t>
+            </a:fld>
+            <a:endParaRPr lang="ko-KR" altLang="en-US"/>
+          </a:p>
+        </p:txBody>
+      </p:sp>
+    </p:spTree>
+    <p:extLst>
+      <p:ext uri="{BB962C8B-B14F-4D97-AF65-F5344CB8AC3E}">
+        <p14:creationId xmlns:p14="http://schemas.microsoft.com/office/powerpoint/2010/main" val="1183822888"/>
       </p:ext>
     </p:extLst>
   </p:cSld>
@@ -829,7 +914,7 @@
           <a:p>
             <a:fld id="{FB30EDBD-1C2D-4C1E-B459-B60219FAB484}" type="datetimeFigureOut">
               <a:rPr lang="ko-KR" altLang="en-US" smtClean="0"/>
-              <a:t>2020-01-09</a:t>
+              <a:t>2020-01-10</a:t>
             </a:fld>
             <a:endParaRPr lang="ko-KR" altLang="en-US"/>
           </a:p>
@@ -992,7 +1077,7 @@
           <a:p>
             <a:fld id="{FB30EDBD-1C2D-4C1E-B459-B60219FAB484}" type="datetimeFigureOut">
               <a:rPr lang="ko-KR" altLang="en-US" smtClean="0"/>
-              <a:t>2020-01-09</a:t>
+              <a:t>2020-01-10</a:t>
             </a:fld>
             <a:endParaRPr lang="ko-KR" altLang="en-US"/>
           </a:p>
@@ -1165,7 +1250,7 @@
           <a:p>
             <a:fld id="{FB30EDBD-1C2D-4C1E-B459-B60219FAB484}" type="datetimeFigureOut">
               <a:rPr lang="ko-KR" altLang="en-US" smtClean="0"/>
-              <a:t>2020-01-09</a:t>
+              <a:t>2020-01-10</a:t>
             </a:fld>
             <a:endParaRPr lang="ko-KR" altLang="en-US"/>
           </a:p>
@@ -1328,7 +1413,7 @@
           <a:p>
             <a:fld id="{FB30EDBD-1C2D-4C1E-B459-B60219FAB484}" type="datetimeFigureOut">
               <a:rPr lang="ko-KR" altLang="en-US" smtClean="0"/>
-              <a:t>2020-01-09</a:t>
+              <a:t>2020-01-10</a:t>
             </a:fld>
             <a:endParaRPr lang="ko-KR" altLang="en-US"/>
           </a:p>
@@ -1568,7 +1653,7 @@
           <a:p>
             <a:fld id="{FB30EDBD-1C2D-4C1E-B459-B60219FAB484}" type="datetimeFigureOut">
               <a:rPr lang="ko-KR" altLang="en-US" smtClean="0"/>
-              <a:t>2020-01-09</a:t>
+              <a:t>2020-01-10</a:t>
             </a:fld>
             <a:endParaRPr lang="ko-KR" altLang="en-US"/>
           </a:p>
@@ -1848,7 +1933,7 @@
           <a:p>
             <a:fld id="{FB30EDBD-1C2D-4C1E-B459-B60219FAB484}" type="datetimeFigureOut">
               <a:rPr lang="ko-KR" altLang="en-US" smtClean="0"/>
-              <a:t>2020-01-09</a:t>
+              <a:t>2020-01-10</a:t>
             </a:fld>
             <a:endParaRPr lang="ko-KR" altLang="en-US"/>
           </a:p>
@@ -2262,7 +2347,7 @@
           <a:p>
             <a:fld id="{FB30EDBD-1C2D-4C1E-B459-B60219FAB484}" type="datetimeFigureOut">
               <a:rPr lang="ko-KR" altLang="en-US" smtClean="0"/>
-              <a:t>2020-01-09</a:t>
+              <a:t>2020-01-10</a:t>
             </a:fld>
             <a:endParaRPr lang="ko-KR" altLang="en-US"/>
           </a:p>
@@ -2374,7 +2459,7 @@
           <a:p>
             <a:fld id="{FB30EDBD-1C2D-4C1E-B459-B60219FAB484}" type="datetimeFigureOut">
               <a:rPr lang="ko-KR" altLang="en-US" smtClean="0"/>
-              <a:t>2020-01-09</a:t>
+              <a:t>2020-01-10</a:t>
             </a:fld>
             <a:endParaRPr lang="ko-KR" altLang="en-US"/>
           </a:p>
@@ -2464,7 +2549,7 @@
           <a:p>
             <a:fld id="{FB30EDBD-1C2D-4C1E-B459-B60219FAB484}" type="datetimeFigureOut">
               <a:rPr lang="ko-KR" altLang="en-US" smtClean="0"/>
-              <a:t>2020-01-09</a:t>
+              <a:t>2020-01-10</a:t>
             </a:fld>
             <a:endParaRPr lang="ko-KR" altLang="en-US"/>
           </a:p>
@@ -2734,7 +2819,7 @@
           <a:p>
             <a:fld id="{FB30EDBD-1C2D-4C1E-B459-B60219FAB484}" type="datetimeFigureOut">
               <a:rPr lang="ko-KR" altLang="en-US" smtClean="0"/>
-              <a:t>2020-01-09</a:t>
+              <a:t>2020-01-10</a:t>
             </a:fld>
             <a:endParaRPr lang="ko-KR" altLang="en-US"/>
           </a:p>
@@ -2981,7 +3066,7 @@
           <a:p>
             <a:fld id="{FB30EDBD-1C2D-4C1E-B459-B60219FAB484}" type="datetimeFigureOut">
               <a:rPr lang="ko-KR" altLang="en-US" smtClean="0"/>
-              <a:t>2020-01-09</a:t>
+              <a:t>2020-01-10</a:t>
             </a:fld>
             <a:endParaRPr lang="ko-KR" altLang="en-US"/>
           </a:p>
@@ -3187,7 +3272,7 @@
           <a:p>
             <a:fld id="{FB30EDBD-1C2D-4C1E-B459-B60219FAB484}" type="datetimeFigureOut">
               <a:rPr lang="ko-KR" altLang="en-US" smtClean="0"/>
-              <a:t>2020-01-09</a:t>
+              <a:t>2020-01-10</a:t>
             </a:fld>
             <a:endParaRPr lang="ko-KR" altLang="en-US"/>
           </a:p>
@@ -3559,6 +3644,65 @@
       </p:grpSpPr>
       <p:sp>
         <p:nvSpPr>
+          <p:cNvPr id="50" name="사각형: 둥근 모서리 49">
+            <a:extLst>
+              <a:ext uri="{FF2B5EF4-FFF2-40B4-BE49-F238E27FC236}">
+                <a16:creationId xmlns:a16="http://schemas.microsoft.com/office/drawing/2014/main" id="{070BF710-166E-4BBB-936C-7EDD33B4934A}"/>
+              </a:ext>
+            </a:extLst>
+          </p:cNvPr>
+          <p:cNvSpPr/>
+          <p:nvPr/>
+        </p:nvSpPr>
+        <p:spPr>
+          <a:xfrm>
+            <a:off x="3087619" y="3517086"/>
+            <a:ext cx="1263236" cy="529124"/>
+          </a:xfrm>
+          <a:prstGeom prst="roundRect">
+            <a:avLst>
+              <a:gd name="adj" fmla="val 7693"/>
+            </a:avLst>
+          </a:prstGeom>
+          <a:noFill/>
+        </p:spPr>
+        <p:style>
+          <a:lnRef idx="2">
+            <a:schemeClr val="dk1"/>
+          </a:lnRef>
+          <a:fillRef idx="1">
+            <a:schemeClr val="lt1"/>
+          </a:fillRef>
+          <a:effectRef idx="0">
+            <a:schemeClr val="dk1"/>
+          </a:effectRef>
+          <a:fontRef idx="minor">
+            <a:schemeClr val="dk1"/>
+          </a:fontRef>
+        </p:style>
+        <p:txBody>
+          <a:bodyPr rtlCol="0" anchor="ctr"/>
+          <a:lstStyle/>
+          <a:p>
+            <a:pPr algn="ctr"/>
+            <a:r>
+              <a:rPr lang="en-US" altLang="ko-KR" sz="1200"/>
+              <a:t>Prometheus</a:t>
+            </a:r>
+            <a:r>
+              <a:rPr lang="ko-KR" altLang="en-US" sz="1200"/>
+              <a:t> </a:t>
+            </a:r>
+            <a:r>
+              <a:rPr lang="en-US" altLang="ko-KR" sz="1200"/>
+              <a:t>Exporter</a:t>
+            </a:r>
+            <a:endParaRPr lang="ko-KR" altLang="en-US" sz="1200"/>
+          </a:p>
+        </p:txBody>
+      </p:sp>
+      <p:sp>
+        <p:nvSpPr>
           <p:cNvPr id="2" name="제목 1"/>
           <p:cNvSpPr>
             <a:spLocks noGrp="1"/>
@@ -3599,7 +3743,7 @@
         </p:nvSpPr>
         <p:spPr>
           <a:xfrm>
-            <a:off x="1352548" y="2595612"/>
+            <a:off x="3087619" y="2595612"/>
             <a:ext cx="1263236" cy="527174"/>
           </a:xfrm>
           <a:prstGeom prst="roundRect">
@@ -3658,8 +3802,8 @@
         </p:nvSpPr>
         <p:spPr>
           <a:xfrm>
-            <a:off x="3526723" y="2586360"/>
-            <a:ext cx="1263236" cy="527174"/>
+            <a:off x="5043538" y="2586360"/>
+            <a:ext cx="1263235" cy="527174"/>
           </a:xfrm>
           <a:prstGeom prst="roundRect">
             <a:avLst>
@@ -3717,7 +3861,7 @@
         </p:nvSpPr>
         <p:spPr>
           <a:xfrm>
-            <a:off x="251520" y="1674536"/>
+            <a:off x="1484314" y="1680082"/>
             <a:ext cx="1388470" cy="527174"/>
           </a:xfrm>
           <a:prstGeom prst="roundRect">
@@ -3763,10 +3907,10 @@
       </p:sp>
       <p:sp>
         <p:nvSpPr>
-          <p:cNvPr id="78" name="사각형: 둥근 모서리 77">
-            <a:extLst>
-              <a:ext uri="{FF2B5EF4-FFF2-40B4-BE49-F238E27FC236}">
-                <a16:creationId xmlns:a16="http://schemas.microsoft.com/office/drawing/2014/main" id="{41F780A1-4221-434E-9956-206E5D26FE66}"/>
+          <p:cNvPr id="79" name="사각형: 둥근 모서리 78">
+            <a:extLst>
+              <a:ext uri="{FF2B5EF4-FFF2-40B4-BE49-F238E27FC236}">
+                <a16:creationId xmlns:a16="http://schemas.microsoft.com/office/drawing/2014/main" id="{0E950D99-0D50-4CA0-B60E-A8C4434F3AF4}"/>
               </a:ext>
             </a:extLst>
           </p:cNvPr>
@@ -3775,7 +3919,7 @@
         </p:nvSpPr>
         <p:spPr>
           <a:xfrm>
-            <a:off x="2454148" y="3570113"/>
+            <a:off x="4629740" y="3531889"/>
             <a:ext cx="1263236" cy="527174"/>
           </a:xfrm>
           <a:prstGeom prst="roundRect">
@@ -3822,10 +3966,10 @@
       </p:sp>
       <p:sp>
         <p:nvSpPr>
-          <p:cNvPr id="79" name="사각형: 둥근 모서리 78">
-            <a:extLst>
-              <a:ext uri="{FF2B5EF4-FFF2-40B4-BE49-F238E27FC236}">
-                <a16:creationId xmlns:a16="http://schemas.microsoft.com/office/drawing/2014/main" id="{0E950D99-0D50-4CA0-B60E-A8C4434F3AF4}"/>
+          <p:cNvPr id="82" name="사각형: 둥근 모서리 81">
+            <a:extLst>
+              <a:ext uri="{FF2B5EF4-FFF2-40B4-BE49-F238E27FC236}">
+                <a16:creationId xmlns:a16="http://schemas.microsoft.com/office/drawing/2014/main" id="{3B244165-2C32-416D-BC21-DDD0137C6A86}"/>
               </a:ext>
             </a:extLst>
           </p:cNvPr>
@@ -3834,7 +3978,7 @@
         </p:nvSpPr>
         <p:spPr>
           <a:xfrm>
-            <a:off x="4594159" y="3570113"/>
+            <a:off x="1545498" y="3523848"/>
             <a:ext cx="1263236" cy="527174"/>
           </a:xfrm>
           <a:prstGeom prst="roundRect">
@@ -3873,7 +4017,7 @@
             </a:r>
             <a:r>
               <a:rPr lang="en-US" altLang="ko-KR" sz="1200"/>
-              <a:t>Pushgateway</a:t>
+              <a:t>Exporter</a:t>
             </a:r>
             <a:endParaRPr lang="ko-KR" altLang="en-US" sz="1200"/>
           </a:p>
@@ -3881,10 +4025,10 @@
       </p:sp>
       <p:sp>
         <p:nvSpPr>
-          <p:cNvPr id="82" name="사각형: 둥근 모서리 81">
-            <a:extLst>
-              <a:ext uri="{FF2B5EF4-FFF2-40B4-BE49-F238E27FC236}">
-                <a16:creationId xmlns:a16="http://schemas.microsoft.com/office/drawing/2014/main" id="{3B244165-2C32-416D-BC21-DDD0137C6A86}"/>
+          <p:cNvPr id="99" name="사각형: 둥근 모서리 98">
+            <a:extLst>
+              <a:ext uri="{FF2B5EF4-FFF2-40B4-BE49-F238E27FC236}">
+                <a16:creationId xmlns:a16="http://schemas.microsoft.com/office/drawing/2014/main" id="{56C977BC-9A7B-4F40-8730-C993BA2A95B6}"/>
               </a:ext>
             </a:extLst>
           </p:cNvPr>
@@ -3893,7 +4037,7 @@
         </p:nvSpPr>
         <p:spPr>
           <a:xfrm>
-            <a:off x="314137" y="3570113"/>
+            <a:off x="6164091" y="3523848"/>
             <a:ext cx="1263236" cy="527174"/>
           </a:xfrm>
           <a:prstGeom prst="roundRect">
@@ -3924,15 +4068,7 @@
             <a:pPr algn="ctr"/>
             <a:r>
               <a:rPr lang="en-US" altLang="ko-KR" sz="1200"/>
-              <a:t>Prometheus</a:t>
-            </a:r>
-            <a:r>
-              <a:rPr lang="ko-KR" altLang="en-US" sz="1200"/>
-              <a:t> </a:t>
-            </a:r>
-            <a:r>
-              <a:rPr lang="en-US" altLang="ko-KR" sz="1200"/>
-              <a:t>Exporter</a:t>
+              <a:t>Batch Job</a:t>
             </a:r>
             <a:endParaRPr lang="ko-KR" altLang="en-US" sz="1200"/>
           </a:p>
@@ -3940,10 +4076,10 @@
       </p:sp>
       <p:sp>
         <p:nvSpPr>
-          <p:cNvPr id="99" name="사각형: 둥근 모서리 98">
-            <a:extLst>
-              <a:ext uri="{FF2B5EF4-FFF2-40B4-BE49-F238E27FC236}">
-                <a16:creationId xmlns:a16="http://schemas.microsoft.com/office/drawing/2014/main" id="{56C977BC-9A7B-4F40-8730-C993BA2A95B6}"/>
+          <p:cNvPr id="102" name="사각형: 둥근 모서리 101">
+            <a:extLst>
+              <a:ext uri="{FF2B5EF4-FFF2-40B4-BE49-F238E27FC236}">
+                <a16:creationId xmlns:a16="http://schemas.microsoft.com/office/drawing/2014/main" id="{EDD9E68A-6AF8-4CA6-8C37-5EB62DA23973}"/>
               </a:ext>
             </a:extLst>
           </p:cNvPr>
@@ -3952,15 +4088,18 @@
         </p:nvSpPr>
         <p:spPr>
           <a:xfrm>
-            <a:off x="2456718" y="4371950"/>
-            <a:ext cx="1263236" cy="527174"/>
+            <a:off x="2987824" y="2489572"/>
+            <a:ext cx="4441903" cy="730250"/>
           </a:xfrm>
           <a:prstGeom prst="roundRect">
             <a:avLst>
-              <a:gd name="adj" fmla="val 7693"/>
+              <a:gd name="adj" fmla="val 4959"/>
             </a:avLst>
           </a:prstGeom>
           <a:noFill/>
+          <a:ln>
+            <a:prstDash val="dash"/>
+          </a:ln>
         </p:spPr>
         <p:style>
           <a:lnRef idx="2">
@@ -3980,21 +4119,455 @@
           <a:bodyPr rtlCol="0" anchor="ctr"/>
           <a:lstStyle/>
           <a:p>
-            <a:pPr algn="ctr"/>
-            <a:r>
-              <a:rPr lang="en-US" altLang="ko-KR" sz="1200"/>
-              <a:t>Batch Job</a:t>
-            </a:r>
-            <a:endParaRPr lang="ko-KR" altLang="en-US" sz="1200"/>
-          </a:p>
-        </p:txBody>
-      </p:sp>
-      <p:sp>
-        <p:nvSpPr>
-          <p:cNvPr id="100" name="사각형: 둥근 모서리 99">
-            <a:extLst>
-              <a:ext uri="{FF2B5EF4-FFF2-40B4-BE49-F238E27FC236}">
-                <a16:creationId xmlns:a16="http://schemas.microsoft.com/office/drawing/2014/main" id="{26D4DCD2-3BA3-40D4-BF98-B2042E46D55A}"/>
+            <a:pPr algn="r"/>
+            <a:r>
+              <a:rPr lang="en-US" altLang="ko-KR" sz="1200" b="1"/>
+              <a:t>Prometheus </a:t>
+            </a:r>
+          </a:p>
+          <a:p>
+            <a:pPr algn="r"/>
+            <a:r>
+              <a:rPr lang="en-US" altLang="ko-KR" sz="1200" b="1"/>
+              <a:t>Servers</a:t>
+            </a:r>
+            <a:endParaRPr lang="ko-KR" altLang="en-US" sz="1200" b="1"/>
+          </a:p>
+        </p:txBody>
+      </p:sp>
+      <p:cxnSp>
+        <p:nvCxnSpPr>
+          <p:cNvPr id="105" name="직선 연결선 104">
+            <a:extLst>
+              <a:ext uri="{FF2B5EF4-FFF2-40B4-BE49-F238E27FC236}">
+                <a16:creationId xmlns:a16="http://schemas.microsoft.com/office/drawing/2014/main" id="{62F918FF-5470-4EDE-B762-7E156AF204BF}"/>
+              </a:ext>
+            </a:extLst>
+          </p:cNvPr>
+          <p:cNvCxnSpPr>
+            <a:cxnSpLocks/>
+            <a:stCxn id="99" idx="1"/>
+            <a:endCxn id="79" idx="3"/>
+          </p:cNvCxnSpPr>
+          <p:nvPr/>
+        </p:nvCxnSpPr>
+        <p:spPr>
+          <a:xfrm flipH="1">
+            <a:off x="5892976" y="3787435"/>
+            <a:ext cx="271115" cy="8041"/>
+          </a:xfrm>
+          <a:prstGeom prst="line">
+            <a:avLst/>
+          </a:prstGeom>
+          <a:ln w="19050">
+            <a:solidFill>
+              <a:srgbClr val="C00000"/>
+            </a:solidFill>
+            <a:headEnd type="none" w="med" len="med"/>
+            <a:tailEnd type="arrow" w="med" len="med"/>
+          </a:ln>
+        </p:spPr>
+        <p:style>
+          <a:lnRef idx="1">
+            <a:schemeClr val="accent1"/>
+          </a:lnRef>
+          <a:fillRef idx="0">
+            <a:schemeClr val="accent1"/>
+          </a:fillRef>
+          <a:effectRef idx="0">
+            <a:schemeClr val="accent1"/>
+          </a:effectRef>
+          <a:fontRef idx="minor">
+            <a:schemeClr val="tx1"/>
+          </a:fontRef>
+        </p:style>
+      </p:cxnSp>
+      <p:cxnSp>
+        <p:nvCxnSpPr>
+          <p:cNvPr id="108" name="직선 연결선 107">
+            <a:extLst>
+              <a:ext uri="{FF2B5EF4-FFF2-40B4-BE49-F238E27FC236}">
+                <a16:creationId xmlns:a16="http://schemas.microsoft.com/office/drawing/2014/main" id="{AD7FF1FF-A652-452A-B27D-1514A279B800}"/>
+              </a:ext>
+            </a:extLst>
+          </p:cNvPr>
+          <p:cNvCxnSpPr>
+            <a:cxnSpLocks/>
+            <a:stCxn id="50" idx="0"/>
+            <a:endCxn id="68" idx="2"/>
+          </p:cNvCxnSpPr>
+          <p:nvPr/>
+        </p:nvCxnSpPr>
+        <p:spPr>
+          <a:xfrm flipV="1">
+            <a:off x="3719237" y="3122786"/>
+            <a:ext cx="0" cy="394300"/>
+          </a:xfrm>
+          <a:prstGeom prst="line">
+            <a:avLst/>
+          </a:prstGeom>
+          <a:ln w="19050">
+            <a:solidFill>
+              <a:srgbClr val="C00000"/>
+            </a:solidFill>
+            <a:headEnd type="none" w="med" len="med"/>
+            <a:tailEnd type="arrow" w="med" len="med"/>
+          </a:ln>
+        </p:spPr>
+        <p:style>
+          <a:lnRef idx="1">
+            <a:schemeClr val="accent1"/>
+          </a:lnRef>
+          <a:fillRef idx="0">
+            <a:schemeClr val="accent1"/>
+          </a:fillRef>
+          <a:effectRef idx="0">
+            <a:schemeClr val="accent1"/>
+          </a:effectRef>
+          <a:fontRef idx="minor">
+            <a:schemeClr val="tx1"/>
+          </a:fontRef>
+        </p:style>
+      </p:cxnSp>
+      <p:cxnSp>
+        <p:nvCxnSpPr>
+          <p:cNvPr id="109" name="직선 연결선 108">
+            <a:extLst>
+              <a:ext uri="{FF2B5EF4-FFF2-40B4-BE49-F238E27FC236}">
+                <a16:creationId xmlns:a16="http://schemas.microsoft.com/office/drawing/2014/main" id="{B5F532B9-21C8-47CB-9A92-07EA65D14C45}"/>
+              </a:ext>
+            </a:extLst>
+          </p:cNvPr>
+          <p:cNvCxnSpPr>
+            <a:cxnSpLocks/>
+            <a:stCxn id="79" idx="0"/>
+            <a:endCxn id="68" idx="2"/>
+          </p:cNvCxnSpPr>
+          <p:nvPr/>
+        </p:nvCxnSpPr>
+        <p:spPr>
+          <a:xfrm flipH="1" flipV="1">
+            <a:off x="3719237" y="3122786"/>
+            <a:ext cx="1542121" cy="409103"/>
+          </a:xfrm>
+          <a:prstGeom prst="line">
+            <a:avLst/>
+          </a:prstGeom>
+          <a:ln w="19050">
+            <a:solidFill>
+              <a:srgbClr val="C00000"/>
+            </a:solidFill>
+            <a:headEnd type="none" w="med" len="med"/>
+            <a:tailEnd type="arrow" w="med" len="med"/>
+          </a:ln>
+        </p:spPr>
+        <p:style>
+          <a:lnRef idx="1">
+            <a:schemeClr val="accent1"/>
+          </a:lnRef>
+          <a:fillRef idx="0">
+            <a:schemeClr val="accent1"/>
+          </a:fillRef>
+          <a:effectRef idx="0">
+            <a:schemeClr val="accent1"/>
+          </a:effectRef>
+          <a:fontRef idx="minor">
+            <a:schemeClr val="tx1"/>
+          </a:fontRef>
+        </p:style>
+      </p:cxnSp>
+      <p:cxnSp>
+        <p:nvCxnSpPr>
+          <p:cNvPr id="110" name="직선 연결선 109">
+            <a:extLst>
+              <a:ext uri="{FF2B5EF4-FFF2-40B4-BE49-F238E27FC236}">
+                <a16:creationId xmlns:a16="http://schemas.microsoft.com/office/drawing/2014/main" id="{B9108377-56A3-4EFE-A80D-87ABD4832751}"/>
+              </a:ext>
+            </a:extLst>
+          </p:cNvPr>
+          <p:cNvCxnSpPr>
+            <a:cxnSpLocks/>
+            <a:stCxn id="82" idx="0"/>
+            <a:endCxn id="68" idx="2"/>
+          </p:cNvCxnSpPr>
+          <p:nvPr/>
+        </p:nvCxnSpPr>
+        <p:spPr>
+          <a:xfrm flipV="1">
+            <a:off x="2177116" y="3122786"/>
+            <a:ext cx="1542121" cy="401062"/>
+          </a:xfrm>
+          <a:prstGeom prst="line">
+            <a:avLst/>
+          </a:prstGeom>
+          <a:ln w="19050">
+            <a:solidFill>
+              <a:srgbClr val="C00000"/>
+            </a:solidFill>
+            <a:headEnd type="none" w="med" len="med"/>
+            <a:tailEnd type="arrow" w="med" len="med"/>
+          </a:ln>
+        </p:spPr>
+        <p:style>
+          <a:lnRef idx="1">
+            <a:schemeClr val="accent1"/>
+          </a:lnRef>
+          <a:fillRef idx="0">
+            <a:schemeClr val="accent1"/>
+          </a:fillRef>
+          <a:effectRef idx="0">
+            <a:schemeClr val="accent1"/>
+          </a:effectRef>
+          <a:fontRef idx="minor">
+            <a:schemeClr val="tx1"/>
+          </a:fontRef>
+        </p:style>
+      </p:cxnSp>
+      <p:cxnSp>
+        <p:nvCxnSpPr>
+          <p:cNvPr id="121" name="직선 연결선 120">
+            <a:extLst>
+              <a:ext uri="{FF2B5EF4-FFF2-40B4-BE49-F238E27FC236}">
+                <a16:creationId xmlns:a16="http://schemas.microsoft.com/office/drawing/2014/main" id="{25BBF46F-CDC9-42AC-A2DD-20F144A8D487}"/>
+              </a:ext>
+            </a:extLst>
+          </p:cNvPr>
+          <p:cNvCxnSpPr>
+            <a:cxnSpLocks/>
+            <a:stCxn id="50" idx="0"/>
+            <a:endCxn id="70" idx="2"/>
+          </p:cNvCxnSpPr>
+          <p:nvPr/>
+        </p:nvCxnSpPr>
+        <p:spPr>
+          <a:xfrm flipV="1">
+            <a:off x="3719237" y="3113534"/>
+            <a:ext cx="1955919" cy="403552"/>
+          </a:xfrm>
+          <a:prstGeom prst="line">
+            <a:avLst/>
+          </a:prstGeom>
+          <a:ln w="19050">
+            <a:solidFill>
+              <a:srgbClr val="C00000"/>
+            </a:solidFill>
+            <a:headEnd type="none" w="med" len="med"/>
+            <a:tailEnd type="arrow" w="med" len="med"/>
+          </a:ln>
+        </p:spPr>
+        <p:style>
+          <a:lnRef idx="1">
+            <a:schemeClr val="accent1"/>
+          </a:lnRef>
+          <a:fillRef idx="0">
+            <a:schemeClr val="accent1"/>
+          </a:fillRef>
+          <a:effectRef idx="0">
+            <a:schemeClr val="accent1"/>
+          </a:effectRef>
+          <a:fontRef idx="minor">
+            <a:schemeClr val="tx1"/>
+          </a:fontRef>
+        </p:style>
+      </p:cxnSp>
+      <p:cxnSp>
+        <p:nvCxnSpPr>
+          <p:cNvPr id="124" name="직선 연결선 123">
+            <a:extLst>
+              <a:ext uri="{FF2B5EF4-FFF2-40B4-BE49-F238E27FC236}">
+                <a16:creationId xmlns:a16="http://schemas.microsoft.com/office/drawing/2014/main" id="{9987D96C-F8E9-4F1E-896C-D12B6B66168F}"/>
+              </a:ext>
+            </a:extLst>
+          </p:cNvPr>
+          <p:cNvCxnSpPr>
+            <a:cxnSpLocks/>
+            <a:stCxn id="79" idx="0"/>
+            <a:endCxn id="70" idx="2"/>
+          </p:cNvCxnSpPr>
+          <p:nvPr/>
+        </p:nvCxnSpPr>
+        <p:spPr>
+          <a:xfrm flipV="1">
+            <a:off x="5261358" y="3113534"/>
+            <a:ext cx="413798" cy="418355"/>
+          </a:xfrm>
+          <a:prstGeom prst="line">
+            <a:avLst/>
+          </a:prstGeom>
+          <a:ln w="19050">
+            <a:solidFill>
+              <a:srgbClr val="C00000"/>
+            </a:solidFill>
+            <a:headEnd type="none" w="med" len="med"/>
+            <a:tailEnd type="arrow" w="med" len="med"/>
+          </a:ln>
+        </p:spPr>
+        <p:style>
+          <a:lnRef idx="1">
+            <a:schemeClr val="accent1"/>
+          </a:lnRef>
+          <a:fillRef idx="0">
+            <a:schemeClr val="accent1"/>
+          </a:fillRef>
+          <a:effectRef idx="0">
+            <a:schemeClr val="accent1"/>
+          </a:effectRef>
+          <a:fontRef idx="minor">
+            <a:schemeClr val="tx1"/>
+          </a:fontRef>
+        </p:style>
+      </p:cxnSp>
+      <p:cxnSp>
+        <p:nvCxnSpPr>
+          <p:cNvPr id="127" name="직선 연결선 126">
+            <a:extLst>
+              <a:ext uri="{FF2B5EF4-FFF2-40B4-BE49-F238E27FC236}">
+                <a16:creationId xmlns:a16="http://schemas.microsoft.com/office/drawing/2014/main" id="{AD9562CC-17A5-4A66-B51B-B7DC0D4DA9DE}"/>
+              </a:ext>
+            </a:extLst>
+          </p:cNvPr>
+          <p:cNvCxnSpPr>
+            <a:cxnSpLocks/>
+            <a:stCxn id="82" idx="0"/>
+            <a:endCxn id="70" idx="2"/>
+          </p:cNvCxnSpPr>
+          <p:nvPr/>
+        </p:nvCxnSpPr>
+        <p:spPr>
+          <a:xfrm flipV="1">
+            <a:off x="2177116" y="3113534"/>
+            <a:ext cx="3498040" cy="410314"/>
+          </a:xfrm>
+          <a:prstGeom prst="line">
+            <a:avLst/>
+          </a:prstGeom>
+          <a:ln w="19050">
+            <a:solidFill>
+              <a:srgbClr val="C00000"/>
+            </a:solidFill>
+            <a:headEnd type="none" w="med" len="med"/>
+            <a:tailEnd type="arrow" w="med" len="med"/>
+          </a:ln>
+        </p:spPr>
+        <p:style>
+          <a:lnRef idx="1">
+            <a:schemeClr val="accent1"/>
+          </a:lnRef>
+          <a:fillRef idx="0">
+            <a:schemeClr val="accent1"/>
+          </a:fillRef>
+          <a:effectRef idx="0">
+            <a:schemeClr val="accent1"/>
+          </a:effectRef>
+          <a:fontRef idx="minor">
+            <a:schemeClr val="tx1"/>
+          </a:fontRef>
+        </p:style>
+      </p:cxnSp>
+      <p:cxnSp>
+        <p:nvCxnSpPr>
+          <p:cNvPr id="136" name="직선 연결선 135">
+            <a:extLst>
+              <a:ext uri="{FF2B5EF4-FFF2-40B4-BE49-F238E27FC236}">
+                <a16:creationId xmlns:a16="http://schemas.microsoft.com/office/drawing/2014/main" id="{515A517A-B934-40C1-852C-56E576C57DC0}"/>
+              </a:ext>
+            </a:extLst>
+          </p:cNvPr>
+          <p:cNvCxnSpPr>
+            <a:cxnSpLocks/>
+            <a:stCxn id="68" idx="0"/>
+            <a:endCxn id="76" idx="2"/>
+          </p:cNvCxnSpPr>
+          <p:nvPr/>
+        </p:nvCxnSpPr>
+        <p:spPr>
+          <a:xfrm flipH="1" flipV="1">
+            <a:off x="2178549" y="2207256"/>
+            <a:ext cx="1540688" cy="388356"/>
+          </a:xfrm>
+          <a:prstGeom prst="line">
+            <a:avLst/>
+          </a:prstGeom>
+          <a:ln w="19050">
+            <a:solidFill>
+              <a:schemeClr val="accent3">
+                <a:lumMod val="75000"/>
+              </a:schemeClr>
+            </a:solidFill>
+            <a:headEnd type="arrow" w="med" len="med"/>
+            <a:tailEnd type="arrow" w="med" len="med"/>
+          </a:ln>
+        </p:spPr>
+        <p:style>
+          <a:lnRef idx="1">
+            <a:schemeClr val="accent1"/>
+          </a:lnRef>
+          <a:fillRef idx="0">
+            <a:schemeClr val="accent1"/>
+          </a:fillRef>
+          <a:effectRef idx="0">
+            <a:schemeClr val="accent1"/>
+          </a:effectRef>
+          <a:fontRef idx="minor">
+            <a:schemeClr val="tx1"/>
+          </a:fontRef>
+        </p:style>
+      </p:cxnSp>
+      <p:cxnSp>
+        <p:nvCxnSpPr>
+          <p:cNvPr id="139" name="직선 연결선 138">
+            <a:extLst>
+              <a:ext uri="{FF2B5EF4-FFF2-40B4-BE49-F238E27FC236}">
+                <a16:creationId xmlns:a16="http://schemas.microsoft.com/office/drawing/2014/main" id="{5B55F6C3-B5F5-477A-A779-9322B0B0CD8F}"/>
+              </a:ext>
+            </a:extLst>
+          </p:cNvPr>
+          <p:cNvCxnSpPr>
+            <a:cxnSpLocks/>
+            <a:stCxn id="70" idx="0"/>
+            <a:endCxn id="76" idx="2"/>
+          </p:cNvCxnSpPr>
+          <p:nvPr/>
+        </p:nvCxnSpPr>
+        <p:spPr>
+          <a:xfrm flipH="1" flipV="1">
+            <a:off x="2178549" y="2207256"/>
+            <a:ext cx="3496607" cy="379104"/>
+          </a:xfrm>
+          <a:prstGeom prst="line">
+            <a:avLst/>
+          </a:prstGeom>
+          <a:ln w="19050">
+            <a:solidFill>
+              <a:schemeClr val="accent3">
+                <a:lumMod val="75000"/>
+              </a:schemeClr>
+            </a:solidFill>
+            <a:headEnd type="arrow" w="med" len="med"/>
+            <a:tailEnd type="arrow" w="med" len="med"/>
+          </a:ln>
+        </p:spPr>
+        <p:style>
+          <a:lnRef idx="1">
+            <a:schemeClr val="accent1"/>
+          </a:lnRef>
+          <a:fillRef idx="0">
+            <a:schemeClr val="accent1"/>
+          </a:fillRef>
+          <a:effectRef idx="0">
+            <a:schemeClr val="accent1"/>
+          </a:effectRef>
+          <a:fontRef idx="minor">
+            <a:schemeClr val="tx1"/>
+          </a:fontRef>
+        </p:style>
+      </p:cxnSp>
+      <p:sp>
+        <p:nvSpPr>
+          <p:cNvPr id="150" name="사각형: 둥근 모서리 149">
+            <a:extLst>
+              <a:ext uri="{FF2B5EF4-FFF2-40B4-BE49-F238E27FC236}">
+                <a16:creationId xmlns:a16="http://schemas.microsoft.com/office/drawing/2014/main" id="{AB6C03F4-5A82-4A5A-8F2D-8676149A0C9B}"/>
               </a:ext>
             </a:extLst>
           </p:cNvPr>
@@ -4003,7 +4576,7 @@
         </p:nvSpPr>
         <p:spPr>
           <a:xfrm>
-            <a:off x="4594159" y="4371950"/>
+            <a:off x="1545498" y="858254"/>
             <a:ext cx="1263236" cy="527174"/>
           </a:xfrm>
           <a:prstGeom prst="roundRect">
@@ -4033,19 +4606,76 @@
           <a:p>
             <a:pPr algn="ctr"/>
             <a:r>
-              <a:rPr lang="en-US" altLang="ko-KR" sz="1200" b="1"/>
-              <a:t>Load Balancer</a:t>
-            </a:r>
-            <a:endParaRPr lang="ko-KR" altLang="en-US" sz="1200" b="1"/>
-          </a:p>
-        </p:txBody>
-      </p:sp>
-      <p:sp>
-        <p:nvSpPr>
-          <p:cNvPr id="102" name="사각형: 둥근 모서리 101">
-            <a:extLst>
-              <a:ext uri="{FF2B5EF4-FFF2-40B4-BE49-F238E27FC236}">
-                <a16:creationId xmlns:a16="http://schemas.microsoft.com/office/drawing/2014/main" id="{EDD9E68A-6AF8-4CA6-8C37-5EB62DA23973}"/>
+              <a:rPr lang="en-US" altLang="ko-KR" sz="1200"/>
+              <a:t>Prometheus</a:t>
+            </a:r>
+            <a:r>
+              <a:rPr lang="ko-KR" altLang="en-US" sz="1200"/>
+              <a:t> </a:t>
+            </a:r>
+            <a:r>
+              <a:rPr lang="en-US" altLang="ko-KR" sz="1200"/>
+              <a:t>Client</a:t>
+            </a:r>
+            <a:endParaRPr lang="ko-KR" altLang="en-US" sz="1200"/>
+          </a:p>
+        </p:txBody>
+      </p:sp>
+      <p:cxnSp>
+        <p:nvCxnSpPr>
+          <p:cNvPr id="151" name="직선 연결선 150">
+            <a:extLst>
+              <a:ext uri="{FF2B5EF4-FFF2-40B4-BE49-F238E27FC236}">
+                <a16:creationId xmlns:a16="http://schemas.microsoft.com/office/drawing/2014/main" id="{B1C8AD96-0C1B-4BD6-BAC0-E6398D68D74F}"/>
+              </a:ext>
+            </a:extLst>
+          </p:cNvPr>
+          <p:cNvCxnSpPr>
+            <a:cxnSpLocks/>
+            <a:stCxn id="76" idx="0"/>
+            <a:endCxn id="150" idx="2"/>
+          </p:cNvCxnSpPr>
+          <p:nvPr/>
+        </p:nvCxnSpPr>
+        <p:spPr>
+          <a:xfrm flipH="1" flipV="1">
+            <a:off x="2177116" y="1385428"/>
+            <a:ext cx="1433" cy="294654"/>
+          </a:xfrm>
+          <a:prstGeom prst="line">
+            <a:avLst/>
+          </a:prstGeom>
+          <a:ln w="19050">
+            <a:solidFill>
+              <a:schemeClr val="accent3">
+                <a:lumMod val="75000"/>
+              </a:schemeClr>
+            </a:solidFill>
+            <a:headEnd type="arrow" w="med" len="med"/>
+            <a:tailEnd type="arrow" w="med" len="med"/>
+          </a:ln>
+        </p:spPr>
+        <p:style>
+          <a:lnRef idx="1">
+            <a:schemeClr val="accent1"/>
+          </a:lnRef>
+          <a:fillRef idx="0">
+            <a:schemeClr val="accent1"/>
+          </a:fillRef>
+          <a:effectRef idx="0">
+            <a:schemeClr val="accent1"/>
+          </a:effectRef>
+          <a:fontRef idx="minor">
+            <a:schemeClr val="tx1"/>
+          </a:fontRef>
+        </p:style>
+      </p:cxnSp>
+      <p:sp>
+        <p:nvSpPr>
+          <p:cNvPr id="101" name="사각형: 둥근 모서리 100">
+            <a:extLst>
+              <a:ext uri="{FF2B5EF4-FFF2-40B4-BE49-F238E27FC236}">
+                <a16:creationId xmlns:a16="http://schemas.microsoft.com/office/drawing/2014/main" id="{F2946A33-0F8C-420B-9F70-F5E0E2392F9F}"/>
               </a:ext>
             </a:extLst>
           </p:cNvPr>
@@ -4054,18 +4684,15 @@
         </p:nvSpPr>
         <p:spPr>
           <a:xfrm>
-            <a:off x="1242438" y="2489572"/>
-            <a:ext cx="4614957" cy="730250"/>
+            <a:off x="3088614" y="1680532"/>
+            <a:ext cx="1263236" cy="527174"/>
           </a:xfrm>
           <a:prstGeom prst="roundRect">
             <a:avLst>
-              <a:gd name="adj" fmla="val 4089"/>
+              <a:gd name="adj" fmla="val 7693"/>
             </a:avLst>
           </a:prstGeom>
           <a:noFill/>
-          <a:ln>
-            <a:prstDash val="dash"/>
-          </a:ln>
         </p:spPr>
         <p:style>
           <a:lnRef idx="2">
@@ -4085,28 +4712,28 @@
           <a:bodyPr rtlCol="0" anchor="ctr"/>
           <a:lstStyle/>
           <a:p>
-            <a:pPr algn="r"/>
-            <a:r>
-              <a:rPr lang="en-US" altLang="ko-KR" sz="1200" b="1"/>
-              <a:t>Prometheus </a:t>
-            </a:r>
-          </a:p>
-          <a:p>
-            <a:pPr algn="r"/>
-            <a:r>
-              <a:rPr lang="en-US" altLang="ko-KR" sz="1200" b="1"/>
-              <a:t>Servers</a:t>
-            </a:r>
-            <a:endParaRPr lang="ko-KR" altLang="en-US" sz="1200" b="1"/>
-          </a:p>
-        </p:txBody>
-      </p:sp>
-      <p:sp>
-        <p:nvSpPr>
-          <p:cNvPr id="103" name="사각형: 둥근 모서리 102">
-            <a:extLst>
-              <a:ext uri="{FF2B5EF4-FFF2-40B4-BE49-F238E27FC236}">
-                <a16:creationId xmlns:a16="http://schemas.microsoft.com/office/drawing/2014/main" id="{20684741-02EE-42B6-97F5-09BCD4C5E0C3}"/>
+            <a:pPr algn="ctr"/>
+            <a:r>
+              <a:rPr lang="en-US" altLang="ko-KR" sz="1200"/>
+              <a:t>Prometheus</a:t>
+            </a:r>
+          </a:p>
+          <a:p>
+            <a:pPr algn="ctr"/>
+            <a:r>
+              <a:rPr lang="en-US" altLang="ko-KR" sz="1200"/>
+              <a:t>Alertmanager</a:t>
+            </a:r>
+            <a:endParaRPr lang="ko-KR" altLang="en-US" sz="1200"/>
+          </a:p>
+        </p:txBody>
+      </p:sp>
+      <p:sp>
+        <p:nvSpPr>
+          <p:cNvPr id="155" name="사각형: 둥근 모서리 154">
+            <a:extLst>
+              <a:ext uri="{FF2B5EF4-FFF2-40B4-BE49-F238E27FC236}">
+                <a16:creationId xmlns:a16="http://schemas.microsoft.com/office/drawing/2014/main" id="{9DCB89F4-FC7A-4BC1-A028-D24DEBE4CCB3}"/>
               </a:ext>
             </a:extLst>
           </p:cNvPr>
@@ -4115,18 +4742,15 @@
         </p:nvSpPr>
         <p:spPr>
           <a:xfrm>
-            <a:off x="2360039" y="3475198"/>
-            <a:ext cx="4683385" cy="717550"/>
+            <a:off x="5046522" y="1679633"/>
+            <a:ext cx="1263236" cy="527174"/>
           </a:xfrm>
           <a:prstGeom prst="roundRect">
             <a:avLst>
-              <a:gd name="adj" fmla="val 4089"/>
+              <a:gd name="adj" fmla="val 7693"/>
             </a:avLst>
           </a:prstGeom>
           <a:noFill/>
-          <a:ln>
-            <a:prstDash val="dash"/>
-          </a:ln>
         </p:spPr>
         <p:style>
           <a:lnRef idx="2">
@@ -4146,6 +4770,114 @@
           <a:bodyPr rtlCol="0" anchor="ctr"/>
           <a:lstStyle/>
           <a:p>
+            <a:pPr algn="ctr"/>
+            <a:r>
+              <a:rPr lang="en-US" altLang="ko-KR" sz="1200"/>
+              <a:t>Prometheus</a:t>
+            </a:r>
+          </a:p>
+          <a:p>
+            <a:pPr algn="ctr"/>
+            <a:r>
+              <a:rPr lang="en-US" altLang="ko-KR" sz="1200"/>
+              <a:t>Alertmanager</a:t>
+            </a:r>
+            <a:endParaRPr lang="ko-KR" altLang="en-US" sz="1200"/>
+          </a:p>
+        </p:txBody>
+      </p:sp>
+      <p:cxnSp>
+        <p:nvCxnSpPr>
+          <p:cNvPr id="164" name="직선 연결선 163">
+            <a:extLst>
+              <a:ext uri="{FF2B5EF4-FFF2-40B4-BE49-F238E27FC236}">
+                <a16:creationId xmlns:a16="http://schemas.microsoft.com/office/drawing/2014/main" id="{EC683CB3-440A-4CF1-8F1A-467F44DBC03E}"/>
+              </a:ext>
+            </a:extLst>
+          </p:cNvPr>
+          <p:cNvCxnSpPr>
+            <a:cxnSpLocks/>
+            <a:stCxn id="101" idx="3"/>
+            <a:endCxn id="155" idx="1"/>
+          </p:cNvCxnSpPr>
+          <p:nvPr/>
+        </p:nvCxnSpPr>
+        <p:spPr>
+          <a:xfrm flipV="1">
+            <a:off x="4351850" y="1943220"/>
+            <a:ext cx="694672" cy="899"/>
+          </a:xfrm>
+          <a:prstGeom prst="line">
+            <a:avLst/>
+          </a:prstGeom>
+          <a:ln w="19050">
+            <a:solidFill>
+              <a:schemeClr val="tx1"/>
+            </a:solidFill>
+            <a:headEnd type="arrow" w="med" len="med"/>
+            <a:tailEnd type="arrow" w="med" len="med"/>
+          </a:ln>
+        </p:spPr>
+        <p:style>
+          <a:lnRef idx="1">
+            <a:schemeClr val="accent1"/>
+          </a:lnRef>
+          <a:fillRef idx="0">
+            <a:schemeClr val="accent1"/>
+          </a:fillRef>
+          <a:effectRef idx="0">
+            <a:schemeClr val="accent1"/>
+          </a:effectRef>
+          <a:fontRef idx="minor">
+            <a:schemeClr val="tx1"/>
+          </a:fontRef>
+        </p:style>
+      </p:cxnSp>
+      <p:sp>
+        <p:nvSpPr>
+          <p:cNvPr id="167" name="사각형: 둥근 모서리 166">
+            <a:extLst>
+              <a:ext uri="{FF2B5EF4-FFF2-40B4-BE49-F238E27FC236}">
+                <a16:creationId xmlns:a16="http://schemas.microsoft.com/office/drawing/2014/main" id="{FC26E226-EEB0-4B1D-A342-D7C6C7F446CF}"/>
+              </a:ext>
+            </a:extLst>
+          </p:cNvPr>
+          <p:cNvSpPr/>
+          <p:nvPr/>
+        </p:nvSpPr>
+        <p:spPr>
+          <a:xfrm>
+            <a:off x="2987917" y="1585070"/>
+            <a:ext cx="4441903" cy="719587"/>
+          </a:xfrm>
+          <a:prstGeom prst="roundRect">
+            <a:avLst>
+              <a:gd name="adj" fmla="val 9384"/>
+            </a:avLst>
+          </a:prstGeom>
+          <a:noFill/>
+          <a:ln>
+            <a:prstDash val="dash"/>
+          </a:ln>
+        </p:spPr>
+        <p:style>
+          <a:lnRef idx="2">
+            <a:schemeClr val="dk1"/>
+          </a:lnRef>
+          <a:fillRef idx="1">
+            <a:schemeClr val="lt1"/>
+          </a:fillRef>
+          <a:effectRef idx="0">
+            <a:schemeClr val="dk1"/>
+          </a:effectRef>
+          <a:fontRef idx="minor">
+            <a:schemeClr val="dk1"/>
+          </a:fontRef>
+        </p:style>
+        <p:txBody>
+          <a:bodyPr rtlCol="0" anchor="t"/>
+          <a:lstStyle/>
+          <a:p>
             <a:pPr algn="r"/>
             <a:r>
               <a:rPr lang="en-US" altLang="ko-KR" sz="1200" b="1"/>
@@ -4156,7 +4888,1353 @@
             <a:pPr algn="r"/>
             <a:r>
               <a:rPr lang="en-US" altLang="ko-KR" sz="1200" b="1"/>
-              <a:t>Pushgateways</a:t>
+              <a:t>Alermanager</a:t>
+            </a:r>
+          </a:p>
+          <a:p>
+            <a:pPr algn="r"/>
+            <a:r>
+              <a:rPr lang="en-US" altLang="ko-KR" sz="1200" b="1"/>
+              <a:t>Cluster</a:t>
+            </a:r>
+            <a:endParaRPr lang="ko-KR" altLang="en-US" sz="1200" b="1"/>
+          </a:p>
+        </p:txBody>
+      </p:sp>
+      <p:cxnSp>
+        <p:nvCxnSpPr>
+          <p:cNvPr id="200" name="직선 연결선 199">
+            <a:extLst>
+              <a:ext uri="{FF2B5EF4-FFF2-40B4-BE49-F238E27FC236}">
+                <a16:creationId xmlns:a16="http://schemas.microsoft.com/office/drawing/2014/main" id="{3840CD60-4551-4CAE-827A-F561D7C3F9B1}"/>
+              </a:ext>
+            </a:extLst>
+          </p:cNvPr>
+          <p:cNvCxnSpPr>
+            <a:cxnSpLocks/>
+            <a:stCxn id="68" idx="0"/>
+            <a:endCxn id="101" idx="2"/>
+          </p:cNvCxnSpPr>
+          <p:nvPr/>
+        </p:nvCxnSpPr>
+        <p:spPr>
+          <a:xfrm flipV="1">
+            <a:off x="3719237" y="2207706"/>
+            <a:ext cx="995" cy="387906"/>
+          </a:xfrm>
+          <a:prstGeom prst="line">
+            <a:avLst/>
+          </a:prstGeom>
+          <a:ln w="19050">
+            <a:solidFill>
+              <a:schemeClr val="tx2"/>
+            </a:solidFill>
+            <a:headEnd type="none" w="med" len="med"/>
+            <a:tailEnd type="arrow" w="med" len="med"/>
+          </a:ln>
+        </p:spPr>
+        <p:style>
+          <a:lnRef idx="1">
+            <a:schemeClr val="accent1"/>
+          </a:lnRef>
+          <a:fillRef idx="0">
+            <a:schemeClr val="accent1"/>
+          </a:fillRef>
+          <a:effectRef idx="0">
+            <a:schemeClr val="accent1"/>
+          </a:effectRef>
+          <a:fontRef idx="minor">
+            <a:schemeClr val="tx1"/>
+          </a:fontRef>
+        </p:style>
+      </p:cxnSp>
+      <p:cxnSp>
+        <p:nvCxnSpPr>
+          <p:cNvPr id="69" name="직선 연결선 68">
+            <a:extLst>
+              <a:ext uri="{FF2B5EF4-FFF2-40B4-BE49-F238E27FC236}">
+                <a16:creationId xmlns:a16="http://schemas.microsoft.com/office/drawing/2014/main" id="{5A4A2301-4656-4603-8040-73B427F9F9CA}"/>
+              </a:ext>
+            </a:extLst>
+          </p:cNvPr>
+          <p:cNvCxnSpPr>
+            <a:cxnSpLocks/>
+            <a:stCxn id="70" idx="0"/>
+            <a:endCxn id="155" idx="2"/>
+          </p:cNvCxnSpPr>
+          <p:nvPr/>
+        </p:nvCxnSpPr>
+        <p:spPr>
+          <a:xfrm flipV="1">
+            <a:off x="5675156" y="2206807"/>
+            <a:ext cx="2984" cy="379553"/>
+          </a:xfrm>
+          <a:prstGeom prst="line">
+            <a:avLst/>
+          </a:prstGeom>
+          <a:ln w="19050">
+            <a:solidFill>
+              <a:schemeClr val="tx2"/>
+            </a:solidFill>
+            <a:headEnd type="none" w="med" len="med"/>
+            <a:tailEnd type="arrow" w="med" len="med"/>
+          </a:ln>
+        </p:spPr>
+        <p:style>
+          <a:lnRef idx="1">
+            <a:schemeClr val="accent1"/>
+          </a:lnRef>
+          <a:fillRef idx="0">
+            <a:schemeClr val="accent1"/>
+          </a:fillRef>
+          <a:effectRef idx="0">
+            <a:schemeClr val="accent1"/>
+          </a:effectRef>
+          <a:fontRef idx="minor">
+            <a:schemeClr val="tx1"/>
+          </a:fontRef>
+        </p:style>
+      </p:cxnSp>
+      <p:cxnSp>
+        <p:nvCxnSpPr>
+          <p:cNvPr id="71" name="직선 연결선 70">
+            <a:extLst>
+              <a:ext uri="{FF2B5EF4-FFF2-40B4-BE49-F238E27FC236}">
+                <a16:creationId xmlns:a16="http://schemas.microsoft.com/office/drawing/2014/main" id="{D9BDD1C0-6890-43C4-8EA9-B4D79FCA5E17}"/>
+              </a:ext>
+            </a:extLst>
+          </p:cNvPr>
+          <p:cNvCxnSpPr>
+            <a:cxnSpLocks/>
+            <a:stCxn id="70" idx="0"/>
+            <a:endCxn id="101" idx="2"/>
+          </p:cNvCxnSpPr>
+          <p:nvPr/>
+        </p:nvCxnSpPr>
+        <p:spPr>
+          <a:xfrm flipH="1" flipV="1">
+            <a:off x="3720232" y="2207706"/>
+            <a:ext cx="1954924" cy="378654"/>
+          </a:xfrm>
+          <a:prstGeom prst="line">
+            <a:avLst/>
+          </a:prstGeom>
+          <a:ln w="19050">
+            <a:solidFill>
+              <a:schemeClr val="tx2"/>
+            </a:solidFill>
+            <a:headEnd type="none" w="med" len="med"/>
+            <a:tailEnd type="arrow" w="med" len="med"/>
+          </a:ln>
+        </p:spPr>
+        <p:style>
+          <a:lnRef idx="1">
+            <a:schemeClr val="accent1"/>
+          </a:lnRef>
+          <a:fillRef idx="0">
+            <a:schemeClr val="accent1"/>
+          </a:fillRef>
+          <a:effectRef idx="0">
+            <a:schemeClr val="accent1"/>
+          </a:effectRef>
+          <a:fontRef idx="minor">
+            <a:schemeClr val="tx1"/>
+          </a:fontRef>
+        </p:style>
+      </p:cxnSp>
+      <p:sp>
+        <p:nvSpPr>
+          <p:cNvPr id="74" name="사각형: 둥근 모서리 73">
+            <a:extLst>
+              <a:ext uri="{FF2B5EF4-FFF2-40B4-BE49-F238E27FC236}">
+                <a16:creationId xmlns:a16="http://schemas.microsoft.com/office/drawing/2014/main" id="{2BF776DC-7C24-4EE0-AB95-2F3D82079C82}"/>
+              </a:ext>
+            </a:extLst>
+          </p:cNvPr>
+          <p:cNvSpPr/>
+          <p:nvPr/>
+        </p:nvSpPr>
+        <p:spPr>
+          <a:xfrm>
+            <a:off x="5048964" y="859515"/>
+            <a:ext cx="1263235" cy="527174"/>
+          </a:xfrm>
+          <a:prstGeom prst="roundRect">
+            <a:avLst>
+              <a:gd name="adj" fmla="val 7693"/>
+            </a:avLst>
+          </a:prstGeom>
+          <a:noFill/>
+        </p:spPr>
+        <p:style>
+          <a:lnRef idx="2">
+            <a:schemeClr val="dk1"/>
+          </a:lnRef>
+          <a:fillRef idx="1">
+            <a:schemeClr val="lt1"/>
+          </a:fillRef>
+          <a:effectRef idx="0">
+            <a:schemeClr val="dk1"/>
+          </a:effectRef>
+          <a:fontRef idx="minor">
+            <a:schemeClr val="dk1"/>
+          </a:fontRef>
+        </p:style>
+        <p:txBody>
+          <a:bodyPr rtlCol="0" anchor="ctr"/>
+          <a:lstStyle/>
+          <a:p>
+            <a:pPr algn="ctr"/>
+            <a:r>
+              <a:rPr lang="en-US" altLang="ko-KR" sz="1200"/>
+              <a:t>Alert</a:t>
+            </a:r>
+          </a:p>
+          <a:p>
+            <a:pPr algn="ctr"/>
+            <a:r>
+              <a:rPr lang="en-US" altLang="ko-KR" sz="1200"/>
+              <a:t>Destination</a:t>
+            </a:r>
+            <a:endParaRPr lang="ko-KR" altLang="en-US" sz="1200"/>
+          </a:p>
+        </p:txBody>
+      </p:sp>
+      <p:cxnSp>
+        <p:nvCxnSpPr>
+          <p:cNvPr id="75" name="직선 연결선 74">
+            <a:extLst>
+              <a:ext uri="{FF2B5EF4-FFF2-40B4-BE49-F238E27FC236}">
+                <a16:creationId xmlns:a16="http://schemas.microsoft.com/office/drawing/2014/main" id="{9CE1D8F8-E3D3-413D-B103-A921E47F6897}"/>
+              </a:ext>
+            </a:extLst>
+          </p:cNvPr>
+          <p:cNvCxnSpPr>
+            <a:cxnSpLocks/>
+            <a:stCxn id="101" idx="0"/>
+            <a:endCxn id="74" idx="2"/>
+          </p:cNvCxnSpPr>
+          <p:nvPr/>
+        </p:nvCxnSpPr>
+        <p:spPr>
+          <a:xfrm flipV="1">
+            <a:off x="3720232" y="1386689"/>
+            <a:ext cx="1960350" cy="293843"/>
+          </a:xfrm>
+          <a:prstGeom prst="line">
+            <a:avLst/>
+          </a:prstGeom>
+          <a:ln w="19050">
+            <a:solidFill>
+              <a:schemeClr val="tx2"/>
+            </a:solidFill>
+            <a:headEnd type="none" w="med" len="med"/>
+            <a:tailEnd type="arrow" w="med" len="med"/>
+          </a:ln>
+        </p:spPr>
+        <p:style>
+          <a:lnRef idx="1">
+            <a:schemeClr val="accent1"/>
+          </a:lnRef>
+          <a:fillRef idx="0">
+            <a:schemeClr val="accent1"/>
+          </a:fillRef>
+          <a:effectRef idx="0">
+            <a:schemeClr val="accent1"/>
+          </a:effectRef>
+          <a:fontRef idx="minor">
+            <a:schemeClr val="tx1"/>
+          </a:fontRef>
+        </p:style>
+      </p:cxnSp>
+      <p:cxnSp>
+        <p:nvCxnSpPr>
+          <p:cNvPr id="80" name="직선 연결선 79">
+            <a:extLst>
+              <a:ext uri="{FF2B5EF4-FFF2-40B4-BE49-F238E27FC236}">
+                <a16:creationId xmlns:a16="http://schemas.microsoft.com/office/drawing/2014/main" id="{C8A43A93-3014-4DD5-896C-BBE56D835828}"/>
+              </a:ext>
+            </a:extLst>
+          </p:cNvPr>
+          <p:cNvCxnSpPr>
+            <a:cxnSpLocks/>
+            <a:stCxn id="155" idx="0"/>
+            <a:endCxn id="74" idx="2"/>
+          </p:cNvCxnSpPr>
+          <p:nvPr/>
+        </p:nvCxnSpPr>
+        <p:spPr>
+          <a:xfrm flipV="1">
+            <a:off x="5678140" y="1386689"/>
+            <a:ext cx="2442" cy="292944"/>
+          </a:xfrm>
+          <a:prstGeom prst="line">
+            <a:avLst/>
+          </a:prstGeom>
+          <a:ln w="19050">
+            <a:solidFill>
+              <a:schemeClr val="tx2"/>
+            </a:solidFill>
+            <a:headEnd type="none" w="med" len="med"/>
+            <a:tailEnd type="arrow" w="med" len="med"/>
+          </a:ln>
+        </p:spPr>
+        <p:style>
+          <a:lnRef idx="1">
+            <a:schemeClr val="accent1"/>
+          </a:lnRef>
+          <a:fillRef idx="0">
+            <a:schemeClr val="accent1"/>
+          </a:fillRef>
+          <a:effectRef idx="0">
+            <a:schemeClr val="accent1"/>
+          </a:effectRef>
+          <a:fontRef idx="minor">
+            <a:schemeClr val="tx1"/>
+          </a:fontRef>
+        </p:style>
+      </p:cxnSp>
+      <p:cxnSp>
+        <p:nvCxnSpPr>
+          <p:cNvPr id="84" name="직선 연결선 83">
+            <a:extLst>
+              <a:ext uri="{FF2B5EF4-FFF2-40B4-BE49-F238E27FC236}">
+                <a16:creationId xmlns:a16="http://schemas.microsoft.com/office/drawing/2014/main" id="{49461D93-7130-495B-995E-7C44523DD167}"/>
+              </a:ext>
+            </a:extLst>
+          </p:cNvPr>
+          <p:cNvCxnSpPr>
+            <a:cxnSpLocks/>
+            <a:stCxn id="68" idx="0"/>
+            <a:endCxn id="155" idx="2"/>
+          </p:cNvCxnSpPr>
+          <p:nvPr/>
+        </p:nvCxnSpPr>
+        <p:spPr>
+          <a:xfrm flipV="1">
+            <a:off x="3719237" y="2206807"/>
+            <a:ext cx="1958903" cy="388805"/>
+          </a:xfrm>
+          <a:prstGeom prst="line">
+            <a:avLst/>
+          </a:prstGeom>
+          <a:ln w="19050">
+            <a:solidFill>
+              <a:schemeClr val="tx2"/>
+            </a:solidFill>
+            <a:headEnd type="none" w="med" len="med"/>
+            <a:tailEnd type="arrow" w="med" len="med"/>
+          </a:ln>
+        </p:spPr>
+        <p:style>
+          <a:lnRef idx="1">
+            <a:schemeClr val="accent1"/>
+          </a:lnRef>
+          <a:fillRef idx="0">
+            <a:schemeClr val="accent1"/>
+          </a:fillRef>
+          <a:effectRef idx="0">
+            <a:schemeClr val="accent1"/>
+          </a:effectRef>
+          <a:fontRef idx="minor">
+            <a:schemeClr val="tx1"/>
+          </a:fontRef>
+        </p:style>
+      </p:cxnSp>
+      <p:grpSp>
+        <p:nvGrpSpPr>
+          <p:cNvPr id="87" name="그룹 86">
+            <a:extLst>
+              <a:ext uri="{FF2B5EF4-FFF2-40B4-BE49-F238E27FC236}">
+                <a16:creationId xmlns:a16="http://schemas.microsoft.com/office/drawing/2014/main" id="{86955D70-FCB4-4292-BEA3-461839923958}"/>
+              </a:ext>
+            </a:extLst>
+          </p:cNvPr>
+          <p:cNvGrpSpPr/>
+          <p:nvPr/>
+        </p:nvGrpSpPr>
+        <p:grpSpPr>
+          <a:xfrm>
+            <a:off x="2543410" y="4063732"/>
+            <a:ext cx="4044814" cy="261610"/>
+            <a:chOff x="2555776" y="4515966"/>
+            <a:chExt cx="4044814" cy="261610"/>
+          </a:xfrm>
+        </p:grpSpPr>
+        <p:cxnSp>
+          <p:nvCxnSpPr>
+            <p:cNvPr id="88" name="직선 연결선 87">
+              <a:extLst>
+                <a:ext uri="{FF2B5EF4-FFF2-40B4-BE49-F238E27FC236}">
+                  <a16:creationId xmlns:a16="http://schemas.microsoft.com/office/drawing/2014/main" id="{5F62C869-3A7B-4063-866E-83DDEABA0B0D}"/>
+                </a:ext>
+              </a:extLst>
+            </p:cNvPr>
+            <p:cNvCxnSpPr>
+              <a:cxnSpLocks/>
+              <a:stCxn id="89" idx="1"/>
+            </p:cNvCxnSpPr>
+            <p:nvPr/>
+          </p:nvCxnSpPr>
+          <p:spPr>
+            <a:xfrm flipH="1">
+              <a:off x="2555776" y="4646771"/>
+              <a:ext cx="288032" cy="0"/>
+            </a:xfrm>
+            <a:prstGeom prst="line">
+              <a:avLst/>
+            </a:prstGeom>
+            <a:ln w="19050">
+              <a:solidFill>
+                <a:srgbClr val="C00000"/>
+              </a:solidFill>
+              <a:headEnd type="arrow" w="med" len="med"/>
+              <a:tailEnd type="none" w="med" len="med"/>
+            </a:ln>
+          </p:spPr>
+          <p:style>
+            <a:lnRef idx="1">
+              <a:schemeClr val="accent1"/>
+            </a:lnRef>
+            <a:fillRef idx="0">
+              <a:schemeClr val="accent1"/>
+            </a:fillRef>
+            <a:effectRef idx="0">
+              <a:schemeClr val="accent1"/>
+            </a:effectRef>
+            <a:fontRef idx="minor">
+              <a:schemeClr val="tx1"/>
+            </a:fontRef>
+          </p:style>
+        </p:cxnSp>
+        <p:sp>
+          <p:nvSpPr>
+            <p:cNvPr id="89" name="TextBox 88">
+              <a:extLst>
+                <a:ext uri="{FF2B5EF4-FFF2-40B4-BE49-F238E27FC236}">
+                  <a16:creationId xmlns:a16="http://schemas.microsoft.com/office/drawing/2014/main" id="{E2FC01EC-E8C4-4A32-9D27-6CFFF9A8127D}"/>
+                </a:ext>
+              </a:extLst>
+            </p:cNvPr>
+            <p:cNvSpPr txBox="1"/>
+            <p:nvPr/>
+          </p:nvSpPr>
+          <p:spPr>
+            <a:xfrm>
+              <a:off x="2843808" y="4515966"/>
+              <a:ext cx="697828" cy="261610"/>
+            </a:xfrm>
+            <a:prstGeom prst="rect">
+              <a:avLst/>
+            </a:prstGeom>
+            <a:noFill/>
+          </p:spPr>
+          <p:txBody>
+            <a:bodyPr wrap="square" rtlCol="0" anchor="ctr">
+              <a:spAutoFit/>
+            </a:bodyPr>
+            <a:lstStyle/>
+            <a:p>
+              <a:pPr algn="ctr"/>
+              <a:r>
+                <a:rPr lang="en-US" altLang="ko-KR" sz="1100"/>
+                <a:t>Metric</a:t>
+              </a:r>
+            </a:p>
+          </p:txBody>
+        </p:sp>
+        <p:cxnSp>
+          <p:nvCxnSpPr>
+            <p:cNvPr id="90" name="직선 연결선 89">
+              <a:extLst>
+                <a:ext uri="{FF2B5EF4-FFF2-40B4-BE49-F238E27FC236}">
+                  <a16:creationId xmlns:a16="http://schemas.microsoft.com/office/drawing/2014/main" id="{964F6123-6149-4F7A-9516-A8C9DB3709B9}"/>
+                </a:ext>
+              </a:extLst>
+            </p:cNvPr>
+            <p:cNvCxnSpPr>
+              <a:cxnSpLocks/>
+              <a:stCxn id="91" idx="1"/>
+            </p:cNvCxnSpPr>
+            <p:nvPr/>
+          </p:nvCxnSpPr>
+          <p:spPr>
+            <a:xfrm flipH="1">
+              <a:off x="3669014" y="4646771"/>
+              <a:ext cx="288032" cy="0"/>
+            </a:xfrm>
+            <a:prstGeom prst="line">
+              <a:avLst/>
+            </a:prstGeom>
+            <a:ln w="19050">
+              <a:solidFill>
+                <a:schemeClr val="tx2"/>
+              </a:solidFill>
+              <a:headEnd type="arrow" w="med" len="med"/>
+              <a:tailEnd type="none" w="med" len="med"/>
+            </a:ln>
+          </p:spPr>
+          <p:style>
+            <a:lnRef idx="1">
+              <a:schemeClr val="accent1"/>
+            </a:lnRef>
+            <a:fillRef idx="0">
+              <a:schemeClr val="accent1"/>
+            </a:fillRef>
+            <a:effectRef idx="0">
+              <a:schemeClr val="accent1"/>
+            </a:effectRef>
+            <a:fontRef idx="minor">
+              <a:schemeClr val="tx1"/>
+            </a:fontRef>
+          </p:style>
+        </p:cxnSp>
+        <p:sp>
+          <p:nvSpPr>
+            <p:cNvPr id="91" name="TextBox 90">
+              <a:extLst>
+                <a:ext uri="{FF2B5EF4-FFF2-40B4-BE49-F238E27FC236}">
+                  <a16:creationId xmlns:a16="http://schemas.microsoft.com/office/drawing/2014/main" id="{A6E5BC50-119B-411E-95B1-1383DBCC0687}"/>
+                </a:ext>
+              </a:extLst>
+            </p:cNvPr>
+            <p:cNvSpPr txBox="1"/>
+            <p:nvPr/>
+          </p:nvSpPr>
+          <p:spPr>
+            <a:xfrm>
+              <a:off x="3957046" y="4515966"/>
+              <a:ext cx="614954" cy="261610"/>
+            </a:xfrm>
+            <a:prstGeom prst="rect">
+              <a:avLst/>
+            </a:prstGeom>
+            <a:noFill/>
+          </p:spPr>
+          <p:txBody>
+            <a:bodyPr wrap="square" rtlCol="0" anchor="ctr">
+              <a:spAutoFit/>
+            </a:bodyPr>
+            <a:lstStyle/>
+            <a:p>
+              <a:pPr algn="ctr"/>
+              <a:r>
+                <a:rPr lang="en-US" altLang="ko-KR" sz="1100"/>
+                <a:t>Alert</a:t>
+              </a:r>
+            </a:p>
+          </p:txBody>
+        </p:sp>
+        <p:cxnSp>
+          <p:nvCxnSpPr>
+            <p:cNvPr id="92" name="직선 연결선 91">
+              <a:extLst>
+                <a:ext uri="{FF2B5EF4-FFF2-40B4-BE49-F238E27FC236}">
+                  <a16:creationId xmlns:a16="http://schemas.microsoft.com/office/drawing/2014/main" id="{8FF844AC-1367-436E-936B-EC34B238FD98}"/>
+                </a:ext>
+              </a:extLst>
+            </p:cNvPr>
+            <p:cNvCxnSpPr>
+              <a:cxnSpLocks/>
+              <a:stCxn id="93" idx="1"/>
+            </p:cNvCxnSpPr>
+            <p:nvPr/>
+          </p:nvCxnSpPr>
+          <p:spPr>
+            <a:xfrm flipH="1">
+              <a:off x="4673149" y="4646771"/>
+              <a:ext cx="288030" cy="1"/>
+            </a:xfrm>
+            <a:prstGeom prst="line">
+              <a:avLst/>
+            </a:prstGeom>
+            <a:ln w="19050">
+              <a:solidFill>
+                <a:schemeClr val="accent3">
+                  <a:lumMod val="75000"/>
+                </a:schemeClr>
+              </a:solidFill>
+              <a:headEnd type="arrow" w="med" len="med"/>
+              <a:tailEnd type="none" w="med" len="med"/>
+            </a:ln>
+          </p:spPr>
+          <p:style>
+            <a:lnRef idx="1">
+              <a:schemeClr val="accent1"/>
+            </a:lnRef>
+            <a:fillRef idx="0">
+              <a:schemeClr val="accent1"/>
+            </a:fillRef>
+            <a:effectRef idx="0">
+              <a:schemeClr val="accent1"/>
+            </a:effectRef>
+            <a:fontRef idx="minor">
+              <a:schemeClr val="tx1"/>
+            </a:fontRef>
+          </p:style>
+        </p:cxnSp>
+        <p:sp>
+          <p:nvSpPr>
+            <p:cNvPr id="93" name="TextBox 92">
+              <a:extLst>
+                <a:ext uri="{FF2B5EF4-FFF2-40B4-BE49-F238E27FC236}">
+                  <a16:creationId xmlns:a16="http://schemas.microsoft.com/office/drawing/2014/main" id="{72443D8B-4468-44EA-8F61-E0C2D9F27686}"/>
+                </a:ext>
+              </a:extLst>
+            </p:cNvPr>
+            <p:cNvSpPr txBox="1"/>
+            <p:nvPr/>
+          </p:nvSpPr>
+          <p:spPr>
+            <a:xfrm>
+              <a:off x="4961179" y="4515966"/>
+              <a:ext cx="1639411" cy="261610"/>
+            </a:xfrm>
+            <a:prstGeom prst="rect">
+              <a:avLst/>
+            </a:prstGeom>
+            <a:noFill/>
+          </p:spPr>
+          <p:txBody>
+            <a:bodyPr wrap="square" rtlCol="0" anchor="ctr">
+              <a:spAutoFit/>
+            </a:bodyPr>
+            <a:lstStyle/>
+            <a:p>
+              <a:pPr algn="ctr"/>
+              <a:r>
+                <a:rPr lang="en-US" altLang="ko-KR" sz="1100"/>
+                <a:t>PromQL Query/Result</a:t>
+              </a:r>
+            </a:p>
+          </p:txBody>
+        </p:sp>
+      </p:grpSp>
+      <p:sp>
+        <p:nvSpPr>
+          <p:cNvPr id="96" name="TextBox 95">
+            <a:extLst>
+              <a:ext uri="{FF2B5EF4-FFF2-40B4-BE49-F238E27FC236}">
+                <a16:creationId xmlns:a16="http://schemas.microsoft.com/office/drawing/2014/main" id="{BF5D4B4A-D4B4-4281-905C-BFA9EE5584BD}"/>
+              </a:ext>
+            </a:extLst>
+          </p:cNvPr>
+          <p:cNvSpPr txBox="1"/>
+          <p:nvPr/>
+        </p:nvSpPr>
+        <p:spPr>
+          <a:xfrm>
+            <a:off x="4348570" y="1684462"/>
+            <a:ext cx="697828" cy="261610"/>
+          </a:xfrm>
+          <a:prstGeom prst="rect">
+            <a:avLst/>
+          </a:prstGeom>
+          <a:noFill/>
+        </p:spPr>
+        <p:txBody>
+          <a:bodyPr wrap="square" rtlCol="0" anchor="ctr">
+            <a:spAutoFit/>
+          </a:bodyPr>
+          <a:lstStyle/>
+          <a:p>
+            <a:pPr algn="ctr"/>
+            <a:r>
+              <a:rPr lang="en-US" altLang="ko-KR" sz="1100"/>
+              <a:t>gossip</a:t>
+            </a:r>
+          </a:p>
+        </p:txBody>
+      </p:sp>
+      <p:sp>
+        <p:nvSpPr>
+          <p:cNvPr id="97" name="TextBox 96">
+            <a:extLst>
+              <a:ext uri="{FF2B5EF4-FFF2-40B4-BE49-F238E27FC236}">
+                <a16:creationId xmlns:a16="http://schemas.microsoft.com/office/drawing/2014/main" id="{4DBB4E80-D262-4C12-ACF4-4C8BCEDD27D6}"/>
+              </a:ext>
+            </a:extLst>
+          </p:cNvPr>
+          <p:cNvSpPr txBox="1"/>
+          <p:nvPr/>
+        </p:nvSpPr>
+        <p:spPr>
+          <a:xfrm>
+            <a:off x="5892975" y="3507340"/>
+            <a:ext cx="956133" cy="261610"/>
+          </a:xfrm>
+          <a:prstGeom prst="rect">
+            <a:avLst/>
+          </a:prstGeom>
+          <a:noFill/>
+        </p:spPr>
+        <p:txBody>
+          <a:bodyPr wrap="square" rtlCol="0" anchor="ctr">
+            <a:spAutoFit/>
+          </a:bodyPr>
+          <a:lstStyle/>
+          <a:p>
+            <a:pPr algn="ctr"/>
+            <a:r>
+              <a:rPr lang="en-US" altLang="ko-KR" sz="1100" b="1">
+                <a:solidFill>
+                  <a:srgbClr val="C00000"/>
+                </a:solidFill>
+              </a:rPr>
+              <a:t>Push</a:t>
+            </a:r>
+            <a:endParaRPr lang="ko-KR" altLang="en-US" sz="1100" b="1">
+              <a:solidFill>
+                <a:srgbClr val="C00000"/>
+              </a:solidFill>
+            </a:endParaRPr>
+          </a:p>
+        </p:txBody>
+      </p:sp>
+      <p:sp>
+        <p:nvSpPr>
+          <p:cNvPr id="106" name="TextBox 105">
+            <a:extLst>
+              <a:ext uri="{FF2B5EF4-FFF2-40B4-BE49-F238E27FC236}">
+                <a16:creationId xmlns:a16="http://schemas.microsoft.com/office/drawing/2014/main" id="{9F46A2BD-445B-4084-803E-C06F08EE9B14}"/>
+              </a:ext>
+            </a:extLst>
+          </p:cNvPr>
+          <p:cNvSpPr txBox="1"/>
+          <p:nvPr/>
+        </p:nvSpPr>
+        <p:spPr>
+          <a:xfrm>
+            <a:off x="4674382" y="3231028"/>
+            <a:ext cx="956133" cy="261610"/>
+          </a:xfrm>
+          <a:prstGeom prst="rect">
+            <a:avLst/>
+          </a:prstGeom>
+          <a:noFill/>
+        </p:spPr>
+        <p:txBody>
+          <a:bodyPr wrap="square" rtlCol="0" anchor="ctr">
+            <a:spAutoFit/>
+          </a:bodyPr>
+          <a:lstStyle/>
+          <a:p>
+            <a:pPr algn="ctr"/>
+            <a:r>
+              <a:rPr lang="en-US" altLang="ko-KR" sz="1100" b="1">
+                <a:solidFill>
+                  <a:srgbClr val="C00000"/>
+                </a:solidFill>
+              </a:rPr>
+              <a:t>Pull</a:t>
+            </a:r>
+            <a:endParaRPr lang="ko-KR" altLang="en-US" sz="1100" b="1">
+              <a:solidFill>
+                <a:srgbClr val="C00000"/>
+              </a:solidFill>
+            </a:endParaRPr>
+          </a:p>
+        </p:txBody>
+      </p:sp>
+    </p:spTree>
+    <p:extLst>
+      <p:ext uri="{BB962C8B-B14F-4D97-AF65-F5344CB8AC3E}">
+        <p14:creationId xmlns:p14="http://schemas.microsoft.com/office/powerpoint/2010/main" val="76693892"/>
+      </p:ext>
+    </p:extLst>
+  </p:cSld>
+  <p:clrMapOvr>
+    <a:masterClrMapping/>
+  </p:clrMapOvr>
+</p:sld>
+</file>
+
+<file path=ppt/slides/slide2.xml><?xml version="1.0" encoding="utf-8"?>
+<p:sld xmlns:a="http://schemas.openxmlformats.org/drawingml/2006/main" xmlns:r="http://schemas.openxmlformats.org/officeDocument/2006/relationships" xmlns:p="http://schemas.openxmlformats.org/presentationml/2006/main">
+  <p:cSld>
+    <p:spTree>
+      <p:nvGrpSpPr>
+        <p:cNvPr id="1" name=""/>
+        <p:cNvGrpSpPr/>
+        <p:nvPr/>
+      </p:nvGrpSpPr>
+      <p:grpSpPr>
+        <a:xfrm>
+          <a:off x="0" y="0"/>
+          <a:ext cx="0" cy="0"/>
+          <a:chOff x="0" y="0"/>
+          <a:chExt cx="0" cy="0"/>
+        </a:xfrm>
+      </p:grpSpPr>
+    </p:spTree>
+    <p:extLst>
+      <p:ext uri="{BB962C8B-B14F-4D97-AF65-F5344CB8AC3E}">
+        <p14:creationId xmlns:p14="http://schemas.microsoft.com/office/powerpoint/2010/main" val="589009470"/>
+      </p:ext>
+    </p:extLst>
+  </p:cSld>
+  <p:clrMapOvr>
+    <a:masterClrMapping/>
+  </p:clrMapOvr>
+</p:sld>
+</file>
+
+<file path=ppt/slides/slide3.xml><?xml version="1.0" encoding="utf-8"?>
+<p:sld xmlns:a="http://schemas.openxmlformats.org/drawingml/2006/main" xmlns:r="http://schemas.openxmlformats.org/officeDocument/2006/relationships" xmlns:p="http://schemas.openxmlformats.org/presentationml/2006/main">
+  <p:cSld>
+    <p:spTree>
+      <p:nvGrpSpPr>
+        <p:cNvPr id="1" name=""/>
+        <p:cNvGrpSpPr/>
+        <p:nvPr/>
+      </p:nvGrpSpPr>
+      <p:grpSpPr>
+        <a:xfrm>
+          <a:off x="0" y="0"/>
+          <a:ext cx="0" cy="0"/>
+          <a:chOff x="0" y="0"/>
+          <a:chExt cx="0" cy="0"/>
+        </a:xfrm>
+      </p:grpSpPr>
+      <p:sp>
+        <p:nvSpPr>
+          <p:cNvPr id="50" name="사각형: 둥근 모서리 49">
+            <a:extLst>
+              <a:ext uri="{FF2B5EF4-FFF2-40B4-BE49-F238E27FC236}">
+                <a16:creationId xmlns:a16="http://schemas.microsoft.com/office/drawing/2014/main" id="{070BF710-166E-4BBB-936C-7EDD33B4934A}"/>
+              </a:ext>
+            </a:extLst>
+          </p:cNvPr>
+          <p:cNvSpPr/>
+          <p:nvPr/>
+        </p:nvSpPr>
+        <p:spPr>
+          <a:xfrm>
+            <a:off x="2449212" y="3568163"/>
+            <a:ext cx="1263236" cy="529124"/>
+          </a:xfrm>
+          <a:prstGeom prst="roundRect">
+            <a:avLst>
+              <a:gd name="adj" fmla="val 7693"/>
+            </a:avLst>
+          </a:prstGeom>
+          <a:noFill/>
+        </p:spPr>
+        <p:style>
+          <a:lnRef idx="2">
+            <a:schemeClr val="dk1"/>
+          </a:lnRef>
+          <a:fillRef idx="1">
+            <a:schemeClr val="lt1"/>
+          </a:fillRef>
+          <a:effectRef idx="0">
+            <a:schemeClr val="dk1"/>
+          </a:effectRef>
+          <a:fontRef idx="minor">
+            <a:schemeClr val="dk1"/>
+          </a:fontRef>
+        </p:style>
+        <p:txBody>
+          <a:bodyPr rtlCol="0" anchor="ctr"/>
+          <a:lstStyle/>
+          <a:p>
+            <a:pPr algn="ctr"/>
+            <a:r>
+              <a:rPr lang="en-US" altLang="ko-KR" sz="1200"/>
+              <a:t>Prometheus</a:t>
+            </a:r>
+            <a:r>
+              <a:rPr lang="ko-KR" altLang="en-US" sz="1200"/>
+              <a:t> </a:t>
+            </a:r>
+            <a:r>
+              <a:rPr lang="en-US" altLang="ko-KR" sz="1200"/>
+              <a:t>Exporter</a:t>
+            </a:r>
+            <a:endParaRPr lang="ko-KR" altLang="en-US" sz="1200"/>
+          </a:p>
+        </p:txBody>
+      </p:sp>
+      <p:sp>
+        <p:nvSpPr>
+          <p:cNvPr id="2" name="제목 1"/>
+          <p:cNvSpPr>
+            <a:spLocks noGrp="1"/>
+          </p:cNvSpPr>
+          <p:nvPr>
+            <p:ph type="title"/>
+          </p:nvPr>
+        </p:nvSpPr>
+        <p:spPr>
+          <a:xfrm>
+            <a:off x="565354" y="-85700"/>
+            <a:ext cx="8229600" cy="857250"/>
+          </a:xfrm>
+        </p:spPr>
+        <p:txBody>
+          <a:bodyPr/>
+          <a:lstStyle/>
+          <a:p>
+            <a:r>
+              <a:rPr lang="en-US" altLang="ko-KR"/>
+              <a:t>Prometheus HA</a:t>
+            </a:r>
+            <a:endParaRPr lang="ko-KR" altLang="en-US"/>
+          </a:p>
+        </p:txBody>
+      </p:sp>
+      <p:sp>
+        <p:nvSpPr>
+          <p:cNvPr id="68" name="사각형: 둥근 모서리 67">
+            <a:extLst>
+              <a:ext uri="{FF2B5EF4-FFF2-40B4-BE49-F238E27FC236}">
+                <a16:creationId xmlns:a16="http://schemas.microsoft.com/office/drawing/2014/main" id="{CAD06047-500A-402F-B918-5D947910874E}"/>
+              </a:ext>
+            </a:extLst>
+          </p:cNvPr>
+          <p:cNvSpPr/>
+          <p:nvPr/>
+        </p:nvSpPr>
+        <p:spPr>
+          <a:xfrm>
+            <a:off x="1352548" y="2595612"/>
+            <a:ext cx="1263236" cy="527174"/>
+          </a:xfrm>
+          <a:prstGeom prst="roundRect">
+            <a:avLst>
+              <a:gd name="adj" fmla="val 7693"/>
+            </a:avLst>
+          </a:prstGeom>
+          <a:noFill/>
+        </p:spPr>
+        <p:style>
+          <a:lnRef idx="2">
+            <a:schemeClr val="dk1"/>
+          </a:lnRef>
+          <a:fillRef idx="1">
+            <a:schemeClr val="lt1"/>
+          </a:fillRef>
+          <a:effectRef idx="0">
+            <a:schemeClr val="dk1"/>
+          </a:effectRef>
+          <a:fontRef idx="minor">
+            <a:schemeClr val="dk1"/>
+          </a:fontRef>
+        </p:style>
+        <p:txBody>
+          <a:bodyPr rtlCol="0" anchor="ctr"/>
+          <a:lstStyle/>
+          <a:p>
+            <a:pPr algn="ctr"/>
+            <a:r>
+              <a:rPr lang="en-US" altLang="ko-KR" sz="1200"/>
+              <a:t>Prometheus</a:t>
+            </a:r>
+            <a:r>
+              <a:rPr lang="ko-KR" altLang="en-US" sz="1200"/>
+              <a:t> </a:t>
+            </a:r>
+            <a:r>
+              <a:rPr lang="en-US" altLang="ko-KR" sz="1200"/>
+              <a:t>Server (Shard)</a:t>
+            </a:r>
+            <a:endParaRPr lang="ko-KR" altLang="en-US" sz="1200"/>
+          </a:p>
+        </p:txBody>
+      </p:sp>
+      <p:sp>
+        <p:nvSpPr>
+          <p:cNvPr id="70" name="사각형: 둥근 모서리 69">
+            <a:extLst>
+              <a:ext uri="{FF2B5EF4-FFF2-40B4-BE49-F238E27FC236}">
+                <a16:creationId xmlns:a16="http://schemas.microsoft.com/office/drawing/2014/main" id="{FACCF7B7-24BD-4684-8BBC-F17E06054C1E}"/>
+              </a:ext>
+            </a:extLst>
+          </p:cNvPr>
+          <p:cNvSpPr/>
+          <p:nvPr/>
+        </p:nvSpPr>
+        <p:spPr>
+          <a:xfrm>
+            <a:off x="3526723" y="2586360"/>
+            <a:ext cx="1263236" cy="527174"/>
+          </a:xfrm>
+          <a:prstGeom prst="roundRect">
+            <a:avLst>
+              <a:gd name="adj" fmla="val 7693"/>
+            </a:avLst>
+          </a:prstGeom>
+          <a:noFill/>
+        </p:spPr>
+        <p:style>
+          <a:lnRef idx="2">
+            <a:schemeClr val="dk1"/>
+          </a:lnRef>
+          <a:fillRef idx="1">
+            <a:schemeClr val="lt1"/>
+          </a:fillRef>
+          <a:effectRef idx="0">
+            <a:schemeClr val="dk1"/>
+          </a:effectRef>
+          <a:fontRef idx="minor">
+            <a:schemeClr val="dk1"/>
+          </a:fontRef>
+        </p:style>
+        <p:txBody>
+          <a:bodyPr rtlCol="0" anchor="ctr"/>
+          <a:lstStyle/>
+          <a:p>
+            <a:pPr algn="ctr"/>
+            <a:r>
+              <a:rPr lang="en-US" altLang="ko-KR" sz="1200"/>
+              <a:t>Prometheus</a:t>
+            </a:r>
+            <a:r>
+              <a:rPr lang="ko-KR" altLang="en-US" sz="1200"/>
+              <a:t> </a:t>
+            </a:r>
+            <a:r>
+              <a:rPr lang="en-US" altLang="ko-KR" sz="1200"/>
+              <a:t>Server (Shard)</a:t>
+            </a:r>
+            <a:endParaRPr lang="ko-KR" altLang="en-US" sz="1200"/>
+          </a:p>
+        </p:txBody>
+      </p:sp>
+      <p:sp>
+        <p:nvSpPr>
+          <p:cNvPr id="76" name="사각형: 둥근 모서리 75">
+            <a:extLst>
+              <a:ext uri="{FF2B5EF4-FFF2-40B4-BE49-F238E27FC236}">
+                <a16:creationId xmlns:a16="http://schemas.microsoft.com/office/drawing/2014/main" id="{5E29EE41-F0F3-47C8-9FA7-8635F5DACF5C}"/>
+              </a:ext>
+            </a:extLst>
+          </p:cNvPr>
+          <p:cNvSpPr/>
+          <p:nvPr/>
+        </p:nvSpPr>
+        <p:spPr>
+          <a:xfrm>
+            <a:off x="251520" y="1674536"/>
+            <a:ext cx="1388470" cy="527174"/>
+          </a:xfrm>
+          <a:prstGeom prst="roundRect">
+            <a:avLst>
+              <a:gd name="adj" fmla="val 7693"/>
+            </a:avLst>
+          </a:prstGeom>
+          <a:noFill/>
+        </p:spPr>
+        <p:style>
+          <a:lnRef idx="2">
+            <a:schemeClr val="dk1"/>
+          </a:lnRef>
+          <a:fillRef idx="1">
+            <a:schemeClr val="lt1"/>
+          </a:fillRef>
+          <a:effectRef idx="0">
+            <a:schemeClr val="dk1"/>
+          </a:effectRef>
+          <a:fontRef idx="minor">
+            <a:schemeClr val="dk1"/>
+          </a:fontRef>
+        </p:style>
+        <p:txBody>
+          <a:bodyPr rtlCol="0" anchor="ctr"/>
+          <a:lstStyle/>
+          <a:p>
+            <a:pPr algn="ctr"/>
+            <a:r>
+              <a:rPr lang="en-US" altLang="ko-KR" sz="1200" b="1"/>
+              <a:t>Load Balancer</a:t>
+            </a:r>
+          </a:p>
+          <a:p>
+            <a:pPr algn="ctr"/>
+            <a:r>
+              <a:rPr lang="en-US" altLang="ko-KR" sz="1200" b="1"/>
+              <a:t>(Session Affinity)</a:t>
+            </a:r>
+            <a:endParaRPr lang="ko-KR" altLang="en-US" sz="1200" b="1"/>
+          </a:p>
+        </p:txBody>
+      </p:sp>
+      <p:sp>
+        <p:nvSpPr>
+          <p:cNvPr id="79" name="사각형: 둥근 모서리 78">
+            <a:extLst>
+              <a:ext uri="{FF2B5EF4-FFF2-40B4-BE49-F238E27FC236}">
+                <a16:creationId xmlns:a16="http://schemas.microsoft.com/office/drawing/2014/main" id="{0E950D99-0D50-4CA0-B60E-A8C4434F3AF4}"/>
+              </a:ext>
+            </a:extLst>
+          </p:cNvPr>
+          <p:cNvSpPr/>
+          <p:nvPr/>
+        </p:nvSpPr>
+        <p:spPr>
+          <a:xfrm>
+            <a:off x="4594159" y="3570113"/>
+            <a:ext cx="1263236" cy="527174"/>
+          </a:xfrm>
+          <a:prstGeom prst="roundRect">
+            <a:avLst>
+              <a:gd name="adj" fmla="val 7693"/>
+            </a:avLst>
+          </a:prstGeom>
+          <a:noFill/>
+        </p:spPr>
+        <p:style>
+          <a:lnRef idx="2">
+            <a:schemeClr val="dk1"/>
+          </a:lnRef>
+          <a:fillRef idx="1">
+            <a:schemeClr val="lt1"/>
+          </a:fillRef>
+          <a:effectRef idx="0">
+            <a:schemeClr val="dk1"/>
+          </a:effectRef>
+          <a:fontRef idx="minor">
+            <a:schemeClr val="dk1"/>
+          </a:fontRef>
+        </p:style>
+        <p:txBody>
+          <a:bodyPr rtlCol="0" anchor="ctr"/>
+          <a:lstStyle/>
+          <a:p>
+            <a:pPr algn="ctr"/>
+            <a:r>
+              <a:rPr lang="en-US" altLang="ko-KR" sz="1200"/>
+              <a:t>Prometheus</a:t>
+            </a:r>
+            <a:r>
+              <a:rPr lang="ko-KR" altLang="en-US" sz="1200"/>
+              <a:t> </a:t>
+            </a:r>
+            <a:r>
+              <a:rPr lang="en-US" altLang="ko-KR" sz="1200"/>
+              <a:t>Pushgateway</a:t>
+            </a:r>
+            <a:endParaRPr lang="ko-KR" altLang="en-US" sz="1200"/>
+          </a:p>
+        </p:txBody>
+      </p:sp>
+      <p:sp>
+        <p:nvSpPr>
+          <p:cNvPr id="82" name="사각형: 둥근 모서리 81">
+            <a:extLst>
+              <a:ext uri="{FF2B5EF4-FFF2-40B4-BE49-F238E27FC236}">
+                <a16:creationId xmlns:a16="http://schemas.microsoft.com/office/drawing/2014/main" id="{3B244165-2C32-416D-BC21-DDD0137C6A86}"/>
+              </a:ext>
+            </a:extLst>
+          </p:cNvPr>
+          <p:cNvSpPr/>
+          <p:nvPr/>
+        </p:nvSpPr>
+        <p:spPr>
+          <a:xfrm>
+            <a:off x="314137" y="3570113"/>
+            <a:ext cx="1263236" cy="527174"/>
+          </a:xfrm>
+          <a:prstGeom prst="roundRect">
+            <a:avLst>
+              <a:gd name="adj" fmla="val 7693"/>
+            </a:avLst>
+          </a:prstGeom>
+          <a:noFill/>
+        </p:spPr>
+        <p:style>
+          <a:lnRef idx="2">
+            <a:schemeClr val="dk1"/>
+          </a:lnRef>
+          <a:fillRef idx="1">
+            <a:schemeClr val="lt1"/>
+          </a:fillRef>
+          <a:effectRef idx="0">
+            <a:schemeClr val="dk1"/>
+          </a:effectRef>
+          <a:fontRef idx="minor">
+            <a:schemeClr val="dk1"/>
+          </a:fontRef>
+        </p:style>
+        <p:txBody>
+          <a:bodyPr rtlCol="0" anchor="ctr"/>
+          <a:lstStyle/>
+          <a:p>
+            <a:pPr algn="ctr"/>
+            <a:r>
+              <a:rPr lang="en-US" altLang="ko-KR" sz="1200"/>
+              <a:t>Prometheus</a:t>
+            </a:r>
+            <a:r>
+              <a:rPr lang="ko-KR" altLang="en-US" sz="1200"/>
+              <a:t> </a:t>
+            </a:r>
+            <a:r>
+              <a:rPr lang="en-US" altLang="ko-KR" sz="1200"/>
+              <a:t>Exporter</a:t>
+            </a:r>
+            <a:endParaRPr lang="ko-KR" altLang="en-US" sz="1200"/>
+          </a:p>
+        </p:txBody>
+      </p:sp>
+      <p:sp>
+        <p:nvSpPr>
+          <p:cNvPr id="99" name="사각형: 둥근 모서리 98">
+            <a:extLst>
+              <a:ext uri="{FF2B5EF4-FFF2-40B4-BE49-F238E27FC236}">
+                <a16:creationId xmlns:a16="http://schemas.microsoft.com/office/drawing/2014/main" id="{56C977BC-9A7B-4F40-8730-C993BA2A95B6}"/>
+              </a:ext>
+            </a:extLst>
+          </p:cNvPr>
+          <p:cNvSpPr/>
+          <p:nvPr/>
+        </p:nvSpPr>
+        <p:spPr>
+          <a:xfrm>
+            <a:off x="2454147" y="4371950"/>
+            <a:ext cx="1263236" cy="527174"/>
+          </a:xfrm>
+          <a:prstGeom prst="roundRect">
+            <a:avLst>
+              <a:gd name="adj" fmla="val 7693"/>
+            </a:avLst>
+          </a:prstGeom>
+          <a:noFill/>
+        </p:spPr>
+        <p:style>
+          <a:lnRef idx="2">
+            <a:schemeClr val="dk1"/>
+          </a:lnRef>
+          <a:fillRef idx="1">
+            <a:schemeClr val="lt1"/>
+          </a:fillRef>
+          <a:effectRef idx="0">
+            <a:schemeClr val="dk1"/>
+          </a:effectRef>
+          <a:fontRef idx="minor">
+            <a:schemeClr val="dk1"/>
+          </a:fontRef>
+        </p:style>
+        <p:txBody>
+          <a:bodyPr rtlCol="0" anchor="ctr"/>
+          <a:lstStyle/>
+          <a:p>
+            <a:pPr algn="ctr"/>
+            <a:r>
+              <a:rPr lang="en-US" altLang="ko-KR" sz="1200"/>
+              <a:t>Batch Job</a:t>
+            </a:r>
+            <a:endParaRPr lang="ko-KR" altLang="en-US" sz="1200"/>
+          </a:p>
+        </p:txBody>
+      </p:sp>
+      <p:sp>
+        <p:nvSpPr>
+          <p:cNvPr id="100" name="사각형: 둥근 모서리 99">
+            <a:extLst>
+              <a:ext uri="{FF2B5EF4-FFF2-40B4-BE49-F238E27FC236}">
+                <a16:creationId xmlns:a16="http://schemas.microsoft.com/office/drawing/2014/main" id="{26D4DCD2-3BA3-40D4-BF98-B2042E46D55A}"/>
+              </a:ext>
+            </a:extLst>
+          </p:cNvPr>
+          <p:cNvSpPr/>
+          <p:nvPr/>
+        </p:nvSpPr>
+        <p:spPr>
+          <a:xfrm>
+            <a:off x="4594159" y="4371950"/>
+            <a:ext cx="1263236" cy="527174"/>
+          </a:xfrm>
+          <a:prstGeom prst="roundRect">
+            <a:avLst>
+              <a:gd name="adj" fmla="val 7693"/>
+            </a:avLst>
+          </a:prstGeom>
+          <a:noFill/>
+        </p:spPr>
+        <p:style>
+          <a:lnRef idx="2">
+            <a:schemeClr val="dk1"/>
+          </a:lnRef>
+          <a:fillRef idx="1">
+            <a:schemeClr val="lt1"/>
+          </a:fillRef>
+          <a:effectRef idx="0">
+            <a:schemeClr val="dk1"/>
+          </a:effectRef>
+          <a:fontRef idx="minor">
+            <a:schemeClr val="dk1"/>
+          </a:fontRef>
+        </p:style>
+        <p:txBody>
+          <a:bodyPr rtlCol="0" anchor="ctr"/>
+          <a:lstStyle/>
+          <a:p>
+            <a:pPr algn="ctr"/>
+            <a:r>
+              <a:rPr lang="en-US" altLang="ko-KR" sz="1200" b="1"/>
+              <a:t>Load Balancer</a:t>
+            </a:r>
+            <a:endParaRPr lang="ko-KR" altLang="en-US" sz="1200" b="1"/>
+          </a:p>
+        </p:txBody>
+      </p:sp>
+      <p:sp>
+        <p:nvSpPr>
+          <p:cNvPr id="102" name="사각형: 둥근 모서리 101">
+            <a:extLst>
+              <a:ext uri="{FF2B5EF4-FFF2-40B4-BE49-F238E27FC236}">
+                <a16:creationId xmlns:a16="http://schemas.microsoft.com/office/drawing/2014/main" id="{EDD9E68A-6AF8-4CA6-8C37-5EB62DA23973}"/>
+              </a:ext>
+            </a:extLst>
+          </p:cNvPr>
+          <p:cNvSpPr/>
+          <p:nvPr/>
+        </p:nvSpPr>
+        <p:spPr>
+          <a:xfrm>
+            <a:off x="1242438" y="2489572"/>
+            <a:ext cx="4614957" cy="730250"/>
+          </a:xfrm>
+          <a:prstGeom prst="roundRect">
+            <a:avLst>
+              <a:gd name="adj" fmla="val 4089"/>
+            </a:avLst>
+          </a:prstGeom>
+          <a:noFill/>
+          <a:ln>
+            <a:prstDash val="dash"/>
+          </a:ln>
+        </p:spPr>
+        <p:style>
+          <a:lnRef idx="2">
+            <a:schemeClr val="dk1"/>
+          </a:lnRef>
+          <a:fillRef idx="1">
+            <a:schemeClr val="lt1"/>
+          </a:fillRef>
+          <a:effectRef idx="0">
+            <a:schemeClr val="dk1"/>
+          </a:effectRef>
+          <a:fontRef idx="minor">
+            <a:schemeClr val="dk1"/>
+          </a:fontRef>
+        </p:style>
+        <p:txBody>
+          <a:bodyPr rtlCol="0" anchor="ctr"/>
+          <a:lstStyle/>
+          <a:p>
+            <a:pPr algn="r"/>
+            <a:r>
+              <a:rPr lang="en-US" altLang="ko-KR" sz="1200" b="1"/>
+              <a:t>Prometheus </a:t>
+            </a:r>
+          </a:p>
+          <a:p>
+            <a:pPr algn="r"/>
+            <a:r>
+              <a:rPr lang="en-US" altLang="ko-KR" sz="1200" b="1"/>
+              <a:t>Servers</a:t>
             </a:r>
             <a:endParaRPr lang="ko-KR" altLang="en-US" sz="1200" b="1"/>
           </a:p>
@@ -4180,8 +6258,8 @@
         </p:nvCxnSpPr>
         <p:spPr>
           <a:xfrm>
-            <a:off x="3719954" y="4635537"/>
-            <a:ext cx="874205" cy="0"/>
+            <a:off x="3717383" y="4635537"/>
+            <a:ext cx="876776" cy="0"/>
           </a:xfrm>
           <a:prstGeom prst="line">
             <a:avLst/>
@@ -4221,59 +6299,14 @@
           <p:cNvCxnSpPr>
             <a:cxnSpLocks/>
             <a:stCxn id="100" idx="0"/>
+            <a:endCxn id="79" idx="2"/>
           </p:cNvCxnSpPr>
           <p:nvPr/>
         </p:nvCxnSpPr>
         <p:spPr>
           <a:xfrm flipV="1">
-            <a:off x="5225777" y="4146177"/>
-            <a:ext cx="0" cy="225773"/>
-          </a:xfrm>
-          <a:prstGeom prst="line">
-            <a:avLst/>
-          </a:prstGeom>
-          <a:ln w="19050">
-            <a:solidFill>
-              <a:srgbClr val="C00000"/>
-            </a:solidFill>
-            <a:headEnd type="none" w="med" len="med"/>
-            <a:tailEnd type="arrow" w="med" len="med"/>
-          </a:ln>
-        </p:spPr>
-        <p:style>
-          <a:lnRef idx="1">
-            <a:schemeClr val="accent1"/>
-          </a:lnRef>
-          <a:fillRef idx="0">
-            <a:schemeClr val="accent1"/>
-          </a:fillRef>
-          <a:effectRef idx="0">
-            <a:schemeClr val="accent1"/>
-          </a:effectRef>
-          <a:fontRef idx="minor">
-            <a:schemeClr val="tx1"/>
-          </a:fontRef>
-        </p:style>
-      </p:cxnSp>
-      <p:cxnSp>
-        <p:nvCxnSpPr>
-          <p:cNvPr id="107" name="직선 연결선 106">
-            <a:extLst>
-              <a:ext uri="{FF2B5EF4-FFF2-40B4-BE49-F238E27FC236}">
-                <a16:creationId xmlns:a16="http://schemas.microsoft.com/office/drawing/2014/main" id="{0899348F-001B-4CBC-B85B-41DF8FF9BE94}"/>
-              </a:ext>
-            </a:extLst>
-          </p:cNvPr>
-          <p:cNvCxnSpPr>
-            <a:cxnSpLocks/>
-            <a:stCxn id="100" idx="0"/>
-          </p:cNvCxnSpPr>
-          <p:nvPr/>
-        </p:nvCxnSpPr>
-        <p:spPr>
-          <a:xfrm flipH="1" flipV="1">
-            <a:off x="3085766" y="4146177"/>
-            <a:ext cx="2140011" cy="225773"/>
+            <a:off x="5225777" y="4097287"/>
+            <a:ext cx="0" cy="274663"/>
           </a:xfrm>
           <a:prstGeom prst="line">
             <a:avLst/>
@@ -4312,7 +6345,7 @@
           </p:cNvPr>
           <p:cNvCxnSpPr>
             <a:cxnSpLocks/>
-            <a:stCxn id="78" idx="0"/>
+            <a:stCxn id="50" idx="0"/>
             <a:endCxn id="68" idx="2"/>
           </p:cNvCxnSpPr>
           <p:nvPr/>
@@ -4320,7 +6353,7 @@
         <p:spPr>
           <a:xfrm flipH="1" flipV="1">
             <a:off x="1984166" y="3122786"/>
-            <a:ext cx="1101600" cy="447327"/>
+            <a:ext cx="1096664" cy="445377"/>
           </a:xfrm>
           <a:prstGeom prst="line">
             <a:avLst/>
@@ -4453,15 +6486,15 @@
           </p:cNvPr>
           <p:cNvCxnSpPr>
             <a:cxnSpLocks/>
-            <a:stCxn id="78" idx="0"/>
+            <a:stCxn id="50" idx="0"/>
             <a:endCxn id="70" idx="2"/>
           </p:cNvCxnSpPr>
           <p:nvPr/>
         </p:nvCxnSpPr>
         <p:spPr>
           <a:xfrm flipV="1">
-            <a:off x="3085766" y="3113534"/>
-            <a:ext cx="1072575" cy="456579"/>
+            <a:off x="3080830" y="3113534"/>
+            <a:ext cx="1077511" cy="454629"/>
           </a:xfrm>
           <a:prstGeom prst="line">
             <a:avLst/>
@@ -5374,7 +7407,7 @@
         </p:nvGrpSpPr>
         <p:grpSpPr>
           <a:xfrm>
-            <a:off x="332357" y="4323060"/>
+            <a:off x="333534" y="4299942"/>
             <a:ext cx="2018551" cy="480015"/>
             <a:chOff x="2553449" y="4515966"/>
             <a:chExt cx="2018551" cy="480015"/>
@@ -5679,7 +7712,7 @@
         </p:nvSpPr>
         <p:spPr>
           <a:xfrm>
-            <a:off x="4497180" y="4117572"/>
+            <a:off x="4471656" y="4099264"/>
             <a:ext cx="956133" cy="261610"/>
           </a:xfrm>
           <a:prstGeom prst="rect">
@@ -5758,7 +7791,7 @@
     </p:spTree>
     <p:extLst>
       <p:ext uri="{BB962C8B-B14F-4D97-AF65-F5344CB8AC3E}">
-        <p14:creationId xmlns:p14="http://schemas.microsoft.com/office/powerpoint/2010/main" val="76693892"/>
+        <p14:creationId xmlns:p14="http://schemas.microsoft.com/office/powerpoint/2010/main" val="3272729678"/>
       </p:ext>
     </p:extLst>
   </p:cSld>
@@ -5768,7 +7801,7 @@
 </p:sld>
 </file>
 
-<file path=ppt/slides/slide2.xml><?xml version="1.0" encoding="utf-8"?>
+<file path=ppt/slides/slide4.xml><?xml version="1.0" encoding="utf-8"?>
 <p:sld xmlns:a="http://schemas.openxmlformats.org/drawingml/2006/main" xmlns:r="http://schemas.openxmlformats.org/officeDocument/2006/relationships" xmlns:p="http://schemas.openxmlformats.org/presentationml/2006/main">
   <p:cSld>
     <p:spTree>
@@ -5785,36 +7818,6 @@
           <a:chExt cx="0" cy="0"/>
         </a:xfrm>
       </p:grpSpPr>
-    </p:spTree>
-    <p:extLst>
-      <p:ext uri="{BB962C8B-B14F-4D97-AF65-F5344CB8AC3E}">
-        <p14:creationId xmlns:p14="http://schemas.microsoft.com/office/powerpoint/2010/main" val="589009470"/>
-      </p:ext>
-    </p:extLst>
-  </p:cSld>
-  <p:clrMapOvr>
-    <a:masterClrMapping/>
-  </p:clrMapOvr>
-</p:sld>
-</file>
-
-<file path=ppt/slides/slide3.xml><?xml version="1.0" encoding="utf-8"?>
-<p:sld xmlns:a="http://schemas.openxmlformats.org/drawingml/2006/main" xmlns:r="http://schemas.openxmlformats.org/officeDocument/2006/relationships" xmlns:p="http://schemas.openxmlformats.org/presentationml/2006/main">
-  <p:cSld>
-    <p:spTree>
-      <p:nvGrpSpPr>
-        <p:cNvPr id="1" name=""/>
-        <p:cNvGrpSpPr/>
-        <p:nvPr/>
-      </p:nvGrpSpPr>
-      <p:grpSpPr>
-        <a:xfrm>
-          <a:off x="0" y="0"/>
-          <a:ext cx="0" cy="0"/>
-          <a:chOff x="0" y="0"/>
-          <a:chExt cx="0" cy="0"/>
-        </a:xfrm>
-      </p:grpSpPr>
       <p:sp>
         <p:nvSpPr>
           <p:cNvPr id="2" name="제목 1"/>
@@ -5827,7 +7830,7 @@
         </p:nvSpPr>
         <p:spPr>
           <a:xfrm>
-            <a:off x="565354" y="-524594"/>
+            <a:off x="565354" y="-85700"/>
             <a:ext cx="8229600" cy="857250"/>
           </a:xfrm>
         </p:spPr>
@@ -5845,10 +7848,10 @@
       </p:sp>
       <p:sp>
         <p:nvSpPr>
-          <p:cNvPr id="67" name="사각형: 둥근 모서리 66">
-            <a:extLst>
-              <a:ext uri="{FF2B5EF4-FFF2-40B4-BE49-F238E27FC236}">
-                <a16:creationId xmlns:a16="http://schemas.microsoft.com/office/drawing/2014/main" id="{E8201E4B-3228-4661-8669-1F6F80CFEE01}"/>
+          <p:cNvPr id="68" name="사각형: 둥근 모서리 67">
+            <a:extLst>
+              <a:ext uri="{FF2B5EF4-FFF2-40B4-BE49-F238E27FC236}">
+                <a16:creationId xmlns:a16="http://schemas.microsoft.com/office/drawing/2014/main" id="{CAD06047-500A-402F-B918-5D947910874E}"/>
               </a:ext>
             </a:extLst>
           </p:cNvPr>
@@ -5857,7 +7860,7 @@
         </p:nvSpPr>
         <p:spPr>
           <a:xfrm>
-            <a:off x="1268798" y="2523604"/>
+            <a:off x="1352548" y="2595612"/>
             <a:ext cx="1263236" cy="527174"/>
           </a:xfrm>
           <a:prstGeom prst="roundRect">
@@ -5896,7 +7899,7 @@
             </a:r>
             <a:r>
               <a:rPr lang="en-US" altLang="ko-KR" sz="1200"/>
-              <a:t>Server</a:t>
+              <a:t>Server (Shard)</a:t>
             </a:r>
             <a:endParaRPr lang="ko-KR" altLang="en-US" sz="1200"/>
           </a:p>
@@ -5904,10 +7907,10 @@
       </p:sp>
       <p:sp>
         <p:nvSpPr>
-          <p:cNvPr id="68" name="사각형: 둥근 모서리 67">
-            <a:extLst>
-              <a:ext uri="{FF2B5EF4-FFF2-40B4-BE49-F238E27FC236}">
-                <a16:creationId xmlns:a16="http://schemas.microsoft.com/office/drawing/2014/main" id="{CAD06047-500A-402F-B918-5D947910874E}"/>
+          <p:cNvPr id="70" name="사각형: 둥근 모서리 69">
+            <a:extLst>
+              <a:ext uri="{FF2B5EF4-FFF2-40B4-BE49-F238E27FC236}">
+                <a16:creationId xmlns:a16="http://schemas.microsoft.com/office/drawing/2014/main" id="{FACCF7B7-24BD-4684-8BBC-F17E06054C1E}"/>
               </a:ext>
             </a:extLst>
           </p:cNvPr>
@@ -5916,7 +7919,7 @@
         </p:nvSpPr>
         <p:spPr>
           <a:xfrm>
-            <a:off x="3411379" y="2523604"/>
+            <a:off x="3526723" y="2586360"/>
             <a:ext cx="1263236" cy="527174"/>
           </a:xfrm>
           <a:prstGeom prst="roundRect">
@@ -5955,7 +7958,7 @@
             </a:r>
             <a:r>
               <a:rPr lang="en-US" altLang="ko-KR" sz="1200"/>
-              <a:t>Server</a:t>
+              <a:t>Server (Shard)</a:t>
             </a:r>
             <a:endParaRPr lang="ko-KR" altLang="en-US" sz="1200"/>
           </a:p>
@@ -5963,10 +7966,10 @@
       </p:sp>
       <p:sp>
         <p:nvSpPr>
-          <p:cNvPr id="70" name="사각형: 둥근 모서리 69">
-            <a:extLst>
-              <a:ext uri="{FF2B5EF4-FFF2-40B4-BE49-F238E27FC236}">
-                <a16:creationId xmlns:a16="http://schemas.microsoft.com/office/drawing/2014/main" id="{FACCF7B7-24BD-4684-8BBC-F17E06054C1E}"/>
+          <p:cNvPr id="76" name="사각형: 둥근 모서리 75">
+            <a:extLst>
+              <a:ext uri="{FF2B5EF4-FFF2-40B4-BE49-F238E27FC236}">
+                <a16:creationId xmlns:a16="http://schemas.microsoft.com/office/drawing/2014/main" id="{5E29EE41-F0F3-47C8-9FA7-8635F5DACF5C}"/>
               </a:ext>
             </a:extLst>
           </p:cNvPr>
@@ -5975,8 +7978,8 @@
         </p:nvSpPr>
         <p:spPr>
           <a:xfrm>
-            <a:off x="5553960" y="2514352"/>
-            <a:ext cx="1263236" cy="527174"/>
+            <a:off x="251520" y="1674536"/>
+            <a:ext cx="1388470" cy="527174"/>
           </a:xfrm>
           <a:prstGeom prst="roundRect">
             <a:avLst>
@@ -6005,27 +8008,26 @@
           <a:p>
             <a:pPr algn="ctr"/>
             <a:r>
-              <a:rPr lang="en-US" altLang="ko-KR" sz="1200"/>
-              <a:t>Prometheus</a:t>
-            </a:r>
-            <a:r>
-              <a:rPr lang="ko-KR" altLang="en-US" sz="1200"/>
-              <a:t> </a:t>
-            </a:r>
-            <a:r>
-              <a:rPr lang="en-US" altLang="ko-KR" sz="1200"/>
-              <a:t>Server</a:t>
-            </a:r>
-            <a:endParaRPr lang="ko-KR" altLang="en-US" sz="1200"/>
-          </a:p>
-        </p:txBody>
-      </p:sp>
-      <p:sp>
-        <p:nvSpPr>
-          <p:cNvPr id="76" name="사각형: 둥근 모서리 75">
-            <a:extLst>
-              <a:ext uri="{FF2B5EF4-FFF2-40B4-BE49-F238E27FC236}">
-                <a16:creationId xmlns:a16="http://schemas.microsoft.com/office/drawing/2014/main" id="{5E29EE41-F0F3-47C8-9FA7-8635F5DACF5C}"/>
+              <a:rPr lang="en-US" altLang="ko-KR" sz="1200" b="1"/>
+              <a:t>Load Balancer</a:t>
+            </a:r>
+          </a:p>
+          <a:p>
+            <a:pPr algn="ctr"/>
+            <a:r>
+              <a:rPr lang="en-US" altLang="ko-KR" sz="1200" b="1"/>
+              <a:t>(Session Affinity)</a:t>
+            </a:r>
+            <a:endParaRPr lang="ko-KR" altLang="en-US" sz="1200" b="1"/>
+          </a:p>
+        </p:txBody>
+      </p:sp>
+      <p:sp>
+        <p:nvSpPr>
+          <p:cNvPr id="78" name="사각형: 둥근 모서리 77">
+            <a:extLst>
+              <a:ext uri="{FF2B5EF4-FFF2-40B4-BE49-F238E27FC236}">
+                <a16:creationId xmlns:a16="http://schemas.microsoft.com/office/drawing/2014/main" id="{41F780A1-4221-434E-9956-206E5D26FE66}"/>
               </a:ext>
             </a:extLst>
           </p:cNvPr>
@@ -6034,8 +8036,8 @@
         </p:nvSpPr>
         <p:spPr>
           <a:xfrm>
-            <a:off x="2244592" y="1612528"/>
-            <a:ext cx="1388470" cy="527174"/>
+            <a:off x="2454148" y="3570113"/>
+            <a:ext cx="1263236" cy="527174"/>
           </a:xfrm>
           <a:prstGeom prst="roundRect">
             <a:avLst>
@@ -6064,26 +8066,27 @@
           <a:p>
             <a:pPr algn="ctr"/>
             <a:r>
-              <a:rPr lang="en-US" altLang="ko-KR" sz="1200" b="1"/>
-              <a:t>Load Balancer</a:t>
-            </a:r>
-          </a:p>
-          <a:p>
-            <a:pPr algn="ctr"/>
-            <a:r>
-              <a:rPr lang="en-US" altLang="ko-KR" sz="1200" b="1"/>
-              <a:t>(Session Affinity)</a:t>
-            </a:r>
-            <a:endParaRPr lang="ko-KR" altLang="en-US" sz="1200" b="1"/>
-          </a:p>
-        </p:txBody>
-      </p:sp>
-      <p:sp>
-        <p:nvSpPr>
-          <p:cNvPr id="78" name="사각형: 둥근 모서리 77">
-            <a:extLst>
-              <a:ext uri="{FF2B5EF4-FFF2-40B4-BE49-F238E27FC236}">
-                <a16:creationId xmlns:a16="http://schemas.microsoft.com/office/drawing/2014/main" id="{41F780A1-4221-434E-9956-206E5D26FE66}"/>
+              <a:rPr lang="en-US" altLang="ko-KR" sz="1200"/>
+              <a:t>Prometheus</a:t>
+            </a:r>
+            <a:r>
+              <a:rPr lang="ko-KR" altLang="en-US" sz="1200"/>
+              <a:t> </a:t>
+            </a:r>
+            <a:r>
+              <a:rPr lang="en-US" altLang="ko-KR" sz="1200"/>
+              <a:t>Pushgateway</a:t>
+            </a:r>
+            <a:endParaRPr lang="ko-KR" altLang="en-US" sz="1200"/>
+          </a:p>
+        </p:txBody>
+      </p:sp>
+      <p:sp>
+        <p:nvSpPr>
+          <p:cNvPr id="79" name="사각형: 둥근 모서리 78">
+            <a:extLst>
+              <a:ext uri="{FF2B5EF4-FFF2-40B4-BE49-F238E27FC236}">
+                <a16:creationId xmlns:a16="http://schemas.microsoft.com/office/drawing/2014/main" id="{0E950D99-0D50-4CA0-B60E-A8C4434F3AF4}"/>
               </a:ext>
             </a:extLst>
           </p:cNvPr>
@@ -6092,7 +8095,7 @@
         </p:nvSpPr>
         <p:spPr>
           <a:xfrm>
-            <a:off x="3408809" y="3498105"/>
+            <a:off x="4594159" y="3570113"/>
             <a:ext cx="1263236" cy="527174"/>
           </a:xfrm>
           <a:prstGeom prst="roundRect">
@@ -6139,10 +8142,10 @@
       </p:sp>
       <p:sp>
         <p:nvSpPr>
-          <p:cNvPr id="79" name="사각형: 둥근 모서리 78">
-            <a:extLst>
-              <a:ext uri="{FF2B5EF4-FFF2-40B4-BE49-F238E27FC236}">
-                <a16:creationId xmlns:a16="http://schemas.microsoft.com/office/drawing/2014/main" id="{0E950D99-0D50-4CA0-B60E-A8C4434F3AF4}"/>
+          <p:cNvPr id="82" name="사각형: 둥근 모서리 81">
+            <a:extLst>
+              <a:ext uri="{FF2B5EF4-FFF2-40B4-BE49-F238E27FC236}">
+                <a16:creationId xmlns:a16="http://schemas.microsoft.com/office/drawing/2014/main" id="{3B244165-2C32-416D-BC21-DDD0137C6A86}"/>
               </a:ext>
             </a:extLst>
           </p:cNvPr>
@@ -6151,7 +8154,7 @@
         </p:nvSpPr>
         <p:spPr>
           <a:xfrm>
-            <a:off x="5548820" y="3498105"/>
+            <a:off x="314137" y="3570113"/>
             <a:ext cx="1263236" cy="527174"/>
           </a:xfrm>
           <a:prstGeom prst="roundRect">
@@ -6190,7 +8193,7 @@
             </a:r>
             <a:r>
               <a:rPr lang="en-US" altLang="ko-KR" sz="1200"/>
-              <a:t>Pushgateway</a:t>
+              <a:t>Exporter</a:t>
             </a:r>
             <a:endParaRPr lang="ko-KR" altLang="en-US" sz="1200"/>
           </a:p>
@@ -6198,10 +8201,10 @@
       </p:sp>
       <p:sp>
         <p:nvSpPr>
-          <p:cNvPr id="82" name="사각형: 둥근 모서리 81">
-            <a:extLst>
-              <a:ext uri="{FF2B5EF4-FFF2-40B4-BE49-F238E27FC236}">
-                <a16:creationId xmlns:a16="http://schemas.microsoft.com/office/drawing/2014/main" id="{3B244165-2C32-416D-BC21-DDD0137C6A86}"/>
+          <p:cNvPr id="99" name="사각형: 둥근 모서리 98">
+            <a:extLst>
+              <a:ext uri="{FF2B5EF4-FFF2-40B4-BE49-F238E27FC236}">
+                <a16:creationId xmlns:a16="http://schemas.microsoft.com/office/drawing/2014/main" id="{56C977BC-9A7B-4F40-8730-C993BA2A95B6}"/>
               </a:ext>
             </a:extLst>
           </p:cNvPr>
@@ -6210,7 +8213,7 @@
         </p:nvSpPr>
         <p:spPr>
           <a:xfrm>
-            <a:off x="1268798" y="3498105"/>
+            <a:off x="2454147" y="4371950"/>
             <a:ext cx="1263236" cy="527174"/>
           </a:xfrm>
           <a:prstGeom prst="roundRect">
@@ -6241,15 +8244,7 @@
             <a:pPr algn="ctr"/>
             <a:r>
               <a:rPr lang="en-US" altLang="ko-KR" sz="1200"/>
-              <a:t>Prometheus</a:t>
-            </a:r>
-            <a:r>
-              <a:rPr lang="ko-KR" altLang="en-US" sz="1200"/>
-              <a:t> </a:t>
-            </a:r>
-            <a:r>
-              <a:rPr lang="en-US" altLang="ko-KR" sz="1200"/>
-              <a:t>Exporter</a:t>
+              <a:t>Batch Job</a:t>
             </a:r>
             <a:endParaRPr lang="ko-KR" altLang="en-US" sz="1200"/>
           </a:p>
@@ -6257,10 +8252,10 @@
       </p:sp>
       <p:sp>
         <p:nvSpPr>
-          <p:cNvPr id="99" name="사각형: 둥근 모서리 98">
-            <a:extLst>
-              <a:ext uri="{FF2B5EF4-FFF2-40B4-BE49-F238E27FC236}">
-                <a16:creationId xmlns:a16="http://schemas.microsoft.com/office/drawing/2014/main" id="{56C977BC-9A7B-4F40-8730-C993BA2A95B6}"/>
+          <p:cNvPr id="100" name="사각형: 둥근 모서리 99">
+            <a:extLst>
+              <a:ext uri="{FF2B5EF4-FFF2-40B4-BE49-F238E27FC236}">
+                <a16:creationId xmlns:a16="http://schemas.microsoft.com/office/drawing/2014/main" id="{26D4DCD2-3BA3-40D4-BF98-B2042E46D55A}"/>
               </a:ext>
             </a:extLst>
           </p:cNvPr>
@@ -6269,7 +8264,7 @@
         </p:nvSpPr>
         <p:spPr>
           <a:xfrm>
-            <a:off x="3411379" y="4371950"/>
+            <a:off x="4594159" y="4371950"/>
             <a:ext cx="1263236" cy="527174"/>
           </a:xfrm>
           <a:prstGeom prst="roundRect">
@@ -6299,19 +8294,19 @@
           <a:p>
             <a:pPr algn="ctr"/>
             <a:r>
-              <a:rPr lang="en-US" altLang="ko-KR" sz="1200"/>
-              <a:t>Batch Job</a:t>
-            </a:r>
-            <a:endParaRPr lang="ko-KR" altLang="en-US" sz="1200"/>
-          </a:p>
-        </p:txBody>
-      </p:sp>
-      <p:sp>
-        <p:nvSpPr>
-          <p:cNvPr id="100" name="사각형: 둥근 모서리 99">
-            <a:extLst>
-              <a:ext uri="{FF2B5EF4-FFF2-40B4-BE49-F238E27FC236}">
-                <a16:creationId xmlns:a16="http://schemas.microsoft.com/office/drawing/2014/main" id="{26D4DCD2-3BA3-40D4-BF98-B2042E46D55A}"/>
+              <a:rPr lang="en-US" altLang="ko-KR" sz="1200" b="1"/>
+              <a:t>Load Balancer</a:t>
+            </a:r>
+            <a:endParaRPr lang="ko-KR" altLang="en-US" sz="1200" b="1"/>
+          </a:p>
+        </p:txBody>
+      </p:sp>
+      <p:sp>
+        <p:nvSpPr>
+          <p:cNvPr id="102" name="사각형: 둥근 모서리 101">
+            <a:extLst>
+              <a:ext uri="{FF2B5EF4-FFF2-40B4-BE49-F238E27FC236}">
+                <a16:creationId xmlns:a16="http://schemas.microsoft.com/office/drawing/2014/main" id="{EDD9E68A-6AF8-4CA6-8C37-5EB62DA23973}"/>
               </a:ext>
             </a:extLst>
           </p:cNvPr>
@@ -6320,15 +8315,18 @@
         </p:nvSpPr>
         <p:spPr>
           <a:xfrm>
-            <a:off x="5553960" y="4371950"/>
-            <a:ext cx="1263236" cy="527174"/>
+            <a:off x="1242438" y="2489572"/>
+            <a:ext cx="4614957" cy="730250"/>
           </a:xfrm>
           <a:prstGeom prst="roundRect">
             <a:avLst>
-              <a:gd name="adj" fmla="val 7693"/>
+              <a:gd name="adj" fmla="val 4089"/>
             </a:avLst>
           </a:prstGeom>
           <a:noFill/>
+          <a:ln>
+            <a:prstDash val="dash"/>
+          </a:ln>
         </p:spPr>
         <p:style>
           <a:lnRef idx="2">
@@ -6348,10 +8346,17 @@
           <a:bodyPr rtlCol="0" anchor="ctr"/>
           <a:lstStyle/>
           <a:p>
-            <a:pPr algn="ctr"/>
+            <a:pPr algn="r"/>
             <a:r>
               <a:rPr lang="en-US" altLang="ko-KR" sz="1200" b="1"/>
-              <a:t>Load Balancer</a:t>
+              <a:t>Prometheus </a:t>
+            </a:r>
+          </a:p>
+          <a:p>
+            <a:pPr algn="r"/>
+            <a:r>
+              <a:rPr lang="en-US" altLang="ko-KR" sz="1200" b="1"/>
+              <a:t>Servers</a:t>
             </a:r>
             <a:endParaRPr lang="ko-KR" altLang="en-US" sz="1200" b="1"/>
           </a:p>
@@ -6359,10 +8364,10 @@
       </p:sp>
       <p:sp>
         <p:nvSpPr>
-          <p:cNvPr id="102" name="사각형: 둥근 모서리 101">
-            <a:extLst>
-              <a:ext uri="{FF2B5EF4-FFF2-40B4-BE49-F238E27FC236}">
-                <a16:creationId xmlns:a16="http://schemas.microsoft.com/office/drawing/2014/main" id="{EDD9E68A-6AF8-4CA6-8C37-5EB62DA23973}"/>
+          <p:cNvPr id="103" name="사각형: 둥근 모서리 102">
+            <a:extLst>
+              <a:ext uri="{FF2B5EF4-FFF2-40B4-BE49-F238E27FC236}">
+                <a16:creationId xmlns:a16="http://schemas.microsoft.com/office/drawing/2014/main" id="{20684741-02EE-42B6-97F5-09BCD4C5E0C3}"/>
               </a:ext>
             </a:extLst>
           </p:cNvPr>
@@ -6371,8 +8376,8 @@
         </p:nvSpPr>
         <p:spPr>
           <a:xfrm>
-            <a:off x="1162554" y="2417564"/>
-            <a:ext cx="6835531" cy="730250"/>
+            <a:off x="2360039" y="3475198"/>
+            <a:ext cx="4683385" cy="717550"/>
           </a:xfrm>
           <a:prstGeom prst="roundRect">
             <a:avLst>
@@ -6412,67 +8417,6 @@
             <a:pPr algn="r"/>
             <a:r>
               <a:rPr lang="en-US" altLang="ko-KR" sz="1200" b="1"/>
-              <a:t>Servers</a:t>
-            </a:r>
-            <a:endParaRPr lang="ko-KR" altLang="en-US" sz="1200" b="1"/>
-          </a:p>
-        </p:txBody>
-      </p:sp>
-      <p:sp>
-        <p:nvSpPr>
-          <p:cNvPr id="103" name="사각형: 둥근 모서리 102">
-            <a:extLst>
-              <a:ext uri="{FF2B5EF4-FFF2-40B4-BE49-F238E27FC236}">
-                <a16:creationId xmlns:a16="http://schemas.microsoft.com/office/drawing/2014/main" id="{20684741-02EE-42B6-97F5-09BCD4C5E0C3}"/>
-              </a:ext>
-            </a:extLst>
-          </p:cNvPr>
-          <p:cNvSpPr/>
-          <p:nvPr/>
-        </p:nvSpPr>
-        <p:spPr>
-          <a:xfrm>
-            <a:off x="3314700" y="3403190"/>
-            <a:ext cx="4683385" cy="717550"/>
-          </a:xfrm>
-          <a:prstGeom prst="roundRect">
-            <a:avLst>
-              <a:gd name="adj" fmla="val 4089"/>
-            </a:avLst>
-          </a:prstGeom>
-          <a:noFill/>
-          <a:ln>
-            <a:prstDash val="dash"/>
-          </a:ln>
-        </p:spPr>
-        <p:style>
-          <a:lnRef idx="2">
-            <a:schemeClr val="dk1"/>
-          </a:lnRef>
-          <a:fillRef idx="1">
-            <a:schemeClr val="lt1"/>
-          </a:fillRef>
-          <a:effectRef idx="0">
-            <a:schemeClr val="dk1"/>
-          </a:effectRef>
-          <a:fontRef idx="minor">
-            <a:schemeClr val="dk1"/>
-          </a:fontRef>
-        </p:style>
-        <p:txBody>
-          <a:bodyPr rtlCol="0" anchor="ctr"/>
-          <a:lstStyle/>
-          <a:p>
-            <a:pPr algn="r"/>
-            <a:r>
-              <a:rPr lang="en-US" altLang="ko-KR" sz="1200" b="1"/>
-              <a:t>Prometheus </a:t>
-            </a:r>
-          </a:p>
-          <a:p>
-            <a:pPr algn="r"/>
-            <a:r>
-              <a:rPr lang="en-US" altLang="ko-KR" sz="1200" b="1"/>
               <a:t>Pushgateways</a:t>
             </a:r>
             <a:endParaRPr lang="ko-KR" altLang="en-US" sz="1200" b="1"/>
@@ -6497,15 +8441,15 @@
         </p:nvCxnSpPr>
         <p:spPr>
           <a:xfrm>
-            <a:off x="4674615" y="4635537"/>
-            <a:ext cx="879345" cy="0"/>
+            <a:off x="3717383" y="4635537"/>
+            <a:ext cx="876776" cy="0"/>
           </a:xfrm>
           <a:prstGeom prst="line">
             <a:avLst/>
           </a:prstGeom>
           <a:ln w="19050">
             <a:solidFill>
-              <a:schemeClr val="tx1"/>
+              <a:srgbClr val="C00000"/>
             </a:solidFill>
             <a:headEnd type="none" w="med" len="med"/>
             <a:tailEnd type="arrow" w="med" len="med"/>
@@ -6543,16 +8487,16 @@
           <p:nvPr/>
         </p:nvCxnSpPr>
         <p:spPr>
-          <a:xfrm flipH="1" flipV="1">
-            <a:off x="6180438" y="4025279"/>
-            <a:ext cx="5140" cy="346671"/>
+          <a:xfrm flipV="1">
+            <a:off x="5225777" y="4097287"/>
+            <a:ext cx="0" cy="274663"/>
           </a:xfrm>
           <a:prstGeom prst="line">
             <a:avLst/>
           </a:prstGeom>
           <a:ln w="19050">
             <a:solidFill>
-              <a:schemeClr val="tx1"/>
+              <a:srgbClr val="C00000"/>
             </a:solidFill>
             <a:headEnd type="none" w="med" len="med"/>
             <a:tailEnd type="arrow" w="med" len="med"/>
@@ -6585,21 +8529,20 @@
           <p:cNvCxnSpPr>
             <a:cxnSpLocks/>
             <a:stCxn id="100" idx="0"/>
-            <a:endCxn id="78" idx="2"/>
           </p:cNvCxnSpPr>
           <p:nvPr/>
         </p:nvCxnSpPr>
         <p:spPr>
           <a:xfrm flipH="1" flipV="1">
-            <a:off x="4040427" y="4025279"/>
-            <a:ext cx="2145151" cy="346671"/>
+            <a:off x="3085766" y="4146177"/>
+            <a:ext cx="2140011" cy="225773"/>
           </a:xfrm>
           <a:prstGeom prst="line">
             <a:avLst/>
           </a:prstGeom>
           <a:ln w="19050">
             <a:solidFill>
-              <a:schemeClr val="tx1"/>
+              <a:srgbClr val="C00000"/>
             </a:solidFill>
             <a:headEnd type="none" w="med" len="med"/>
             <a:tailEnd type="arrow" w="med" len="med"/>
@@ -6637,16 +8580,16 @@
           <p:nvPr/>
         </p:nvCxnSpPr>
         <p:spPr>
-          <a:xfrm flipV="1">
-            <a:off x="4040427" y="3050778"/>
-            <a:ext cx="2570" cy="447327"/>
+          <a:xfrm flipH="1" flipV="1">
+            <a:off x="1984166" y="3122786"/>
+            <a:ext cx="1101600" cy="447327"/>
           </a:xfrm>
           <a:prstGeom prst="line">
             <a:avLst/>
           </a:prstGeom>
           <a:ln w="19050">
             <a:solidFill>
-              <a:schemeClr val="tx1"/>
+              <a:srgbClr val="C00000"/>
             </a:solidFill>
             <a:headEnd type="none" w="med" len="med"/>
             <a:tailEnd type="arrow" w="med" len="med"/>
@@ -6685,15 +8628,15 @@
         </p:nvCxnSpPr>
         <p:spPr>
           <a:xfrm flipH="1" flipV="1">
-            <a:off x="4042997" y="3050778"/>
-            <a:ext cx="2137441" cy="447327"/>
+            <a:off x="1984166" y="3122786"/>
+            <a:ext cx="3241611" cy="447327"/>
           </a:xfrm>
           <a:prstGeom prst="line">
             <a:avLst/>
           </a:prstGeom>
           <a:ln w="19050">
             <a:solidFill>
-              <a:schemeClr val="tx1"/>
+              <a:srgbClr val="C00000"/>
             </a:solidFill>
             <a:headEnd type="none" w="med" len="med"/>
             <a:tailEnd type="arrow" w="med" len="med"/>
@@ -6732,156 +8675,15 @@
         </p:nvCxnSpPr>
         <p:spPr>
           <a:xfrm flipV="1">
-            <a:off x="1900416" y="3050778"/>
-            <a:ext cx="2142581" cy="447327"/>
+            <a:off x="945755" y="3122786"/>
+            <a:ext cx="1038411" cy="447327"/>
           </a:xfrm>
           <a:prstGeom prst="line">
             <a:avLst/>
           </a:prstGeom>
           <a:ln w="19050">
             <a:solidFill>
-              <a:schemeClr val="tx1"/>
-            </a:solidFill>
-            <a:headEnd type="none" w="med" len="med"/>
-            <a:tailEnd type="arrow" w="med" len="med"/>
-          </a:ln>
-        </p:spPr>
-        <p:style>
-          <a:lnRef idx="1">
-            <a:schemeClr val="accent1"/>
-          </a:lnRef>
-          <a:fillRef idx="0">
-            <a:schemeClr val="accent1"/>
-          </a:fillRef>
-          <a:effectRef idx="0">
-            <a:schemeClr val="accent1"/>
-          </a:effectRef>
-          <a:fontRef idx="minor">
-            <a:schemeClr val="tx1"/>
-          </a:fontRef>
-        </p:style>
-      </p:cxnSp>
-      <p:cxnSp>
-        <p:nvCxnSpPr>
-          <p:cNvPr id="112" name="직선 연결선 111">
-            <a:extLst>
-              <a:ext uri="{FF2B5EF4-FFF2-40B4-BE49-F238E27FC236}">
-                <a16:creationId xmlns:a16="http://schemas.microsoft.com/office/drawing/2014/main" id="{E4FE999E-7B0C-42EB-BE8D-90F4E1567390}"/>
-              </a:ext>
-            </a:extLst>
-          </p:cNvPr>
-          <p:cNvCxnSpPr>
-            <a:cxnSpLocks/>
-            <a:stCxn id="82" idx="0"/>
-            <a:endCxn id="67" idx="2"/>
-          </p:cNvCxnSpPr>
-          <p:nvPr/>
-        </p:nvCxnSpPr>
-        <p:spPr>
-          <a:xfrm flipV="1">
-            <a:off x="1900416" y="3050778"/>
-            <a:ext cx="0" cy="447327"/>
-          </a:xfrm>
-          <a:prstGeom prst="line">
-            <a:avLst/>
-          </a:prstGeom>
-          <a:ln w="19050">
-            <a:solidFill>
-              <a:schemeClr val="tx1"/>
-            </a:solidFill>
-            <a:headEnd type="none" w="med" len="med"/>
-            <a:tailEnd type="arrow" w="med" len="med"/>
-          </a:ln>
-        </p:spPr>
-        <p:style>
-          <a:lnRef idx="1">
-            <a:schemeClr val="accent1"/>
-          </a:lnRef>
-          <a:fillRef idx="0">
-            <a:schemeClr val="accent1"/>
-          </a:fillRef>
-          <a:effectRef idx="0">
-            <a:schemeClr val="accent1"/>
-          </a:effectRef>
-          <a:fontRef idx="minor">
-            <a:schemeClr val="tx1"/>
-          </a:fontRef>
-        </p:style>
-      </p:cxnSp>
-      <p:cxnSp>
-        <p:nvCxnSpPr>
-          <p:cNvPr id="116" name="직선 연결선 115">
-            <a:extLst>
-              <a:ext uri="{FF2B5EF4-FFF2-40B4-BE49-F238E27FC236}">
-                <a16:creationId xmlns:a16="http://schemas.microsoft.com/office/drawing/2014/main" id="{66D4C4F9-E295-4944-8519-DCAF19DD6F06}"/>
-              </a:ext>
-            </a:extLst>
-          </p:cNvPr>
-          <p:cNvCxnSpPr>
-            <a:cxnSpLocks/>
-            <a:stCxn id="78" idx="0"/>
-            <a:endCxn id="67" idx="2"/>
-          </p:cNvCxnSpPr>
-          <p:nvPr/>
-        </p:nvCxnSpPr>
-        <p:spPr>
-          <a:xfrm flipH="1" flipV="1">
-            <a:off x="1900416" y="3050778"/>
-            <a:ext cx="2140011" cy="447327"/>
-          </a:xfrm>
-          <a:prstGeom prst="line">
-            <a:avLst/>
-          </a:prstGeom>
-          <a:ln w="19050">
-            <a:solidFill>
-              <a:schemeClr val="tx1"/>
-            </a:solidFill>
-            <a:headEnd type="none" w="med" len="med"/>
-            <a:tailEnd type="arrow" w="med" len="med"/>
-          </a:ln>
-        </p:spPr>
-        <p:style>
-          <a:lnRef idx="1">
-            <a:schemeClr val="accent1"/>
-          </a:lnRef>
-          <a:fillRef idx="0">
-            <a:schemeClr val="accent1"/>
-          </a:fillRef>
-          <a:effectRef idx="0">
-            <a:schemeClr val="accent1"/>
-          </a:effectRef>
-          <a:fontRef idx="minor">
-            <a:schemeClr val="tx1"/>
-          </a:fontRef>
-        </p:style>
-      </p:cxnSp>
-      <p:cxnSp>
-        <p:nvCxnSpPr>
-          <p:cNvPr id="118" name="직선 연결선 117">
-            <a:extLst>
-              <a:ext uri="{FF2B5EF4-FFF2-40B4-BE49-F238E27FC236}">
-                <a16:creationId xmlns:a16="http://schemas.microsoft.com/office/drawing/2014/main" id="{C3812240-394C-44FE-8123-EB4B441D8502}"/>
-              </a:ext>
-            </a:extLst>
-          </p:cNvPr>
-          <p:cNvCxnSpPr>
-            <a:cxnSpLocks/>
-            <a:stCxn id="79" idx="0"/>
-            <a:endCxn id="67" idx="2"/>
-          </p:cNvCxnSpPr>
-          <p:nvPr/>
-        </p:nvCxnSpPr>
-        <p:spPr>
-          <a:xfrm flipH="1" flipV="1">
-            <a:off x="1900416" y="3050778"/>
-            <a:ext cx="4280022" cy="447327"/>
-          </a:xfrm>
-          <a:prstGeom prst="line">
-            <a:avLst/>
-          </a:prstGeom>
-          <a:ln w="19050">
-            <a:solidFill>
-              <a:schemeClr val="tx1"/>
+              <a:srgbClr val="C00000"/>
             </a:solidFill>
             <a:headEnd type="none" w="med" len="med"/>
             <a:tailEnd type="arrow" w="med" len="med"/>
@@ -6920,15 +8722,15 @@
         </p:nvCxnSpPr>
         <p:spPr>
           <a:xfrm flipV="1">
-            <a:off x="4040427" y="3041526"/>
-            <a:ext cx="2145151" cy="456579"/>
+            <a:off x="3085766" y="3113534"/>
+            <a:ext cx="1072575" cy="456579"/>
           </a:xfrm>
           <a:prstGeom prst="line">
             <a:avLst/>
           </a:prstGeom>
           <a:ln w="19050">
             <a:solidFill>
-              <a:schemeClr val="tx1"/>
+              <a:srgbClr val="C00000"/>
             </a:solidFill>
             <a:headEnd type="none" w="med" len="med"/>
             <a:tailEnd type="arrow" w="med" len="med"/>
@@ -6966,16 +8768,16 @@
           <p:nvPr/>
         </p:nvCxnSpPr>
         <p:spPr>
-          <a:xfrm flipV="1">
-            <a:off x="6180438" y="3041526"/>
-            <a:ext cx="5140" cy="456579"/>
+          <a:xfrm flipH="1" flipV="1">
+            <a:off x="4158341" y="3113534"/>
+            <a:ext cx="1067436" cy="456579"/>
           </a:xfrm>
           <a:prstGeom prst="line">
             <a:avLst/>
           </a:prstGeom>
           <a:ln w="19050">
             <a:solidFill>
-              <a:schemeClr val="tx1"/>
+              <a:srgbClr val="C00000"/>
             </a:solidFill>
             <a:headEnd type="none" w="med" len="med"/>
             <a:tailEnd type="arrow" w="med" len="med"/>
@@ -7014,62 +8816,15 @@
         </p:nvCxnSpPr>
         <p:spPr>
           <a:xfrm flipV="1">
-            <a:off x="1900416" y="3041526"/>
-            <a:ext cx="4285162" cy="456579"/>
+            <a:off x="945755" y="3113534"/>
+            <a:ext cx="3212586" cy="456579"/>
           </a:xfrm>
           <a:prstGeom prst="line">
             <a:avLst/>
           </a:prstGeom>
           <a:ln w="19050">
             <a:solidFill>
-              <a:schemeClr val="tx1"/>
-            </a:solidFill>
-            <a:headEnd type="none" w="med" len="med"/>
-            <a:tailEnd type="arrow" w="med" len="med"/>
-          </a:ln>
-        </p:spPr>
-        <p:style>
-          <a:lnRef idx="1">
-            <a:schemeClr val="accent1"/>
-          </a:lnRef>
-          <a:fillRef idx="0">
-            <a:schemeClr val="accent1"/>
-          </a:fillRef>
-          <a:effectRef idx="0">
-            <a:schemeClr val="accent1"/>
-          </a:effectRef>
-          <a:fontRef idx="minor">
-            <a:schemeClr val="tx1"/>
-          </a:fontRef>
-        </p:style>
-      </p:cxnSp>
-      <p:cxnSp>
-        <p:nvCxnSpPr>
-          <p:cNvPr id="133" name="직선 연결선 132">
-            <a:extLst>
-              <a:ext uri="{FF2B5EF4-FFF2-40B4-BE49-F238E27FC236}">
-                <a16:creationId xmlns:a16="http://schemas.microsoft.com/office/drawing/2014/main" id="{015705D1-0DE5-4004-96E2-BAF2B642EDBF}"/>
-              </a:ext>
-            </a:extLst>
-          </p:cNvPr>
-          <p:cNvCxnSpPr>
-            <a:cxnSpLocks/>
-            <a:stCxn id="67" idx="0"/>
-            <a:endCxn id="76" idx="2"/>
-          </p:cNvCxnSpPr>
-          <p:nvPr/>
-        </p:nvCxnSpPr>
-        <p:spPr>
-          <a:xfrm flipV="1">
-            <a:off x="1900416" y="2139702"/>
-            <a:ext cx="1038411" cy="383902"/>
-          </a:xfrm>
-          <a:prstGeom prst="line">
-            <a:avLst/>
-          </a:prstGeom>
-          <a:ln w="19050">
-            <a:solidFill>
-              <a:schemeClr val="tx1"/>
+              <a:srgbClr val="C00000"/>
             </a:solidFill>
             <a:headEnd type="none" w="med" len="med"/>
             <a:tailEnd type="arrow" w="med" len="med"/>
@@ -7108,17 +8863,19 @@
         </p:nvCxnSpPr>
         <p:spPr>
           <a:xfrm flipH="1" flipV="1">
-            <a:off x="2938827" y="2139702"/>
-            <a:ext cx="1104170" cy="383902"/>
+            <a:off x="945755" y="2201710"/>
+            <a:ext cx="1038411" cy="393902"/>
           </a:xfrm>
           <a:prstGeom prst="line">
             <a:avLst/>
           </a:prstGeom>
           <a:ln w="19050">
             <a:solidFill>
-              <a:schemeClr val="tx1"/>
+              <a:schemeClr val="accent3">
+                <a:lumMod val="75000"/>
+              </a:schemeClr>
             </a:solidFill>
-            <a:headEnd type="none" w="med" len="med"/>
+            <a:headEnd type="arrow" w="med" len="med"/>
             <a:tailEnd type="arrow" w="med" len="med"/>
           </a:ln>
         </p:spPr>
@@ -7155,17 +8912,19 @@
         </p:nvCxnSpPr>
         <p:spPr>
           <a:xfrm flipH="1" flipV="1">
-            <a:off x="2938827" y="2139702"/>
-            <a:ext cx="3246751" cy="374650"/>
+            <a:off x="945755" y="2201710"/>
+            <a:ext cx="3212586" cy="384650"/>
           </a:xfrm>
           <a:prstGeom prst="line">
             <a:avLst/>
           </a:prstGeom>
           <a:ln w="19050">
             <a:solidFill>
-              <a:schemeClr val="tx1"/>
+              <a:schemeClr val="accent3">
+                <a:lumMod val="75000"/>
+              </a:schemeClr>
             </a:solidFill>
-            <a:headEnd type="none" w="med" len="med"/>
+            <a:headEnd type="arrow" w="med" len="med"/>
             <a:tailEnd type="arrow" w="med" len="med"/>
           </a:ln>
         </p:spPr>
@@ -7198,7 +8957,7 @@
         </p:nvSpPr>
         <p:spPr>
           <a:xfrm>
-            <a:off x="2307209" y="824470"/>
+            <a:off x="314137" y="843558"/>
             <a:ext cx="1263236" cy="527174"/>
           </a:xfrm>
           <a:prstGeom prst="roundRect">
@@ -7261,8 +9020,173 @@
         </p:nvCxnSpPr>
         <p:spPr>
           <a:xfrm flipV="1">
-            <a:off x="2938827" y="1351644"/>
-            <a:ext cx="0" cy="260884"/>
+            <a:off x="945755" y="1370732"/>
+            <a:ext cx="0" cy="303804"/>
+          </a:xfrm>
+          <a:prstGeom prst="line">
+            <a:avLst/>
+          </a:prstGeom>
+          <a:ln w="19050">
+            <a:solidFill>
+              <a:schemeClr val="accent3">
+                <a:lumMod val="75000"/>
+              </a:schemeClr>
+            </a:solidFill>
+            <a:headEnd type="arrow" w="med" len="med"/>
+            <a:tailEnd type="arrow" w="med" len="med"/>
+          </a:ln>
+        </p:spPr>
+        <p:style>
+          <a:lnRef idx="1">
+            <a:schemeClr val="accent1"/>
+          </a:lnRef>
+          <a:fillRef idx="0">
+            <a:schemeClr val="accent1"/>
+          </a:fillRef>
+          <a:effectRef idx="0">
+            <a:schemeClr val="accent1"/>
+          </a:effectRef>
+          <a:fontRef idx="minor">
+            <a:schemeClr val="tx1"/>
+          </a:fontRef>
+        </p:style>
+      </p:cxnSp>
+      <p:sp>
+        <p:nvSpPr>
+          <p:cNvPr id="101" name="사각형: 둥근 모서리 100">
+            <a:extLst>
+              <a:ext uri="{FF2B5EF4-FFF2-40B4-BE49-F238E27FC236}">
+                <a16:creationId xmlns:a16="http://schemas.microsoft.com/office/drawing/2014/main" id="{F2946A33-0F8C-420B-9F70-F5E0E2392F9F}"/>
+              </a:ext>
+            </a:extLst>
+          </p:cNvPr>
+          <p:cNvSpPr/>
+          <p:nvPr/>
+        </p:nvSpPr>
+        <p:spPr>
+          <a:xfrm>
+            <a:off x="2449212" y="1680532"/>
+            <a:ext cx="1263236" cy="527174"/>
+          </a:xfrm>
+          <a:prstGeom prst="roundRect">
+            <a:avLst>
+              <a:gd name="adj" fmla="val 7693"/>
+            </a:avLst>
+          </a:prstGeom>
+          <a:noFill/>
+        </p:spPr>
+        <p:style>
+          <a:lnRef idx="2">
+            <a:schemeClr val="dk1"/>
+          </a:lnRef>
+          <a:fillRef idx="1">
+            <a:schemeClr val="lt1"/>
+          </a:fillRef>
+          <a:effectRef idx="0">
+            <a:schemeClr val="dk1"/>
+          </a:effectRef>
+          <a:fontRef idx="minor">
+            <a:schemeClr val="dk1"/>
+          </a:fontRef>
+        </p:style>
+        <p:txBody>
+          <a:bodyPr rtlCol="0" anchor="ctr"/>
+          <a:lstStyle/>
+          <a:p>
+            <a:pPr algn="ctr"/>
+            <a:r>
+              <a:rPr lang="en-US" altLang="ko-KR" sz="1200"/>
+              <a:t>Prometheus</a:t>
+            </a:r>
+          </a:p>
+          <a:p>
+            <a:pPr algn="ctr"/>
+            <a:r>
+              <a:rPr lang="en-US" altLang="ko-KR" sz="1200"/>
+              <a:t>Alertmanager</a:t>
+            </a:r>
+            <a:endParaRPr lang="ko-KR" altLang="en-US" sz="1200"/>
+          </a:p>
+        </p:txBody>
+      </p:sp>
+      <p:sp>
+        <p:nvSpPr>
+          <p:cNvPr id="155" name="사각형: 둥근 모서리 154">
+            <a:extLst>
+              <a:ext uri="{FF2B5EF4-FFF2-40B4-BE49-F238E27FC236}">
+                <a16:creationId xmlns:a16="http://schemas.microsoft.com/office/drawing/2014/main" id="{9DCB89F4-FC7A-4BC1-A028-D24DEBE4CCB3}"/>
+              </a:ext>
+            </a:extLst>
+          </p:cNvPr>
+          <p:cNvSpPr/>
+          <p:nvPr/>
+        </p:nvSpPr>
+        <p:spPr>
+          <a:xfrm>
+            <a:off x="4594159" y="1679633"/>
+            <a:ext cx="1263236" cy="527174"/>
+          </a:xfrm>
+          <a:prstGeom prst="roundRect">
+            <a:avLst>
+              <a:gd name="adj" fmla="val 7693"/>
+            </a:avLst>
+          </a:prstGeom>
+          <a:noFill/>
+        </p:spPr>
+        <p:style>
+          <a:lnRef idx="2">
+            <a:schemeClr val="dk1"/>
+          </a:lnRef>
+          <a:fillRef idx="1">
+            <a:schemeClr val="lt1"/>
+          </a:fillRef>
+          <a:effectRef idx="0">
+            <a:schemeClr val="dk1"/>
+          </a:effectRef>
+          <a:fontRef idx="minor">
+            <a:schemeClr val="dk1"/>
+          </a:fontRef>
+        </p:style>
+        <p:txBody>
+          <a:bodyPr rtlCol="0" anchor="ctr"/>
+          <a:lstStyle/>
+          <a:p>
+            <a:pPr algn="ctr"/>
+            <a:r>
+              <a:rPr lang="en-US" altLang="ko-KR" sz="1200"/>
+              <a:t>Prometheus</a:t>
+            </a:r>
+          </a:p>
+          <a:p>
+            <a:pPr algn="ctr"/>
+            <a:r>
+              <a:rPr lang="en-US" altLang="ko-KR" sz="1200"/>
+              <a:t>Alertmanager</a:t>
+            </a:r>
+            <a:endParaRPr lang="ko-KR" altLang="en-US" sz="1200"/>
+          </a:p>
+        </p:txBody>
+      </p:sp>
+      <p:cxnSp>
+        <p:nvCxnSpPr>
+          <p:cNvPr id="164" name="직선 연결선 163">
+            <a:extLst>
+              <a:ext uri="{FF2B5EF4-FFF2-40B4-BE49-F238E27FC236}">
+                <a16:creationId xmlns:a16="http://schemas.microsoft.com/office/drawing/2014/main" id="{EC683CB3-440A-4CF1-8F1A-467F44DBC03E}"/>
+              </a:ext>
+            </a:extLst>
+          </p:cNvPr>
+          <p:cNvCxnSpPr>
+            <a:cxnSpLocks/>
+            <a:stCxn id="101" idx="3"/>
+            <a:endCxn id="155" idx="1"/>
+          </p:cNvCxnSpPr>
+          <p:nvPr/>
+        </p:nvCxnSpPr>
+        <p:spPr>
+          <a:xfrm flipV="1">
+            <a:off x="3712448" y="1943220"/>
+            <a:ext cx="881711" cy="899"/>
           </a:xfrm>
           <a:prstGeom prst="line">
             <a:avLst/>
@@ -7270,6 +9194,121 @@
           <a:ln w="19050">
             <a:solidFill>
               <a:schemeClr val="tx1"/>
+            </a:solidFill>
+            <a:headEnd type="arrow" w="med" len="med"/>
+            <a:tailEnd type="arrow" w="med" len="med"/>
+          </a:ln>
+        </p:spPr>
+        <p:style>
+          <a:lnRef idx="1">
+            <a:schemeClr val="accent1"/>
+          </a:lnRef>
+          <a:fillRef idx="0">
+            <a:schemeClr val="accent1"/>
+          </a:fillRef>
+          <a:effectRef idx="0">
+            <a:schemeClr val="accent1"/>
+          </a:effectRef>
+          <a:fontRef idx="minor">
+            <a:schemeClr val="tx1"/>
+          </a:fontRef>
+        </p:style>
+      </p:cxnSp>
+      <p:sp>
+        <p:nvSpPr>
+          <p:cNvPr id="167" name="사각형: 둥근 모서리 166">
+            <a:extLst>
+              <a:ext uri="{FF2B5EF4-FFF2-40B4-BE49-F238E27FC236}">
+                <a16:creationId xmlns:a16="http://schemas.microsoft.com/office/drawing/2014/main" id="{FC26E226-EEB0-4B1D-A342-D7C6C7F446CF}"/>
+              </a:ext>
+            </a:extLst>
+          </p:cNvPr>
+          <p:cNvSpPr/>
+          <p:nvPr/>
+        </p:nvSpPr>
+        <p:spPr>
+          <a:xfrm>
+            <a:off x="2356745" y="1585070"/>
+            <a:ext cx="4683382" cy="719587"/>
+          </a:xfrm>
+          <a:prstGeom prst="roundRect">
+            <a:avLst>
+              <a:gd name="adj" fmla="val 4089"/>
+            </a:avLst>
+          </a:prstGeom>
+          <a:noFill/>
+          <a:ln>
+            <a:prstDash val="dash"/>
+          </a:ln>
+        </p:spPr>
+        <p:style>
+          <a:lnRef idx="2">
+            <a:schemeClr val="dk1"/>
+          </a:lnRef>
+          <a:fillRef idx="1">
+            <a:schemeClr val="lt1"/>
+          </a:fillRef>
+          <a:effectRef idx="0">
+            <a:schemeClr val="dk1"/>
+          </a:effectRef>
+          <a:fontRef idx="minor">
+            <a:schemeClr val="dk1"/>
+          </a:fontRef>
+        </p:style>
+        <p:txBody>
+          <a:bodyPr rtlCol="0" anchor="t"/>
+          <a:lstStyle/>
+          <a:p>
+            <a:pPr algn="r"/>
+            <a:r>
+              <a:rPr lang="en-US" altLang="ko-KR" sz="1200" b="1"/>
+              <a:t>Prometheus </a:t>
+            </a:r>
+          </a:p>
+          <a:p>
+            <a:pPr algn="r"/>
+            <a:r>
+              <a:rPr lang="en-US" altLang="ko-KR" sz="1200" b="1"/>
+              <a:t>Alermanager</a:t>
+            </a:r>
+          </a:p>
+          <a:p>
+            <a:pPr algn="r"/>
+            <a:r>
+              <a:rPr lang="en-US" altLang="ko-KR" sz="1200" b="1"/>
+              <a:t>Cluster</a:t>
+            </a:r>
+            <a:endParaRPr lang="ko-KR" altLang="en-US" sz="1200" b="1"/>
+          </a:p>
+        </p:txBody>
+      </p:sp>
+      <p:cxnSp>
+        <p:nvCxnSpPr>
+          <p:cNvPr id="200" name="직선 연결선 199">
+            <a:extLst>
+              <a:ext uri="{FF2B5EF4-FFF2-40B4-BE49-F238E27FC236}">
+                <a16:creationId xmlns:a16="http://schemas.microsoft.com/office/drawing/2014/main" id="{3840CD60-4551-4CAE-827A-F561D7C3F9B1}"/>
+              </a:ext>
+            </a:extLst>
+          </p:cNvPr>
+          <p:cNvCxnSpPr>
+            <a:cxnSpLocks/>
+            <a:stCxn id="68" idx="0"/>
+            <a:endCxn id="101" idx="2"/>
+          </p:cNvCxnSpPr>
+          <p:nvPr/>
+        </p:nvCxnSpPr>
+        <p:spPr>
+          <a:xfrm flipV="1">
+            <a:off x="1984166" y="2207706"/>
+            <a:ext cx="1096664" cy="387906"/>
+          </a:xfrm>
+          <a:prstGeom prst="line">
+            <a:avLst/>
+          </a:prstGeom>
+          <a:ln w="19050">
+            <a:solidFill>
+              <a:schemeClr val="tx2"/>
             </a:solidFill>
             <a:headEnd type="none" w="med" len="med"/>
             <a:tailEnd type="arrow" w="med" len="med"/>
@@ -7292,29 +9331,277 @@
       </p:cxnSp>
       <p:cxnSp>
         <p:nvCxnSpPr>
-          <p:cNvPr id="154" name="직선 연결선 153">
-            <a:extLst>
-              <a:ext uri="{FF2B5EF4-FFF2-40B4-BE49-F238E27FC236}">
-                <a16:creationId xmlns:a16="http://schemas.microsoft.com/office/drawing/2014/main" id="{3903356E-C611-47BA-994B-BB34A46FB00E}"/>
+          <p:cNvPr id="69" name="직선 연결선 68">
+            <a:extLst>
+              <a:ext uri="{FF2B5EF4-FFF2-40B4-BE49-F238E27FC236}">
+                <a16:creationId xmlns:a16="http://schemas.microsoft.com/office/drawing/2014/main" id="{5A4A2301-4656-4603-8040-73B427F9F9CA}"/>
               </a:ext>
             </a:extLst>
           </p:cNvPr>
           <p:cNvCxnSpPr>
             <a:cxnSpLocks/>
+            <a:stCxn id="70" idx="0"/>
+            <a:endCxn id="155" idx="2"/>
           </p:cNvCxnSpPr>
           <p:nvPr/>
         </p:nvCxnSpPr>
         <p:spPr>
-          <a:xfrm flipH="1" flipV="1">
-            <a:off x="754190" y="1229979"/>
-            <a:ext cx="816728" cy="2400"/>
+          <a:xfrm flipV="1">
+            <a:off x="4158341" y="2206807"/>
+            <a:ext cx="1067436" cy="379553"/>
           </a:xfrm>
           <a:prstGeom prst="line">
             <a:avLst/>
           </a:prstGeom>
           <a:ln w="19050">
             <a:solidFill>
-              <a:schemeClr val="tx1"/>
+              <a:schemeClr val="tx2"/>
+            </a:solidFill>
+            <a:headEnd type="none" w="med" len="med"/>
+            <a:tailEnd type="arrow" w="med" len="med"/>
+          </a:ln>
+        </p:spPr>
+        <p:style>
+          <a:lnRef idx="1">
+            <a:schemeClr val="accent1"/>
+          </a:lnRef>
+          <a:fillRef idx="0">
+            <a:schemeClr val="accent1"/>
+          </a:fillRef>
+          <a:effectRef idx="0">
+            <a:schemeClr val="accent1"/>
+          </a:effectRef>
+          <a:fontRef idx="minor">
+            <a:schemeClr val="tx1"/>
+          </a:fontRef>
+        </p:style>
+      </p:cxnSp>
+      <p:cxnSp>
+        <p:nvCxnSpPr>
+          <p:cNvPr id="71" name="직선 연결선 70">
+            <a:extLst>
+              <a:ext uri="{FF2B5EF4-FFF2-40B4-BE49-F238E27FC236}">
+                <a16:creationId xmlns:a16="http://schemas.microsoft.com/office/drawing/2014/main" id="{D9BDD1C0-6890-43C4-8EA9-B4D79FCA5E17}"/>
+              </a:ext>
+            </a:extLst>
+          </p:cNvPr>
+          <p:cNvCxnSpPr>
+            <a:cxnSpLocks/>
+            <a:stCxn id="70" idx="0"/>
+            <a:endCxn id="101" idx="2"/>
+          </p:cNvCxnSpPr>
+          <p:nvPr/>
+        </p:nvCxnSpPr>
+        <p:spPr>
+          <a:xfrm flipH="1" flipV="1">
+            <a:off x="3080830" y="2207706"/>
+            <a:ext cx="1077511" cy="378654"/>
+          </a:xfrm>
+          <a:prstGeom prst="line">
+            <a:avLst/>
+          </a:prstGeom>
+          <a:ln w="19050">
+            <a:solidFill>
+              <a:schemeClr val="tx2"/>
+            </a:solidFill>
+            <a:headEnd type="none" w="med" len="med"/>
+            <a:tailEnd type="arrow" w="med" len="med"/>
+          </a:ln>
+        </p:spPr>
+        <p:style>
+          <a:lnRef idx="1">
+            <a:schemeClr val="accent1"/>
+          </a:lnRef>
+          <a:fillRef idx="0">
+            <a:schemeClr val="accent1"/>
+          </a:fillRef>
+          <a:effectRef idx="0">
+            <a:schemeClr val="accent1"/>
+          </a:effectRef>
+          <a:fontRef idx="minor">
+            <a:schemeClr val="tx1"/>
+          </a:fontRef>
+        </p:style>
+      </p:cxnSp>
+      <p:sp>
+        <p:nvSpPr>
+          <p:cNvPr id="74" name="사각형: 둥근 모서리 73">
+            <a:extLst>
+              <a:ext uri="{FF2B5EF4-FFF2-40B4-BE49-F238E27FC236}">
+                <a16:creationId xmlns:a16="http://schemas.microsoft.com/office/drawing/2014/main" id="{2BF776DC-7C24-4EE0-AB95-2F3D82079C82}"/>
+              </a:ext>
+            </a:extLst>
+          </p:cNvPr>
+          <p:cNvSpPr/>
+          <p:nvPr/>
+        </p:nvSpPr>
+        <p:spPr>
+          <a:xfrm>
+            <a:off x="3521685" y="859444"/>
+            <a:ext cx="1263236" cy="527174"/>
+          </a:xfrm>
+          <a:prstGeom prst="roundRect">
+            <a:avLst>
+              <a:gd name="adj" fmla="val 7693"/>
+            </a:avLst>
+          </a:prstGeom>
+          <a:noFill/>
+        </p:spPr>
+        <p:style>
+          <a:lnRef idx="2">
+            <a:schemeClr val="dk1"/>
+          </a:lnRef>
+          <a:fillRef idx="1">
+            <a:schemeClr val="lt1"/>
+          </a:fillRef>
+          <a:effectRef idx="0">
+            <a:schemeClr val="dk1"/>
+          </a:effectRef>
+          <a:fontRef idx="minor">
+            <a:schemeClr val="dk1"/>
+          </a:fontRef>
+        </p:style>
+        <p:txBody>
+          <a:bodyPr rtlCol="0" anchor="ctr"/>
+          <a:lstStyle/>
+          <a:p>
+            <a:pPr algn="ctr"/>
+            <a:r>
+              <a:rPr lang="en-US" altLang="ko-KR" sz="1200"/>
+              <a:t>Alert</a:t>
+            </a:r>
+          </a:p>
+          <a:p>
+            <a:pPr algn="ctr"/>
+            <a:r>
+              <a:rPr lang="en-US" altLang="ko-KR" sz="1200"/>
+              <a:t>Destination</a:t>
+            </a:r>
+            <a:endParaRPr lang="ko-KR" altLang="en-US" sz="1200"/>
+          </a:p>
+        </p:txBody>
+      </p:sp>
+      <p:cxnSp>
+        <p:nvCxnSpPr>
+          <p:cNvPr id="75" name="직선 연결선 74">
+            <a:extLst>
+              <a:ext uri="{FF2B5EF4-FFF2-40B4-BE49-F238E27FC236}">
+                <a16:creationId xmlns:a16="http://schemas.microsoft.com/office/drawing/2014/main" id="{9CE1D8F8-E3D3-413D-B103-A921E47F6897}"/>
+              </a:ext>
+            </a:extLst>
+          </p:cNvPr>
+          <p:cNvCxnSpPr>
+            <a:cxnSpLocks/>
+            <a:stCxn id="101" idx="0"/>
+            <a:endCxn id="74" idx="2"/>
+          </p:cNvCxnSpPr>
+          <p:nvPr/>
+        </p:nvCxnSpPr>
+        <p:spPr>
+          <a:xfrm flipV="1">
+            <a:off x="3080830" y="1386618"/>
+            <a:ext cx="1072473" cy="293914"/>
+          </a:xfrm>
+          <a:prstGeom prst="line">
+            <a:avLst/>
+          </a:prstGeom>
+          <a:ln w="19050">
+            <a:solidFill>
+              <a:schemeClr val="tx2"/>
+            </a:solidFill>
+            <a:headEnd type="none" w="med" len="med"/>
+            <a:tailEnd type="arrow" w="med" len="med"/>
+          </a:ln>
+        </p:spPr>
+        <p:style>
+          <a:lnRef idx="1">
+            <a:schemeClr val="accent1"/>
+          </a:lnRef>
+          <a:fillRef idx="0">
+            <a:schemeClr val="accent1"/>
+          </a:fillRef>
+          <a:effectRef idx="0">
+            <a:schemeClr val="accent1"/>
+          </a:effectRef>
+          <a:fontRef idx="minor">
+            <a:schemeClr val="tx1"/>
+          </a:fontRef>
+        </p:style>
+      </p:cxnSp>
+      <p:cxnSp>
+        <p:nvCxnSpPr>
+          <p:cNvPr id="80" name="직선 연결선 79">
+            <a:extLst>
+              <a:ext uri="{FF2B5EF4-FFF2-40B4-BE49-F238E27FC236}">
+                <a16:creationId xmlns:a16="http://schemas.microsoft.com/office/drawing/2014/main" id="{C8A43A93-3014-4DD5-896C-BBE56D835828}"/>
+              </a:ext>
+            </a:extLst>
+          </p:cNvPr>
+          <p:cNvCxnSpPr>
+            <a:cxnSpLocks/>
+            <a:stCxn id="155" idx="0"/>
+            <a:endCxn id="74" idx="2"/>
+          </p:cNvCxnSpPr>
+          <p:nvPr/>
+        </p:nvCxnSpPr>
+        <p:spPr>
+          <a:xfrm flipH="1" flipV="1">
+            <a:off x="4153303" y="1386618"/>
+            <a:ext cx="1072474" cy="293015"/>
+          </a:xfrm>
+          <a:prstGeom prst="line">
+            <a:avLst/>
+          </a:prstGeom>
+          <a:ln w="19050">
+            <a:solidFill>
+              <a:schemeClr val="tx2"/>
+            </a:solidFill>
+            <a:headEnd type="none" w="med" len="med"/>
+            <a:tailEnd type="arrow" w="med" len="med"/>
+          </a:ln>
+        </p:spPr>
+        <p:style>
+          <a:lnRef idx="1">
+            <a:schemeClr val="accent1"/>
+          </a:lnRef>
+          <a:fillRef idx="0">
+            <a:schemeClr val="accent1"/>
+          </a:fillRef>
+          <a:effectRef idx="0">
+            <a:schemeClr val="accent1"/>
+          </a:effectRef>
+          <a:fontRef idx="minor">
+            <a:schemeClr val="tx1"/>
+          </a:fontRef>
+        </p:style>
+      </p:cxnSp>
+      <p:cxnSp>
+        <p:nvCxnSpPr>
+          <p:cNvPr id="84" name="직선 연결선 83">
+            <a:extLst>
+              <a:ext uri="{FF2B5EF4-FFF2-40B4-BE49-F238E27FC236}">
+                <a16:creationId xmlns:a16="http://schemas.microsoft.com/office/drawing/2014/main" id="{49461D93-7130-495B-995E-7C44523DD167}"/>
+              </a:ext>
+            </a:extLst>
+          </p:cNvPr>
+          <p:cNvCxnSpPr>
+            <a:cxnSpLocks/>
+            <a:stCxn id="68" idx="0"/>
+            <a:endCxn id="155" idx="2"/>
+          </p:cNvCxnSpPr>
+          <p:nvPr/>
+        </p:nvCxnSpPr>
+        <p:spPr>
+          <a:xfrm flipV="1">
+            <a:off x="1984166" y="2206807"/>
+            <a:ext cx="3241611" cy="388805"/>
+          </a:xfrm>
+          <a:prstGeom prst="line">
+            <a:avLst/>
+          </a:prstGeom>
+          <a:ln w="19050">
+            <a:solidFill>
+              <a:schemeClr val="tx2"/>
             </a:solidFill>
             <a:headEnd type="none" w="med" len="med"/>
             <a:tailEnd type="arrow" w="med" len="med"/>
@@ -7337,10 +9624,10 @@
       </p:cxnSp>
       <p:grpSp>
         <p:nvGrpSpPr>
-          <p:cNvPr id="181" name="그룹 180">
-            <a:extLst>
-              <a:ext uri="{FF2B5EF4-FFF2-40B4-BE49-F238E27FC236}">
-                <a16:creationId xmlns:a16="http://schemas.microsoft.com/office/drawing/2014/main" id="{2107EBE8-2F5F-451C-8466-EF72261E133F}"/>
+          <p:cNvPr id="87" name="그룹 86">
+            <a:extLst>
+              <a:ext uri="{FF2B5EF4-FFF2-40B4-BE49-F238E27FC236}">
+                <a16:creationId xmlns:a16="http://schemas.microsoft.com/office/drawing/2014/main" id="{86955D70-FCB4-4292-BEA3-461839923958}"/>
               </a:ext>
             </a:extLst>
           </p:cNvPr>
@@ -7349,310 +9636,41 @@
         </p:nvGrpSpPr>
         <p:grpSpPr>
           <a:xfrm>
-            <a:off x="4657663" y="723900"/>
-            <a:ext cx="3340422" cy="1508750"/>
-            <a:chOff x="4644008" y="637550"/>
-            <a:chExt cx="3340422" cy="1508750"/>
+            <a:off x="332357" y="4323060"/>
+            <a:ext cx="2018551" cy="480015"/>
+            <a:chOff x="2553449" y="4515966"/>
+            <a:chExt cx="2018551" cy="480015"/>
           </a:xfrm>
         </p:grpSpPr>
-        <p:sp>
-          <p:nvSpPr>
-            <p:cNvPr id="101" name="사각형: 둥근 모서리 100">
+        <p:cxnSp>
+          <p:nvCxnSpPr>
+            <p:cNvPr id="88" name="직선 연결선 87">
               <a:extLst>
                 <a:ext uri="{FF2B5EF4-FFF2-40B4-BE49-F238E27FC236}">
-                  <a16:creationId xmlns:a16="http://schemas.microsoft.com/office/drawing/2014/main" id="{F2946A33-0F8C-420B-9F70-F5E0E2392F9F}"/>
-                </a:ext>
-              </a:extLst>
-            </p:cNvPr>
-            <p:cNvSpPr/>
-            <p:nvPr/>
-          </p:nvSpPr>
-          <p:spPr>
-            <a:xfrm>
-              <a:off x="4736474" y="1522174"/>
-              <a:ext cx="1263236" cy="527174"/>
-            </a:xfrm>
-            <a:prstGeom prst="roundRect">
-              <a:avLst>
-                <a:gd name="adj" fmla="val 7693"/>
-              </a:avLst>
-            </a:prstGeom>
-            <a:noFill/>
-          </p:spPr>
-          <p:style>
-            <a:lnRef idx="2">
-              <a:schemeClr val="dk1"/>
-            </a:lnRef>
-            <a:fillRef idx="1">
-              <a:schemeClr val="lt1"/>
-            </a:fillRef>
-            <a:effectRef idx="0">
-              <a:schemeClr val="dk1"/>
-            </a:effectRef>
-            <a:fontRef idx="minor">
-              <a:schemeClr val="dk1"/>
-            </a:fontRef>
-          </p:style>
-          <p:txBody>
-            <a:bodyPr rtlCol="0" anchor="ctr"/>
-            <a:lstStyle/>
-            <a:p>
-              <a:pPr algn="ctr"/>
-              <a:r>
-                <a:rPr lang="en-US" altLang="ko-KR" sz="1200"/>
-                <a:t>Prometheus</a:t>
-              </a:r>
-            </a:p>
-            <a:p>
-              <a:pPr algn="ctr"/>
-              <a:r>
-                <a:rPr lang="en-US" altLang="ko-KR" sz="1200"/>
-                <a:t>Alertmanager</a:t>
-              </a:r>
-              <a:endParaRPr lang="ko-KR" altLang="en-US" sz="1200"/>
-            </a:p>
-          </p:txBody>
-        </p:sp>
-        <p:sp>
-          <p:nvSpPr>
-            <p:cNvPr id="155" name="사각형: 둥근 모서리 154">
-              <a:extLst>
-                <a:ext uri="{FF2B5EF4-FFF2-40B4-BE49-F238E27FC236}">
-                  <a16:creationId xmlns:a16="http://schemas.microsoft.com/office/drawing/2014/main" id="{9DCB89F4-FC7A-4BC1-A028-D24DEBE4CCB3}"/>
-                </a:ext>
-              </a:extLst>
-            </p:cNvPr>
-            <p:cNvSpPr/>
-            <p:nvPr/>
-          </p:nvSpPr>
-          <p:spPr>
-            <a:xfrm>
-              <a:off x="6491312" y="1521275"/>
-              <a:ext cx="1263236" cy="527174"/>
-            </a:xfrm>
-            <a:prstGeom prst="roundRect">
-              <a:avLst>
-                <a:gd name="adj" fmla="val 7693"/>
-              </a:avLst>
-            </a:prstGeom>
-            <a:noFill/>
-          </p:spPr>
-          <p:style>
-            <a:lnRef idx="2">
-              <a:schemeClr val="dk1"/>
-            </a:lnRef>
-            <a:fillRef idx="1">
-              <a:schemeClr val="lt1"/>
-            </a:fillRef>
-            <a:effectRef idx="0">
-              <a:schemeClr val="dk1"/>
-            </a:effectRef>
-            <a:fontRef idx="minor">
-              <a:schemeClr val="dk1"/>
-            </a:fontRef>
-          </p:style>
-          <p:txBody>
-            <a:bodyPr rtlCol="0" anchor="ctr"/>
-            <a:lstStyle/>
-            <a:p>
-              <a:pPr algn="ctr"/>
-              <a:r>
-                <a:rPr lang="en-US" altLang="ko-KR" sz="1200"/>
-                <a:t>Prometheus</a:t>
-              </a:r>
-            </a:p>
-            <a:p>
-              <a:pPr algn="ctr"/>
-              <a:r>
-                <a:rPr lang="en-US" altLang="ko-KR" sz="1200"/>
-                <a:t>Alertmanager</a:t>
-              </a:r>
-              <a:endParaRPr lang="ko-KR" altLang="en-US" sz="1200"/>
-            </a:p>
-          </p:txBody>
-        </p:sp>
-        <p:sp>
-          <p:nvSpPr>
-            <p:cNvPr id="156" name="사각형: 둥근 모서리 155">
-              <a:extLst>
-                <a:ext uri="{FF2B5EF4-FFF2-40B4-BE49-F238E27FC236}">
-                  <a16:creationId xmlns:a16="http://schemas.microsoft.com/office/drawing/2014/main" id="{C58D1235-F9D3-4EBE-A2CF-E76C41036CD2}"/>
-                </a:ext>
-              </a:extLst>
-            </p:cNvPr>
-            <p:cNvSpPr/>
-            <p:nvPr/>
-          </p:nvSpPr>
-          <p:spPr>
-            <a:xfrm>
-              <a:off x="5608166" y="738120"/>
-              <a:ext cx="1263236" cy="527174"/>
-            </a:xfrm>
-            <a:prstGeom prst="roundRect">
-              <a:avLst>
-                <a:gd name="adj" fmla="val 7693"/>
-              </a:avLst>
-            </a:prstGeom>
-            <a:noFill/>
-          </p:spPr>
-          <p:style>
-            <a:lnRef idx="2">
-              <a:schemeClr val="dk1"/>
-            </a:lnRef>
-            <a:fillRef idx="1">
-              <a:schemeClr val="lt1"/>
-            </a:fillRef>
-            <a:effectRef idx="0">
-              <a:schemeClr val="dk1"/>
-            </a:effectRef>
-            <a:fontRef idx="minor">
-              <a:schemeClr val="dk1"/>
-            </a:fontRef>
-          </p:style>
-          <p:txBody>
-            <a:bodyPr rtlCol="0" anchor="ctr"/>
-            <a:lstStyle/>
-            <a:p>
-              <a:pPr algn="ctr"/>
-              <a:r>
-                <a:rPr lang="en-US" altLang="ko-KR" sz="1200"/>
-                <a:t>Prometheus</a:t>
-              </a:r>
-            </a:p>
-            <a:p>
-              <a:pPr algn="ctr"/>
-              <a:r>
-                <a:rPr lang="en-US" altLang="ko-KR" sz="1200"/>
-                <a:t>Alertmanager</a:t>
-              </a:r>
-              <a:endParaRPr lang="ko-KR" altLang="en-US" sz="1200"/>
-            </a:p>
-          </p:txBody>
-        </p:sp>
-        <p:cxnSp>
-          <p:nvCxnSpPr>
-            <p:cNvPr id="157" name="직선 연결선 156">
-              <a:extLst>
-                <a:ext uri="{FF2B5EF4-FFF2-40B4-BE49-F238E27FC236}">
-                  <a16:creationId xmlns:a16="http://schemas.microsoft.com/office/drawing/2014/main" id="{A9D379B8-D338-400A-A38E-4F9F42DBC52A}"/>
+                  <a16:creationId xmlns:a16="http://schemas.microsoft.com/office/drawing/2014/main" id="{5F62C869-3A7B-4063-866E-83DDEABA0B0D}"/>
                 </a:ext>
               </a:extLst>
             </p:cNvPr>
             <p:cNvCxnSpPr>
               <a:cxnSpLocks/>
-              <a:stCxn id="101" idx="0"/>
-              <a:endCxn id="156" idx="2"/>
+              <a:stCxn id="89" idx="1"/>
             </p:cNvCxnSpPr>
             <p:nvPr/>
           </p:nvCxnSpPr>
           <p:spPr>
-            <a:xfrm flipV="1">
-              <a:off x="5368092" y="1265294"/>
-              <a:ext cx="871692" cy="256880"/>
+            <a:xfrm flipH="1">
+              <a:off x="2555776" y="4646771"/>
+              <a:ext cx="288032" cy="0"/>
             </a:xfrm>
             <a:prstGeom prst="line">
               <a:avLst/>
             </a:prstGeom>
             <a:ln w="19050">
               <a:solidFill>
-                <a:schemeClr val="tx1"/>
+                <a:srgbClr val="C00000"/>
               </a:solidFill>
               <a:headEnd type="arrow" w="med" len="med"/>
-              <a:tailEnd type="arrow" w="med" len="med"/>
-            </a:ln>
-          </p:spPr>
-          <p:style>
-            <a:lnRef idx="1">
-              <a:schemeClr val="accent1"/>
-            </a:lnRef>
-            <a:fillRef idx="0">
-              <a:schemeClr val="accent1"/>
-            </a:fillRef>
-            <a:effectRef idx="0">
-              <a:schemeClr val="accent1"/>
-            </a:effectRef>
-            <a:fontRef idx="minor">
-              <a:schemeClr val="tx1"/>
-            </a:fontRef>
-          </p:style>
-        </p:cxnSp>
-        <p:cxnSp>
-          <p:nvCxnSpPr>
-            <p:cNvPr id="161" name="직선 연결선 160">
-              <a:extLst>
-                <a:ext uri="{FF2B5EF4-FFF2-40B4-BE49-F238E27FC236}">
-                  <a16:creationId xmlns:a16="http://schemas.microsoft.com/office/drawing/2014/main" id="{7D7F9EEC-2013-410A-9763-2B89312DF9F4}"/>
-                </a:ext>
-              </a:extLst>
-            </p:cNvPr>
-            <p:cNvCxnSpPr>
-              <a:cxnSpLocks/>
-              <a:stCxn id="155" idx="0"/>
-              <a:endCxn id="156" idx="2"/>
-            </p:cNvCxnSpPr>
-            <p:nvPr/>
-          </p:nvCxnSpPr>
-          <p:spPr>
-            <a:xfrm flipH="1" flipV="1">
-              <a:off x="6239784" y="1265294"/>
-              <a:ext cx="883146" cy="255981"/>
-            </a:xfrm>
-            <a:prstGeom prst="line">
-              <a:avLst/>
-            </a:prstGeom>
-            <a:ln w="19050">
-              <a:solidFill>
-                <a:schemeClr val="tx1"/>
-              </a:solidFill>
-              <a:headEnd type="arrow" w="med" len="med"/>
-              <a:tailEnd type="arrow" w="med" len="med"/>
-            </a:ln>
-          </p:spPr>
-          <p:style>
-            <a:lnRef idx="1">
-              <a:schemeClr val="accent1"/>
-            </a:lnRef>
-            <a:fillRef idx="0">
-              <a:schemeClr val="accent1"/>
-            </a:fillRef>
-            <a:effectRef idx="0">
-              <a:schemeClr val="accent1"/>
-            </a:effectRef>
-            <a:fontRef idx="minor">
-              <a:schemeClr val="tx1"/>
-            </a:fontRef>
-          </p:style>
-        </p:cxnSp>
-        <p:cxnSp>
-          <p:nvCxnSpPr>
-            <p:cNvPr id="164" name="직선 연결선 163">
-              <a:extLst>
-                <a:ext uri="{FF2B5EF4-FFF2-40B4-BE49-F238E27FC236}">
-                  <a16:creationId xmlns:a16="http://schemas.microsoft.com/office/drawing/2014/main" id="{EC683CB3-440A-4CF1-8F1A-467F44DBC03E}"/>
-                </a:ext>
-              </a:extLst>
-            </p:cNvPr>
-            <p:cNvCxnSpPr>
-              <a:cxnSpLocks/>
-              <a:stCxn id="101" idx="3"/>
-              <a:endCxn id="155" idx="1"/>
-            </p:cNvCxnSpPr>
-            <p:nvPr/>
-          </p:nvCxnSpPr>
-          <p:spPr>
-            <a:xfrm flipV="1">
-              <a:off x="5999710" y="1784862"/>
-              <a:ext cx="491602" cy="899"/>
-            </a:xfrm>
-            <a:prstGeom prst="line">
-              <a:avLst/>
-            </a:prstGeom>
-            <a:ln w="19050">
-              <a:solidFill>
-                <a:schemeClr val="tx1"/>
-              </a:solidFill>
-              <a:headEnd type="arrow" w="med" len="med"/>
-              <a:tailEnd type="arrow" w="med" len="med"/>
+              <a:tailEnd type="none" w="med" len="med"/>
             </a:ln>
           </p:spPr>
           <p:style>
@@ -7672,123 +9690,337 @@
         </p:cxnSp>
         <p:sp>
           <p:nvSpPr>
-            <p:cNvPr id="167" name="사각형: 둥근 모서리 166">
+            <p:cNvPr id="89" name="TextBox 88">
               <a:extLst>
                 <a:ext uri="{FF2B5EF4-FFF2-40B4-BE49-F238E27FC236}">
-                  <a16:creationId xmlns:a16="http://schemas.microsoft.com/office/drawing/2014/main" id="{FC26E226-EEB0-4B1D-A342-D7C6C7F446CF}"/>
+                  <a16:creationId xmlns:a16="http://schemas.microsoft.com/office/drawing/2014/main" id="{E2FC01EC-E8C4-4A32-9D27-6CFFF9A8127D}"/>
                 </a:ext>
               </a:extLst>
             </p:cNvPr>
-            <p:cNvSpPr/>
+            <p:cNvSpPr txBox="1"/>
             <p:nvPr/>
           </p:nvSpPr>
           <p:spPr>
             <a:xfrm>
-              <a:off x="4644008" y="637550"/>
-              <a:ext cx="3340422" cy="1508750"/>
+              <a:off x="2843808" y="4515966"/>
+              <a:ext cx="697828" cy="261610"/>
             </a:xfrm>
-            <a:prstGeom prst="roundRect">
-              <a:avLst>
-                <a:gd name="adj" fmla="val 4089"/>
-              </a:avLst>
+            <a:prstGeom prst="rect">
+              <a:avLst/>
             </a:prstGeom>
             <a:noFill/>
-            <a:ln>
-              <a:prstDash val="dash"/>
+          </p:spPr>
+          <p:txBody>
+            <a:bodyPr wrap="square" rtlCol="0" anchor="ctr">
+              <a:spAutoFit/>
+            </a:bodyPr>
+            <a:lstStyle/>
+            <a:p>
+              <a:pPr algn="ctr"/>
+              <a:r>
+                <a:rPr lang="en-US" altLang="ko-KR" sz="1100"/>
+                <a:t>Metric</a:t>
+              </a:r>
+            </a:p>
+          </p:txBody>
+        </p:sp>
+        <p:cxnSp>
+          <p:nvCxnSpPr>
+            <p:cNvPr id="90" name="직선 연결선 89">
+              <a:extLst>
+                <a:ext uri="{FF2B5EF4-FFF2-40B4-BE49-F238E27FC236}">
+                  <a16:creationId xmlns:a16="http://schemas.microsoft.com/office/drawing/2014/main" id="{964F6123-6149-4F7A-9516-A8C9DB3709B9}"/>
+                </a:ext>
+              </a:extLst>
+            </p:cNvPr>
+            <p:cNvCxnSpPr>
+              <a:cxnSpLocks/>
+              <a:stCxn id="91" idx="1"/>
+            </p:cNvCxnSpPr>
+            <p:nvPr/>
+          </p:nvCxnSpPr>
+          <p:spPr>
+            <a:xfrm flipH="1">
+              <a:off x="3669014" y="4646771"/>
+              <a:ext cx="288032" cy="0"/>
+            </a:xfrm>
+            <a:prstGeom prst="line">
+              <a:avLst/>
+            </a:prstGeom>
+            <a:ln w="19050">
+              <a:solidFill>
+                <a:schemeClr val="tx2"/>
+              </a:solidFill>
+              <a:headEnd type="arrow" w="med" len="med"/>
+              <a:tailEnd type="none" w="med" len="med"/>
             </a:ln>
           </p:spPr>
           <p:style>
-            <a:lnRef idx="2">
-              <a:schemeClr val="dk1"/>
+            <a:lnRef idx="1">
+              <a:schemeClr val="accent1"/>
             </a:lnRef>
-            <a:fillRef idx="1">
-              <a:schemeClr val="lt1"/>
+            <a:fillRef idx="0">
+              <a:schemeClr val="accent1"/>
             </a:fillRef>
             <a:effectRef idx="0">
-              <a:schemeClr val="dk1"/>
+              <a:schemeClr val="accent1"/>
             </a:effectRef>
             <a:fontRef idx="minor">
-              <a:schemeClr val="dk1"/>
+              <a:schemeClr val="tx1"/>
             </a:fontRef>
           </p:style>
+        </p:cxnSp>
+        <p:sp>
+          <p:nvSpPr>
+            <p:cNvPr id="91" name="TextBox 90">
+              <a:extLst>
+                <a:ext uri="{FF2B5EF4-FFF2-40B4-BE49-F238E27FC236}">
+                  <a16:creationId xmlns:a16="http://schemas.microsoft.com/office/drawing/2014/main" id="{A6E5BC50-119B-411E-95B1-1383DBCC0687}"/>
+                </a:ext>
+              </a:extLst>
+            </p:cNvPr>
+            <p:cNvSpPr txBox="1"/>
+            <p:nvPr/>
+          </p:nvSpPr>
+          <p:spPr>
+            <a:xfrm>
+              <a:off x="3957046" y="4515966"/>
+              <a:ext cx="614954" cy="261610"/>
+            </a:xfrm>
+            <a:prstGeom prst="rect">
+              <a:avLst/>
+            </a:prstGeom>
+            <a:noFill/>
+          </p:spPr>
           <p:txBody>
-            <a:bodyPr rtlCol="0" anchor="t"/>
+            <a:bodyPr wrap="square" rtlCol="0" anchor="ctr">
+              <a:spAutoFit/>
+            </a:bodyPr>
             <a:lstStyle/>
             <a:p>
-              <a:pPr algn="r"/>
+              <a:pPr algn="ctr"/>
               <a:r>
-                <a:rPr lang="en-US" altLang="ko-KR" sz="1200" b="1"/>
-                <a:t>Prometheus </a:t>
+                <a:rPr lang="en-US" altLang="ko-KR" sz="1100"/>
+                <a:t>Alert</a:t>
               </a:r>
             </a:p>
+          </p:txBody>
+        </p:sp>
+        <p:cxnSp>
+          <p:nvCxnSpPr>
+            <p:cNvPr id="92" name="직선 연결선 91">
+              <a:extLst>
+                <a:ext uri="{FF2B5EF4-FFF2-40B4-BE49-F238E27FC236}">
+                  <a16:creationId xmlns:a16="http://schemas.microsoft.com/office/drawing/2014/main" id="{8FF844AC-1367-436E-936B-EC34B238FD98}"/>
+                </a:ext>
+              </a:extLst>
+            </p:cNvPr>
+            <p:cNvCxnSpPr>
+              <a:cxnSpLocks/>
+              <a:stCxn id="93" idx="1"/>
+            </p:cNvCxnSpPr>
+            <p:nvPr/>
+          </p:nvCxnSpPr>
+          <p:spPr>
+            <a:xfrm flipH="1">
+              <a:off x="2553449" y="4865176"/>
+              <a:ext cx="288030" cy="1"/>
+            </a:xfrm>
+            <a:prstGeom prst="line">
+              <a:avLst/>
+            </a:prstGeom>
+            <a:ln w="19050">
+              <a:solidFill>
+                <a:schemeClr val="accent3">
+                  <a:lumMod val="75000"/>
+                </a:schemeClr>
+              </a:solidFill>
+              <a:headEnd type="arrow" w="med" len="med"/>
+              <a:tailEnd type="none" w="med" len="med"/>
+            </a:ln>
+          </p:spPr>
+          <p:style>
+            <a:lnRef idx="1">
+              <a:schemeClr val="accent1"/>
+            </a:lnRef>
+            <a:fillRef idx="0">
+              <a:schemeClr val="accent1"/>
+            </a:fillRef>
+            <a:effectRef idx="0">
+              <a:schemeClr val="accent1"/>
+            </a:effectRef>
+            <a:fontRef idx="minor">
+              <a:schemeClr val="tx1"/>
+            </a:fontRef>
+          </p:style>
+        </p:cxnSp>
+        <p:sp>
+          <p:nvSpPr>
+            <p:cNvPr id="93" name="TextBox 92">
+              <a:extLst>
+                <a:ext uri="{FF2B5EF4-FFF2-40B4-BE49-F238E27FC236}">
+                  <a16:creationId xmlns:a16="http://schemas.microsoft.com/office/drawing/2014/main" id="{72443D8B-4468-44EA-8F61-E0C2D9F27686}"/>
+                </a:ext>
+              </a:extLst>
+            </p:cNvPr>
+            <p:cNvSpPr txBox="1"/>
+            <p:nvPr/>
+          </p:nvSpPr>
+          <p:spPr>
+            <a:xfrm>
+              <a:off x="2841479" y="4734371"/>
+              <a:ext cx="1639411" cy="261610"/>
+            </a:xfrm>
+            <a:prstGeom prst="rect">
+              <a:avLst/>
+            </a:prstGeom>
+            <a:noFill/>
+          </p:spPr>
+          <p:txBody>
+            <a:bodyPr wrap="square" rtlCol="0" anchor="ctr">
+              <a:spAutoFit/>
+            </a:bodyPr>
+            <a:lstStyle/>
             <a:p>
-              <a:pPr algn="r"/>
+              <a:pPr algn="ctr"/>
               <a:r>
-                <a:rPr lang="en-US" altLang="ko-KR" sz="1200" b="1"/>
-                <a:t>Alermanager</a:t>
+                <a:rPr lang="en-US" altLang="ko-KR" sz="1100"/>
+                <a:t>PromQL Query/Result</a:t>
               </a:r>
-            </a:p>
-            <a:p>
-              <a:pPr algn="r"/>
-              <a:r>
-                <a:rPr lang="en-US" altLang="ko-KR" sz="1200" b="1"/>
-                <a:t>Cluster</a:t>
-              </a:r>
-              <a:endParaRPr lang="ko-KR" altLang="en-US" sz="1200" b="1"/>
             </a:p>
           </p:txBody>
         </p:sp>
       </p:grpSp>
-      <p:cxnSp>
-        <p:nvCxnSpPr>
-          <p:cNvPr id="200" name="직선 연결선 199">
-            <a:extLst>
-              <a:ext uri="{FF2B5EF4-FFF2-40B4-BE49-F238E27FC236}">
-                <a16:creationId xmlns:a16="http://schemas.microsoft.com/office/drawing/2014/main" id="{3840CD60-4551-4CAE-827A-F561D7C3F9B1}"/>
-              </a:ext>
-            </a:extLst>
-          </p:cNvPr>
-          <p:cNvCxnSpPr>
-            <a:cxnSpLocks/>
-            <a:endCxn id="101" idx="1"/>
-          </p:cNvCxnSpPr>
-          <p:nvPr/>
-        </p:nvCxnSpPr>
-        <p:spPr>
-          <a:xfrm flipV="1">
-            <a:off x="1861214" y="1872111"/>
-            <a:ext cx="2888915" cy="713878"/>
-          </a:xfrm>
-          <a:prstGeom prst="line">
+      <p:sp>
+        <p:nvSpPr>
+          <p:cNvPr id="96" name="TextBox 95">
+            <a:extLst>
+              <a:ext uri="{FF2B5EF4-FFF2-40B4-BE49-F238E27FC236}">
+                <a16:creationId xmlns:a16="http://schemas.microsoft.com/office/drawing/2014/main" id="{BF5D4B4A-D4B4-4281-905C-BFA9EE5584BD}"/>
+              </a:ext>
+            </a:extLst>
+          </p:cNvPr>
+          <p:cNvSpPr txBox="1"/>
+          <p:nvPr/>
+        </p:nvSpPr>
+        <p:spPr>
+          <a:xfrm>
+            <a:off x="3799352" y="1690181"/>
+            <a:ext cx="697828" cy="261610"/>
+          </a:xfrm>
+          <a:prstGeom prst="rect">
             <a:avLst/>
           </a:prstGeom>
-          <a:ln w="19050">
-            <a:solidFill>
-              <a:schemeClr val="tx1"/>
-            </a:solidFill>
-            <a:headEnd type="none" w="med" len="med"/>
-            <a:tailEnd type="arrow" w="med" len="med"/>
-          </a:ln>
-        </p:spPr>
-        <p:style>
-          <a:lnRef idx="1">
-            <a:schemeClr val="accent1"/>
-          </a:lnRef>
-          <a:fillRef idx="0">
-            <a:schemeClr val="accent1"/>
-          </a:fillRef>
-          <a:effectRef idx="0">
-            <a:schemeClr val="accent1"/>
-          </a:effectRef>
-          <a:fontRef idx="minor">
-            <a:schemeClr val="tx1"/>
-          </a:fontRef>
-        </p:style>
-      </p:cxnSp>
+          <a:noFill/>
+        </p:spPr>
+        <p:txBody>
+          <a:bodyPr wrap="square" rtlCol="0" anchor="ctr">
+            <a:spAutoFit/>
+          </a:bodyPr>
+          <a:lstStyle/>
+          <a:p>
+            <a:pPr algn="ctr"/>
+            <a:r>
+              <a:rPr lang="en-US" altLang="ko-KR" sz="1100"/>
+              <a:t>gossip</a:t>
+            </a:r>
+          </a:p>
+        </p:txBody>
+      </p:sp>
+      <p:sp>
+        <p:nvSpPr>
+          <p:cNvPr id="97" name="TextBox 96">
+            <a:extLst>
+              <a:ext uri="{FF2B5EF4-FFF2-40B4-BE49-F238E27FC236}">
+                <a16:creationId xmlns:a16="http://schemas.microsoft.com/office/drawing/2014/main" id="{4DBB4E80-D262-4C12-ACF4-4C8BCEDD27D6}"/>
+              </a:ext>
+            </a:extLst>
+          </p:cNvPr>
+          <p:cNvSpPr txBox="1"/>
+          <p:nvPr/>
+        </p:nvSpPr>
+        <p:spPr>
+          <a:xfrm>
+            <a:off x="3587611" y="4227934"/>
+            <a:ext cx="956133" cy="261610"/>
+          </a:xfrm>
+          <a:prstGeom prst="rect">
+            <a:avLst/>
+          </a:prstGeom>
+          <a:noFill/>
+        </p:spPr>
+        <p:txBody>
+          <a:bodyPr wrap="square" rtlCol="0" anchor="ctr">
+            <a:spAutoFit/>
+          </a:bodyPr>
+          <a:lstStyle/>
+          <a:p>
+            <a:pPr algn="ctr"/>
+            <a:r>
+              <a:rPr lang="en-US" altLang="ko-KR" sz="1100" b="1">
+                <a:solidFill>
+                  <a:srgbClr val="C00000"/>
+                </a:solidFill>
+              </a:rPr>
+              <a:t>Push</a:t>
+            </a:r>
+            <a:endParaRPr lang="ko-KR" altLang="en-US" sz="1100" b="1">
+              <a:solidFill>
+                <a:srgbClr val="C00000"/>
+              </a:solidFill>
+            </a:endParaRPr>
+          </a:p>
+        </p:txBody>
+      </p:sp>
+      <p:sp>
+        <p:nvSpPr>
+          <p:cNvPr id="106" name="TextBox 105">
+            <a:extLst>
+              <a:ext uri="{FF2B5EF4-FFF2-40B4-BE49-F238E27FC236}">
+                <a16:creationId xmlns:a16="http://schemas.microsoft.com/office/drawing/2014/main" id="{9F46A2BD-445B-4084-803E-C06F08EE9B14}"/>
+              </a:ext>
+            </a:extLst>
+          </p:cNvPr>
+          <p:cNvSpPr txBox="1"/>
+          <p:nvPr/>
+        </p:nvSpPr>
+        <p:spPr>
+          <a:xfrm>
+            <a:off x="2607755" y="3237649"/>
+            <a:ext cx="956133" cy="261610"/>
+          </a:xfrm>
+          <a:prstGeom prst="rect">
+            <a:avLst/>
+          </a:prstGeom>
+          <a:noFill/>
+        </p:spPr>
+        <p:txBody>
+          <a:bodyPr wrap="square" rtlCol="0" anchor="ctr">
+            <a:spAutoFit/>
+          </a:bodyPr>
+          <a:lstStyle/>
+          <a:p>
+            <a:pPr algn="ctr"/>
+            <a:r>
+              <a:rPr lang="en-US" altLang="ko-KR" sz="1100" b="1">
+                <a:solidFill>
+                  <a:srgbClr val="C00000"/>
+                </a:solidFill>
+              </a:rPr>
+              <a:t>Pull</a:t>
+            </a:r>
+            <a:endParaRPr lang="ko-KR" altLang="en-US" sz="1100" b="1">
+              <a:solidFill>
+                <a:srgbClr val="C00000"/>
+              </a:solidFill>
+            </a:endParaRPr>
+          </a:p>
+        </p:txBody>
+      </p:sp>
     </p:spTree>
     <p:extLst>
       <p:ext uri="{BB962C8B-B14F-4D97-AF65-F5344CB8AC3E}">
-        <p14:creationId xmlns:p14="http://schemas.microsoft.com/office/powerpoint/2010/main" val="2536070412"/>
+        <p14:creationId xmlns:p14="http://schemas.microsoft.com/office/powerpoint/2010/main" val="441840045"/>
       </p:ext>
     </p:extLst>
   </p:cSld>

--- a/images/theory_analysis/Prometheus_High_Availability/Prometheus_High_Availability.pptx
+++ b/images/theory_analysis/Prometheus_High_Availability/Prometheus_High_Availability.pptx
@@ -216,7 +216,7 @@
           <a:p>
             <a:fld id="{6CD5550B-26C4-49A9-A5BA-636EF7BE6CE9}" type="datetimeFigureOut">
               <a:rPr lang="ko-KR" altLang="en-US" smtClean="0"/>
-              <a:t>2020-01-10</a:t>
+              <a:t>2020-01-11</a:t>
             </a:fld>
             <a:endParaRPr lang="ko-KR" altLang="en-US"/>
           </a:p>
@@ -914,7 +914,7 @@
           <a:p>
             <a:fld id="{FB30EDBD-1C2D-4C1E-B459-B60219FAB484}" type="datetimeFigureOut">
               <a:rPr lang="ko-KR" altLang="en-US" smtClean="0"/>
-              <a:t>2020-01-10</a:t>
+              <a:t>2020-01-11</a:t>
             </a:fld>
             <a:endParaRPr lang="ko-KR" altLang="en-US"/>
           </a:p>
@@ -1077,7 +1077,7 @@
           <a:p>
             <a:fld id="{FB30EDBD-1C2D-4C1E-B459-B60219FAB484}" type="datetimeFigureOut">
               <a:rPr lang="ko-KR" altLang="en-US" smtClean="0"/>
-              <a:t>2020-01-10</a:t>
+              <a:t>2020-01-11</a:t>
             </a:fld>
             <a:endParaRPr lang="ko-KR" altLang="en-US"/>
           </a:p>
@@ -1250,7 +1250,7 @@
           <a:p>
             <a:fld id="{FB30EDBD-1C2D-4C1E-B459-B60219FAB484}" type="datetimeFigureOut">
               <a:rPr lang="ko-KR" altLang="en-US" smtClean="0"/>
-              <a:t>2020-01-10</a:t>
+              <a:t>2020-01-11</a:t>
             </a:fld>
             <a:endParaRPr lang="ko-KR" altLang="en-US"/>
           </a:p>
@@ -1413,7 +1413,7 @@
           <a:p>
             <a:fld id="{FB30EDBD-1C2D-4C1E-B459-B60219FAB484}" type="datetimeFigureOut">
               <a:rPr lang="ko-KR" altLang="en-US" smtClean="0"/>
-              <a:t>2020-01-10</a:t>
+              <a:t>2020-01-11</a:t>
             </a:fld>
             <a:endParaRPr lang="ko-KR" altLang="en-US"/>
           </a:p>
@@ -1653,7 +1653,7 @@
           <a:p>
             <a:fld id="{FB30EDBD-1C2D-4C1E-B459-B60219FAB484}" type="datetimeFigureOut">
               <a:rPr lang="ko-KR" altLang="en-US" smtClean="0"/>
-              <a:t>2020-01-10</a:t>
+              <a:t>2020-01-11</a:t>
             </a:fld>
             <a:endParaRPr lang="ko-KR" altLang="en-US"/>
           </a:p>
@@ -1933,7 +1933,7 @@
           <a:p>
             <a:fld id="{FB30EDBD-1C2D-4C1E-B459-B60219FAB484}" type="datetimeFigureOut">
               <a:rPr lang="ko-KR" altLang="en-US" smtClean="0"/>
-              <a:t>2020-01-10</a:t>
+              <a:t>2020-01-11</a:t>
             </a:fld>
             <a:endParaRPr lang="ko-KR" altLang="en-US"/>
           </a:p>
@@ -2347,7 +2347,7 @@
           <a:p>
             <a:fld id="{FB30EDBD-1C2D-4C1E-B459-B60219FAB484}" type="datetimeFigureOut">
               <a:rPr lang="ko-KR" altLang="en-US" smtClean="0"/>
-              <a:t>2020-01-10</a:t>
+              <a:t>2020-01-11</a:t>
             </a:fld>
             <a:endParaRPr lang="ko-KR" altLang="en-US"/>
           </a:p>
@@ -2459,7 +2459,7 @@
           <a:p>
             <a:fld id="{FB30EDBD-1C2D-4C1E-B459-B60219FAB484}" type="datetimeFigureOut">
               <a:rPr lang="ko-KR" altLang="en-US" smtClean="0"/>
-              <a:t>2020-01-10</a:t>
+              <a:t>2020-01-11</a:t>
             </a:fld>
             <a:endParaRPr lang="ko-KR" altLang="en-US"/>
           </a:p>
@@ -2549,7 +2549,7 @@
           <a:p>
             <a:fld id="{FB30EDBD-1C2D-4C1E-B459-B60219FAB484}" type="datetimeFigureOut">
               <a:rPr lang="ko-KR" altLang="en-US" smtClean="0"/>
-              <a:t>2020-01-10</a:t>
+              <a:t>2020-01-11</a:t>
             </a:fld>
             <a:endParaRPr lang="ko-KR" altLang="en-US"/>
           </a:p>
@@ -2819,7 +2819,7 @@
           <a:p>
             <a:fld id="{FB30EDBD-1C2D-4C1E-B459-B60219FAB484}" type="datetimeFigureOut">
               <a:rPr lang="ko-KR" altLang="en-US" smtClean="0"/>
-              <a:t>2020-01-10</a:t>
+              <a:t>2020-01-11</a:t>
             </a:fld>
             <a:endParaRPr lang="ko-KR" altLang="en-US"/>
           </a:p>
@@ -3066,7 +3066,7 @@
           <a:p>
             <a:fld id="{FB30EDBD-1C2D-4C1E-B459-B60219FAB484}" type="datetimeFigureOut">
               <a:rPr lang="ko-KR" altLang="en-US" smtClean="0"/>
-              <a:t>2020-01-10</a:t>
+              <a:t>2020-01-11</a:t>
             </a:fld>
             <a:endParaRPr lang="ko-KR" altLang="en-US"/>
           </a:p>
@@ -3272,7 +3272,7 @@
           <a:p>
             <a:fld id="{FB30EDBD-1C2D-4C1E-B459-B60219FAB484}" type="datetimeFigureOut">
               <a:rPr lang="ko-KR" altLang="en-US" smtClean="0"/>
-              <a:t>2020-01-10</a:t>
+              <a:t>2020-01-11</a:t>
             </a:fld>
             <a:endParaRPr lang="ko-KR" altLang="en-US"/>
           </a:p>
@@ -3656,8 +3656,8 @@
         </p:nvSpPr>
         <p:spPr>
           <a:xfrm>
-            <a:off x="3087619" y="3517086"/>
-            <a:ext cx="1263236" cy="529124"/>
+            <a:off x="3079850" y="3517086"/>
+            <a:ext cx="1278774" cy="529124"/>
           </a:xfrm>
           <a:prstGeom prst="roundRect">
             <a:avLst>
@@ -3743,8 +3743,8 @@
         </p:nvSpPr>
         <p:spPr>
           <a:xfrm>
-            <a:off x="3087619" y="2595612"/>
-            <a:ext cx="1263236" cy="527174"/>
+            <a:off x="3079850" y="2595612"/>
+            <a:ext cx="1278774" cy="527174"/>
           </a:xfrm>
           <a:prstGeom prst="roundRect">
             <a:avLst>
@@ -3782,7 +3782,7 @@
             </a:r>
             <a:r>
               <a:rPr lang="en-US" altLang="ko-KR" sz="1200"/>
-              <a:t>Server (Shard)</a:t>
+              <a:t>Server</a:t>
             </a:r>
             <a:endParaRPr lang="ko-KR" altLang="en-US" sz="1200"/>
           </a:p>
@@ -3802,8 +3802,8 @@
         </p:nvSpPr>
         <p:spPr>
           <a:xfrm>
-            <a:off x="5043538" y="2586360"/>
-            <a:ext cx="1263235" cy="527174"/>
+            <a:off x="5035769" y="2586360"/>
+            <a:ext cx="1278774" cy="527174"/>
           </a:xfrm>
           <a:prstGeom prst="roundRect">
             <a:avLst>
@@ -3841,7 +3841,7 @@
             </a:r>
             <a:r>
               <a:rPr lang="en-US" altLang="ko-KR" sz="1200"/>
-              <a:t>Server (Shard)</a:t>
+              <a:t>Server</a:t>
             </a:r>
             <a:endParaRPr lang="ko-KR" altLang="en-US" sz="1200"/>
           </a:p>
@@ -3861,8 +3861,8 @@
         </p:nvSpPr>
         <p:spPr>
           <a:xfrm>
-            <a:off x="1484314" y="1680082"/>
-            <a:ext cx="1388470" cy="527174"/>
+            <a:off x="1537729" y="1680082"/>
+            <a:ext cx="1278774" cy="527174"/>
           </a:xfrm>
           <a:prstGeom prst="roundRect">
             <a:avLst>
@@ -3899,7 +3899,7 @@
             <a:pPr algn="ctr"/>
             <a:r>
               <a:rPr lang="en-US" altLang="ko-KR" sz="1200" b="1"/>
-              <a:t>(Session Affinity)</a:t>
+              <a:t>(Sticky Session)</a:t>
             </a:r>
             <a:endParaRPr lang="ko-KR" altLang="en-US" sz="1200" b="1"/>
           </a:p>
@@ -3919,8 +3919,8 @@
         </p:nvSpPr>
         <p:spPr>
           <a:xfrm>
-            <a:off x="4629740" y="3531889"/>
-            <a:ext cx="1263236" cy="527174"/>
+            <a:off x="4621971" y="3531889"/>
+            <a:ext cx="1278774" cy="527174"/>
           </a:xfrm>
           <a:prstGeom prst="roundRect">
             <a:avLst>
@@ -3978,8 +3978,8 @@
         </p:nvSpPr>
         <p:spPr>
           <a:xfrm>
-            <a:off x="1545498" y="3523848"/>
-            <a:ext cx="1263236" cy="527174"/>
+            <a:off x="1537729" y="3523848"/>
+            <a:ext cx="1278774" cy="527174"/>
           </a:xfrm>
           <a:prstGeom prst="roundRect">
             <a:avLst>
@@ -4037,8 +4037,8 @@
         </p:nvSpPr>
         <p:spPr>
           <a:xfrm>
-            <a:off x="6164091" y="3523848"/>
-            <a:ext cx="1263236" cy="527174"/>
+            <a:off x="6156322" y="3523848"/>
+            <a:ext cx="1278774" cy="527174"/>
           </a:xfrm>
           <a:prstGeom prst="roundRect">
             <a:avLst>
@@ -4153,8 +4153,8 @@
         </p:nvCxnSpPr>
         <p:spPr>
           <a:xfrm flipH="1">
-            <a:off x="5892976" y="3787435"/>
-            <a:ext cx="271115" cy="8041"/>
+            <a:off x="5900745" y="3787435"/>
+            <a:ext cx="255577" cy="8041"/>
           </a:xfrm>
           <a:prstGeom prst="line">
             <a:avLst/>
@@ -4482,8 +4482,8 @@
         </p:nvCxnSpPr>
         <p:spPr>
           <a:xfrm flipH="1" flipV="1">
-            <a:off x="2178549" y="2207256"/>
-            <a:ext cx="1540688" cy="388356"/>
+            <a:off x="2177116" y="2207256"/>
+            <a:ext cx="1542121" cy="388356"/>
           </a:xfrm>
           <a:prstGeom prst="line">
             <a:avLst/>
@@ -4531,8 +4531,8 @@
         </p:nvCxnSpPr>
         <p:spPr>
           <a:xfrm flipH="1" flipV="1">
-            <a:off x="2178549" y="2207256"/>
-            <a:ext cx="3496607" cy="379104"/>
+            <a:off x="2177116" y="2207256"/>
+            <a:ext cx="3498040" cy="379104"/>
           </a:xfrm>
           <a:prstGeom prst="line">
             <a:avLst/>
@@ -4576,8 +4576,8 @@
         </p:nvSpPr>
         <p:spPr>
           <a:xfrm>
-            <a:off x="1545498" y="858254"/>
-            <a:ext cx="1263236" cy="527174"/>
+            <a:off x="1537729" y="858254"/>
+            <a:ext cx="1278774" cy="527174"/>
           </a:xfrm>
           <a:prstGeom prst="roundRect">
             <a:avLst>
@@ -4638,9 +4638,9 @@
           <p:nvPr/>
         </p:nvCxnSpPr>
         <p:spPr>
-          <a:xfrm flipH="1" flipV="1">
+          <a:xfrm flipV="1">
             <a:off x="2177116" y="1385428"/>
-            <a:ext cx="1433" cy="294654"/>
+            <a:ext cx="0" cy="294654"/>
           </a:xfrm>
           <a:prstGeom prst="line">
             <a:avLst/>
@@ -4684,8 +4684,8 @@
         </p:nvSpPr>
         <p:spPr>
           <a:xfrm>
-            <a:off x="3088614" y="1680532"/>
-            <a:ext cx="1263236" cy="527174"/>
+            <a:off x="3080845" y="1680532"/>
+            <a:ext cx="1278774" cy="527174"/>
           </a:xfrm>
           <a:prstGeom prst="roundRect">
             <a:avLst>
@@ -4742,8 +4742,8 @@
         </p:nvSpPr>
         <p:spPr>
           <a:xfrm>
-            <a:off x="5046522" y="1679633"/>
-            <a:ext cx="1263236" cy="527174"/>
+            <a:off x="5038753" y="1679633"/>
+            <a:ext cx="1278774" cy="527174"/>
           </a:xfrm>
           <a:prstGeom prst="roundRect">
             <a:avLst>
@@ -4804,8 +4804,8 @@
         </p:nvCxnSpPr>
         <p:spPr>
           <a:xfrm flipV="1">
-            <a:off x="4351850" y="1943220"/>
-            <a:ext cx="694672" cy="899"/>
+            <a:off x="4359619" y="1943220"/>
+            <a:ext cx="679134" cy="899"/>
           </a:xfrm>
           <a:prstGeom prst="line">
             <a:avLst/>
@@ -4848,7 +4848,7 @@
         <p:spPr>
           <a:xfrm>
             <a:off x="2987917" y="1585070"/>
-            <a:ext cx="4441903" cy="719587"/>
+            <a:ext cx="4449751" cy="719587"/>
           </a:xfrm>
           <a:prstGeom prst="roundRect">
             <a:avLst>
@@ -5056,8 +5056,8 @@
         </p:nvSpPr>
         <p:spPr>
           <a:xfrm>
-            <a:off x="5048964" y="859515"/>
-            <a:ext cx="1263235" cy="527174"/>
+            <a:off x="5041195" y="859515"/>
+            <a:ext cx="1278774" cy="527174"/>
           </a:xfrm>
           <a:prstGeom prst="roundRect">
             <a:avLst>
